--- a/doc/Rapport_Devoir2.pptx
+++ b/doc/Rapport_Devoir2.pptx
@@ -133,7 +133,7 @@
 <file path=ppt/revisionInfo.xml><?xml version="1.0" encoding="utf-8"?>
 <p1510:revInfo xmlns:a="http://schemas.openxmlformats.org/drawingml/2006/main" xmlns:r="http://schemas.openxmlformats.org/officeDocument/2006/relationships" xmlns:p1510="http://schemas.microsoft.com/office/powerpoint/2015/10/main">
   <p1510:revLst>
-    <p1510:client id="{1D234A9C-22E0-43CD-8D54-3191A7902E4E}" v="882" dt="2025-02-22T19:52:54.919"/>
+    <p1510:client id="{1D234A9C-22E0-43CD-8D54-3191A7902E4E}" v="1235" dt="2025-02-23T02:48:21.274"/>
   </p1510:revLst>
 </p1510:revInfo>
 </file>
@@ -517,70 +517,6 @@
           </ac:spMkLst>
         </pc:spChg>
         <pc:spChg chg="add mod">
-          <ac:chgData name="François GLEYZON" userId="a2d04f23f7faf3ef" providerId="LiveId" clId="{8625411A-B743-4065-8137-36E899DC5753}" dt="2025-02-05T21:03:31.477" v="4163" actId="20577"/>
-          <ac:spMkLst>
-            <pc:docMk/>
-            <pc:sldMk cId="1452944335" sldId="261"/>
-            <ac:spMk id="5" creationId="{D8E09B78-47CC-84BD-A259-AA9B0A6D0125}"/>
-          </ac:spMkLst>
-        </pc:spChg>
-        <pc:spChg chg="add mod">
-          <ac:chgData name="François GLEYZON" userId="a2d04f23f7faf3ef" providerId="LiveId" clId="{8625411A-B743-4065-8137-36E899DC5753}" dt="2025-02-05T21:03:45.175" v="4169" actId="14100"/>
-          <ac:spMkLst>
-            <pc:docMk/>
-            <pc:sldMk cId="1452944335" sldId="261"/>
-            <ac:spMk id="6" creationId="{EE12E67D-0239-1317-5143-EADC4A6FD1E7}"/>
-          </ac:spMkLst>
-        </pc:spChg>
-        <pc:spChg chg="add mod">
-          <ac:chgData name="François GLEYZON" userId="a2d04f23f7faf3ef" providerId="LiveId" clId="{8625411A-B743-4065-8137-36E899DC5753}" dt="2025-02-05T21:03:23.262" v="4150"/>
-          <ac:spMkLst>
-            <pc:docMk/>
-            <pc:sldMk cId="1452944335" sldId="261"/>
-            <ac:spMk id="7" creationId="{EA320C37-86BC-1C54-FDB3-FB623D060A31}"/>
-          </ac:spMkLst>
-        </pc:spChg>
-        <pc:spChg chg="add mod">
-          <ac:chgData name="François GLEYZON" userId="a2d04f23f7faf3ef" providerId="LiveId" clId="{8625411A-B743-4065-8137-36E899DC5753}" dt="2025-02-14T00:29:59.019" v="10862" actId="790"/>
-          <ac:spMkLst>
-            <pc:docMk/>
-            <pc:sldMk cId="1452944335" sldId="261"/>
-            <ac:spMk id="8" creationId="{3F891217-F85C-D70C-2308-582197B55664}"/>
-          </ac:spMkLst>
-        </pc:spChg>
-        <pc:spChg chg="add mod">
-          <ac:chgData name="François GLEYZON" userId="a2d04f23f7faf3ef" providerId="LiveId" clId="{8625411A-B743-4065-8137-36E899DC5753}" dt="2025-02-14T00:29:59.019" v="10862" actId="790"/>
-          <ac:spMkLst>
-            <pc:docMk/>
-            <pc:sldMk cId="1452944335" sldId="261"/>
-            <ac:spMk id="9" creationId="{15BED661-D5E8-5D5F-962C-7A789302F672}"/>
-          </ac:spMkLst>
-        </pc:spChg>
-        <pc:spChg chg="add mod">
-          <ac:chgData name="François GLEYZON" userId="a2d04f23f7faf3ef" providerId="LiveId" clId="{8625411A-B743-4065-8137-36E899DC5753}" dt="2025-02-14T00:29:59.019" v="10862" actId="790"/>
-          <ac:spMkLst>
-            <pc:docMk/>
-            <pc:sldMk cId="1452944335" sldId="261"/>
-            <ac:spMk id="10" creationId="{4B5486D3-9894-C2BC-A87B-09DEDB4C8900}"/>
-          </ac:spMkLst>
-        </pc:spChg>
-        <pc:spChg chg="add mod">
-          <ac:chgData name="François GLEYZON" userId="a2d04f23f7faf3ef" providerId="LiveId" clId="{8625411A-B743-4065-8137-36E899DC5753}" dt="2025-02-14T00:29:59.019" v="10862" actId="790"/>
-          <ac:spMkLst>
-            <pc:docMk/>
-            <pc:sldMk cId="1452944335" sldId="261"/>
-            <ac:spMk id="11" creationId="{2C5B5726-7BDA-16C2-725D-68E0A9FFBD27}"/>
-          </ac:spMkLst>
-        </pc:spChg>
-        <pc:spChg chg="add mod">
-          <ac:chgData name="François GLEYZON" userId="a2d04f23f7faf3ef" providerId="LiveId" clId="{8625411A-B743-4065-8137-36E899DC5753}" dt="2025-02-14T00:29:59.019" v="10862" actId="790"/>
-          <ac:spMkLst>
-            <pc:docMk/>
-            <pc:sldMk cId="1452944335" sldId="261"/>
-            <ac:spMk id="12" creationId="{2443DA39-C273-D2B8-F9E1-87B2F44BDC42}"/>
-          </ac:spMkLst>
-        </pc:spChg>
-        <pc:spChg chg="add mod">
           <ac:chgData name="François GLEYZON" userId="a2d04f23f7faf3ef" providerId="LiveId" clId="{8625411A-B743-4065-8137-36E899DC5753}" dt="2025-02-14T00:29:59.019" v="10862" actId="790"/>
           <ac:spMkLst>
             <pc:docMk/>
@@ -588,78 +524,6 @@
             <ac:spMk id="13" creationId="{B7F086DE-1FC4-C625-C46F-7162AFC5DB60}"/>
           </ac:spMkLst>
         </pc:spChg>
-        <pc:spChg chg="add mod">
-          <ac:chgData name="François GLEYZON" userId="a2d04f23f7faf3ef" providerId="LiveId" clId="{8625411A-B743-4065-8137-36E899DC5753}" dt="2025-02-11T00:26:52.927" v="7559" actId="20577"/>
-          <ac:spMkLst>
-            <pc:docMk/>
-            <pc:sldMk cId="1452944335" sldId="261"/>
-            <ac:spMk id="17" creationId="{3CF42690-7162-FF5D-0928-122CB4424C2F}"/>
-          </ac:spMkLst>
-        </pc:spChg>
-        <pc:spChg chg="add mod">
-          <ac:chgData name="François GLEYZON" userId="a2d04f23f7faf3ef" providerId="LiveId" clId="{8625411A-B743-4065-8137-36E899DC5753}" dt="2025-02-14T00:29:59.019" v="10862" actId="790"/>
-          <ac:spMkLst>
-            <pc:docMk/>
-            <pc:sldMk cId="1452944335" sldId="261"/>
-            <ac:spMk id="18" creationId="{F4DF8ABF-BD8B-C0FA-91D0-EDC9227E9B17}"/>
-          </ac:spMkLst>
-        </pc:spChg>
-        <pc:spChg chg="add mod">
-          <ac:chgData name="François GLEYZON" userId="a2d04f23f7faf3ef" providerId="LiveId" clId="{8625411A-B743-4065-8137-36E899DC5753}" dt="2025-02-08T18:05:26.449" v="6705"/>
-          <ac:spMkLst>
-            <pc:docMk/>
-            <pc:sldMk cId="1452944335" sldId="261"/>
-            <ac:spMk id="19" creationId="{464B3D4D-12EB-D238-43B4-6F57113E9E0A}"/>
-          </ac:spMkLst>
-        </pc:spChg>
-        <pc:spChg chg="add mod">
-          <ac:chgData name="François GLEYZON" userId="a2d04f23f7faf3ef" providerId="LiveId" clId="{8625411A-B743-4065-8137-36E899DC5753}" dt="2025-02-08T18:07:09.460" v="6734" actId="1076"/>
-          <ac:spMkLst>
-            <pc:docMk/>
-            <pc:sldMk cId="1452944335" sldId="261"/>
-            <ac:spMk id="20" creationId="{F7B2648C-C01D-2FC8-0F3F-A810BEC0B6B3}"/>
-          </ac:spMkLst>
-        </pc:spChg>
-        <pc:spChg chg="add mod">
-          <ac:chgData name="François GLEYZON" userId="a2d04f23f7faf3ef" providerId="LiveId" clId="{8625411A-B743-4065-8137-36E899DC5753}" dt="2025-02-14T00:29:59.019" v="10862" actId="790"/>
-          <ac:spMkLst>
-            <pc:docMk/>
-            <pc:sldMk cId="1452944335" sldId="261"/>
-            <ac:spMk id="21" creationId="{83D574B7-1395-2485-4E73-08C18756132D}"/>
-          </ac:spMkLst>
-        </pc:spChg>
-        <pc:spChg chg="add mod">
-          <ac:chgData name="François GLEYZON" userId="a2d04f23f7faf3ef" providerId="LiveId" clId="{8625411A-B743-4065-8137-36E899DC5753}" dt="2025-02-08T18:07:20.688" v="6749" actId="1036"/>
-          <ac:spMkLst>
-            <pc:docMk/>
-            <pc:sldMk cId="1452944335" sldId="261"/>
-            <ac:spMk id="22" creationId="{7C293DC5-C800-0980-6F2B-BE6AD964B1B5}"/>
-          </ac:spMkLst>
-        </pc:spChg>
-        <pc:spChg chg="add mod">
-          <ac:chgData name="François GLEYZON" userId="a2d04f23f7faf3ef" providerId="LiveId" clId="{8625411A-B743-4065-8137-36E899DC5753}" dt="2025-02-14T00:29:59.019" v="10862" actId="790"/>
-          <ac:spMkLst>
-            <pc:docMk/>
-            <pc:sldMk cId="1452944335" sldId="261"/>
-            <ac:spMk id="23" creationId="{3BF53B97-0F67-E339-0733-64B4CBED7BE3}"/>
-          </ac:spMkLst>
-        </pc:spChg>
-        <pc:spChg chg="add mod">
-          <ac:chgData name="François GLEYZON" userId="a2d04f23f7faf3ef" providerId="LiveId" clId="{8625411A-B743-4065-8137-36E899DC5753}" dt="2025-02-14T00:29:59.019" v="10862" actId="790"/>
-          <ac:spMkLst>
-            <pc:docMk/>
-            <pc:sldMk cId="1452944335" sldId="261"/>
-            <ac:spMk id="24" creationId="{5348E2F8-935A-84B2-C999-9952A11CE7E6}"/>
-          </ac:spMkLst>
-        </pc:spChg>
-        <pc:picChg chg="add mod ord">
-          <ac:chgData name="François GLEYZON" userId="a2d04f23f7faf3ef" providerId="LiveId" clId="{8625411A-B743-4065-8137-36E899DC5753}" dt="2025-02-11T00:23:56.069" v="7257" actId="167"/>
-          <ac:picMkLst>
-            <pc:docMk/>
-            <pc:sldMk cId="1452944335" sldId="261"/>
-            <ac:picMk id="16" creationId="{C17D4E60-FB62-8A17-CC77-4C431C144C76}"/>
-          </ac:picMkLst>
-        </pc:picChg>
       </pc:sldChg>
       <pc:sldChg chg="del">
         <pc:chgData name="François GLEYZON" userId="a2d04f23f7faf3ef" providerId="LiveId" clId="{8625411A-B743-4065-8137-36E899DC5753}" dt="2025-02-05T20:27:22.032" v="3304" actId="2696"/>
@@ -1130,7 +994,7 @@
   <pc:docChgLst>
     <pc:chgData name="François GLEYZON" userId="a2d04f23f7faf3ef" providerId="LiveId" clId="{1D234A9C-22E0-43CD-8D54-3191A7902E4E}"/>
     <pc:docChg chg="undo redo custSel addSld delSld modSld">
-      <pc:chgData name="François GLEYZON" userId="a2d04f23f7faf3ef" providerId="LiveId" clId="{1D234A9C-22E0-43CD-8D54-3191A7902E4E}" dt="2025-02-22T19:53:29.969" v="2713" actId="20577"/>
+      <pc:chgData name="François GLEYZON" userId="a2d04f23f7faf3ef" providerId="LiveId" clId="{1D234A9C-22E0-43CD-8D54-3191A7902E4E}" dt="2025-02-23T02:48:28.717" v="3346" actId="14100"/>
       <pc:docMkLst>
         <pc:docMk/>
       </pc:docMkLst>
@@ -1587,7 +1451,7 @@
         </pc:sldMkLst>
       </pc:sldChg>
       <pc:sldChg chg="addSp delSp modSp mod">
-        <pc:chgData name="François GLEYZON" userId="a2d04f23f7faf3ef" providerId="LiveId" clId="{1D234A9C-22E0-43CD-8D54-3191A7902E4E}" dt="2025-02-22T19:52:08.229" v="2659" actId="14100"/>
+        <pc:chgData name="François GLEYZON" userId="a2d04f23f7faf3ef" providerId="LiveId" clId="{1D234A9C-22E0-43CD-8D54-3191A7902E4E}" dt="2025-02-23T02:48:28.717" v="3346" actId="14100"/>
         <pc:sldMkLst>
           <pc:docMk/>
           <pc:sldMk cId="1063259523" sldId="260"/>
@@ -1601,11 +1465,19 @@
           </ac:spMkLst>
         </pc:spChg>
         <pc:spChg chg="mod">
-          <ac:chgData name="François GLEYZON" userId="a2d04f23f7faf3ef" providerId="LiveId" clId="{1D234A9C-22E0-43CD-8D54-3191A7902E4E}" dt="2025-02-22T19:49:22.189" v="2650" actId="20577"/>
+          <ac:chgData name="François GLEYZON" userId="a2d04f23f7faf3ef" providerId="LiveId" clId="{1D234A9C-22E0-43CD-8D54-3191A7902E4E}" dt="2025-02-23T01:42:45.890" v="3219" actId="20577"/>
           <ac:spMkLst>
             <pc:docMk/>
             <pc:sldMk cId="1063259523" sldId="260"/>
             <ac:spMk id="6" creationId="{A00EC9BE-9081-B130-BAED-D85EE92F344B}"/>
+          </ac:spMkLst>
+        </pc:spChg>
+        <pc:spChg chg="add mod">
+          <ac:chgData name="François GLEYZON" userId="a2d04f23f7faf3ef" providerId="LiveId" clId="{1D234A9C-22E0-43CD-8D54-3191A7902E4E}" dt="2025-02-23T02:44:53.424" v="3334" actId="1035"/>
+          <ac:spMkLst>
+            <pc:docMk/>
+            <pc:sldMk cId="1063259523" sldId="260"/>
+            <ac:spMk id="7" creationId="{1862FEC3-64A1-C191-A286-CA41950E3380}"/>
           </ac:spMkLst>
         </pc:spChg>
         <pc:spChg chg="del">
@@ -1614,6 +1486,14 @@
             <pc:docMk/>
             <pc:sldMk cId="1063259523" sldId="260"/>
             <ac:spMk id="10" creationId="{26AB2202-18AC-F301-719D-754BE34A0087}"/>
+          </ac:spMkLst>
+        </pc:spChg>
+        <pc:spChg chg="add mod">
+          <ac:chgData name="François GLEYZON" userId="a2d04f23f7faf3ef" providerId="LiveId" clId="{1D234A9C-22E0-43CD-8D54-3191A7902E4E}" dt="2025-02-23T01:43:27.082" v="3225" actId="1076"/>
+          <ac:spMkLst>
+            <pc:docMk/>
+            <pc:sldMk cId="1063259523" sldId="260"/>
+            <ac:spMk id="11" creationId="{CEE01445-5110-B067-DED9-8FFB49916167}"/>
           </ac:spMkLst>
         </pc:spChg>
         <pc:spChg chg="del">
@@ -1672,12 +1552,20 @@
             <ac:spMk id="17" creationId="{418967CF-1F4B-E249-C88C-988ADBD4981B}"/>
           </ac:spMkLst>
         </pc:spChg>
-        <pc:picChg chg="add mod">
-          <ac:chgData name="François GLEYZON" userId="a2d04f23f7faf3ef" providerId="LiveId" clId="{1D234A9C-22E0-43CD-8D54-3191A7902E4E}" dt="2025-02-22T19:51:17.599" v="2655" actId="1076"/>
+        <pc:picChg chg="add del mod">
+          <ac:chgData name="François GLEYZON" userId="a2d04f23f7faf3ef" providerId="LiveId" clId="{1D234A9C-22E0-43CD-8D54-3191A7902E4E}" dt="2025-02-23T01:42:35.370" v="3166" actId="478"/>
           <ac:picMkLst>
             <pc:docMk/>
             <pc:sldMk cId="1063259523" sldId="260"/>
             <ac:picMk id="8" creationId="{FF444D27-8B34-CCF0-453E-A027C5C9CE53}"/>
+          </ac:picMkLst>
+        </pc:picChg>
+        <pc:picChg chg="add del mod">
+          <ac:chgData name="François GLEYZON" userId="a2d04f23f7faf3ef" providerId="LiveId" clId="{1D234A9C-22E0-43CD-8D54-3191A7902E4E}" dt="2025-02-23T02:44:50.064" v="3311" actId="478"/>
+          <ac:picMkLst>
+            <pc:docMk/>
+            <pc:sldMk cId="1063259523" sldId="260"/>
+            <ac:picMk id="9" creationId="{6353E146-9834-44E8-CF5A-27E3C914CB9C}"/>
           </ac:picMkLst>
         </pc:picChg>
         <pc:picChg chg="del">
@@ -1688,8 +1576,32 @@
             <ac:picMk id="9" creationId="{637A6A04-BF56-1147-EEED-6205E7F093FF}"/>
           </ac:picMkLst>
         </pc:picChg>
+        <pc:picChg chg="add del mod">
+          <ac:chgData name="François GLEYZON" userId="a2d04f23f7faf3ef" providerId="LiveId" clId="{1D234A9C-22E0-43CD-8D54-3191A7902E4E}" dt="2025-02-23T02:44:50.548" v="3312" actId="478"/>
+          <ac:picMkLst>
+            <pc:docMk/>
+            <pc:sldMk cId="1063259523" sldId="260"/>
+            <ac:picMk id="10" creationId="{F45B7187-01A7-B30D-59CC-953188275D11}"/>
+          </ac:picMkLst>
+        </pc:picChg>
         <pc:picChg chg="add mod">
-          <ac:chgData name="François GLEYZON" userId="a2d04f23f7faf3ef" providerId="LiveId" clId="{1D234A9C-22E0-43CD-8D54-3191A7902E4E}" dt="2025-02-22T19:52:08.229" v="2659" actId="14100"/>
+          <ac:chgData name="François GLEYZON" userId="a2d04f23f7faf3ef" providerId="LiveId" clId="{1D234A9C-22E0-43CD-8D54-3191A7902E4E}" dt="2025-02-23T02:45:19.153" v="3340" actId="1076"/>
+          <ac:picMkLst>
+            <pc:docMk/>
+            <pc:sldMk cId="1063259523" sldId="260"/>
+            <ac:picMk id="13" creationId="{419696E6-B824-48E8-3557-8146E42E4256}"/>
+          </ac:picMkLst>
+        </pc:picChg>
+        <pc:picChg chg="add mod">
+          <ac:chgData name="François GLEYZON" userId="a2d04f23f7faf3ef" providerId="LiveId" clId="{1D234A9C-22E0-43CD-8D54-3191A7902E4E}" dt="2025-02-23T02:48:28.717" v="3346" actId="14100"/>
+          <ac:picMkLst>
+            <pc:docMk/>
+            <pc:sldMk cId="1063259523" sldId="260"/>
+            <ac:picMk id="15" creationId="{56AA2CCE-2CE0-7B0A-AC79-BE4AD48986CA}"/>
+          </ac:picMkLst>
+        </pc:picChg>
+        <pc:picChg chg="add del mod">
+          <ac:chgData name="François GLEYZON" userId="a2d04f23f7faf3ef" providerId="LiveId" clId="{1D234A9C-22E0-43CD-8D54-3191A7902E4E}" dt="2025-02-23T01:42:35.610" v="3167" actId="478"/>
           <ac:picMkLst>
             <pc:docMk/>
             <pc:sldMk cId="1063259523" sldId="260"/>
@@ -1992,7 +1904,7 @@
         </pc:grpChg>
       </pc:sldChg>
       <pc:sldChg chg="addSp delSp modSp mod">
-        <pc:chgData name="François GLEYZON" userId="a2d04f23f7faf3ef" providerId="LiveId" clId="{1D234A9C-22E0-43CD-8D54-3191A7902E4E}" dt="2025-02-22T19:53:17.359" v="2710" actId="1076"/>
+        <pc:chgData name="François GLEYZON" userId="a2d04f23f7faf3ef" providerId="LiveId" clId="{1D234A9C-22E0-43CD-8D54-3191A7902E4E}" dt="2025-02-23T02:34:42.590" v="3310" actId="20577"/>
         <pc:sldMkLst>
           <pc:docMk/>
           <pc:sldMk cId="3013734229" sldId="266"/>
@@ -2022,7 +1934,7 @@
           </ac:spMkLst>
         </pc:spChg>
         <pc:spChg chg="add mod">
-          <ac:chgData name="François GLEYZON" userId="a2d04f23f7faf3ef" providerId="LiveId" clId="{1D234A9C-22E0-43CD-8D54-3191A7902E4E}" dt="2025-02-22T19:30:57.614" v="2294"/>
+          <ac:chgData name="François GLEYZON" userId="a2d04f23f7faf3ef" providerId="LiveId" clId="{1D234A9C-22E0-43CD-8D54-3191A7902E4E}" dt="2025-02-23T02:34:20.361" v="3296" actId="20577"/>
           <ac:spMkLst>
             <pc:docMk/>
             <pc:sldMk cId="3013734229" sldId="266"/>
@@ -2046,7 +1958,7 @@
           </ac:spMkLst>
         </pc:spChg>
         <pc:spChg chg="add mod">
-          <ac:chgData name="François GLEYZON" userId="a2d04f23f7faf3ef" providerId="LiveId" clId="{1D234A9C-22E0-43CD-8D54-3191A7902E4E}" dt="2025-02-22T19:31:14.166" v="2296" actId="20577"/>
+          <ac:chgData name="François GLEYZON" userId="a2d04f23f7faf3ef" providerId="LiveId" clId="{1D234A9C-22E0-43CD-8D54-3191A7902E4E}" dt="2025-02-23T02:34:22.390" v="3297" actId="20577"/>
           <ac:spMkLst>
             <pc:docMk/>
             <pc:sldMk cId="3013734229" sldId="266"/>
@@ -2062,7 +1974,7 @@
           </ac:spMkLst>
         </pc:spChg>
         <pc:spChg chg="add mod">
-          <ac:chgData name="François GLEYZON" userId="a2d04f23f7faf3ef" providerId="LiveId" clId="{1D234A9C-22E0-43CD-8D54-3191A7902E4E}" dt="2025-02-22T19:32:57.704" v="2333" actId="1076"/>
+          <ac:chgData name="François GLEYZON" userId="a2d04f23f7faf3ef" providerId="LiveId" clId="{1D234A9C-22E0-43CD-8D54-3191A7902E4E}" dt="2025-02-23T02:31:55.720" v="3267" actId="1076"/>
           <ac:spMkLst>
             <pc:docMk/>
             <pc:sldMk cId="3013734229" sldId="266"/>
@@ -2086,7 +1998,7 @@
           </ac:spMkLst>
         </pc:spChg>
         <pc:spChg chg="add mod">
-          <ac:chgData name="François GLEYZON" userId="a2d04f23f7faf3ef" providerId="LiveId" clId="{1D234A9C-22E0-43CD-8D54-3191A7902E4E}" dt="2025-02-22T19:40:26.599" v="2554" actId="20577"/>
+          <ac:chgData name="François GLEYZON" userId="a2d04f23f7faf3ef" providerId="LiveId" clId="{1D234A9C-22E0-43CD-8D54-3191A7902E4E}" dt="2025-02-23T02:34:42.590" v="3310" actId="20577"/>
           <ac:spMkLst>
             <pc:docMk/>
             <pc:sldMk cId="3013734229" sldId="266"/>
@@ -2094,7 +2006,7 @@
           </ac:spMkLst>
         </pc:spChg>
         <pc:spChg chg="add mod">
-          <ac:chgData name="François GLEYZON" userId="a2d04f23f7faf3ef" providerId="LiveId" clId="{1D234A9C-22E0-43CD-8D54-3191A7902E4E}" dt="2025-02-22T19:35:37.966" v="2422" actId="1076"/>
+          <ac:chgData name="François GLEYZON" userId="a2d04f23f7faf3ef" providerId="LiveId" clId="{1D234A9C-22E0-43CD-8D54-3191A7902E4E}" dt="2025-02-23T02:34:25.870" v="3300" actId="20577"/>
           <ac:spMkLst>
             <pc:docMk/>
             <pc:sldMk cId="3013734229" sldId="266"/>
@@ -2110,7 +2022,7 @@
           </ac:spMkLst>
         </pc:spChg>
         <pc:spChg chg="add mod">
-          <ac:chgData name="François GLEYZON" userId="a2d04f23f7faf3ef" providerId="LiveId" clId="{1D234A9C-22E0-43CD-8D54-3191A7902E4E}" dt="2025-02-22T19:36:54.348" v="2501" actId="1076"/>
+          <ac:chgData name="François GLEYZON" userId="a2d04f23f7faf3ef" providerId="LiveId" clId="{1D234A9C-22E0-43CD-8D54-3191A7902E4E}" dt="2025-02-23T02:34:28.091" v="3301" actId="20577"/>
           <ac:spMkLst>
             <pc:docMk/>
             <pc:sldMk cId="3013734229" sldId="266"/>
@@ -2134,7 +2046,7 @@
           </ac:spMkLst>
         </pc:spChg>
         <pc:spChg chg="add mod">
-          <ac:chgData name="François GLEYZON" userId="a2d04f23f7faf3ef" providerId="LiveId" clId="{1D234A9C-22E0-43CD-8D54-3191A7902E4E}" dt="2025-02-22T19:36:08.531" v="2439" actId="20577"/>
+          <ac:chgData name="François GLEYZON" userId="a2d04f23f7faf3ef" providerId="LiveId" clId="{1D234A9C-22E0-43CD-8D54-3191A7902E4E}" dt="2025-02-23T02:34:29.360" v="3302" actId="20577"/>
           <ac:spMkLst>
             <pc:docMk/>
             <pc:sldMk cId="3013734229" sldId="266"/>
@@ -2183,7 +2095,7 @@
         </pc:cxnChg>
       </pc:sldChg>
       <pc:sldChg chg="addSp delSp modSp add mod">
-        <pc:chgData name="François GLEYZON" userId="a2d04f23f7faf3ef" providerId="LiveId" clId="{1D234A9C-22E0-43CD-8D54-3191A7902E4E}" dt="2025-02-22T19:15:29.829" v="1932" actId="113"/>
+        <pc:chgData name="François GLEYZON" userId="a2d04f23f7faf3ef" providerId="LiveId" clId="{1D234A9C-22E0-43CD-8D54-3191A7902E4E}" dt="2025-02-23T01:32:26.389" v="3149" actId="33524"/>
         <pc:sldMkLst>
           <pc:docMk/>
           <pc:sldMk cId="3012370290" sldId="267"/>
@@ -2205,6 +2117,14 @@
           </ac:spMkLst>
         </pc:spChg>
         <pc:spChg chg="add mod">
+          <ac:chgData name="François GLEYZON" userId="a2d04f23f7faf3ef" providerId="LiveId" clId="{1D234A9C-22E0-43CD-8D54-3191A7902E4E}" dt="2025-02-23T01:32:26.389" v="3149" actId="33524"/>
+          <ac:spMkLst>
+            <pc:docMk/>
+            <pc:sldMk cId="3012370290" sldId="267"/>
+            <ac:spMk id="4" creationId="{6D8734A9-8F30-9BA7-B84D-78C647197FF0}"/>
+          </ac:spMkLst>
+        </pc:spChg>
+        <pc:spChg chg="add mod">
           <ac:chgData name="François GLEYZON" userId="a2d04f23f7faf3ef" providerId="LiveId" clId="{1D234A9C-22E0-43CD-8D54-3191A7902E4E}" dt="2025-02-22T19:07:19.814" v="1610" actId="571"/>
           <ac:spMkLst>
             <pc:docMk/>
@@ -2221,7 +2141,7 @@
           </ac:spMkLst>
         </pc:spChg>
         <pc:spChg chg="add mod">
-          <ac:chgData name="François GLEYZON" userId="a2d04f23f7faf3ef" providerId="LiveId" clId="{1D234A9C-22E0-43CD-8D54-3191A7902E4E}" dt="2025-02-22T19:13:05.085" v="1884" actId="1076"/>
+          <ac:chgData name="François GLEYZON" userId="a2d04f23f7faf3ef" providerId="LiveId" clId="{1D234A9C-22E0-43CD-8D54-3191A7902E4E}" dt="2025-02-23T01:30:34.913" v="2806" actId="1076"/>
           <ac:spMkLst>
             <pc:docMk/>
             <pc:sldMk cId="3012370290" sldId="267"/>
@@ -2310,7 +2230,7 @@
         </pc:cxnChg>
       </pc:sldChg>
       <pc:sldChg chg="addSp delSp modSp add mod">
-        <pc:chgData name="François GLEYZON" userId="a2d04f23f7faf3ef" providerId="LiveId" clId="{1D234A9C-22E0-43CD-8D54-3191A7902E4E}" dt="2025-02-22T19:19:37.159" v="2022" actId="20577"/>
+        <pc:chgData name="François GLEYZON" userId="a2d04f23f7faf3ef" providerId="LiveId" clId="{1D234A9C-22E0-43CD-8D54-3191A7902E4E}" dt="2025-02-23T02:01:04.281" v="3247" actId="1076"/>
         <pc:sldMkLst>
           <pc:docMk/>
           <pc:sldMk cId="3862334454" sldId="268"/>
@@ -2337,6 +2257,14 @@
             <pc:docMk/>
             <pc:sldMk cId="3862334454" sldId="268"/>
             <ac:spMk id="4" creationId="{507E54E7-772F-33D1-E501-E070B7A7F065}"/>
+          </ac:spMkLst>
+        </pc:spChg>
+        <pc:spChg chg="add mod">
+          <ac:chgData name="François GLEYZON" userId="a2d04f23f7faf3ef" providerId="LiveId" clId="{1D234A9C-22E0-43CD-8D54-3191A7902E4E}" dt="2025-02-22T23:51:18.073" v="2752" actId="20577"/>
+          <ac:spMkLst>
+            <pc:docMk/>
+            <pc:sldMk cId="3862334454" sldId="268"/>
+            <ac:spMk id="4" creationId="{EADB7A49-C3D6-2E36-AA84-D62056BEB820}"/>
           </ac:spMkLst>
         </pc:spChg>
         <pc:spChg chg="add del mod">
@@ -2388,7 +2316,7 @@
           </ac:spMkLst>
         </pc:spChg>
         <pc:spChg chg="add mod">
-          <ac:chgData name="François GLEYZON" userId="a2d04f23f7faf3ef" providerId="LiveId" clId="{1D234A9C-22E0-43CD-8D54-3191A7902E4E}" dt="2025-02-22T19:19:19.439" v="1993" actId="20577"/>
+          <ac:chgData name="François GLEYZON" userId="a2d04f23f7faf3ef" providerId="LiveId" clId="{1D234A9C-22E0-43CD-8D54-3191A7902E4E}" dt="2025-02-22T23:51:54.405" v="2803" actId="1076"/>
           <ac:spMkLst>
             <pc:docMk/>
             <pc:sldMk cId="3862334454" sldId="268"/>
@@ -2404,7 +2332,7 @@
           </ac:spMkLst>
         </pc:spChg>
         <pc:spChg chg="mod">
-          <ac:chgData name="François GLEYZON" userId="a2d04f23f7faf3ef" providerId="LiveId" clId="{1D234A9C-22E0-43CD-8D54-3191A7902E4E}" dt="2025-02-22T19:18:39.349" v="1984" actId="1076"/>
+          <ac:chgData name="François GLEYZON" userId="a2d04f23f7faf3ef" providerId="LiveId" clId="{1D234A9C-22E0-43CD-8D54-3191A7902E4E}" dt="2025-02-22T21:52:50.474" v="2715" actId="20577"/>
           <ac:spMkLst>
             <pc:docMk/>
             <pc:sldMk cId="3862334454" sldId="268"/>
@@ -2443,6 +2371,46 @@
             <ac:spMk id="34" creationId="{439648D7-860B-30D7-755D-F3442F917310}"/>
           </ac:spMkLst>
         </pc:spChg>
+        <pc:picChg chg="add del mod ord">
+          <ac:chgData name="François GLEYZON" userId="a2d04f23f7faf3ef" providerId="LiveId" clId="{1D234A9C-22E0-43CD-8D54-3191A7902E4E}" dt="2025-02-23T02:00:11.261" v="3226" actId="478"/>
+          <ac:picMkLst>
+            <pc:docMk/>
+            <pc:sldMk cId="3862334454" sldId="268"/>
+            <ac:picMk id="6" creationId="{D49DD70A-56DF-DFF7-9A82-1F678D2902E3}"/>
+          </ac:picMkLst>
+        </pc:picChg>
+        <pc:picChg chg="add del mod ord">
+          <ac:chgData name="François GLEYZON" userId="a2d04f23f7faf3ef" providerId="LiveId" clId="{1D234A9C-22E0-43CD-8D54-3191A7902E4E}" dt="2025-02-23T02:00:11.641" v="3227" actId="478"/>
+          <ac:picMkLst>
+            <pc:docMk/>
+            <pc:sldMk cId="3862334454" sldId="268"/>
+            <ac:picMk id="8" creationId="{B7B0D597-1395-3CA7-57CA-9933157DDCC4}"/>
+          </ac:picMkLst>
+        </pc:picChg>
+        <pc:picChg chg="add mod ord">
+          <ac:chgData name="François GLEYZON" userId="a2d04f23f7faf3ef" providerId="LiveId" clId="{1D234A9C-22E0-43CD-8D54-3191A7902E4E}" dt="2025-02-23T02:00:44.916" v="3244" actId="1076"/>
+          <ac:picMkLst>
+            <pc:docMk/>
+            <pc:sldMk cId="3862334454" sldId="268"/>
+            <ac:picMk id="10" creationId="{AC6DD530-0AF9-B1D0-451B-C9E0F108AD0B}"/>
+          </ac:picMkLst>
+        </pc:picChg>
+        <pc:picChg chg="add mod ord">
+          <ac:chgData name="François GLEYZON" userId="a2d04f23f7faf3ef" providerId="LiveId" clId="{1D234A9C-22E0-43CD-8D54-3191A7902E4E}" dt="2025-02-23T02:01:04.281" v="3247" actId="1076"/>
+          <ac:picMkLst>
+            <pc:docMk/>
+            <pc:sldMk cId="3862334454" sldId="268"/>
+            <ac:picMk id="13" creationId="{B9EE5A72-7A0D-A32F-F541-ED53CCCE41F1}"/>
+          </ac:picMkLst>
+        </pc:picChg>
+        <pc:picChg chg="add mod ord">
+          <ac:chgData name="François GLEYZON" userId="a2d04f23f7faf3ef" providerId="LiveId" clId="{1D234A9C-22E0-43CD-8D54-3191A7902E4E}" dt="2025-02-23T02:00:50.457" v="3246" actId="1076"/>
+          <ac:picMkLst>
+            <pc:docMk/>
+            <pc:sldMk cId="3862334454" sldId="268"/>
+            <ac:picMk id="16" creationId="{20D04E8D-8DE9-D92B-D7E6-F573568C7C29}"/>
+          </ac:picMkLst>
+        </pc:picChg>
       </pc:sldChg>
       <pc:sldChg chg="new del">
         <pc:chgData name="François GLEYZON" userId="a2d04f23f7faf3ef" providerId="LiveId" clId="{1D234A9C-22E0-43CD-8D54-3191A7902E4E}" dt="2025-02-22T19:38:26.169" v="2519" actId="680"/>
@@ -15117,8 +15085,8 @@
           </a:p>
         </p:txBody>
       </p:sp>
-      <mc:AlternateContent xmlns:mc="http://schemas.openxmlformats.org/markup-compatibility/2006">
-        <mc:Choice xmlns:a14="http://schemas.microsoft.com/office/drawing/2010/main" Requires="a14">
+      <mc:AlternateContent xmlns:mc="http://schemas.openxmlformats.org/markup-compatibility/2006" xmlns:a14="http://schemas.microsoft.com/office/drawing/2010/main">
+        <mc:Choice Requires="a14">
           <p:sp>
             <p:nvSpPr>
               <p:cNvPr id="27" name="TextBox 26">
@@ -15724,7 +15692,7 @@
             </p:txBody>
           </p:sp>
         </mc:Choice>
-        <mc:Fallback>
+        <mc:Fallback xmlns="">
           <p:sp>
             <p:nvSpPr>
               <p:cNvPr id="27" name="TextBox 26">
@@ -15808,8 +15776,8 @@
           </a:p>
         </p:txBody>
       </p:sp>
-      <mc:AlternateContent xmlns:mc="http://schemas.openxmlformats.org/markup-compatibility/2006">
-        <mc:Choice xmlns:a14="http://schemas.microsoft.com/office/drawing/2010/main" Requires="a14">
+      <mc:AlternateContent xmlns:mc="http://schemas.openxmlformats.org/markup-compatibility/2006" xmlns:a14="http://schemas.microsoft.com/office/drawing/2010/main">
+        <mc:Choice Requires="a14">
           <p:sp>
             <p:nvSpPr>
               <p:cNvPr id="30" name="TextBox 29">
@@ -16516,7 +16484,7 @@
             </p:txBody>
           </p:sp>
         </mc:Choice>
-        <mc:Fallback>
+        <mc:Fallback xmlns="">
           <p:sp>
             <p:nvSpPr>
               <p:cNvPr id="30" name="TextBox 29">
@@ -16561,8 +16529,8 @@
           </p:sp>
         </mc:Fallback>
       </mc:AlternateContent>
-      <mc:AlternateContent xmlns:mc="http://schemas.openxmlformats.org/markup-compatibility/2006">
-        <mc:Choice xmlns:a14="http://schemas.microsoft.com/office/drawing/2010/main" Requires="a14">
+      <mc:AlternateContent xmlns:mc="http://schemas.openxmlformats.org/markup-compatibility/2006" xmlns:a14="http://schemas.microsoft.com/office/drawing/2010/main">
+        <mc:Choice Requires="a14">
           <p:sp>
             <p:nvSpPr>
               <p:cNvPr id="31" name="TextBox 30">
@@ -16880,7 +16848,7 @@
                       <m:sSubSup>
                         <m:sSubSupPr>
                           <m:ctrlPr>
-                            <a:rPr lang="fr-FR" sz="1600" b="0" i="0" smtClean="0">
+                            <a:rPr lang="fr-FR" sz="1600" b="0" i="1" smtClean="0">
                               <a:latin typeface="Cambria Math" panose="02040503050406030204" pitchFamily="18" charset="0"/>
                             </a:rPr>
                           </m:ctrlPr>
@@ -16931,7 +16899,7 @@
                       <m:sSubSup>
                         <m:sSubSupPr>
                           <m:ctrlPr>
-                            <a:rPr lang="fr-FR" sz="1600" b="0" i="0" smtClean="0">
+                            <a:rPr lang="fr-FR" sz="1600" b="0" i="1" smtClean="0">
                               <a:latin typeface="Cambria Math" panose="02040503050406030204" pitchFamily="18" charset="0"/>
                             </a:rPr>
                           </m:ctrlPr>
@@ -16982,7 +16950,7 @@
                       <m:sSubSup>
                         <m:sSubSupPr>
                           <m:ctrlPr>
-                            <a:rPr lang="fr-FR" sz="1600" b="0" i="0" smtClean="0">
+                            <a:rPr lang="fr-FR" sz="1600" b="0" i="1" smtClean="0">
                               <a:latin typeface="Cambria Math" panose="02040503050406030204" pitchFamily="18" charset="0"/>
                             </a:rPr>
                           </m:ctrlPr>
@@ -17038,7 +17006,7 @@
             </p:txBody>
           </p:sp>
         </mc:Choice>
-        <mc:Fallback>
+        <mc:Fallback xmlns="">
           <p:sp>
             <p:nvSpPr>
               <p:cNvPr id="31" name="TextBox 30">
@@ -17083,8 +17051,8 @@
           </p:sp>
         </mc:Fallback>
       </mc:AlternateContent>
-      <mc:AlternateContent xmlns:mc="http://schemas.openxmlformats.org/markup-compatibility/2006">
-        <mc:Choice xmlns:a14="http://schemas.microsoft.com/office/drawing/2010/main" Requires="a14">
+      <mc:AlternateContent xmlns:mc="http://schemas.openxmlformats.org/markup-compatibility/2006" xmlns:a14="http://schemas.microsoft.com/office/drawing/2010/main">
+        <mc:Choice Requires="a14">
           <p:sp>
             <p:nvSpPr>
               <p:cNvPr id="32" name="TextBox 31">
@@ -17791,7 +17759,7 @@
             </p:txBody>
           </p:sp>
         </mc:Choice>
-        <mc:Fallback>
+        <mc:Fallback xmlns="">
           <p:sp>
             <p:nvSpPr>
               <p:cNvPr id="32" name="TextBox 31">
@@ -17836,8 +17804,8 @@
           </p:sp>
         </mc:Fallback>
       </mc:AlternateContent>
-      <mc:AlternateContent xmlns:mc="http://schemas.openxmlformats.org/markup-compatibility/2006">
-        <mc:Choice xmlns:a14="http://schemas.microsoft.com/office/drawing/2010/main" Requires="a14">
+      <mc:AlternateContent xmlns:mc="http://schemas.openxmlformats.org/markup-compatibility/2006" xmlns:a14="http://schemas.microsoft.com/office/drawing/2010/main">
+        <mc:Choice Requires="a14">
           <p:sp>
             <p:nvSpPr>
               <p:cNvPr id="33" name="TextBox 32">
@@ -18544,7 +18512,7 @@
             </p:txBody>
           </p:sp>
         </mc:Choice>
-        <mc:Fallback>
+        <mc:Fallback xmlns="">
           <p:sp>
             <p:nvSpPr>
               <p:cNvPr id="33" name="TextBox 32">
@@ -18589,8 +18557,8 @@
           </p:sp>
         </mc:Fallback>
       </mc:AlternateContent>
-      <mc:AlternateContent xmlns:mc="http://schemas.openxmlformats.org/markup-compatibility/2006">
-        <mc:Choice xmlns:a14="http://schemas.microsoft.com/office/drawing/2010/main" Requires="a14">
+      <mc:AlternateContent xmlns:mc="http://schemas.openxmlformats.org/markup-compatibility/2006" xmlns:a14="http://schemas.microsoft.com/office/drawing/2010/main">
+        <mc:Choice Requires="a14">
           <p:sp>
             <p:nvSpPr>
               <p:cNvPr id="34" name="TextBox 33">
@@ -19297,7 +19265,7 @@
             </p:txBody>
           </p:sp>
         </mc:Choice>
-        <mc:Fallback>
+        <mc:Fallback xmlns="">
           <p:sp>
             <p:nvSpPr>
               <p:cNvPr id="34" name="TextBox 33">
@@ -19342,8 +19310,8 @@
           </p:sp>
         </mc:Fallback>
       </mc:AlternateContent>
-      <mc:AlternateContent xmlns:mc="http://schemas.openxmlformats.org/markup-compatibility/2006">
-        <mc:Choice xmlns:a14="http://schemas.microsoft.com/office/drawing/2010/main" Requires="a14">
+      <mc:AlternateContent xmlns:mc="http://schemas.openxmlformats.org/markup-compatibility/2006" xmlns:a14="http://schemas.microsoft.com/office/drawing/2010/main">
+        <mc:Choice Requires="a14">
           <p:sp>
             <p:nvSpPr>
               <p:cNvPr id="6" name="TextBox 5">
@@ -19469,7 +19437,7 @@
             </p:txBody>
           </p:sp>
         </mc:Choice>
-        <mc:Fallback>
+        <mc:Fallback xmlns="">
           <p:sp>
             <p:nvSpPr>
               <p:cNvPr id="6" name="TextBox 5">
@@ -19530,7 +19498,7 @@
             </p:nvSpPr>
             <p:spPr>
               <a:xfrm>
-                <a:off x="101598" y="5394574"/>
+                <a:off x="-1" y="5403466"/>
                 <a:ext cx="9212670" cy="454355"/>
               </a:xfrm>
               <a:prstGeom prst="rect">
@@ -19756,7 +19724,7 @@
             </p:nvSpPr>
             <p:spPr>
               <a:xfrm>
-                <a:off x="101598" y="5394574"/>
+                <a:off x="-1" y="5403466"/>
                 <a:ext cx="9212670" cy="454355"/>
               </a:xfrm>
               <a:prstGeom prst="rect">
@@ -19765,7 +19733,227 @@
               <a:blipFill>
                 <a:blip r:embed="rId9"/>
                 <a:stretch>
-                  <a:fillRect l="-596" t="-8108" b="-2703"/>
+                  <a:fillRect l="-529" t="-6667" b="-1333"/>
+                </a:stretch>
+              </a:blipFill>
+            </p:spPr>
+            <p:txBody>
+              <a:bodyPr/>
+              <a:lstStyle/>
+              <a:p>
+                <a:r>
+                  <a:rPr lang="en-GB">
+                    <a:noFill/>
+                  </a:rPr>
+                  <a:t> </a:t>
+                </a:r>
+              </a:p>
+            </p:txBody>
+          </p:sp>
+        </mc:Fallback>
+      </mc:AlternateContent>
+      <mc:AlternateContent xmlns:mc="http://schemas.openxmlformats.org/markup-compatibility/2006">
+        <mc:Choice xmlns:a14="http://schemas.microsoft.com/office/drawing/2010/main" Requires="a14">
+          <p:sp>
+            <p:nvSpPr>
+              <p:cNvPr id="4" name="TextBox 3">
+                <a:extLst>
+                  <a:ext uri="{FF2B5EF4-FFF2-40B4-BE49-F238E27FC236}">
+                    <a16:creationId xmlns:a16="http://schemas.microsoft.com/office/drawing/2014/main" id="{6D8734A9-8F30-9BA7-B84D-78C647197FF0}"/>
+                  </a:ext>
+                </a:extLst>
+              </p:cNvPr>
+              <p:cNvSpPr txBox="1"/>
+              <p:nvPr/>
+            </p:nvSpPr>
+            <p:spPr>
+              <a:xfrm>
+                <a:off x="-61138" y="5857821"/>
+                <a:ext cx="12253138" cy="1021370"/>
+              </a:xfrm>
+              <a:prstGeom prst="rect">
+                <a:avLst/>
+              </a:prstGeom>
+              <a:noFill/>
+            </p:spPr>
+            <p:txBody>
+              <a:bodyPr wrap="square" rtlCol="0">
+                <a:spAutoFit/>
+              </a:bodyPr>
+              <a:lstStyle/>
+              <a:p>
+                <a:pPr algn="just"/>
+                <a:r>
+                  <a:rPr lang="fr-FR" noProof="0" dirty="0">
+                    <a:latin typeface="Times New Roman" panose="02020603050405020304" pitchFamily="18" charset="0"/>
+                    <a:cs typeface="Times New Roman" panose="02020603050405020304" pitchFamily="18" charset="0"/>
+                  </a:rPr>
+                  <a:t>Comme pour la méthode de </a:t>
+                </a:r>
+                <a:r>
+                  <a:rPr lang="fr-FR" b="1" noProof="0" dirty="0" err="1">
+                    <a:latin typeface="Times New Roman" panose="02020603050405020304" pitchFamily="18" charset="0"/>
+                    <a:cs typeface="Times New Roman" panose="02020603050405020304" pitchFamily="18" charset="0"/>
+                  </a:rPr>
+                  <a:t>Cranck</a:t>
+                </a:r>
+                <a:r>
+                  <a:rPr lang="fr-FR" b="1" dirty="0">
+                    <a:latin typeface="Times New Roman" panose="02020603050405020304" pitchFamily="18" charset="0"/>
+                    <a:cs typeface="Times New Roman" panose="02020603050405020304" pitchFamily="18" charset="0"/>
+                  </a:rPr>
+                  <a:t>-</a:t>
+                </a:r>
+                <a:r>
+                  <a:rPr lang="fr-FR" b="1" dirty="0" err="1">
+                    <a:latin typeface="Times New Roman" panose="02020603050405020304" pitchFamily="18" charset="0"/>
+                    <a:cs typeface="Times New Roman" panose="02020603050405020304" pitchFamily="18" charset="0"/>
+                  </a:rPr>
+                  <a:t>Nickolson</a:t>
+                </a:r>
+                <a:r>
+                  <a:rPr lang="fr-FR" dirty="0">
+                    <a:latin typeface="Times New Roman" panose="02020603050405020304" pitchFamily="18" charset="0"/>
+                    <a:cs typeface="Times New Roman" panose="02020603050405020304" pitchFamily="18" charset="0"/>
+                  </a:rPr>
+                  <a:t> (présenté à la page suivante), on résout à chaque itération de pas de temps </a:t>
+                </a:r>
+                <a14:m>
+                  <m:oMath xmlns:m="http://schemas.openxmlformats.org/officeDocument/2006/math">
+                    <m:sSup>
+                      <m:sSupPr>
+                        <m:ctrlPr>
+                          <a:rPr lang="fr-FR" b="0" i="1" noProof="0" smtClean="0">
+                            <a:latin typeface="Cambria Math" panose="02040503050406030204" pitchFamily="18" charset="0"/>
+                            <a:ea typeface="Cambria Math" panose="02040503050406030204" pitchFamily="18" charset="0"/>
+                            <a:cs typeface="Times New Roman" panose="02020603050405020304" pitchFamily="18" charset="0"/>
+                          </a:rPr>
+                        </m:ctrlPr>
+                      </m:sSupPr>
+                      <m:e>
+                        <m:bar>
+                          <m:barPr>
+                            <m:ctrlPr>
+                              <a:rPr lang="fr-FR" i="1" noProof="0" smtClean="0">
+                                <a:latin typeface="Cambria Math" panose="02040503050406030204" pitchFamily="18" charset="0"/>
+                                <a:ea typeface="Cambria Math" panose="02040503050406030204" pitchFamily="18" charset="0"/>
+                                <a:cs typeface="Times New Roman" panose="02020603050405020304" pitchFamily="18" charset="0"/>
+                              </a:rPr>
+                            </m:ctrlPr>
+                          </m:barPr>
+                          <m:e>
+                            <m:r>
+                              <a:rPr lang="fr-FR" b="0" i="1" noProof="0" smtClean="0">
+                                <a:latin typeface="Cambria Math" panose="02040503050406030204" pitchFamily="18" charset="0"/>
+                                <a:ea typeface="Cambria Math" panose="02040503050406030204" pitchFamily="18" charset="0"/>
+                                <a:cs typeface="Times New Roman" panose="02020603050405020304" pitchFamily="18" charset="0"/>
+                              </a:rPr>
+                              <m:t>𝐶</m:t>
+                            </m:r>
+                          </m:e>
+                        </m:bar>
+                      </m:e>
+                      <m:sup>
+                        <m:r>
+                          <a:rPr lang="fr-FR" b="0" i="1" noProof="0" smtClean="0">
+                            <a:latin typeface="Cambria Math" panose="02040503050406030204" pitchFamily="18" charset="0"/>
+                            <a:ea typeface="Cambria Math" panose="02040503050406030204" pitchFamily="18" charset="0"/>
+                            <a:cs typeface="Times New Roman" panose="02020603050405020304" pitchFamily="18" charset="0"/>
+                          </a:rPr>
+                          <m:t>𝑛</m:t>
+                        </m:r>
+                        <m:r>
+                          <a:rPr lang="fr-FR" b="0" i="1" noProof="0" smtClean="0">
+                            <a:latin typeface="Cambria Math" panose="02040503050406030204" pitchFamily="18" charset="0"/>
+                            <a:ea typeface="Cambria Math" panose="02040503050406030204" pitchFamily="18" charset="0"/>
+                            <a:cs typeface="Times New Roman" panose="02020603050405020304" pitchFamily="18" charset="0"/>
+                          </a:rPr>
+                          <m:t>+1</m:t>
+                        </m:r>
+                      </m:sup>
+                    </m:sSup>
+                  </m:oMath>
+                </a14:m>
+                <a:r>
+                  <a:rPr lang="fr-FR" dirty="0">
+                    <a:latin typeface="Times New Roman" panose="02020603050405020304" pitchFamily="18" charset="0"/>
+                    <a:cs typeface="Times New Roman" panose="02020603050405020304" pitchFamily="18" charset="0"/>
+                  </a:rPr>
+                  <a:t> en inversant la matrice </a:t>
+                </a:r>
+                <a14:m>
+                  <m:oMath xmlns:m="http://schemas.openxmlformats.org/officeDocument/2006/math">
+                    <m:bar>
+                      <m:barPr>
+                        <m:ctrlPr>
+                          <a:rPr lang="fr-FR" i="1">
+                            <a:latin typeface="Cambria Math" panose="02040503050406030204" pitchFamily="18" charset="0"/>
+                            <a:cs typeface="Times New Roman" panose="02020603050405020304" pitchFamily="18" charset="0"/>
+                          </a:rPr>
+                        </m:ctrlPr>
+                      </m:barPr>
+                      <m:e>
+                        <m:bar>
+                          <m:barPr>
+                            <m:ctrlPr>
+                              <a:rPr lang="fr-FR" i="1">
+                                <a:latin typeface="Cambria Math" panose="02040503050406030204" pitchFamily="18" charset="0"/>
+                                <a:cs typeface="Times New Roman" panose="02020603050405020304" pitchFamily="18" charset="0"/>
+                              </a:rPr>
+                            </m:ctrlPr>
+                          </m:barPr>
+                          <m:e>
+                            <m:r>
+                              <a:rPr lang="fr-FR" i="1">
+                                <a:latin typeface="Cambria Math" panose="02040503050406030204" pitchFamily="18" charset="0"/>
+                                <a:cs typeface="Times New Roman" panose="02020603050405020304" pitchFamily="18" charset="0"/>
+                              </a:rPr>
+                              <m:t>𝐴</m:t>
+                            </m:r>
+                          </m:e>
+                        </m:bar>
+                      </m:e>
+                    </m:bar>
+                  </m:oMath>
+                </a14:m>
+                <a:r>
+                  <a:rPr lang="fr-FR" noProof="0" dirty="0">
+                    <a:latin typeface="Times New Roman" panose="02020603050405020304" pitchFamily="18" charset="0"/>
+                    <a:cs typeface="Times New Roman" panose="02020603050405020304" pitchFamily="18" charset="0"/>
+                  </a:rPr>
+                  <a:t>. C’est une spécificité des schémas implicite : plus couteux en termes de calcul (inversion de matrice) mais inconditionnellement stable. </a:t>
+                </a:r>
+              </a:p>
+            </p:txBody>
+          </p:sp>
+        </mc:Choice>
+        <mc:Fallback>
+          <p:sp>
+            <p:nvSpPr>
+              <p:cNvPr id="4" name="TextBox 3">
+                <a:extLst>
+                  <a:ext uri="{FF2B5EF4-FFF2-40B4-BE49-F238E27FC236}">
+                    <a16:creationId xmlns:a16="http://schemas.microsoft.com/office/drawing/2014/main" id="{6D8734A9-8F30-9BA7-B84D-78C647197FF0}"/>
+                  </a:ext>
+                </a:extLst>
+              </p:cNvPr>
+              <p:cNvSpPr txBox="1">
+                <a:spLocks noRot="1" noChangeAspect="1" noMove="1" noResize="1" noEditPoints="1" noAdjustHandles="1" noChangeArrowheads="1" noChangeShapeType="1" noTextEdit="1"/>
+              </p:cNvSpPr>
+              <p:nvPr/>
+            </p:nvSpPr>
+            <p:spPr>
+              <a:xfrm>
+                <a:off x="-61138" y="5857821"/>
+                <a:ext cx="12253138" cy="1021370"/>
+              </a:xfrm>
+              <a:prstGeom prst="rect">
+                <a:avLst/>
+              </a:prstGeom>
+              <a:blipFill>
+                <a:blip r:embed="rId10"/>
+                <a:stretch>
+                  <a:fillRect l="-448" t="-3593" r="-398" b="-8982"/>
                 </a:stretch>
               </a:blipFill>
             </p:spPr>
@@ -19820,6 +20008,114 @@
           <a:chExt cx="0" cy="0"/>
         </a:xfrm>
       </p:grpSpPr>
+      <p:pic>
+        <p:nvPicPr>
+          <p:cNvPr id="10" name="Picture 9" descr="A graph with a line graph&#10;&#10;AI-generated content may be incorrect.">
+            <a:extLst>
+              <a:ext uri="{FF2B5EF4-FFF2-40B4-BE49-F238E27FC236}">
+                <a16:creationId xmlns:a16="http://schemas.microsoft.com/office/drawing/2014/main" id="{AC6DD530-0AF9-B1D0-451B-C9E0F108AD0B}"/>
+              </a:ext>
+            </a:extLst>
+          </p:cNvPr>
+          <p:cNvPicPr>
+            <a:picLocks noChangeAspect="1"/>
+          </p:cNvPicPr>
+          <p:nvPr/>
+        </p:nvPicPr>
+        <p:blipFill>
+          <a:blip r:embed="rId2">
+            <a:extLst>
+              <a:ext uri="{28A0092B-C50C-407E-A947-70E740481C1C}">
+                <a14:useLocalDpi xmlns:a14="http://schemas.microsoft.com/office/drawing/2010/main" val="0"/>
+              </a:ext>
+            </a:extLst>
+          </a:blip>
+          <a:stretch>
+            <a:fillRect/>
+          </a:stretch>
+        </p:blipFill>
+        <p:spPr>
+          <a:xfrm>
+            <a:off x="-1" y="3800045"/>
+            <a:ext cx="4077273" cy="3057955"/>
+          </a:xfrm>
+          <a:prstGeom prst="rect">
+            <a:avLst/>
+          </a:prstGeom>
+        </p:spPr>
+      </p:pic>
+      <p:pic>
+        <p:nvPicPr>
+          <p:cNvPr id="13" name="Picture 12" descr="A graph with a line graph&#10;&#10;AI-generated content may be incorrect.">
+            <a:extLst>
+              <a:ext uri="{FF2B5EF4-FFF2-40B4-BE49-F238E27FC236}">
+                <a16:creationId xmlns:a16="http://schemas.microsoft.com/office/drawing/2014/main" id="{B9EE5A72-7A0D-A32F-F541-ED53CCCE41F1}"/>
+              </a:ext>
+            </a:extLst>
+          </p:cNvPr>
+          <p:cNvPicPr>
+            <a:picLocks noChangeAspect="1"/>
+          </p:cNvPicPr>
+          <p:nvPr/>
+        </p:nvPicPr>
+        <p:blipFill>
+          <a:blip r:embed="rId3">
+            <a:extLst>
+              <a:ext uri="{28A0092B-C50C-407E-A947-70E740481C1C}">
+                <a14:useLocalDpi xmlns:a14="http://schemas.microsoft.com/office/drawing/2010/main" val="0"/>
+              </a:ext>
+            </a:extLst>
+          </a:blip>
+          <a:stretch>
+            <a:fillRect/>
+          </a:stretch>
+        </p:blipFill>
+        <p:spPr>
+          <a:xfrm>
+            <a:off x="3782196" y="3800042"/>
+            <a:ext cx="4077273" cy="3057955"/>
+          </a:xfrm>
+          <a:prstGeom prst="rect">
+            <a:avLst/>
+          </a:prstGeom>
+        </p:spPr>
+      </p:pic>
+      <p:pic>
+        <p:nvPicPr>
+          <p:cNvPr id="16" name="Picture 15" descr="A graph with lines and numbers&#10;&#10;AI-generated content may be incorrect.">
+            <a:extLst>
+              <a:ext uri="{FF2B5EF4-FFF2-40B4-BE49-F238E27FC236}">
+                <a16:creationId xmlns:a16="http://schemas.microsoft.com/office/drawing/2014/main" id="{20D04E8D-8DE9-D92B-D7E6-F573568C7C29}"/>
+              </a:ext>
+            </a:extLst>
+          </p:cNvPr>
+          <p:cNvPicPr>
+            <a:picLocks noChangeAspect="1"/>
+          </p:cNvPicPr>
+          <p:nvPr/>
+        </p:nvPicPr>
+        <p:blipFill>
+          <a:blip r:embed="rId4">
+            <a:extLst>
+              <a:ext uri="{28A0092B-C50C-407E-A947-70E740481C1C}">
+                <a14:useLocalDpi xmlns:a14="http://schemas.microsoft.com/office/drawing/2010/main" val="0"/>
+              </a:ext>
+            </a:extLst>
+          </a:blip>
+          <a:stretch>
+            <a:fillRect/>
+          </a:stretch>
+        </p:blipFill>
+        <p:spPr>
+          <a:xfrm>
+            <a:off x="7564393" y="3800042"/>
+            <a:ext cx="4077273" cy="3057955"/>
+          </a:xfrm>
+          <a:prstGeom prst="rect">
+            <a:avLst/>
+          </a:prstGeom>
+        </p:spPr>
+      </p:pic>
       <p:sp>
         <p:nvSpPr>
           <p:cNvPr id="3" name="TextBox 2">
@@ -20115,8 +20411,8 @@
           </a:p>
         </p:txBody>
       </p:sp>
-      <mc:AlternateContent xmlns:mc="http://schemas.openxmlformats.org/markup-compatibility/2006">
-        <mc:Choice xmlns:a14="http://schemas.microsoft.com/office/drawing/2010/main" Requires="a14">
+      <mc:AlternateContent xmlns:mc="http://schemas.openxmlformats.org/markup-compatibility/2006" xmlns:a14="http://schemas.microsoft.com/office/drawing/2010/main">
+        <mc:Choice Requires="a14">
           <p:sp>
             <p:nvSpPr>
               <p:cNvPr id="27" name="TextBox 26">
@@ -21163,7 +21459,7 @@
             </p:txBody>
           </p:sp>
         </mc:Choice>
-        <mc:Fallback>
+        <mc:Fallback xmlns="">
           <p:sp>
             <p:nvSpPr>
               <p:cNvPr id="27" name="TextBox 26">
@@ -21187,7 +21483,7 @@
                 <a:avLst/>
               </a:prstGeom>
               <a:blipFill>
-                <a:blip r:embed="rId2"/>
+                <a:blip r:embed="rId5"/>
                 <a:stretch>
                   <a:fillRect/>
                 </a:stretch>
@@ -22406,7 +22702,7 @@
                               <a:latin typeface="Cambria Math" panose="02040503050406030204" pitchFamily="18" charset="0"/>
                               <a:ea typeface="Cambria Math" panose="02040503050406030204" pitchFamily="18" charset="0"/>
                             </a:rPr>
-                            <m:t>_</m:t>
+                            <m:t>−</m:t>
                           </m:r>
                           <m:r>
                             <a:rPr lang="fr-FR" sz="1100" i="1">
@@ -22696,7 +22992,7 @@
                 <a:avLst/>
               </a:prstGeom>
               <a:blipFill>
-                <a:blip r:embed="rId3"/>
+                <a:blip r:embed="rId6"/>
                 <a:stretch>
                   <a:fillRect/>
                 </a:stretch>
@@ -22733,7 +23029,7 @@
             </p:nvSpPr>
             <p:spPr>
               <a:xfrm>
-                <a:off x="101598" y="2841720"/>
+                <a:off x="0" y="3258100"/>
                 <a:ext cx="9212670" cy="454355"/>
               </a:xfrm>
               <a:prstGeom prst="rect">
@@ -22998,16 +23294,1560 @@
             </p:nvSpPr>
             <p:spPr>
               <a:xfrm>
-                <a:off x="101598" y="2841720"/>
+                <a:off x="0" y="3258100"/>
                 <a:ext cx="9212670" cy="454355"/>
               </a:xfrm>
               <a:prstGeom prst="rect">
                 <a:avLst/>
               </a:prstGeom>
               <a:blipFill>
-                <a:blip r:embed="rId4"/>
+                <a:blip r:embed="rId7"/>
                 <a:stretch>
-                  <a:fillRect l="-596" t="-6667" b="-1333"/>
+                  <a:fillRect l="-529" t="-6667" b="-1333"/>
+                </a:stretch>
+              </a:blipFill>
+            </p:spPr>
+            <p:txBody>
+              <a:bodyPr/>
+              <a:lstStyle/>
+              <a:p>
+                <a:r>
+                  <a:rPr lang="en-GB">
+                    <a:noFill/>
+                  </a:rPr>
+                  <a:t> </a:t>
+                </a:r>
+              </a:p>
+            </p:txBody>
+          </p:sp>
+        </mc:Fallback>
+      </mc:AlternateContent>
+      <mc:AlternateContent xmlns:mc="http://schemas.openxmlformats.org/markup-compatibility/2006">
+        <mc:Choice xmlns:a14="http://schemas.microsoft.com/office/drawing/2010/main" Requires="a14">
+          <p:sp>
+            <p:nvSpPr>
+              <p:cNvPr id="4" name="TextBox 3">
+                <a:extLst>
+                  <a:ext uri="{FF2B5EF4-FFF2-40B4-BE49-F238E27FC236}">
+                    <a16:creationId xmlns:a16="http://schemas.microsoft.com/office/drawing/2014/main" id="{EADB7A49-C3D6-2E36-AA84-D62056BEB820}"/>
+                  </a:ext>
+                </a:extLst>
+              </p:cNvPr>
+              <p:cNvSpPr txBox="1"/>
+              <p:nvPr/>
+            </p:nvSpPr>
+            <p:spPr>
+              <a:xfrm>
+                <a:off x="95994" y="2762031"/>
+                <a:ext cx="12000012" cy="380361"/>
+              </a:xfrm>
+              <a:prstGeom prst="rect">
+                <a:avLst/>
+              </a:prstGeom>
+              <a:noFill/>
+            </p:spPr>
+            <p:txBody>
+              <a:bodyPr wrap="square" lIns="0" tIns="0" rIns="0" bIns="0" rtlCol="0">
+                <a:spAutoFit/>
+              </a:bodyPr>
+              <a:lstStyle/>
+              <a:p>
+                <a:pPr/>
+                <a14:m>
+                  <m:oMathPara xmlns:m="http://schemas.openxmlformats.org/officeDocument/2006/math">
+                    <m:oMathParaPr>
+                      <m:jc m:val="centerGroup"/>
+                    </m:oMathParaPr>
+                    <m:oMath xmlns:m="http://schemas.openxmlformats.org/officeDocument/2006/math">
+                      <m:sSubSup>
+                        <m:sSubSupPr>
+                          <m:ctrlPr>
+                            <a:rPr lang="fr-FR" sz="1100" i="1" smtClean="0">
+                              <a:latin typeface="Cambria Math" panose="02040503050406030204" pitchFamily="18" charset="0"/>
+                            </a:rPr>
+                          </m:ctrlPr>
+                        </m:sSubSupPr>
+                        <m:e>
+                          <m:r>
+                            <a:rPr lang="fr-FR" sz="1100" i="1">
+                              <a:latin typeface="Cambria Math" panose="02040503050406030204" pitchFamily="18" charset="0"/>
+                            </a:rPr>
+                            <m:t>𝐶</m:t>
+                          </m:r>
+                        </m:e>
+                        <m:sub>
+                          <m:r>
+                            <a:rPr lang="fr-FR" sz="1100" i="1">
+                              <a:latin typeface="Cambria Math" panose="02040503050406030204" pitchFamily="18" charset="0"/>
+                            </a:rPr>
+                            <m:t>𝑖</m:t>
+                          </m:r>
+                          <m:r>
+                            <a:rPr lang="fr-FR" sz="1100" i="1">
+                              <a:latin typeface="Cambria Math" panose="02040503050406030204" pitchFamily="18" charset="0"/>
+                            </a:rPr>
+                            <m:t>−1</m:t>
+                          </m:r>
+                        </m:sub>
+                        <m:sup>
+                          <m:r>
+                            <a:rPr lang="fr-FR" sz="1100" i="1">
+                              <a:latin typeface="Cambria Math" panose="02040503050406030204" pitchFamily="18" charset="0"/>
+                            </a:rPr>
+                            <m:t>𝑛</m:t>
+                          </m:r>
+                          <m:r>
+                            <a:rPr lang="fr-FR" sz="1100" i="1">
+                              <a:latin typeface="Cambria Math" panose="02040503050406030204" pitchFamily="18" charset="0"/>
+                            </a:rPr>
+                            <m:t>+1</m:t>
+                          </m:r>
+                        </m:sup>
+                      </m:sSubSup>
+                      <m:d>
+                        <m:dPr>
+                          <m:begChr m:val="["/>
+                          <m:endChr m:val="]"/>
+                          <m:ctrlPr>
+                            <a:rPr lang="fr-FR" sz="1100" i="1" smtClean="0">
+                              <a:latin typeface="Cambria Math" panose="02040503050406030204" pitchFamily="18" charset="0"/>
+                            </a:rPr>
+                          </m:ctrlPr>
+                        </m:dPr>
+                        <m:e>
+                          <m:sSub>
+                            <m:sSubPr>
+                              <m:ctrlPr>
+                                <a:rPr lang="fr-FR" sz="1100" i="1">
+                                  <a:latin typeface="Cambria Math" panose="02040503050406030204" pitchFamily="18" charset="0"/>
+                                </a:rPr>
+                              </m:ctrlPr>
+                            </m:sSubPr>
+                            <m:e>
+                              <m:f>
+                                <m:fPr>
+                                  <m:ctrlPr>
+                                    <a:rPr lang="fr-FR" sz="1100" b="0" i="1" smtClean="0">
+                                      <a:latin typeface="Cambria Math" panose="02040503050406030204" pitchFamily="18" charset="0"/>
+                                      <a:ea typeface="Cambria Math" panose="02040503050406030204" pitchFamily="18" charset="0"/>
+                                    </a:rPr>
+                                  </m:ctrlPr>
+                                </m:fPr>
+                                <m:num>
+                                  <m:r>
+                                    <a:rPr lang="fr-FR" sz="1100" b="0" i="1" smtClean="0">
+                                      <a:latin typeface="Cambria Math" panose="02040503050406030204" pitchFamily="18" charset="0"/>
+                                      <a:ea typeface="Cambria Math" panose="02040503050406030204" pitchFamily="18" charset="0"/>
+                                    </a:rPr>
+                                    <m:t>1</m:t>
+                                  </m:r>
+                                </m:num>
+                                <m:den>
+                                  <m:r>
+                                    <a:rPr lang="fr-FR" sz="1100" b="0" i="1" smtClean="0">
+                                      <a:latin typeface="Cambria Math" panose="02040503050406030204" pitchFamily="18" charset="0"/>
+                                      <a:ea typeface="Cambria Math" panose="02040503050406030204" pitchFamily="18" charset="0"/>
+                                    </a:rPr>
+                                    <m:t>2</m:t>
+                                  </m:r>
+                                </m:den>
+                              </m:f>
+                              <m:r>
+                                <a:rPr lang="fr-FR" sz="1100" i="1">
+                                  <a:latin typeface="Cambria Math" panose="02040503050406030204" pitchFamily="18" charset="0"/>
+                                  <a:ea typeface="Cambria Math" panose="02040503050406030204" pitchFamily="18" charset="0"/>
+                                </a:rPr>
+                                <m:t>∙</m:t>
+                              </m:r>
+                              <m:r>
+                                <a:rPr lang="fr-FR" sz="1100" i="1">
+                                  <a:latin typeface="Cambria Math" panose="02040503050406030204" pitchFamily="18" charset="0"/>
+                                </a:rPr>
+                                <m:t>𝐷</m:t>
+                              </m:r>
+                            </m:e>
+                            <m:sub>
+                              <m:r>
+                                <a:rPr lang="fr-FR" sz="1100" i="1">
+                                  <a:latin typeface="Cambria Math" panose="02040503050406030204" pitchFamily="18" charset="0"/>
+                                </a:rPr>
+                                <m:t>𝑒𝑓𝑓</m:t>
+                              </m:r>
+                            </m:sub>
+                          </m:sSub>
+                          <m:d>
+                            <m:dPr>
+                              <m:ctrlPr>
+                                <a:rPr lang="fr-FR" sz="1100" i="1">
+                                  <a:latin typeface="Cambria Math" panose="02040503050406030204" pitchFamily="18" charset="0"/>
+                                </a:rPr>
+                              </m:ctrlPr>
+                            </m:dPr>
+                            <m:e>
+                              <m:f>
+                                <m:fPr>
+                                  <m:ctrlPr>
+                                    <a:rPr lang="fr-FR" sz="1100" i="1">
+                                      <a:latin typeface="Cambria Math" panose="02040503050406030204" pitchFamily="18" charset="0"/>
+                                    </a:rPr>
+                                  </m:ctrlPr>
+                                </m:fPr>
+                                <m:num>
+                                  <m:r>
+                                    <a:rPr lang="fr-FR" sz="1100" i="1">
+                                      <a:latin typeface="Cambria Math" panose="02040503050406030204" pitchFamily="18" charset="0"/>
+                                    </a:rPr>
+                                    <m:t>1</m:t>
+                                  </m:r>
+                                </m:num>
+                                <m:den>
+                                  <m:r>
+                                    <a:rPr lang="fr-FR" sz="1100" i="1">
+                                      <a:latin typeface="Cambria Math" panose="02040503050406030204" pitchFamily="18" charset="0"/>
+                                    </a:rPr>
+                                    <m:t>2</m:t>
+                                  </m:r>
+                                  <m:r>
+                                    <a:rPr lang="fr-FR" sz="1100" i="1">
+                                      <a:latin typeface="Cambria Math" panose="02040503050406030204" pitchFamily="18" charset="0"/>
+                                    </a:rPr>
+                                    <m:t>𝑟</m:t>
+                                  </m:r>
+                                  <m:r>
+                                    <a:rPr lang="fr-FR" sz="1100" i="1">
+                                      <a:latin typeface="Cambria Math" panose="02040503050406030204" pitchFamily="18" charset="0"/>
+                                      <a:ea typeface="Cambria Math" panose="02040503050406030204" pitchFamily="18" charset="0"/>
+                                    </a:rPr>
+                                    <m:t>∆</m:t>
+                                  </m:r>
+                                  <m:r>
+                                    <a:rPr lang="fr-FR" sz="1100" i="1">
+                                      <a:latin typeface="Cambria Math" panose="02040503050406030204" pitchFamily="18" charset="0"/>
+                                      <a:ea typeface="Cambria Math" panose="02040503050406030204" pitchFamily="18" charset="0"/>
+                                    </a:rPr>
+                                    <m:t>𝑟</m:t>
+                                  </m:r>
+                                </m:den>
+                              </m:f>
+                              <m:r>
+                                <a:rPr lang="fr-FR" sz="1100" i="1">
+                                  <a:latin typeface="Cambria Math" panose="02040503050406030204" pitchFamily="18" charset="0"/>
+                                </a:rPr>
+                                <m:t>+</m:t>
+                              </m:r>
+                              <m:f>
+                                <m:fPr>
+                                  <m:ctrlPr>
+                                    <a:rPr lang="fr-FR" sz="1100" i="1">
+                                      <a:latin typeface="Cambria Math" panose="02040503050406030204" pitchFamily="18" charset="0"/>
+                                    </a:rPr>
+                                  </m:ctrlPr>
+                                </m:fPr>
+                                <m:num>
+                                  <m:r>
+                                    <a:rPr lang="fr-FR" sz="1100" i="1">
+                                      <a:latin typeface="Cambria Math" panose="02040503050406030204" pitchFamily="18" charset="0"/>
+                                    </a:rPr>
+                                    <m:t>−1</m:t>
+                                  </m:r>
+                                </m:num>
+                                <m:den>
+                                  <m:r>
+                                    <a:rPr lang="fr-FR" sz="1100" i="1">
+                                      <a:latin typeface="Cambria Math" panose="02040503050406030204" pitchFamily="18" charset="0"/>
+                                      <a:ea typeface="Cambria Math" panose="02040503050406030204" pitchFamily="18" charset="0"/>
+                                    </a:rPr>
+                                    <m:t>∆</m:t>
+                                  </m:r>
+                                  <m:sSup>
+                                    <m:sSupPr>
+                                      <m:ctrlPr>
+                                        <a:rPr lang="fr-FR" sz="1100" i="1">
+                                          <a:latin typeface="Cambria Math" panose="02040503050406030204" pitchFamily="18" charset="0"/>
+                                          <a:ea typeface="Cambria Math" panose="02040503050406030204" pitchFamily="18" charset="0"/>
+                                        </a:rPr>
+                                      </m:ctrlPr>
+                                    </m:sSupPr>
+                                    <m:e>
+                                      <m:r>
+                                        <a:rPr lang="fr-FR" sz="1100" i="1">
+                                          <a:latin typeface="Cambria Math" panose="02040503050406030204" pitchFamily="18" charset="0"/>
+                                          <a:ea typeface="Cambria Math" panose="02040503050406030204" pitchFamily="18" charset="0"/>
+                                        </a:rPr>
+                                        <m:t>𝑟</m:t>
+                                      </m:r>
+                                    </m:e>
+                                    <m:sup>
+                                      <m:r>
+                                        <a:rPr lang="fr-FR" sz="1100" i="1">
+                                          <a:latin typeface="Cambria Math" panose="02040503050406030204" pitchFamily="18" charset="0"/>
+                                          <a:ea typeface="Cambria Math" panose="02040503050406030204" pitchFamily="18" charset="0"/>
+                                        </a:rPr>
+                                        <m:t>2</m:t>
+                                      </m:r>
+                                    </m:sup>
+                                  </m:sSup>
+                                </m:den>
+                              </m:f>
+                            </m:e>
+                          </m:d>
+                        </m:e>
+                      </m:d>
+                      <m:r>
+                        <a:rPr lang="fr-FR" sz="1100" b="0" i="1" smtClean="0">
+                          <a:latin typeface="Cambria Math" panose="02040503050406030204" pitchFamily="18" charset="0"/>
+                        </a:rPr>
+                        <m:t>+</m:t>
+                      </m:r>
+                      <m:sSubSup>
+                        <m:sSubSupPr>
+                          <m:ctrlPr>
+                            <a:rPr lang="fr-FR" sz="1100" b="0" i="1" smtClean="0">
+                              <a:latin typeface="Cambria Math" panose="02040503050406030204" pitchFamily="18" charset="0"/>
+                            </a:rPr>
+                          </m:ctrlPr>
+                        </m:sSubSupPr>
+                        <m:e>
+                          <m:r>
+                            <a:rPr lang="fr-FR" sz="1100" b="0" i="1" smtClean="0">
+                              <a:latin typeface="Cambria Math" panose="02040503050406030204" pitchFamily="18" charset="0"/>
+                            </a:rPr>
+                            <m:t>𝐶</m:t>
+                          </m:r>
+                        </m:e>
+                        <m:sub>
+                          <m:r>
+                            <a:rPr lang="fr-FR" sz="1100" b="0" i="1" smtClean="0">
+                              <a:latin typeface="Cambria Math" panose="02040503050406030204" pitchFamily="18" charset="0"/>
+                            </a:rPr>
+                            <m:t>𝑖</m:t>
+                          </m:r>
+                        </m:sub>
+                        <m:sup>
+                          <m:r>
+                            <a:rPr lang="fr-FR" sz="1100" b="0" i="1" smtClean="0">
+                              <a:latin typeface="Cambria Math" panose="02040503050406030204" pitchFamily="18" charset="0"/>
+                            </a:rPr>
+                            <m:t>𝑛</m:t>
+                          </m:r>
+                          <m:r>
+                            <a:rPr lang="fr-FR" sz="1100" b="0" i="1" smtClean="0">
+                              <a:latin typeface="Cambria Math" panose="02040503050406030204" pitchFamily="18" charset="0"/>
+                            </a:rPr>
+                            <m:t>+1</m:t>
+                          </m:r>
+                        </m:sup>
+                      </m:sSubSup>
+                      <m:d>
+                        <m:dPr>
+                          <m:begChr m:val="["/>
+                          <m:endChr m:val="]"/>
+                          <m:ctrlPr>
+                            <a:rPr lang="fr-FR" sz="1100" b="0" i="1" smtClean="0">
+                              <a:latin typeface="Cambria Math" panose="02040503050406030204" pitchFamily="18" charset="0"/>
+                            </a:rPr>
+                          </m:ctrlPr>
+                        </m:dPr>
+                        <m:e>
+                          <m:f>
+                            <m:fPr>
+                              <m:ctrlPr>
+                                <a:rPr lang="fr-FR" sz="1100" b="0" i="1" smtClean="0">
+                                  <a:latin typeface="Cambria Math" panose="02040503050406030204" pitchFamily="18" charset="0"/>
+                                </a:rPr>
+                              </m:ctrlPr>
+                            </m:fPr>
+                            <m:num>
+                              <m:r>
+                                <a:rPr lang="fr-FR" sz="1100" b="0" i="1" smtClean="0">
+                                  <a:latin typeface="Cambria Math" panose="02040503050406030204" pitchFamily="18" charset="0"/>
+                                </a:rPr>
+                                <m:t>1</m:t>
+                              </m:r>
+                            </m:num>
+                            <m:den>
+                              <m:r>
+                                <a:rPr lang="fr-FR" sz="1100" b="0" i="1" smtClean="0">
+                                  <a:latin typeface="Cambria Math" panose="02040503050406030204" pitchFamily="18" charset="0"/>
+                                  <a:ea typeface="Cambria Math" panose="02040503050406030204" pitchFamily="18" charset="0"/>
+                                </a:rPr>
+                                <m:t>∆</m:t>
+                              </m:r>
+                              <m:r>
+                                <a:rPr lang="fr-FR" sz="1100" b="0" i="1" smtClean="0">
+                                  <a:latin typeface="Cambria Math" panose="02040503050406030204" pitchFamily="18" charset="0"/>
+                                  <a:ea typeface="Cambria Math" panose="02040503050406030204" pitchFamily="18" charset="0"/>
+                                </a:rPr>
+                                <m:t>𝑡</m:t>
+                              </m:r>
+                            </m:den>
+                          </m:f>
+                          <m:r>
+                            <a:rPr lang="fr-FR" sz="1100" b="0" i="1" smtClean="0">
+                              <a:latin typeface="Cambria Math" panose="02040503050406030204" pitchFamily="18" charset="0"/>
+                            </a:rPr>
+                            <m:t>+</m:t>
+                          </m:r>
+                          <m:sSub>
+                            <m:sSubPr>
+                              <m:ctrlPr>
+                                <a:rPr lang="fr-FR" sz="1100" i="1">
+                                  <a:latin typeface="Cambria Math" panose="02040503050406030204" pitchFamily="18" charset="0"/>
+                                </a:rPr>
+                              </m:ctrlPr>
+                            </m:sSubPr>
+                            <m:e>
+                              <m:f>
+                                <m:fPr>
+                                  <m:ctrlPr>
+                                    <a:rPr lang="fr-FR" sz="1100" b="0" i="1" smtClean="0">
+                                      <a:latin typeface="Cambria Math" panose="02040503050406030204" pitchFamily="18" charset="0"/>
+                                      <a:ea typeface="Cambria Math" panose="02040503050406030204" pitchFamily="18" charset="0"/>
+                                    </a:rPr>
+                                  </m:ctrlPr>
+                                </m:fPr>
+                                <m:num>
+                                  <m:r>
+                                    <a:rPr lang="fr-FR" sz="1100" b="0" i="1" smtClean="0">
+                                      <a:latin typeface="Cambria Math" panose="02040503050406030204" pitchFamily="18" charset="0"/>
+                                      <a:ea typeface="Cambria Math" panose="02040503050406030204" pitchFamily="18" charset="0"/>
+                                    </a:rPr>
+                                    <m:t>1</m:t>
+                                  </m:r>
+                                </m:num>
+                                <m:den>
+                                  <m:r>
+                                    <a:rPr lang="fr-FR" sz="1100" b="0" i="1" smtClean="0">
+                                      <a:latin typeface="Cambria Math" panose="02040503050406030204" pitchFamily="18" charset="0"/>
+                                      <a:ea typeface="Cambria Math" panose="02040503050406030204" pitchFamily="18" charset="0"/>
+                                    </a:rPr>
+                                    <m:t>2</m:t>
+                                  </m:r>
+                                </m:den>
+                              </m:f>
+                              <m:r>
+                                <a:rPr lang="fr-FR" sz="1100" i="1">
+                                  <a:latin typeface="Cambria Math" panose="02040503050406030204" pitchFamily="18" charset="0"/>
+                                  <a:ea typeface="Cambria Math" panose="02040503050406030204" pitchFamily="18" charset="0"/>
+                                </a:rPr>
+                                <m:t>∙</m:t>
+                              </m:r>
+                              <m:r>
+                                <a:rPr lang="fr-FR" sz="1100" i="1">
+                                  <a:latin typeface="Cambria Math" panose="02040503050406030204" pitchFamily="18" charset="0"/>
+                                </a:rPr>
+                                <m:t>𝐷</m:t>
+                              </m:r>
+                            </m:e>
+                            <m:sub>
+                              <m:r>
+                                <a:rPr lang="fr-FR" sz="1100" i="1">
+                                  <a:latin typeface="Cambria Math" panose="02040503050406030204" pitchFamily="18" charset="0"/>
+                                </a:rPr>
+                                <m:t>𝑒𝑓𝑓</m:t>
+                              </m:r>
+                            </m:sub>
+                          </m:sSub>
+                          <m:f>
+                            <m:fPr>
+                              <m:ctrlPr>
+                                <a:rPr lang="fr-FR" sz="1100" i="1">
+                                  <a:latin typeface="Cambria Math" panose="02040503050406030204" pitchFamily="18" charset="0"/>
+                                </a:rPr>
+                              </m:ctrlPr>
+                            </m:fPr>
+                            <m:num>
+                              <m:r>
+                                <a:rPr lang="fr-FR" sz="1100" b="0" i="1" smtClean="0">
+                                  <a:latin typeface="Cambria Math" panose="02040503050406030204" pitchFamily="18" charset="0"/>
+                                </a:rPr>
+                                <m:t>2</m:t>
+                              </m:r>
+                            </m:num>
+                            <m:den>
+                              <m:r>
+                                <a:rPr lang="fr-FR" sz="1100" i="1">
+                                  <a:latin typeface="Cambria Math" panose="02040503050406030204" pitchFamily="18" charset="0"/>
+                                  <a:ea typeface="Cambria Math" panose="02040503050406030204" pitchFamily="18" charset="0"/>
+                                </a:rPr>
+                                <m:t>∆</m:t>
+                              </m:r>
+                              <m:sSup>
+                                <m:sSupPr>
+                                  <m:ctrlPr>
+                                    <a:rPr lang="fr-FR" sz="1100" i="1">
+                                      <a:latin typeface="Cambria Math" panose="02040503050406030204" pitchFamily="18" charset="0"/>
+                                      <a:ea typeface="Cambria Math" panose="02040503050406030204" pitchFamily="18" charset="0"/>
+                                    </a:rPr>
+                                  </m:ctrlPr>
+                                </m:sSupPr>
+                                <m:e>
+                                  <m:r>
+                                    <a:rPr lang="fr-FR" sz="1100" i="1">
+                                      <a:latin typeface="Cambria Math" panose="02040503050406030204" pitchFamily="18" charset="0"/>
+                                      <a:ea typeface="Cambria Math" panose="02040503050406030204" pitchFamily="18" charset="0"/>
+                                    </a:rPr>
+                                    <m:t>𝑟</m:t>
+                                  </m:r>
+                                </m:e>
+                                <m:sup>
+                                  <m:r>
+                                    <a:rPr lang="fr-FR" sz="1100" i="1">
+                                      <a:latin typeface="Cambria Math" panose="02040503050406030204" pitchFamily="18" charset="0"/>
+                                      <a:ea typeface="Cambria Math" panose="02040503050406030204" pitchFamily="18" charset="0"/>
+                                    </a:rPr>
+                                    <m:t>2</m:t>
+                                  </m:r>
+                                </m:sup>
+                              </m:sSup>
+                            </m:den>
+                          </m:f>
+                          <m:r>
+                            <a:rPr lang="fr-FR" sz="1100" b="0" i="1" smtClean="0">
+                              <a:latin typeface="Cambria Math" panose="02040503050406030204" pitchFamily="18" charset="0"/>
+                              <a:ea typeface="Cambria Math" panose="02040503050406030204" pitchFamily="18" charset="0"/>
+                            </a:rPr>
+                            <m:t>+</m:t>
+                          </m:r>
+                          <m:f>
+                            <m:fPr>
+                              <m:ctrlPr>
+                                <a:rPr lang="fr-FR" sz="1100" b="0" i="1" smtClean="0">
+                                  <a:latin typeface="Cambria Math" panose="02040503050406030204" pitchFamily="18" charset="0"/>
+                                  <a:ea typeface="Cambria Math" panose="02040503050406030204" pitchFamily="18" charset="0"/>
+                                </a:rPr>
+                              </m:ctrlPr>
+                            </m:fPr>
+                            <m:num>
+                              <m:r>
+                                <a:rPr lang="fr-FR" sz="1100" b="0" i="1" smtClean="0">
+                                  <a:latin typeface="Cambria Math" panose="02040503050406030204" pitchFamily="18" charset="0"/>
+                                  <a:ea typeface="Cambria Math" panose="02040503050406030204" pitchFamily="18" charset="0"/>
+                                </a:rPr>
+                                <m:t>𝑘</m:t>
+                              </m:r>
+                            </m:num>
+                            <m:den>
+                              <m:r>
+                                <a:rPr lang="fr-FR" sz="1100" b="0" i="1" smtClean="0">
+                                  <a:latin typeface="Cambria Math" panose="02040503050406030204" pitchFamily="18" charset="0"/>
+                                  <a:ea typeface="Cambria Math" panose="02040503050406030204" pitchFamily="18" charset="0"/>
+                                </a:rPr>
+                                <m:t>∆</m:t>
+                              </m:r>
+                              <m:r>
+                                <a:rPr lang="fr-FR" sz="1100" b="0" i="1" smtClean="0">
+                                  <a:latin typeface="Cambria Math" panose="02040503050406030204" pitchFamily="18" charset="0"/>
+                                  <a:ea typeface="Cambria Math" panose="02040503050406030204" pitchFamily="18" charset="0"/>
+                                </a:rPr>
+                                <m:t>𝑡</m:t>
+                              </m:r>
+                            </m:den>
+                          </m:f>
+                        </m:e>
+                      </m:d>
+                      <m:r>
+                        <a:rPr lang="fr-FR" sz="1100" b="0" i="1" smtClean="0">
+                          <a:latin typeface="Cambria Math" panose="02040503050406030204" pitchFamily="18" charset="0"/>
+                        </a:rPr>
+                        <m:t>+</m:t>
+                      </m:r>
+                      <m:sSubSup>
+                        <m:sSubSupPr>
+                          <m:ctrlPr>
+                            <a:rPr lang="fr-FR" sz="1100" i="1">
+                              <a:latin typeface="Cambria Math" panose="02040503050406030204" pitchFamily="18" charset="0"/>
+                            </a:rPr>
+                          </m:ctrlPr>
+                        </m:sSubSupPr>
+                        <m:e>
+                          <m:r>
+                            <a:rPr lang="fr-FR" sz="1100" i="1">
+                              <a:latin typeface="Cambria Math" panose="02040503050406030204" pitchFamily="18" charset="0"/>
+                            </a:rPr>
+                            <m:t>𝐶</m:t>
+                          </m:r>
+                        </m:e>
+                        <m:sub>
+                          <m:r>
+                            <a:rPr lang="fr-FR" sz="1100" i="1">
+                              <a:latin typeface="Cambria Math" panose="02040503050406030204" pitchFamily="18" charset="0"/>
+                            </a:rPr>
+                            <m:t>𝑖</m:t>
+                          </m:r>
+                          <m:r>
+                            <a:rPr lang="fr-FR" sz="1100" i="1">
+                              <a:latin typeface="Cambria Math" panose="02040503050406030204" pitchFamily="18" charset="0"/>
+                            </a:rPr>
+                            <m:t>+1</m:t>
+                          </m:r>
+                        </m:sub>
+                        <m:sup>
+                          <m:r>
+                            <a:rPr lang="fr-FR" sz="1100" i="1">
+                              <a:latin typeface="Cambria Math" panose="02040503050406030204" pitchFamily="18" charset="0"/>
+                            </a:rPr>
+                            <m:t>𝑛</m:t>
+                          </m:r>
+                          <m:r>
+                            <a:rPr lang="fr-FR" sz="1100" i="1">
+                              <a:latin typeface="Cambria Math" panose="02040503050406030204" pitchFamily="18" charset="0"/>
+                            </a:rPr>
+                            <m:t>+1</m:t>
+                          </m:r>
+                        </m:sup>
+                      </m:sSubSup>
+                      <m:d>
+                        <m:dPr>
+                          <m:begChr m:val="["/>
+                          <m:endChr m:val="]"/>
+                          <m:ctrlPr>
+                            <a:rPr lang="fr-FR" sz="1100" i="1" smtClean="0">
+                              <a:latin typeface="Cambria Math" panose="02040503050406030204" pitchFamily="18" charset="0"/>
+                            </a:rPr>
+                          </m:ctrlPr>
+                        </m:dPr>
+                        <m:e>
+                          <m:sSub>
+                            <m:sSubPr>
+                              <m:ctrlPr>
+                                <a:rPr lang="fr-FR" sz="1100" i="1">
+                                  <a:latin typeface="Cambria Math" panose="02040503050406030204" pitchFamily="18" charset="0"/>
+                                </a:rPr>
+                              </m:ctrlPr>
+                            </m:sSubPr>
+                            <m:e>
+                              <m:f>
+                                <m:fPr>
+                                  <m:ctrlPr>
+                                    <a:rPr lang="fr-FR" sz="1100" b="0" i="1" smtClean="0">
+                                      <a:latin typeface="Cambria Math" panose="02040503050406030204" pitchFamily="18" charset="0"/>
+                                      <a:ea typeface="Cambria Math" panose="02040503050406030204" pitchFamily="18" charset="0"/>
+                                    </a:rPr>
+                                  </m:ctrlPr>
+                                </m:fPr>
+                                <m:num>
+                                  <m:r>
+                                    <a:rPr lang="fr-FR" sz="1100" b="0" i="1" smtClean="0">
+                                      <a:latin typeface="Cambria Math" panose="02040503050406030204" pitchFamily="18" charset="0"/>
+                                      <a:ea typeface="Cambria Math" panose="02040503050406030204" pitchFamily="18" charset="0"/>
+                                    </a:rPr>
+                                    <m:t>1</m:t>
+                                  </m:r>
+                                </m:num>
+                                <m:den>
+                                  <m:r>
+                                    <a:rPr lang="fr-FR" sz="1100" b="0" i="1" smtClean="0">
+                                      <a:latin typeface="Cambria Math" panose="02040503050406030204" pitchFamily="18" charset="0"/>
+                                      <a:ea typeface="Cambria Math" panose="02040503050406030204" pitchFamily="18" charset="0"/>
+                                    </a:rPr>
+                                    <m:t>2</m:t>
+                                  </m:r>
+                                </m:den>
+                              </m:f>
+                              <m:r>
+                                <a:rPr lang="fr-FR" sz="1100" i="1">
+                                  <a:latin typeface="Cambria Math" panose="02040503050406030204" pitchFamily="18" charset="0"/>
+                                  <a:ea typeface="Cambria Math" panose="02040503050406030204" pitchFamily="18" charset="0"/>
+                                </a:rPr>
+                                <m:t>∙</m:t>
+                              </m:r>
+                              <m:r>
+                                <a:rPr lang="fr-FR" sz="1100" i="1">
+                                  <a:latin typeface="Cambria Math" panose="02040503050406030204" pitchFamily="18" charset="0"/>
+                                </a:rPr>
+                                <m:t>𝐷</m:t>
+                              </m:r>
+                            </m:e>
+                            <m:sub>
+                              <m:r>
+                                <a:rPr lang="fr-FR" sz="1100" i="1">
+                                  <a:latin typeface="Cambria Math" panose="02040503050406030204" pitchFamily="18" charset="0"/>
+                                </a:rPr>
+                                <m:t>𝑒𝑓𝑓</m:t>
+                              </m:r>
+                            </m:sub>
+                          </m:sSub>
+                          <m:d>
+                            <m:dPr>
+                              <m:ctrlPr>
+                                <a:rPr lang="fr-FR" sz="1100" i="1" smtClean="0">
+                                  <a:latin typeface="Cambria Math" panose="02040503050406030204" pitchFamily="18" charset="0"/>
+                                </a:rPr>
+                              </m:ctrlPr>
+                            </m:dPr>
+                            <m:e>
+                              <m:f>
+                                <m:fPr>
+                                  <m:ctrlPr>
+                                    <a:rPr lang="fr-FR" sz="1100" i="1">
+                                      <a:latin typeface="Cambria Math" panose="02040503050406030204" pitchFamily="18" charset="0"/>
+                                    </a:rPr>
+                                  </m:ctrlPr>
+                                </m:fPr>
+                                <m:num>
+                                  <m:r>
+                                    <a:rPr lang="fr-FR" sz="1100" b="0" i="1" smtClean="0">
+                                      <a:latin typeface="Cambria Math" panose="02040503050406030204" pitchFamily="18" charset="0"/>
+                                    </a:rPr>
+                                    <m:t>−1</m:t>
+                                  </m:r>
+                                </m:num>
+                                <m:den>
+                                  <m:r>
+                                    <a:rPr lang="fr-FR" sz="1100" i="1">
+                                      <a:latin typeface="Cambria Math" panose="02040503050406030204" pitchFamily="18" charset="0"/>
+                                    </a:rPr>
+                                    <m:t>2</m:t>
+                                  </m:r>
+                                  <m:r>
+                                    <a:rPr lang="fr-FR" sz="1100" i="1">
+                                      <a:latin typeface="Cambria Math" panose="02040503050406030204" pitchFamily="18" charset="0"/>
+                                    </a:rPr>
+                                    <m:t>𝑟</m:t>
+                                  </m:r>
+                                  <m:r>
+                                    <a:rPr lang="fr-FR" sz="1100" i="1">
+                                      <a:latin typeface="Cambria Math" panose="02040503050406030204" pitchFamily="18" charset="0"/>
+                                      <a:ea typeface="Cambria Math" panose="02040503050406030204" pitchFamily="18" charset="0"/>
+                                    </a:rPr>
+                                    <m:t>∆</m:t>
+                                  </m:r>
+                                  <m:r>
+                                    <a:rPr lang="fr-FR" sz="1100" i="1">
+                                      <a:latin typeface="Cambria Math" panose="02040503050406030204" pitchFamily="18" charset="0"/>
+                                      <a:ea typeface="Cambria Math" panose="02040503050406030204" pitchFamily="18" charset="0"/>
+                                    </a:rPr>
+                                    <m:t>𝑟</m:t>
+                                  </m:r>
+                                </m:den>
+                              </m:f>
+                              <m:r>
+                                <a:rPr lang="fr-FR" sz="1100" i="1">
+                                  <a:latin typeface="Cambria Math" panose="02040503050406030204" pitchFamily="18" charset="0"/>
+                                </a:rPr>
+                                <m:t>+</m:t>
+                              </m:r>
+                              <m:f>
+                                <m:fPr>
+                                  <m:ctrlPr>
+                                    <a:rPr lang="fr-FR" sz="1100" i="1">
+                                      <a:latin typeface="Cambria Math" panose="02040503050406030204" pitchFamily="18" charset="0"/>
+                                    </a:rPr>
+                                  </m:ctrlPr>
+                                </m:fPr>
+                                <m:num>
+                                  <m:r>
+                                    <a:rPr lang="fr-FR" sz="1100" b="0" i="1" smtClean="0">
+                                      <a:latin typeface="Cambria Math" panose="02040503050406030204" pitchFamily="18" charset="0"/>
+                                    </a:rPr>
+                                    <m:t>−1</m:t>
+                                  </m:r>
+                                </m:num>
+                                <m:den>
+                                  <m:r>
+                                    <a:rPr lang="fr-FR" sz="1100" i="1" smtClean="0">
+                                      <a:latin typeface="Cambria Math" panose="02040503050406030204" pitchFamily="18" charset="0"/>
+                                      <a:ea typeface="Cambria Math" panose="02040503050406030204" pitchFamily="18" charset="0"/>
+                                    </a:rPr>
+                                    <m:t>∆</m:t>
+                                  </m:r>
+                                  <m:sSup>
+                                    <m:sSupPr>
+                                      <m:ctrlPr>
+                                        <a:rPr lang="fr-FR" sz="1100" b="0" i="1" smtClean="0">
+                                          <a:latin typeface="Cambria Math" panose="02040503050406030204" pitchFamily="18" charset="0"/>
+                                          <a:ea typeface="Cambria Math" panose="02040503050406030204" pitchFamily="18" charset="0"/>
+                                        </a:rPr>
+                                      </m:ctrlPr>
+                                    </m:sSupPr>
+                                    <m:e>
+                                      <m:r>
+                                        <a:rPr lang="fr-FR" sz="1100" b="0" i="1" smtClean="0">
+                                          <a:latin typeface="Cambria Math" panose="02040503050406030204" pitchFamily="18" charset="0"/>
+                                          <a:ea typeface="Cambria Math" panose="02040503050406030204" pitchFamily="18" charset="0"/>
+                                        </a:rPr>
+                                        <m:t>𝑟</m:t>
+                                      </m:r>
+                                    </m:e>
+                                    <m:sup>
+                                      <m:r>
+                                        <a:rPr lang="fr-FR" sz="1100" b="0" i="1" smtClean="0">
+                                          <a:latin typeface="Cambria Math" panose="02040503050406030204" pitchFamily="18" charset="0"/>
+                                          <a:ea typeface="Cambria Math" panose="02040503050406030204" pitchFamily="18" charset="0"/>
+                                        </a:rPr>
+                                        <m:t>2</m:t>
+                                      </m:r>
+                                    </m:sup>
+                                  </m:sSup>
+                                </m:den>
+                              </m:f>
+                            </m:e>
+                          </m:d>
+                        </m:e>
+                      </m:d>
+                      <m:r>
+                        <a:rPr lang="fr-FR" sz="1100" b="0" i="1" smtClean="0">
+                          <a:latin typeface="Cambria Math" panose="02040503050406030204" pitchFamily="18" charset="0"/>
+                        </a:rPr>
+                        <m:t>=</m:t>
+                      </m:r>
+                      <m:sSubSup>
+                        <m:sSubSupPr>
+                          <m:ctrlPr>
+                            <a:rPr lang="fr-FR" sz="1100" i="1">
+                              <a:latin typeface="Cambria Math" panose="02040503050406030204" pitchFamily="18" charset="0"/>
+                            </a:rPr>
+                          </m:ctrlPr>
+                        </m:sSubSupPr>
+                        <m:e>
+                          <m:r>
+                            <a:rPr lang="fr-FR" sz="1100" i="1">
+                              <a:latin typeface="Cambria Math" panose="02040503050406030204" pitchFamily="18" charset="0"/>
+                            </a:rPr>
+                            <m:t>𝐶</m:t>
+                          </m:r>
+                        </m:e>
+                        <m:sub>
+                          <m:r>
+                            <a:rPr lang="fr-FR" sz="1100" i="1">
+                              <a:latin typeface="Cambria Math" panose="02040503050406030204" pitchFamily="18" charset="0"/>
+                            </a:rPr>
+                            <m:t>𝑖</m:t>
+                          </m:r>
+                          <m:r>
+                            <a:rPr lang="fr-FR" sz="1100" i="1">
+                              <a:latin typeface="Cambria Math" panose="02040503050406030204" pitchFamily="18" charset="0"/>
+                            </a:rPr>
+                            <m:t>−1</m:t>
+                          </m:r>
+                        </m:sub>
+                        <m:sup>
+                          <m:r>
+                            <a:rPr lang="fr-FR" sz="1100" i="1">
+                              <a:latin typeface="Cambria Math" panose="02040503050406030204" pitchFamily="18" charset="0"/>
+                            </a:rPr>
+                            <m:t>𝑛</m:t>
+                          </m:r>
+                        </m:sup>
+                      </m:sSubSup>
+                      <m:d>
+                        <m:dPr>
+                          <m:begChr m:val="["/>
+                          <m:endChr m:val="]"/>
+                          <m:ctrlPr>
+                            <a:rPr lang="fr-FR" sz="1100" i="1">
+                              <a:latin typeface="Cambria Math" panose="02040503050406030204" pitchFamily="18" charset="0"/>
+                            </a:rPr>
+                          </m:ctrlPr>
+                        </m:dPr>
+                        <m:e>
+                          <m:sSub>
+                            <m:sSubPr>
+                              <m:ctrlPr>
+                                <a:rPr lang="fr-FR" sz="1100" i="1">
+                                  <a:latin typeface="Cambria Math" panose="02040503050406030204" pitchFamily="18" charset="0"/>
+                                </a:rPr>
+                              </m:ctrlPr>
+                            </m:sSubPr>
+                            <m:e>
+                              <m:f>
+                                <m:fPr>
+                                  <m:ctrlPr>
+                                    <a:rPr lang="fr-FR" sz="1100" i="1">
+                                      <a:latin typeface="Cambria Math" panose="02040503050406030204" pitchFamily="18" charset="0"/>
+                                      <a:ea typeface="Cambria Math" panose="02040503050406030204" pitchFamily="18" charset="0"/>
+                                    </a:rPr>
+                                  </m:ctrlPr>
+                                </m:fPr>
+                                <m:num>
+                                  <m:r>
+                                    <a:rPr lang="fr-FR" sz="1100" b="0" i="1" smtClean="0">
+                                      <a:latin typeface="Cambria Math" panose="02040503050406030204" pitchFamily="18" charset="0"/>
+                                      <a:ea typeface="Cambria Math" panose="02040503050406030204" pitchFamily="18" charset="0"/>
+                                    </a:rPr>
+                                    <m:t>1</m:t>
+                                  </m:r>
+                                </m:num>
+                                <m:den>
+                                  <m:r>
+                                    <a:rPr lang="fr-FR" sz="1100" i="1">
+                                      <a:latin typeface="Cambria Math" panose="02040503050406030204" pitchFamily="18" charset="0"/>
+                                      <a:ea typeface="Cambria Math" panose="02040503050406030204" pitchFamily="18" charset="0"/>
+                                    </a:rPr>
+                                    <m:t>2</m:t>
+                                  </m:r>
+                                </m:den>
+                              </m:f>
+                              <m:r>
+                                <a:rPr lang="fr-FR" sz="1100" i="1">
+                                  <a:latin typeface="Cambria Math" panose="02040503050406030204" pitchFamily="18" charset="0"/>
+                                  <a:ea typeface="Cambria Math" panose="02040503050406030204" pitchFamily="18" charset="0"/>
+                                </a:rPr>
+                                <m:t>∙</m:t>
+                              </m:r>
+                              <m:r>
+                                <a:rPr lang="fr-FR" sz="1100" i="1">
+                                  <a:latin typeface="Cambria Math" panose="02040503050406030204" pitchFamily="18" charset="0"/>
+                                </a:rPr>
+                                <m:t>𝐷</m:t>
+                              </m:r>
+                            </m:e>
+                            <m:sub>
+                              <m:r>
+                                <a:rPr lang="fr-FR" sz="1100" i="1">
+                                  <a:latin typeface="Cambria Math" panose="02040503050406030204" pitchFamily="18" charset="0"/>
+                                </a:rPr>
+                                <m:t>𝑒𝑓𝑓</m:t>
+                              </m:r>
+                            </m:sub>
+                          </m:sSub>
+                          <m:d>
+                            <m:dPr>
+                              <m:ctrlPr>
+                                <a:rPr lang="fr-FR" sz="1100" i="1">
+                                  <a:latin typeface="Cambria Math" panose="02040503050406030204" pitchFamily="18" charset="0"/>
+                                </a:rPr>
+                              </m:ctrlPr>
+                            </m:dPr>
+                            <m:e>
+                              <m:f>
+                                <m:fPr>
+                                  <m:ctrlPr>
+                                    <a:rPr lang="fr-FR" sz="1100" i="1">
+                                      <a:latin typeface="Cambria Math" panose="02040503050406030204" pitchFamily="18" charset="0"/>
+                                    </a:rPr>
+                                  </m:ctrlPr>
+                                </m:fPr>
+                                <m:num>
+                                  <m:r>
+                                    <a:rPr lang="fr-FR" sz="1100" b="0" i="1" smtClean="0">
+                                      <a:latin typeface="Cambria Math" panose="02040503050406030204" pitchFamily="18" charset="0"/>
+                                    </a:rPr>
+                                    <m:t>−</m:t>
+                                  </m:r>
+                                  <m:r>
+                                    <a:rPr lang="fr-FR" sz="1100" i="1">
+                                      <a:latin typeface="Cambria Math" panose="02040503050406030204" pitchFamily="18" charset="0"/>
+                                    </a:rPr>
+                                    <m:t>1</m:t>
+                                  </m:r>
+                                </m:num>
+                                <m:den>
+                                  <m:r>
+                                    <a:rPr lang="fr-FR" sz="1100" i="1">
+                                      <a:latin typeface="Cambria Math" panose="02040503050406030204" pitchFamily="18" charset="0"/>
+                                    </a:rPr>
+                                    <m:t>2</m:t>
+                                  </m:r>
+                                  <m:r>
+                                    <a:rPr lang="fr-FR" sz="1100" i="1">
+                                      <a:latin typeface="Cambria Math" panose="02040503050406030204" pitchFamily="18" charset="0"/>
+                                    </a:rPr>
+                                    <m:t>𝑟</m:t>
+                                  </m:r>
+                                  <m:r>
+                                    <a:rPr lang="fr-FR" sz="1100" i="1">
+                                      <a:latin typeface="Cambria Math" panose="02040503050406030204" pitchFamily="18" charset="0"/>
+                                      <a:ea typeface="Cambria Math" panose="02040503050406030204" pitchFamily="18" charset="0"/>
+                                    </a:rPr>
+                                    <m:t>∆</m:t>
+                                  </m:r>
+                                  <m:r>
+                                    <a:rPr lang="fr-FR" sz="1100" i="1">
+                                      <a:latin typeface="Cambria Math" panose="02040503050406030204" pitchFamily="18" charset="0"/>
+                                      <a:ea typeface="Cambria Math" panose="02040503050406030204" pitchFamily="18" charset="0"/>
+                                    </a:rPr>
+                                    <m:t>𝑟</m:t>
+                                  </m:r>
+                                </m:den>
+                              </m:f>
+                              <m:r>
+                                <a:rPr lang="fr-FR" sz="1100" i="1">
+                                  <a:latin typeface="Cambria Math" panose="02040503050406030204" pitchFamily="18" charset="0"/>
+                                </a:rPr>
+                                <m:t>+</m:t>
+                              </m:r>
+                              <m:f>
+                                <m:fPr>
+                                  <m:ctrlPr>
+                                    <a:rPr lang="fr-FR" sz="1100" i="1">
+                                      <a:latin typeface="Cambria Math" panose="02040503050406030204" pitchFamily="18" charset="0"/>
+                                    </a:rPr>
+                                  </m:ctrlPr>
+                                </m:fPr>
+                                <m:num>
+                                  <m:r>
+                                    <a:rPr lang="fr-FR" sz="1100" i="1">
+                                      <a:latin typeface="Cambria Math" panose="02040503050406030204" pitchFamily="18" charset="0"/>
+                                    </a:rPr>
+                                    <m:t>1</m:t>
+                                  </m:r>
+                                </m:num>
+                                <m:den>
+                                  <m:r>
+                                    <a:rPr lang="fr-FR" sz="1100" i="1">
+                                      <a:latin typeface="Cambria Math" panose="02040503050406030204" pitchFamily="18" charset="0"/>
+                                      <a:ea typeface="Cambria Math" panose="02040503050406030204" pitchFamily="18" charset="0"/>
+                                    </a:rPr>
+                                    <m:t>∆</m:t>
+                                  </m:r>
+                                  <m:sSup>
+                                    <m:sSupPr>
+                                      <m:ctrlPr>
+                                        <a:rPr lang="fr-FR" sz="1100" i="1">
+                                          <a:latin typeface="Cambria Math" panose="02040503050406030204" pitchFamily="18" charset="0"/>
+                                          <a:ea typeface="Cambria Math" panose="02040503050406030204" pitchFamily="18" charset="0"/>
+                                        </a:rPr>
+                                      </m:ctrlPr>
+                                    </m:sSupPr>
+                                    <m:e>
+                                      <m:r>
+                                        <a:rPr lang="fr-FR" sz="1100" i="1">
+                                          <a:latin typeface="Cambria Math" panose="02040503050406030204" pitchFamily="18" charset="0"/>
+                                          <a:ea typeface="Cambria Math" panose="02040503050406030204" pitchFamily="18" charset="0"/>
+                                        </a:rPr>
+                                        <m:t>𝑟</m:t>
+                                      </m:r>
+                                    </m:e>
+                                    <m:sup>
+                                      <m:r>
+                                        <a:rPr lang="fr-FR" sz="1100" i="1">
+                                          <a:latin typeface="Cambria Math" panose="02040503050406030204" pitchFamily="18" charset="0"/>
+                                          <a:ea typeface="Cambria Math" panose="02040503050406030204" pitchFamily="18" charset="0"/>
+                                        </a:rPr>
+                                        <m:t>2</m:t>
+                                      </m:r>
+                                    </m:sup>
+                                  </m:sSup>
+                                </m:den>
+                              </m:f>
+                            </m:e>
+                          </m:d>
+                        </m:e>
+                      </m:d>
+                      <m:r>
+                        <a:rPr lang="fr-FR" sz="1100" i="1">
+                          <a:latin typeface="Cambria Math" panose="02040503050406030204" pitchFamily="18" charset="0"/>
+                        </a:rPr>
+                        <m:t>+</m:t>
+                      </m:r>
+                      <m:sSubSup>
+                        <m:sSubSupPr>
+                          <m:ctrlPr>
+                            <a:rPr lang="fr-FR" sz="1100" i="1">
+                              <a:latin typeface="Cambria Math" panose="02040503050406030204" pitchFamily="18" charset="0"/>
+                            </a:rPr>
+                          </m:ctrlPr>
+                        </m:sSubSupPr>
+                        <m:e>
+                          <m:r>
+                            <a:rPr lang="fr-FR" sz="1100" i="1">
+                              <a:latin typeface="Cambria Math" panose="02040503050406030204" pitchFamily="18" charset="0"/>
+                            </a:rPr>
+                            <m:t>𝐶</m:t>
+                          </m:r>
+                        </m:e>
+                        <m:sub>
+                          <m:r>
+                            <a:rPr lang="fr-FR" sz="1100" i="1">
+                              <a:latin typeface="Cambria Math" panose="02040503050406030204" pitchFamily="18" charset="0"/>
+                            </a:rPr>
+                            <m:t>𝑖</m:t>
+                          </m:r>
+                        </m:sub>
+                        <m:sup>
+                          <m:r>
+                            <a:rPr lang="fr-FR" sz="1100" i="1">
+                              <a:latin typeface="Cambria Math" panose="02040503050406030204" pitchFamily="18" charset="0"/>
+                            </a:rPr>
+                            <m:t>𝑛</m:t>
+                          </m:r>
+                        </m:sup>
+                      </m:sSubSup>
+                      <m:d>
+                        <m:dPr>
+                          <m:begChr m:val="["/>
+                          <m:endChr m:val="]"/>
+                          <m:ctrlPr>
+                            <a:rPr lang="fr-FR" sz="1100" i="1">
+                              <a:latin typeface="Cambria Math" panose="02040503050406030204" pitchFamily="18" charset="0"/>
+                            </a:rPr>
+                          </m:ctrlPr>
+                        </m:dPr>
+                        <m:e>
+                          <m:f>
+                            <m:fPr>
+                              <m:ctrlPr>
+                                <a:rPr lang="fr-FR" sz="1100" b="0" i="1" smtClean="0">
+                                  <a:latin typeface="Cambria Math" panose="02040503050406030204" pitchFamily="18" charset="0"/>
+                                </a:rPr>
+                              </m:ctrlPr>
+                            </m:fPr>
+                            <m:num>
+                              <m:r>
+                                <a:rPr lang="fr-FR" sz="1100" i="1">
+                                  <a:latin typeface="Cambria Math" panose="02040503050406030204" pitchFamily="18" charset="0"/>
+                                </a:rPr>
+                                <m:t>1</m:t>
+                              </m:r>
+                            </m:num>
+                            <m:den>
+                              <m:r>
+                                <a:rPr lang="fr-FR" sz="1100" b="0" i="1" smtClean="0">
+                                  <a:latin typeface="Cambria Math" panose="02040503050406030204" pitchFamily="18" charset="0"/>
+                                  <a:ea typeface="Cambria Math" panose="02040503050406030204" pitchFamily="18" charset="0"/>
+                                </a:rPr>
+                                <m:t>∆</m:t>
+                              </m:r>
+                              <m:r>
+                                <a:rPr lang="fr-FR" sz="1100" b="0" i="1" smtClean="0">
+                                  <a:latin typeface="Cambria Math" panose="02040503050406030204" pitchFamily="18" charset="0"/>
+                                  <a:ea typeface="Cambria Math" panose="02040503050406030204" pitchFamily="18" charset="0"/>
+                                </a:rPr>
+                                <m:t>𝑡</m:t>
+                              </m:r>
+                            </m:den>
+                          </m:f>
+                          <m:r>
+                            <a:rPr lang="fr-FR" sz="1100" b="0" i="1" smtClean="0">
+                              <a:latin typeface="Cambria Math" panose="02040503050406030204" pitchFamily="18" charset="0"/>
+                            </a:rPr>
+                            <m:t>−</m:t>
+                          </m:r>
+                          <m:sSub>
+                            <m:sSubPr>
+                              <m:ctrlPr>
+                                <a:rPr lang="fr-FR" sz="1100" i="1">
+                                  <a:latin typeface="Cambria Math" panose="02040503050406030204" pitchFamily="18" charset="0"/>
+                                </a:rPr>
+                              </m:ctrlPr>
+                            </m:sSubPr>
+                            <m:e>
+                              <m:f>
+                                <m:fPr>
+                                  <m:ctrlPr>
+                                    <a:rPr lang="fr-FR" sz="1100" i="1">
+                                      <a:latin typeface="Cambria Math" panose="02040503050406030204" pitchFamily="18" charset="0"/>
+                                      <a:ea typeface="Cambria Math" panose="02040503050406030204" pitchFamily="18" charset="0"/>
+                                    </a:rPr>
+                                  </m:ctrlPr>
+                                </m:fPr>
+                                <m:num>
+                                  <m:r>
+                                    <a:rPr lang="fr-FR" sz="1100" b="0" i="1" smtClean="0">
+                                      <a:latin typeface="Cambria Math" panose="02040503050406030204" pitchFamily="18" charset="0"/>
+                                      <a:ea typeface="Cambria Math" panose="02040503050406030204" pitchFamily="18" charset="0"/>
+                                    </a:rPr>
+                                    <m:t>1</m:t>
+                                  </m:r>
+                                </m:num>
+                                <m:den>
+                                  <m:r>
+                                    <a:rPr lang="fr-FR" sz="1100" i="1">
+                                      <a:latin typeface="Cambria Math" panose="02040503050406030204" pitchFamily="18" charset="0"/>
+                                      <a:ea typeface="Cambria Math" panose="02040503050406030204" pitchFamily="18" charset="0"/>
+                                    </a:rPr>
+                                    <m:t>2</m:t>
+                                  </m:r>
+                                </m:den>
+                              </m:f>
+                              <m:r>
+                                <a:rPr lang="fr-FR" sz="1100" i="1">
+                                  <a:latin typeface="Cambria Math" panose="02040503050406030204" pitchFamily="18" charset="0"/>
+                                  <a:ea typeface="Cambria Math" panose="02040503050406030204" pitchFamily="18" charset="0"/>
+                                </a:rPr>
+                                <m:t>∙</m:t>
+                              </m:r>
+                              <m:r>
+                                <a:rPr lang="fr-FR" sz="1100" i="1">
+                                  <a:latin typeface="Cambria Math" panose="02040503050406030204" pitchFamily="18" charset="0"/>
+                                </a:rPr>
+                                <m:t>𝐷</m:t>
+                              </m:r>
+                            </m:e>
+                            <m:sub>
+                              <m:r>
+                                <a:rPr lang="fr-FR" sz="1100" i="1">
+                                  <a:latin typeface="Cambria Math" panose="02040503050406030204" pitchFamily="18" charset="0"/>
+                                </a:rPr>
+                                <m:t>𝑒𝑓𝑓</m:t>
+                              </m:r>
+                            </m:sub>
+                          </m:sSub>
+                          <m:f>
+                            <m:fPr>
+                              <m:ctrlPr>
+                                <a:rPr lang="fr-FR" sz="1100" i="1">
+                                  <a:latin typeface="Cambria Math" panose="02040503050406030204" pitchFamily="18" charset="0"/>
+                                </a:rPr>
+                              </m:ctrlPr>
+                            </m:fPr>
+                            <m:num>
+                              <m:r>
+                                <a:rPr lang="fr-FR" sz="1100" i="1">
+                                  <a:latin typeface="Cambria Math" panose="02040503050406030204" pitchFamily="18" charset="0"/>
+                                </a:rPr>
+                                <m:t>2</m:t>
+                              </m:r>
+                            </m:num>
+                            <m:den>
+                              <m:r>
+                                <a:rPr lang="fr-FR" sz="1100" i="1">
+                                  <a:latin typeface="Cambria Math" panose="02040503050406030204" pitchFamily="18" charset="0"/>
+                                  <a:ea typeface="Cambria Math" panose="02040503050406030204" pitchFamily="18" charset="0"/>
+                                </a:rPr>
+                                <m:t>∆</m:t>
+                              </m:r>
+                              <m:sSup>
+                                <m:sSupPr>
+                                  <m:ctrlPr>
+                                    <a:rPr lang="fr-FR" sz="1100" i="1">
+                                      <a:latin typeface="Cambria Math" panose="02040503050406030204" pitchFamily="18" charset="0"/>
+                                      <a:ea typeface="Cambria Math" panose="02040503050406030204" pitchFamily="18" charset="0"/>
+                                    </a:rPr>
+                                  </m:ctrlPr>
+                                </m:sSupPr>
+                                <m:e>
+                                  <m:r>
+                                    <a:rPr lang="fr-FR" sz="1100" i="1">
+                                      <a:latin typeface="Cambria Math" panose="02040503050406030204" pitchFamily="18" charset="0"/>
+                                      <a:ea typeface="Cambria Math" panose="02040503050406030204" pitchFamily="18" charset="0"/>
+                                    </a:rPr>
+                                    <m:t>𝑟</m:t>
+                                  </m:r>
+                                </m:e>
+                                <m:sup>
+                                  <m:r>
+                                    <a:rPr lang="fr-FR" sz="1100" i="1">
+                                      <a:latin typeface="Cambria Math" panose="02040503050406030204" pitchFamily="18" charset="0"/>
+                                      <a:ea typeface="Cambria Math" panose="02040503050406030204" pitchFamily="18" charset="0"/>
+                                    </a:rPr>
+                                    <m:t>2</m:t>
+                                  </m:r>
+                                </m:sup>
+                              </m:sSup>
+                            </m:den>
+                          </m:f>
+                          <m:r>
+                            <a:rPr lang="fr-FR" sz="1100" b="0" i="1" smtClean="0">
+                              <a:latin typeface="Cambria Math" panose="02040503050406030204" pitchFamily="18" charset="0"/>
+                              <a:ea typeface="Cambria Math" panose="02040503050406030204" pitchFamily="18" charset="0"/>
+                            </a:rPr>
+                            <m:t>−</m:t>
+                          </m:r>
+                          <m:f>
+                            <m:fPr>
+                              <m:ctrlPr>
+                                <a:rPr lang="fr-FR" sz="1100" b="0" i="1" smtClean="0">
+                                  <a:latin typeface="Cambria Math" panose="02040503050406030204" pitchFamily="18" charset="0"/>
+                                  <a:ea typeface="Cambria Math" panose="02040503050406030204" pitchFamily="18" charset="0"/>
+                                </a:rPr>
+                              </m:ctrlPr>
+                            </m:fPr>
+                            <m:num>
+                              <m:r>
+                                <a:rPr lang="fr-FR" sz="1100" i="1">
+                                  <a:latin typeface="Cambria Math" panose="02040503050406030204" pitchFamily="18" charset="0"/>
+                                  <a:ea typeface="Cambria Math" panose="02040503050406030204" pitchFamily="18" charset="0"/>
+                                </a:rPr>
+                                <m:t>𝑘</m:t>
+                              </m:r>
+                            </m:num>
+                            <m:den>
+                              <m:r>
+                                <a:rPr lang="fr-FR" sz="1100" b="0" i="1" smtClean="0">
+                                  <a:latin typeface="Cambria Math" panose="02040503050406030204" pitchFamily="18" charset="0"/>
+                                  <a:ea typeface="Cambria Math" panose="02040503050406030204" pitchFamily="18" charset="0"/>
+                                </a:rPr>
+                                <m:t>∆</m:t>
+                              </m:r>
+                              <m:r>
+                                <a:rPr lang="fr-FR" sz="1100" b="0" i="1" smtClean="0">
+                                  <a:latin typeface="Cambria Math" panose="02040503050406030204" pitchFamily="18" charset="0"/>
+                                  <a:ea typeface="Cambria Math" panose="02040503050406030204" pitchFamily="18" charset="0"/>
+                                </a:rPr>
+                                <m:t>𝑡</m:t>
+                              </m:r>
+                            </m:den>
+                          </m:f>
+                        </m:e>
+                      </m:d>
+                      <m:r>
+                        <a:rPr lang="fr-FR" sz="1100" i="1">
+                          <a:latin typeface="Cambria Math" panose="02040503050406030204" pitchFamily="18" charset="0"/>
+                        </a:rPr>
+                        <m:t>+</m:t>
+                      </m:r>
+                      <m:sSubSup>
+                        <m:sSubSupPr>
+                          <m:ctrlPr>
+                            <a:rPr lang="fr-FR" sz="1100" i="1">
+                              <a:latin typeface="Cambria Math" panose="02040503050406030204" pitchFamily="18" charset="0"/>
+                            </a:rPr>
+                          </m:ctrlPr>
+                        </m:sSubSupPr>
+                        <m:e>
+                          <m:r>
+                            <a:rPr lang="fr-FR" sz="1100" i="1">
+                              <a:latin typeface="Cambria Math" panose="02040503050406030204" pitchFamily="18" charset="0"/>
+                            </a:rPr>
+                            <m:t>𝐶</m:t>
+                          </m:r>
+                        </m:e>
+                        <m:sub>
+                          <m:r>
+                            <a:rPr lang="fr-FR" sz="1100" i="1">
+                              <a:latin typeface="Cambria Math" panose="02040503050406030204" pitchFamily="18" charset="0"/>
+                            </a:rPr>
+                            <m:t>𝑖</m:t>
+                          </m:r>
+                          <m:r>
+                            <a:rPr lang="fr-FR" sz="1100" i="1">
+                              <a:latin typeface="Cambria Math" panose="02040503050406030204" pitchFamily="18" charset="0"/>
+                            </a:rPr>
+                            <m:t>+1</m:t>
+                          </m:r>
+                        </m:sub>
+                        <m:sup>
+                          <m:r>
+                            <a:rPr lang="fr-FR" sz="1100" i="1">
+                              <a:latin typeface="Cambria Math" panose="02040503050406030204" pitchFamily="18" charset="0"/>
+                            </a:rPr>
+                            <m:t>𝑛</m:t>
+                          </m:r>
+                          <m:r>
+                            <a:rPr lang="fr-FR" sz="1100" i="1">
+                              <a:latin typeface="Cambria Math" panose="02040503050406030204" pitchFamily="18" charset="0"/>
+                            </a:rPr>
+                            <m:t>+1</m:t>
+                          </m:r>
+                        </m:sup>
+                      </m:sSubSup>
+                      <m:d>
+                        <m:dPr>
+                          <m:begChr m:val="["/>
+                          <m:endChr m:val="]"/>
+                          <m:ctrlPr>
+                            <a:rPr lang="fr-FR" sz="1100" i="1">
+                              <a:latin typeface="Cambria Math" panose="02040503050406030204" pitchFamily="18" charset="0"/>
+                            </a:rPr>
+                          </m:ctrlPr>
+                        </m:dPr>
+                        <m:e>
+                          <m:sSub>
+                            <m:sSubPr>
+                              <m:ctrlPr>
+                                <a:rPr lang="fr-FR" sz="1100" i="1">
+                                  <a:latin typeface="Cambria Math" panose="02040503050406030204" pitchFamily="18" charset="0"/>
+                                </a:rPr>
+                              </m:ctrlPr>
+                            </m:sSubPr>
+                            <m:e>
+                              <m:f>
+                                <m:fPr>
+                                  <m:ctrlPr>
+                                    <a:rPr lang="fr-FR" sz="1100" i="1">
+                                      <a:latin typeface="Cambria Math" panose="02040503050406030204" pitchFamily="18" charset="0"/>
+                                      <a:ea typeface="Cambria Math" panose="02040503050406030204" pitchFamily="18" charset="0"/>
+                                    </a:rPr>
+                                  </m:ctrlPr>
+                                </m:fPr>
+                                <m:num>
+                                  <m:r>
+                                    <a:rPr lang="fr-FR" sz="1100" b="0" i="1" smtClean="0">
+                                      <a:latin typeface="Cambria Math" panose="02040503050406030204" pitchFamily="18" charset="0"/>
+                                      <a:ea typeface="Cambria Math" panose="02040503050406030204" pitchFamily="18" charset="0"/>
+                                    </a:rPr>
+                                    <m:t>1</m:t>
+                                  </m:r>
+                                </m:num>
+                                <m:den>
+                                  <m:r>
+                                    <a:rPr lang="fr-FR" sz="1100" i="1">
+                                      <a:latin typeface="Cambria Math" panose="02040503050406030204" pitchFamily="18" charset="0"/>
+                                      <a:ea typeface="Cambria Math" panose="02040503050406030204" pitchFamily="18" charset="0"/>
+                                    </a:rPr>
+                                    <m:t>2</m:t>
+                                  </m:r>
+                                </m:den>
+                              </m:f>
+                              <m:r>
+                                <a:rPr lang="fr-FR" sz="1100" i="1">
+                                  <a:latin typeface="Cambria Math" panose="02040503050406030204" pitchFamily="18" charset="0"/>
+                                  <a:ea typeface="Cambria Math" panose="02040503050406030204" pitchFamily="18" charset="0"/>
+                                </a:rPr>
+                                <m:t>∙</m:t>
+                              </m:r>
+                              <m:r>
+                                <a:rPr lang="fr-FR" sz="1100" i="1">
+                                  <a:latin typeface="Cambria Math" panose="02040503050406030204" pitchFamily="18" charset="0"/>
+                                </a:rPr>
+                                <m:t>𝐷</m:t>
+                              </m:r>
+                            </m:e>
+                            <m:sub>
+                              <m:r>
+                                <a:rPr lang="fr-FR" sz="1100" i="1">
+                                  <a:latin typeface="Cambria Math" panose="02040503050406030204" pitchFamily="18" charset="0"/>
+                                </a:rPr>
+                                <m:t>𝑒𝑓𝑓</m:t>
+                              </m:r>
+                            </m:sub>
+                          </m:sSub>
+                          <m:d>
+                            <m:dPr>
+                              <m:ctrlPr>
+                                <a:rPr lang="fr-FR" sz="1100" i="1">
+                                  <a:latin typeface="Cambria Math" panose="02040503050406030204" pitchFamily="18" charset="0"/>
+                                </a:rPr>
+                              </m:ctrlPr>
+                            </m:dPr>
+                            <m:e>
+                              <m:f>
+                                <m:fPr>
+                                  <m:ctrlPr>
+                                    <a:rPr lang="fr-FR" sz="1100" i="1">
+                                      <a:latin typeface="Cambria Math" panose="02040503050406030204" pitchFamily="18" charset="0"/>
+                                    </a:rPr>
+                                  </m:ctrlPr>
+                                </m:fPr>
+                                <m:num>
+                                  <m:r>
+                                    <a:rPr lang="fr-FR" sz="1100" i="1">
+                                      <a:latin typeface="Cambria Math" panose="02040503050406030204" pitchFamily="18" charset="0"/>
+                                    </a:rPr>
+                                    <m:t>1</m:t>
+                                  </m:r>
+                                </m:num>
+                                <m:den>
+                                  <m:r>
+                                    <a:rPr lang="fr-FR" sz="1100" i="1">
+                                      <a:latin typeface="Cambria Math" panose="02040503050406030204" pitchFamily="18" charset="0"/>
+                                    </a:rPr>
+                                    <m:t>2</m:t>
+                                  </m:r>
+                                  <m:r>
+                                    <a:rPr lang="fr-FR" sz="1100" i="1">
+                                      <a:latin typeface="Cambria Math" panose="02040503050406030204" pitchFamily="18" charset="0"/>
+                                    </a:rPr>
+                                    <m:t>𝑟</m:t>
+                                  </m:r>
+                                  <m:r>
+                                    <a:rPr lang="fr-FR" sz="1100" i="1">
+                                      <a:latin typeface="Cambria Math" panose="02040503050406030204" pitchFamily="18" charset="0"/>
+                                      <a:ea typeface="Cambria Math" panose="02040503050406030204" pitchFamily="18" charset="0"/>
+                                    </a:rPr>
+                                    <m:t>∆</m:t>
+                                  </m:r>
+                                  <m:r>
+                                    <a:rPr lang="fr-FR" sz="1100" i="1">
+                                      <a:latin typeface="Cambria Math" panose="02040503050406030204" pitchFamily="18" charset="0"/>
+                                      <a:ea typeface="Cambria Math" panose="02040503050406030204" pitchFamily="18" charset="0"/>
+                                    </a:rPr>
+                                    <m:t>𝑟</m:t>
+                                  </m:r>
+                                </m:den>
+                              </m:f>
+                              <m:r>
+                                <a:rPr lang="fr-FR" sz="1100" i="1">
+                                  <a:latin typeface="Cambria Math" panose="02040503050406030204" pitchFamily="18" charset="0"/>
+                                </a:rPr>
+                                <m:t>+</m:t>
+                              </m:r>
+                              <m:f>
+                                <m:fPr>
+                                  <m:ctrlPr>
+                                    <a:rPr lang="fr-FR" sz="1100" i="1">
+                                      <a:latin typeface="Cambria Math" panose="02040503050406030204" pitchFamily="18" charset="0"/>
+                                    </a:rPr>
+                                  </m:ctrlPr>
+                                </m:fPr>
+                                <m:num>
+                                  <m:r>
+                                    <a:rPr lang="fr-FR" sz="1100" i="1">
+                                      <a:latin typeface="Cambria Math" panose="02040503050406030204" pitchFamily="18" charset="0"/>
+                                    </a:rPr>
+                                    <m:t>1</m:t>
+                                  </m:r>
+                                </m:num>
+                                <m:den>
+                                  <m:r>
+                                    <a:rPr lang="fr-FR" sz="1100" i="1">
+                                      <a:latin typeface="Cambria Math" panose="02040503050406030204" pitchFamily="18" charset="0"/>
+                                      <a:ea typeface="Cambria Math" panose="02040503050406030204" pitchFamily="18" charset="0"/>
+                                    </a:rPr>
+                                    <m:t>∆</m:t>
+                                  </m:r>
+                                  <m:sSup>
+                                    <m:sSupPr>
+                                      <m:ctrlPr>
+                                        <a:rPr lang="fr-FR" sz="1100" i="1">
+                                          <a:latin typeface="Cambria Math" panose="02040503050406030204" pitchFamily="18" charset="0"/>
+                                          <a:ea typeface="Cambria Math" panose="02040503050406030204" pitchFamily="18" charset="0"/>
+                                        </a:rPr>
+                                      </m:ctrlPr>
+                                    </m:sSupPr>
+                                    <m:e>
+                                      <m:r>
+                                        <a:rPr lang="fr-FR" sz="1100" i="1">
+                                          <a:latin typeface="Cambria Math" panose="02040503050406030204" pitchFamily="18" charset="0"/>
+                                          <a:ea typeface="Cambria Math" panose="02040503050406030204" pitchFamily="18" charset="0"/>
+                                        </a:rPr>
+                                        <m:t>𝑟</m:t>
+                                      </m:r>
+                                    </m:e>
+                                    <m:sup>
+                                      <m:r>
+                                        <a:rPr lang="fr-FR" sz="1100" i="1">
+                                          <a:latin typeface="Cambria Math" panose="02040503050406030204" pitchFamily="18" charset="0"/>
+                                          <a:ea typeface="Cambria Math" panose="02040503050406030204" pitchFamily="18" charset="0"/>
+                                        </a:rPr>
+                                        <m:t>2</m:t>
+                                      </m:r>
+                                    </m:sup>
+                                  </m:sSup>
+                                </m:den>
+                              </m:f>
+                            </m:e>
+                          </m:d>
+                        </m:e>
+                      </m:d>
+                    </m:oMath>
+                  </m:oMathPara>
+                </a14:m>
+                <a:endParaRPr lang="en-GB" sz="1100" dirty="0"/>
+              </a:p>
+            </p:txBody>
+          </p:sp>
+        </mc:Choice>
+        <mc:Fallback>
+          <p:sp>
+            <p:nvSpPr>
+              <p:cNvPr id="4" name="TextBox 3">
+                <a:extLst>
+                  <a:ext uri="{FF2B5EF4-FFF2-40B4-BE49-F238E27FC236}">
+                    <a16:creationId xmlns:a16="http://schemas.microsoft.com/office/drawing/2014/main" id="{EADB7A49-C3D6-2E36-AA84-D62056BEB820}"/>
+                  </a:ext>
+                </a:extLst>
+              </p:cNvPr>
+              <p:cNvSpPr txBox="1">
+                <a:spLocks noRot="1" noChangeAspect="1" noMove="1" noResize="1" noEditPoints="1" noAdjustHandles="1" noChangeArrowheads="1" noChangeShapeType="1" noTextEdit="1"/>
+              </p:cNvSpPr>
+              <p:nvPr/>
+            </p:nvSpPr>
+            <p:spPr>
+              <a:xfrm>
+                <a:off x="95994" y="2762031"/>
+                <a:ext cx="12000012" cy="380361"/>
+              </a:xfrm>
+              <a:prstGeom prst="rect">
+                <a:avLst/>
+              </a:prstGeom>
+              <a:blipFill>
+                <a:blip r:embed="rId8"/>
+                <a:stretch>
+                  <a:fillRect/>
                 </a:stretch>
               </a:blipFill>
             </p:spPr>
@@ -23303,7 +25143,7 @@
             <p:spPr>
               <a:xfrm>
                 <a:off x="4575101" y="1163593"/>
-                <a:ext cx="2602059" cy="633891"/>
+                <a:ext cx="2588594" cy="633891"/>
               </a:xfrm>
               <a:prstGeom prst="rect">
                 <a:avLst/>
@@ -23316,6 +25156,7 @@
               </a:bodyPr>
               <a:lstStyle/>
               <a:p>
+                <a:pPr/>
                 <a14:m>
                   <m:oMathPara xmlns:m="http://schemas.openxmlformats.org/officeDocument/2006/math">
                     <m:oMathParaPr>
@@ -23475,7 +25316,7 @@
                           <a:latin typeface="Cambria Math" panose="02040503050406030204" pitchFamily="18" charset="0"/>
                           <a:ea typeface="Cambria Math" panose="02040503050406030204" pitchFamily="18" charset="0"/>
                         </a:rPr>
-                        <m:t>𝑠𝑖𝑛</m:t>
+                        <m:t>𝑒𝑥𝑝</m:t>
                       </m:r>
                       <m:d>
                         <m:dPr>
@@ -23497,13 +25338,6 @@
                               </m:ctrlPr>
                             </m:fPr>
                             <m:num>
-                              <m:r>
-                                <a:rPr lang="fr-FR" b="0" i="1" smtClean="0">
-                                  <a:latin typeface="Cambria Math" panose="02040503050406030204" pitchFamily="18" charset="0"/>
-                                  <a:ea typeface="Cambria Math" panose="02040503050406030204" pitchFamily="18" charset="0"/>
-                                </a:rPr>
-                                <m:t>𝜋</m:t>
-                              </m:r>
                               <m:r>
                                 <a:rPr lang="fr-FR" b="0" i="1" smtClean="0">
                                   <a:latin typeface="Cambria Math" panose="02040503050406030204" pitchFamily="18" charset="0"/>
@@ -23571,7 +25405,7 @@
             <p:spPr>
               <a:xfrm>
                 <a:off x="4575101" y="1163593"/>
-                <a:ext cx="2602059" cy="633891"/>
+                <a:ext cx="2588594" cy="633891"/>
               </a:xfrm>
               <a:prstGeom prst="rect">
                 <a:avLst/>
@@ -23654,7 +25488,7 @@
             <p:spPr>
               <a:xfrm>
                 <a:off x="177419" y="2449184"/>
-                <a:ext cx="4799071" cy="628249"/>
+                <a:ext cx="4849213" cy="628249"/>
               </a:xfrm>
               <a:prstGeom prst="rect">
                 <a:avLst/>
@@ -23667,6 +25501,7 @@
               </a:bodyPr>
               <a:lstStyle/>
               <a:p>
+                <a:pPr/>
                 <a14:m>
                   <m:oMathPara xmlns:m="http://schemas.openxmlformats.org/officeDocument/2006/math">
                     <m:oMathParaPr>
@@ -23879,7 +25714,7 @@
                           <a:latin typeface="Cambria Math" panose="02040503050406030204" pitchFamily="18" charset="0"/>
                           <a:ea typeface="Cambria Math" panose="02040503050406030204" pitchFamily="18" charset="0"/>
                         </a:rPr>
-                        <m:t>𝑠𝑖𝑛</m:t>
+                        <m:t>𝑒𝑥𝑝</m:t>
                       </m:r>
                       <m:d>
                         <m:dPr>
@@ -23901,13 +25736,6 @@
                               </m:ctrlPr>
                             </m:fPr>
                             <m:num>
-                              <m:r>
-                                <a:rPr lang="fr-FR" b="0" i="1" smtClean="0">
-                                  <a:latin typeface="Cambria Math" panose="02040503050406030204" pitchFamily="18" charset="0"/>
-                                  <a:ea typeface="Cambria Math" panose="02040503050406030204" pitchFamily="18" charset="0"/>
-                                </a:rPr>
-                                <m:t>𝜋</m:t>
-                              </m:r>
                               <m:r>
                                 <a:rPr lang="fr-FR" b="0" i="1" smtClean="0">
                                   <a:latin typeface="Cambria Math" panose="02040503050406030204" pitchFamily="18" charset="0"/>
@@ -23975,7 +25803,7 @@
             <p:spPr>
               <a:xfrm>
                 <a:off x="177419" y="2449184"/>
-                <a:ext cx="4799071" cy="628249"/>
+                <a:ext cx="4849213" cy="628249"/>
               </a:xfrm>
               <a:prstGeom prst="rect">
                 <a:avLst/>
@@ -24002,8 +25830,8 @@
           </p:sp>
         </mc:Fallback>
       </mc:AlternateContent>
-      <mc:AlternateContent xmlns:mc="http://schemas.openxmlformats.org/markup-compatibility/2006">
-        <mc:Choice xmlns:a14="http://schemas.microsoft.com/office/drawing/2010/main" Requires="a14">
+      <mc:AlternateContent xmlns:mc="http://schemas.openxmlformats.org/markup-compatibility/2006" xmlns:a14="http://schemas.microsoft.com/office/drawing/2010/main">
+        <mc:Choice Requires="a14">
           <p:sp>
             <p:nvSpPr>
               <p:cNvPr id="14" name="TextBox 13">
@@ -24032,6 +25860,7 @@
               </a:bodyPr>
               <a:lstStyle/>
               <a:p>
+                <a:pPr/>
                 <a14:m>
                   <m:oMathPara xmlns:m="http://schemas.openxmlformats.org/officeDocument/2006/math">
                     <m:oMathParaPr>
@@ -24240,7 +26069,7 @@
             </p:txBody>
           </p:sp>
         </mc:Choice>
-        <mc:Fallback>
+        <mc:Fallback xmlns="">
           <p:sp>
             <p:nvSpPr>
               <p:cNvPr id="14" name="TextBox 13">
@@ -24301,8 +26130,8 @@
             </p:nvSpPr>
             <p:spPr>
               <a:xfrm>
-                <a:off x="177418" y="4149557"/>
-                <a:ext cx="3852914" cy="286425"/>
+                <a:off x="177418" y="3941667"/>
+                <a:ext cx="4255011" cy="553998"/>
               </a:xfrm>
               <a:prstGeom prst="rect">
                 <a:avLst/>
@@ -24315,6 +26144,7 @@
               </a:bodyPr>
               <a:lstStyle/>
               <a:p>
+                <a:pPr/>
                 <a14:m>
                   <m:oMathPara xmlns:m="http://schemas.openxmlformats.org/officeDocument/2006/math">
                     <m:oMathParaPr>
@@ -24428,8 +26258,96 @@
                           <a:latin typeface="Cambria Math" panose="02040503050406030204" pitchFamily="18" charset="0"/>
                           <a:ea typeface="Cambria Math" panose="02040503050406030204" pitchFamily="18" charset="0"/>
                         </a:rPr>
-                        <m:t>=0)=0</m:t>
+                        <m:t>=0)=</m:t>
                       </m:r>
+                      <m:sSub>
+                        <m:sSubPr>
+                          <m:ctrlPr>
+                            <a:rPr lang="fr-FR" i="1">
+                              <a:latin typeface="Cambria Math" panose="02040503050406030204" pitchFamily="18" charset="0"/>
+                            </a:rPr>
+                          </m:ctrlPr>
+                        </m:sSubPr>
+                        <m:e>
+                          <m:r>
+                            <a:rPr lang="fr-FR" i="1">
+                              <a:latin typeface="Cambria Math" panose="02040503050406030204" pitchFamily="18" charset="0"/>
+                            </a:rPr>
+                            <m:t>𝐶</m:t>
+                          </m:r>
+                        </m:e>
+                        <m:sub>
+                          <m:r>
+                            <a:rPr lang="fr-FR" i="1">
+                              <a:latin typeface="Cambria Math" panose="02040503050406030204" pitchFamily="18" charset="0"/>
+                            </a:rPr>
+                            <m:t>𝑒</m:t>
+                          </m:r>
+                        </m:sub>
+                      </m:sSub>
+                      <m:f>
+                        <m:fPr>
+                          <m:ctrlPr>
+                            <a:rPr lang="fr-FR" i="1">
+                              <a:latin typeface="Cambria Math" panose="02040503050406030204" pitchFamily="18" charset="0"/>
+                            </a:rPr>
+                          </m:ctrlPr>
+                        </m:fPr>
+                        <m:num>
+                          <m:sSup>
+                            <m:sSupPr>
+                              <m:ctrlPr>
+                                <a:rPr lang="fr-FR" i="1">
+                                  <a:latin typeface="Cambria Math" panose="02040503050406030204" pitchFamily="18" charset="0"/>
+                                </a:rPr>
+                              </m:ctrlPr>
+                            </m:sSupPr>
+                            <m:e>
+                              <m:r>
+                                <a:rPr lang="fr-FR" i="1">
+                                  <a:latin typeface="Cambria Math" panose="02040503050406030204" pitchFamily="18" charset="0"/>
+                                </a:rPr>
+                                <m:t>𝑟</m:t>
+                              </m:r>
+                            </m:e>
+                            <m:sup>
+                              <m:r>
+                                <a:rPr lang="fr-FR" i="1">
+                                  <a:latin typeface="Cambria Math" panose="02040503050406030204" pitchFamily="18" charset="0"/>
+                                </a:rPr>
+                                <m:t>2</m:t>
+                              </m:r>
+                            </m:sup>
+                          </m:sSup>
+                        </m:num>
+                        <m:den>
+                          <m:sSup>
+                            <m:sSupPr>
+                              <m:ctrlPr>
+                                <a:rPr lang="fr-FR" i="1">
+                                  <a:latin typeface="Cambria Math" panose="02040503050406030204" pitchFamily="18" charset="0"/>
+                                </a:rPr>
+                              </m:ctrlPr>
+                            </m:sSupPr>
+                            <m:e>
+                              <m:r>
+                                <a:rPr lang="fr-FR" i="1">
+                                  <a:latin typeface="Cambria Math" panose="02040503050406030204" pitchFamily="18" charset="0"/>
+                                </a:rPr>
+                                <m:t>𝑅</m:t>
+                              </m:r>
+                            </m:e>
+                            <m:sup>
+                              <m:r>
+                                <a:rPr lang="fr-FR" i="1">
+                                  <a:latin typeface="Cambria Math" panose="02040503050406030204" pitchFamily="18" charset="0"/>
+                                </a:rPr>
+                                <m:t>2</m:t>
+                              </m:r>
+                            </m:sup>
+                          </m:sSup>
+                        </m:den>
+                      </m:f>
                     </m:oMath>
                   </m:oMathPara>
                 </a14:m>
@@ -24455,8 +26373,8 @@
             </p:nvSpPr>
             <p:spPr>
               <a:xfrm>
-                <a:off x="177418" y="4149557"/>
-                <a:ext cx="3852914" cy="286425"/>
+                <a:off x="177418" y="3941667"/>
+                <a:ext cx="4255011" cy="553998"/>
               </a:xfrm>
               <a:prstGeom prst="rect">
                 <a:avLst/>
@@ -24464,7 +26382,7 @@
               <a:blipFill>
                 <a:blip r:embed="rId5"/>
                 <a:stretch>
-                  <a:fillRect l="-949" t="-27660" r="-1108" b="-34043"/>
+                  <a:fillRect/>
                 </a:stretch>
               </a:blipFill>
             </p:spPr>
@@ -24577,7 +26495,7 @@
             <p:spPr>
               <a:xfrm>
                 <a:off x="177418" y="5204010"/>
-                <a:ext cx="9830063" cy="1328569"/>
+                <a:ext cx="9957278" cy="1328569"/>
               </a:xfrm>
               <a:prstGeom prst="rect">
                 <a:avLst/>
@@ -24974,11 +26892,10 @@
                         </m:fPr>
                         <m:num>
                           <m:r>
-                            <a:rPr lang="fr-FR" i="1">
-                              <a:latin typeface="Cambria Math" panose="02040503050406030204" pitchFamily="18" charset="0"/>
-                              <a:ea typeface="Cambria Math" panose="02040503050406030204" pitchFamily="18" charset="0"/>
-                            </a:rPr>
-                            <m:t>𝜋</m:t>
+                            <a:rPr lang="fr-FR" b="0" i="1" smtClean="0">
+                              <a:latin typeface="Cambria Math" panose="02040503050406030204" pitchFamily="18" charset="0"/>
+                            </a:rPr>
+                            <m:t>1</m:t>
                           </m:r>
                         </m:num>
                         <m:den>
@@ -25017,11 +26934,11 @@
                         <m:t>∙</m:t>
                       </m:r>
                       <m:r>
-                        <a:rPr lang="fr-FR" i="1">
+                        <a:rPr lang="fr-FR" b="0" i="1" smtClean="0">
                           <a:latin typeface="Cambria Math" panose="02040503050406030204" pitchFamily="18" charset="0"/>
                           <a:ea typeface="Cambria Math" panose="02040503050406030204" pitchFamily="18" charset="0"/>
                         </a:rPr>
-                        <m:t>𝑐𝑜𝑠</m:t>
+                        <m:t>𝑒𝑥𝑝</m:t>
                       </m:r>
                       <m:d>
                         <m:dPr>
@@ -25043,13 +26960,6 @@
                               </m:ctrlPr>
                             </m:fPr>
                             <m:num>
-                              <m:r>
-                                <a:rPr lang="fr-FR" i="1">
-                                  <a:latin typeface="Cambria Math" panose="02040503050406030204" pitchFamily="18" charset="0"/>
-                                  <a:ea typeface="Cambria Math" panose="02040503050406030204" pitchFamily="18" charset="0"/>
-                                </a:rPr>
-                                <m:t>𝜋</m:t>
-                              </m:r>
                               <m:r>
                                 <a:rPr lang="fr-FR" i="1">
                                   <a:latin typeface="Cambria Math" panose="02040503050406030204" pitchFamily="18" charset="0"/>
@@ -25210,11 +27120,11 @@
                             <m:t>∙</m:t>
                           </m:r>
                           <m:r>
-                            <a:rPr lang="fr-FR" i="1">
+                            <a:rPr lang="fr-FR" b="0" i="1" smtClean="0">
                               <a:latin typeface="Cambria Math" panose="02040503050406030204" pitchFamily="18" charset="0"/>
                               <a:ea typeface="Cambria Math" panose="02040503050406030204" pitchFamily="18" charset="0"/>
                             </a:rPr>
-                            <m:t>𝑠𝑖𝑛</m:t>
+                            <m:t>𝑒𝑥𝑝</m:t>
                           </m:r>
                           <m:d>
                             <m:dPr>
@@ -25236,13 +27146,6 @@
                                   </m:ctrlPr>
                                 </m:fPr>
                                 <m:num>
-                                  <m:r>
-                                    <a:rPr lang="fr-FR" i="1">
-                                      <a:latin typeface="Cambria Math" panose="02040503050406030204" pitchFamily="18" charset="0"/>
-                                      <a:ea typeface="Cambria Math" panose="02040503050406030204" pitchFamily="18" charset="0"/>
-                                    </a:rPr>
-                                    <m:t>𝜋</m:t>
-                                  </m:r>
                                   <m:r>
                                     <a:rPr lang="fr-FR" i="1">
                                       <a:latin typeface="Cambria Math" panose="02040503050406030204" pitchFamily="18" charset="0"/>
@@ -25403,11 +27306,11 @@
                         <m:t>∙</m:t>
                       </m:r>
                       <m:r>
-                        <a:rPr lang="fr-FR" i="1">
+                        <a:rPr lang="fr-FR" b="0" i="1" smtClean="0">
                           <a:latin typeface="Cambria Math" panose="02040503050406030204" pitchFamily="18" charset="0"/>
                           <a:ea typeface="Cambria Math" panose="02040503050406030204" pitchFamily="18" charset="0"/>
                         </a:rPr>
-                        <m:t>𝑠𝑖𝑛</m:t>
+                        <m:t>𝑒𝑥𝑝</m:t>
                       </m:r>
                       <m:d>
                         <m:dPr>
@@ -25429,13 +27332,6 @@
                               </m:ctrlPr>
                             </m:fPr>
                             <m:num>
-                              <m:r>
-                                <a:rPr lang="fr-FR" i="1">
-                                  <a:latin typeface="Cambria Math" panose="02040503050406030204" pitchFamily="18" charset="0"/>
-                                  <a:ea typeface="Cambria Math" panose="02040503050406030204" pitchFamily="18" charset="0"/>
-                                </a:rPr>
-                                <m:t>𝜋</m:t>
-                              </m:r>
                               <m:r>
                                 <a:rPr lang="fr-FR" i="1">
                                   <a:latin typeface="Cambria Math" panose="02040503050406030204" pitchFamily="18" charset="0"/>
@@ -25858,34 +27754,29 @@
                           </m:sSup>
                         </m:den>
                       </m:f>
+                      <m:r>
+                        <a:rPr lang="fr-FR" i="1">
+                          <a:latin typeface="Cambria Math" panose="02040503050406030204" pitchFamily="18" charset="0"/>
+                          <a:ea typeface="Cambria Math" panose="02040503050406030204" pitchFamily="18" charset="0"/>
+                        </a:rPr>
+                        <m:t>𝑒𝑥𝑝</m:t>
+                      </m:r>
                       <m:d>
                         <m:dPr>
-                          <m:begChr m:val="["/>
-                          <m:endChr m:val="]"/>
                           <m:ctrlPr>
-                            <a:rPr lang="fr-FR" b="0" i="1" smtClean="0">
-                              <a:latin typeface="Cambria Math" panose="02040503050406030204" pitchFamily="18" charset="0"/>
+                            <a:rPr lang="fr-FR" i="1">
+                              <a:latin typeface="Cambria Math" panose="02040503050406030204" pitchFamily="18" charset="0"/>
+                              <a:ea typeface="Cambria Math" panose="02040503050406030204" pitchFamily="18" charset="0"/>
                             </a:rPr>
                           </m:ctrlPr>
                         </m:dPr>
                         <m:e>
-                          <m:r>
-                            <a:rPr lang="fr-FR" b="0" i="1" smtClean="0">
-                              <a:latin typeface="Cambria Math" panose="02040503050406030204" pitchFamily="18" charset="0"/>
-                            </a:rPr>
-                            <m:t>𝑟</m:t>
-                          </m:r>
-                          <m:r>
-                            <a:rPr lang="fr-FR" b="0" i="1" smtClean="0">
-                              <a:latin typeface="Cambria Math" panose="02040503050406030204" pitchFamily="18" charset="0"/>
-                            </a:rPr>
-                            <m:t>²</m:t>
-                          </m:r>
                           <m:f>
                             <m:fPr>
                               <m:ctrlPr>
                                 <a:rPr lang="fr-FR" i="1">
                                   <a:latin typeface="Cambria Math" panose="02040503050406030204" pitchFamily="18" charset="0"/>
+                                  <a:ea typeface="Cambria Math" panose="02040503050406030204" pitchFamily="18" charset="0"/>
                                 </a:rPr>
                               </m:ctrlPr>
                             </m:fPr>
@@ -25895,7 +27786,7 @@
                                   <a:latin typeface="Cambria Math" panose="02040503050406030204" pitchFamily="18" charset="0"/>
                                   <a:ea typeface="Cambria Math" panose="02040503050406030204" pitchFamily="18" charset="0"/>
                                 </a:rPr>
-                                <m:t>𝜋</m:t>
+                                <m:t>𝑡</m:t>
                               </m:r>
                             </m:num>
                             <m:den>
@@ -25904,6 +27795,7 @@
                                   <m:ctrlPr>
                                     <a:rPr lang="fr-FR" i="1">
                                       <a:latin typeface="Cambria Math" panose="02040503050406030204" pitchFamily="18" charset="0"/>
+                                      <a:ea typeface="Cambria Math" panose="02040503050406030204" pitchFamily="18" charset="0"/>
                                     </a:rPr>
                                   </m:ctrlPr>
                                 </m:sSubPr>
@@ -25911,6 +27803,7 @@
                                   <m:r>
                                     <a:rPr lang="fr-FR" i="1">
                                       <a:latin typeface="Cambria Math" panose="02040503050406030204" pitchFamily="18" charset="0"/>
+                                      <a:ea typeface="Cambria Math" panose="02040503050406030204" pitchFamily="18" charset="0"/>
                                     </a:rPr>
                                     <m:t>𝑡</m:t>
                                   </m:r>
@@ -25919,6 +27812,7 @@
                                   <m:r>
                                     <a:rPr lang="fr-FR" i="1">
                                       <a:latin typeface="Cambria Math" panose="02040503050406030204" pitchFamily="18" charset="0"/>
+                                      <a:ea typeface="Cambria Math" panose="02040503050406030204" pitchFamily="18" charset="0"/>
                                     </a:rPr>
                                     <m:t>𝑓</m:t>
                                   </m:r>
@@ -25926,88 +27820,75 @@
                               </m:sSub>
                             </m:den>
                           </m:f>
-                          <m:r>
-                            <a:rPr lang="fr-FR" i="1">
-                              <a:latin typeface="Cambria Math" panose="02040503050406030204" pitchFamily="18" charset="0"/>
-                              <a:ea typeface="Cambria Math" panose="02040503050406030204" pitchFamily="18" charset="0"/>
-                            </a:rPr>
-                            <m:t>∙</m:t>
-                          </m:r>
-                          <m:r>
-                            <a:rPr lang="fr-FR" i="1">
-                              <a:latin typeface="Cambria Math" panose="02040503050406030204" pitchFamily="18" charset="0"/>
-                              <a:ea typeface="Cambria Math" panose="02040503050406030204" pitchFamily="18" charset="0"/>
-                            </a:rPr>
-                            <m:t>𝑐𝑜𝑠</m:t>
-                          </m:r>
-                          <m:d>
-                            <m:dPr>
+                        </m:e>
+                      </m:d>
+                      <m:d>
+                        <m:dPr>
+                          <m:begChr m:val="["/>
+                          <m:endChr m:val="]"/>
+                          <m:ctrlPr>
+                            <a:rPr lang="fr-FR" b="0" i="1" smtClean="0">
+                              <a:latin typeface="Cambria Math" panose="02040503050406030204" pitchFamily="18" charset="0"/>
+                            </a:rPr>
+                          </m:ctrlPr>
+                        </m:dPr>
+                        <m:e>
+                          <m:r>
+                            <a:rPr lang="fr-FR" b="0" i="1" smtClean="0">
+                              <a:latin typeface="Cambria Math" panose="02040503050406030204" pitchFamily="18" charset="0"/>
+                            </a:rPr>
+                            <m:t>𝑟</m:t>
+                          </m:r>
+                          <m:r>
+                            <a:rPr lang="fr-FR" b="0" i="1" smtClean="0">
+                              <a:latin typeface="Cambria Math" panose="02040503050406030204" pitchFamily="18" charset="0"/>
+                            </a:rPr>
+                            <m:t>²</m:t>
+                          </m:r>
+                          <m:f>
+                            <m:fPr>
                               <m:ctrlPr>
                                 <a:rPr lang="fr-FR" i="1">
                                   <a:latin typeface="Cambria Math" panose="02040503050406030204" pitchFamily="18" charset="0"/>
-                                  <a:ea typeface="Cambria Math" panose="02040503050406030204" pitchFamily="18" charset="0"/>
                                 </a:rPr>
                               </m:ctrlPr>
-                            </m:dPr>
-                            <m:e>
-                              <m:f>
-                                <m:fPr>
+                            </m:fPr>
+                            <m:num>
+                              <m:r>
+                                <a:rPr lang="fr-FR" b="0" i="1" smtClean="0">
+                                  <a:latin typeface="Cambria Math" panose="02040503050406030204" pitchFamily="18" charset="0"/>
+                                </a:rPr>
+                                <m:t>1</m:t>
+                              </m:r>
+                            </m:num>
+                            <m:den>
+                              <m:sSub>
+                                <m:sSubPr>
                                   <m:ctrlPr>
                                     <a:rPr lang="fr-FR" i="1">
                                       <a:latin typeface="Cambria Math" panose="02040503050406030204" pitchFamily="18" charset="0"/>
-                                      <a:ea typeface="Cambria Math" panose="02040503050406030204" pitchFamily="18" charset="0"/>
                                     </a:rPr>
                                   </m:ctrlPr>
-                                </m:fPr>
-                                <m:num>
+                                </m:sSubPr>
+                                <m:e>
                                   <m:r>
                                     <a:rPr lang="fr-FR" i="1">
                                       <a:latin typeface="Cambria Math" panose="02040503050406030204" pitchFamily="18" charset="0"/>
-                                      <a:ea typeface="Cambria Math" panose="02040503050406030204" pitchFamily="18" charset="0"/>
-                                    </a:rPr>
-                                    <m:t>𝜋</m:t>
+                                    </a:rPr>
+                                    <m:t>𝑡</m:t>
                                   </m:r>
+                                </m:e>
+                                <m:sub>
                                   <m:r>
                                     <a:rPr lang="fr-FR" i="1">
                                       <a:latin typeface="Cambria Math" panose="02040503050406030204" pitchFamily="18" charset="0"/>
-                                      <a:ea typeface="Cambria Math" panose="02040503050406030204" pitchFamily="18" charset="0"/>
-                                    </a:rPr>
-                                    <m:t>𝑡</m:t>
+                                    </a:rPr>
+                                    <m:t>𝑓</m:t>
                                   </m:r>
-                                </m:num>
-                                <m:den>
-                                  <m:sSub>
-                                    <m:sSubPr>
-                                      <m:ctrlPr>
-                                        <a:rPr lang="fr-FR" i="1">
-                                          <a:latin typeface="Cambria Math" panose="02040503050406030204" pitchFamily="18" charset="0"/>
-                                          <a:ea typeface="Cambria Math" panose="02040503050406030204" pitchFamily="18" charset="0"/>
-                                        </a:rPr>
-                                      </m:ctrlPr>
-                                    </m:sSubPr>
-                                    <m:e>
-                                      <m:r>
-                                        <a:rPr lang="fr-FR" i="1">
-                                          <a:latin typeface="Cambria Math" panose="02040503050406030204" pitchFamily="18" charset="0"/>
-                                          <a:ea typeface="Cambria Math" panose="02040503050406030204" pitchFamily="18" charset="0"/>
-                                        </a:rPr>
-                                        <m:t>𝑡</m:t>
-                                      </m:r>
-                                    </m:e>
-                                    <m:sub>
-                                      <m:r>
-                                        <a:rPr lang="fr-FR" i="1">
-                                          <a:latin typeface="Cambria Math" panose="02040503050406030204" pitchFamily="18" charset="0"/>
-                                          <a:ea typeface="Cambria Math" panose="02040503050406030204" pitchFamily="18" charset="0"/>
-                                        </a:rPr>
-                                        <m:t>𝑓</m:t>
-                                      </m:r>
-                                    </m:sub>
-                                  </m:sSub>
-                                </m:den>
-                              </m:f>
-                            </m:e>
-                          </m:d>
+                                </m:sub>
+                              </m:sSub>
+                            </m:den>
+                          </m:f>
                           <m:r>
                             <a:rPr lang="fr-FR" b="0" i="1" smtClean="0">
                               <a:latin typeface="Cambria Math" panose="02040503050406030204" pitchFamily="18" charset="0"/>
@@ -26015,81 +27896,6 @@
                             </a:rPr>
                             <m:t>+</m:t>
                           </m:r>
-                          <m:r>
-                            <a:rPr lang="fr-FR" i="1">
-                              <a:latin typeface="Cambria Math" panose="02040503050406030204" pitchFamily="18" charset="0"/>
-                              <a:ea typeface="Cambria Math" panose="02040503050406030204" pitchFamily="18" charset="0"/>
-                            </a:rPr>
-                            <m:t>𝑠𝑖𝑛</m:t>
-                          </m:r>
-                          <m:d>
-                            <m:dPr>
-                              <m:ctrlPr>
-                                <a:rPr lang="fr-FR" i="1">
-                                  <a:latin typeface="Cambria Math" panose="02040503050406030204" pitchFamily="18" charset="0"/>
-                                  <a:ea typeface="Cambria Math" panose="02040503050406030204" pitchFamily="18" charset="0"/>
-                                </a:rPr>
-                              </m:ctrlPr>
-                            </m:dPr>
-                            <m:e>
-                              <m:f>
-                                <m:fPr>
-                                  <m:ctrlPr>
-                                    <a:rPr lang="fr-FR" i="1">
-                                      <a:latin typeface="Cambria Math" panose="02040503050406030204" pitchFamily="18" charset="0"/>
-                                      <a:ea typeface="Cambria Math" panose="02040503050406030204" pitchFamily="18" charset="0"/>
-                                    </a:rPr>
-                                  </m:ctrlPr>
-                                </m:fPr>
-                                <m:num>
-                                  <m:r>
-                                    <a:rPr lang="fr-FR" i="1">
-                                      <a:latin typeface="Cambria Math" panose="02040503050406030204" pitchFamily="18" charset="0"/>
-                                      <a:ea typeface="Cambria Math" panose="02040503050406030204" pitchFamily="18" charset="0"/>
-                                    </a:rPr>
-                                    <m:t>𝜋</m:t>
-                                  </m:r>
-                                  <m:r>
-                                    <a:rPr lang="fr-FR" i="1">
-                                      <a:latin typeface="Cambria Math" panose="02040503050406030204" pitchFamily="18" charset="0"/>
-                                      <a:ea typeface="Cambria Math" panose="02040503050406030204" pitchFamily="18" charset="0"/>
-                                    </a:rPr>
-                                    <m:t>𝑡</m:t>
-                                  </m:r>
-                                </m:num>
-                                <m:den>
-                                  <m:sSub>
-                                    <m:sSubPr>
-                                      <m:ctrlPr>
-                                        <a:rPr lang="fr-FR" i="1">
-                                          <a:latin typeface="Cambria Math" panose="02040503050406030204" pitchFamily="18" charset="0"/>
-                                          <a:ea typeface="Cambria Math" panose="02040503050406030204" pitchFamily="18" charset="0"/>
-                                        </a:rPr>
-                                      </m:ctrlPr>
-                                    </m:sSubPr>
-                                    <m:e>
-                                      <m:r>
-                                        <a:rPr lang="fr-FR" i="1">
-                                          <a:latin typeface="Cambria Math" panose="02040503050406030204" pitchFamily="18" charset="0"/>
-                                          <a:ea typeface="Cambria Math" panose="02040503050406030204" pitchFamily="18" charset="0"/>
-                                        </a:rPr>
-                                        <m:t>𝑡</m:t>
-                                      </m:r>
-                                    </m:e>
-                                    <m:sub>
-                                      <m:r>
-                                        <a:rPr lang="fr-FR" i="1">
-                                          <a:latin typeface="Cambria Math" panose="02040503050406030204" pitchFamily="18" charset="0"/>
-                                          <a:ea typeface="Cambria Math" panose="02040503050406030204" pitchFamily="18" charset="0"/>
-                                        </a:rPr>
-                                        <m:t>𝑓</m:t>
-                                      </m:r>
-                                    </m:sub>
-                                  </m:sSub>
-                                </m:den>
-                              </m:f>
-                            </m:e>
-                          </m:d>
                           <m:d>
                             <m:dPr>
                               <m:ctrlPr>
@@ -26212,7 +28018,7 @@
             <p:spPr>
               <a:xfrm>
                 <a:off x="177418" y="5204010"/>
-                <a:ext cx="9830063" cy="1328569"/>
+                <a:ext cx="9957278" cy="1328569"/>
               </a:xfrm>
               <a:prstGeom prst="rect">
                 <a:avLst/>
@@ -26256,7 +28062,7 @@
             <p:spPr>
               <a:xfrm>
                 <a:off x="6318620" y="2431019"/>
-                <a:ext cx="2434064" cy="644151"/>
+                <a:ext cx="2460995" cy="644151"/>
               </a:xfrm>
               <a:prstGeom prst="rect">
                 <a:avLst/>
@@ -26269,6 +28075,7 @@
               </a:bodyPr>
               <a:lstStyle/>
               <a:p>
+                <a:pPr/>
                 <a14:m>
                   <m:oMathPara xmlns:m="http://schemas.openxmlformats.org/officeDocument/2006/math">
                     <m:oMathParaPr>
@@ -26428,11 +28235,10 @@
                         </m:fPr>
                         <m:num>
                           <m:r>
-                            <a:rPr lang="fr-FR" i="1" smtClean="0">
-                              <a:latin typeface="Cambria Math" panose="02040503050406030204" pitchFamily="18" charset="0"/>
-                              <a:ea typeface="Cambria Math" panose="02040503050406030204" pitchFamily="18" charset="0"/>
-                            </a:rPr>
-                            <m:t>𝜋</m:t>
+                            <a:rPr lang="fr-FR" b="0" i="1" smtClean="0">
+                              <a:latin typeface="Cambria Math" panose="02040503050406030204" pitchFamily="18" charset="0"/>
+                            </a:rPr>
+                            <m:t>1</m:t>
                           </m:r>
                         </m:num>
                         <m:den>
@@ -26475,7 +28281,7 @@
                           <a:latin typeface="Cambria Math" panose="02040503050406030204" pitchFamily="18" charset="0"/>
                           <a:ea typeface="Cambria Math" panose="02040503050406030204" pitchFamily="18" charset="0"/>
                         </a:rPr>
-                        <m:t>𝑐𝑜𝑠</m:t>
+                        <m:t>𝑒𝑥𝑝</m:t>
                       </m:r>
                       <m:d>
                         <m:dPr>
@@ -26497,13 +28303,6 @@
                               </m:ctrlPr>
                             </m:fPr>
                             <m:num>
-                              <m:r>
-                                <a:rPr lang="fr-FR" i="1">
-                                  <a:latin typeface="Cambria Math" panose="02040503050406030204" pitchFamily="18" charset="0"/>
-                                  <a:ea typeface="Cambria Math" panose="02040503050406030204" pitchFamily="18" charset="0"/>
-                                </a:rPr>
-                                <m:t>𝜋</m:t>
-                              </m:r>
                               <m:r>
                                 <a:rPr lang="fr-FR" i="1">
                                   <a:latin typeface="Cambria Math" panose="02040503050406030204" pitchFamily="18" charset="0"/>
@@ -26571,7 +28370,7 @@
             <p:spPr>
               <a:xfrm>
                 <a:off x="6318620" y="2431019"/>
-                <a:ext cx="2434064" cy="644151"/>
+                <a:ext cx="2460995" cy="644151"/>
               </a:xfrm>
               <a:prstGeom prst="rect">
                 <a:avLst/>
@@ -26615,7 +28414,7 @@
             <p:spPr>
               <a:xfrm>
                 <a:off x="6318620" y="3184446"/>
-                <a:ext cx="2183290" cy="644151"/>
+                <a:ext cx="2233432" cy="644151"/>
               </a:xfrm>
               <a:prstGeom prst="rect">
                 <a:avLst/>
@@ -26628,6 +28427,7 @@
               </a:bodyPr>
               <a:lstStyle/>
               <a:p>
+                <a:pPr/>
                 <a14:m>
                   <m:oMathPara xmlns:m="http://schemas.openxmlformats.org/officeDocument/2006/math">
                     <m:oMathParaPr>
@@ -26772,11 +28572,11 @@
                         <m:t>∙</m:t>
                       </m:r>
                       <m:r>
-                        <a:rPr lang="fr-FR" i="1">
+                        <a:rPr lang="fr-FR" b="0" i="1" smtClean="0">
                           <a:latin typeface="Cambria Math" panose="02040503050406030204" pitchFamily="18" charset="0"/>
                           <a:ea typeface="Cambria Math" panose="02040503050406030204" pitchFamily="18" charset="0"/>
                         </a:rPr>
-                        <m:t>𝑠𝑖𝑛</m:t>
+                        <m:t>𝑒𝑥𝑝</m:t>
                       </m:r>
                       <m:d>
                         <m:dPr>
@@ -26798,13 +28598,6 @@
                               </m:ctrlPr>
                             </m:fPr>
                             <m:num>
-                              <m:r>
-                                <a:rPr lang="fr-FR" i="1">
-                                  <a:latin typeface="Cambria Math" panose="02040503050406030204" pitchFamily="18" charset="0"/>
-                                  <a:ea typeface="Cambria Math" panose="02040503050406030204" pitchFamily="18" charset="0"/>
-                                </a:rPr>
-                                <m:t>𝜋</m:t>
-                              </m:r>
                               <m:r>
                                 <a:rPr lang="fr-FR" i="1">
                                   <a:latin typeface="Cambria Math" panose="02040503050406030204" pitchFamily="18" charset="0"/>
@@ -26872,7 +28665,7 @@
             <p:spPr>
               <a:xfrm>
                 <a:off x="6318620" y="3184446"/>
-                <a:ext cx="2183290" cy="644151"/>
+                <a:ext cx="2233432" cy="644151"/>
               </a:xfrm>
               <a:prstGeom prst="rect">
                 <a:avLst/>
@@ -26916,7 +28709,7 @@
             <p:spPr>
               <a:xfrm>
                 <a:off x="6318620" y="3941667"/>
-                <a:ext cx="2272032" cy="644151"/>
+                <a:ext cx="2322174" cy="644151"/>
               </a:xfrm>
               <a:prstGeom prst="rect">
                 <a:avLst/>
@@ -26929,6 +28722,7 @@
               </a:bodyPr>
               <a:lstStyle/>
               <a:p>
+                <a:pPr/>
                 <a14:m>
                   <m:oMathPara xmlns:m="http://schemas.openxmlformats.org/officeDocument/2006/math">
                     <m:oMathParaPr>
@@ -27079,11 +28873,11 @@
                         <m:t>∙</m:t>
                       </m:r>
                       <m:r>
-                        <a:rPr lang="fr-FR" i="1">
+                        <a:rPr lang="fr-FR" b="0" i="1" smtClean="0">
                           <a:latin typeface="Cambria Math" panose="02040503050406030204" pitchFamily="18" charset="0"/>
                           <a:ea typeface="Cambria Math" panose="02040503050406030204" pitchFamily="18" charset="0"/>
                         </a:rPr>
-                        <m:t>𝑠𝑖𝑛</m:t>
+                        <m:t>𝑒𝑥𝑝</m:t>
                       </m:r>
                       <m:d>
                         <m:dPr>
@@ -27105,13 +28899,6 @@
                               </m:ctrlPr>
                             </m:fPr>
                             <m:num>
-                              <m:r>
-                                <a:rPr lang="fr-FR" i="1">
-                                  <a:latin typeface="Cambria Math" panose="02040503050406030204" pitchFamily="18" charset="0"/>
-                                  <a:ea typeface="Cambria Math" panose="02040503050406030204" pitchFamily="18" charset="0"/>
-                                </a:rPr>
-                                <m:t>𝜋</m:t>
-                              </m:r>
                               <m:r>
                                 <a:rPr lang="fr-FR" i="1">
                                   <a:latin typeface="Cambria Math" panose="02040503050406030204" pitchFamily="18" charset="0"/>
@@ -27179,7 +28966,7 @@
             <p:spPr>
               <a:xfrm>
                 <a:off x="6318620" y="3941667"/>
-                <a:ext cx="2272032" cy="644151"/>
+                <a:ext cx="2322174" cy="644151"/>
               </a:xfrm>
               <a:prstGeom prst="rect">
                 <a:avLst/>
@@ -27206,8 +28993,8 @@
           </p:sp>
         </mc:Fallback>
       </mc:AlternateContent>
-      <mc:AlternateContent xmlns:mc="http://schemas.openxmlformats.org/markup-compatibility/2006">
-        <mc:Choice xmlns:a14="http://schemas.microsoft.com/office/drawing/2010/main" Requires="a14">
+      <mc:AlternateContent xmlns:mc="http://schemas.openxmlformats.org/markup-compatibility/2006" xmlns:a14="http://schemas.microsoft.com/office/drawing/2010/main">
+        <mc:Choice Requires="a14">
           <p:sp>
             <p:nvSpPr>
               <p:cNvPr id="27" name="TextBox 26">
@@ -27271,7 +29058,7 @@
             </p:txBody>
           </p:sp>
         </mc:Choice>
-        <mc:Fallback>
+        <mc:Fallback xmlns="">
           <p:sp>
             <p:nvSpPr>
               <p:cNvPr id="27" name="TextBox 26">
@@ -27618,7 +29405,7 @@
                 <a:latin typeface="Times New Roman" panose="02020603050405020304" pitchFamily="18" charset="0"/>
                 <a:cs typeface="Times New Roman" panose="02020603050405020304" pitchFamily="18" charset="0"/>
               </a:rPr>
-              <a:t>On peut représenter la fonction MMS et le terme source S dans des graphiques tel que : </a:t>
+              <a:t>Maintenant, il faut donc que nous résolvions : </a:t>
             </a:r>
           </a:p>
         </p:txBody>
@@ -27662,12 +29449,762 @@
           </a:p>
         </p:txBody>
       </p:sp>
+      <p:sp>
+        <p:nvSpPr>
+          <p:cNvPr id="7" name="TextBox 6">
+            <a:extLst>
+              <a:ext uri="{FF2B5EF4-FFF2-40B4-BE49-F238E27FC236}">
+                <a16:creationId xmlns:a16="http://schemas.microsoft.com/office/drawing/2014/main" id="{1862FEC3-64A1-C191-A286-CA41950E3380}"/>
+              </a:ext>
+            </a:extLst>
+          </p:cNvPr>
+          <p:cNvSpPr txBox="1"/>
+          <p:nvPr/>
+        </p:nvSpPr>
+        <p:spPr>
+          <a:xfrm>
+            <a:off x="0" y="1929913"/>
+            <a:ext cx="12192001" cy="369332"/>
+          </a:xfrm>
+          <a:prstGeom prst="rect">
+            <a:avLst/>
+          </a:prstGeom>
+          <a:noFill/>
+        </p:spPr>
+        <p:txBody>
+          <a:bodyPr wrap="square" rtlCol="0">
+            <a:spAutoFit/>
+          </a:bodyPr>
+          <a:lstStyle/>
+          <a:p>
+            <a:pPr algn="just"/>
+            <a:r>
+              <a:rPr lang="fr-FR" noProof="0" dirty="0">
+                <a:latin typeface="Times New Roman" panose="02020603050405020304" pitchFamily="18" charset="0"/>
+                <a:cs typeface="Times New Roman" panose="02020603050405020304" pitchFamily="18" charset="0"/>
+              </a:rPr>
+              <a:t>On peut représenter la fonction MMS et le terme source S dans des graphiques tel que : </a:t>
+            </a:r>
+          </a:p>
+        </p:txBody>
+      </p:sp>
+      <mc:AlternateContent xmlns:mc="http://schemas.openxmlformats.org/markup-compatibility/2006">
+        <mc:Choice xmlns:a14="http://schemas.microsoft.com/office/drawing/2010/main" Requires="a14">
+          <p:sp>
+            <p:nvSpPr>
+              <p:cNvPr id="11" name="TextBox 10">
+                <a:extLst>
+                  <a:ext uri="{FF2B5EF4-FFF2-40B4-BE49-F238E27FC236}">
+                    <a16:creationId xmlns:a16="http://schemas.microsoft.com/office/drawing/2014/main" id="{CEE01445-5110-B067-DED9-8FFB49916167}"/>
+                  </a:ext>
+                </a:extLst>
+              </p:cNvPr>
+              <p:cNvSpPr txBox="1"/>
+              <p:nvPr/>
+            </p:nvSpPr>
+            <p:spPr>
+              <a:xfrm>
+                <a:off x="1996478" y="991510"/>
+                <a:ext cx="8199039" cy="631840"/>
+              </a:xfrm>
+              <a:prstGeom prst="rect">
+                <a:avLst/>
+              </a:prstGeom>
+              <a:noFill/>
+            </p:spPr>
+            <p:txBody>
+              <a:bodyPr wrap="none" lIns="0" tIns="0" rIns="0" bIns="0" rtlCol="0">
+                <a:spAutoFit/>
+              </a:bodyPr>
+              <a:lstStyle/>
+              <a:p>
+                <a:pPr/>
+                <a14:m>
+                  <m:oMathPara xmlns:m="http://schemas.openxmlformats.org/officeDocument/2006/math">
+                    <m:oMathParaPr>
+                      <m:jc m:val="centerGroup"/>
+                    </m:oMathParaPr>
+                    <m:oMath xmlns:m="http://schemas.openxmlformats.org/officeDocument/2006/math">
+                      <m:r>
+                        <a:rPr lang="fr-FR" i="1" smtClean="0">
+                          <a:latin typeface="Cambria Math" panose="02040503050406030204" pitchFamily="18" charset="0"/>
+                        </a:rPr>
+                        <m:t>⇒</m:t>
+                      </m:r>
+                      <m:f>
+                        <m:fPr>
+                          <m:ctrlPr>
+                            <a:rPr lang="fr-FR" i="1" smtClean="0">
+                              <a:latin typeface="Cambria Math" panose="02040503050406030204" pitchFamily="18" charset="0"/>
+                            </a:rPr>
+                          </m:ctrlPr>
+                        </m:fPr>
+                        <m:num>
+                          <m:r>
+                            <a:rPr lang="fr-FR" i="1">
+                              <a:latin typeface="Cambria Math" panose="02040503050406030204" pitchFamily="18" charset="0"/>
+                            </a:rPr>
+                            <m:t>𝜕</m:t>
+                          </m:r>
+                          <m:r>
+                            <a:rPr lang="fr-FR" i="1">
+                              <a:latin typeface="Cambria Math" panose="02040503050406030204" pitchFamily="18" charset="0"/>
+                            </a:rPr>
+                            <m:t>𝐶</m:t>
+                          </m:r>
+                        </m:num>
+                        <m:den>
+                          <m:r>
+                            <a:rPr lang="fr-FR" i="1">
+                              <a:latin typeface="Cambria Math" panose="02040503050406030204" pitchFamily="18" charset="0"/>
+                            </a:rPr>
+                            <m:t>𝜕</m:t>
+                          </m:r>
+                          <m:r>
+                            <a:rPr lang="fr-FR" i="1">
+                              <a:latin typeface="Cambria Math" panose="02040503050406030204" pitchFamily="18" charset="0"/>
+                            </a:rPr>
+                            <m:t>𝑡</m:t>
+                          </m:r>
+                        </m:den>
+                      </m:f>
+                      <m:r>
+                        <a:rPr lang="fr-FR" b="0" i="1" noProof="0" smtClean="0">
+                          <a:latin typeface="Cambria Math" panose="02040503050406030204" pitchFamily="18" charset="0"/>
+                        </a:rPr>
+                        <m:t>=</m:t>
+                      </m:r>
+                      <m:sSub>
+                        <m:sSubPr>
+                          <m:ctrlPr>
+                            <a:rPr lang="fr-FR" i="1">
+                              <a:latin typeface="Cambria Math" panose="02040503050406030204" pitchFamily="18" charset="0"/>
+                            </a:rPr>
+                          </m:ctrlPr>
+                        </m:sSubPr>
+                        <m:e>
+                          <m:r>
+                            <a:rPr lang="fr-FR" i="1">
+                              <a:latin typeface="Cambria Math" panose="02040503050406030204" pitchFamily="18" charset="0"/>
+                            </a:rPr>
+                            <m:t>𝐷</m:t>
+                          </m:r>
+                        </m:e>
+                        <m:sub>
+                          <m:r>
+                            <a:rPr lang="fr-FR" i="1">
+                              <a:latin typeface="Cambria Math" panose="02040503050406030204" pitchFamily="18" charset="0"/>
+                            </a:rPr>
+                            <m:t>𝑒𝑓𝑓</m:t>
+                          </m:r>
+                        </m:sub>
+                      </m:sSub>
+                      <m:d>
+                        <m:dPr>
+                          <m:begChr m:val="["/>
+                          <m:endChr m:val="]"/>
+                          <m:ctrlPr>
+                            <a:rPr lang="fr-FR" i="1" smtClean="0">
+                              <a:latin typeface="Cambria Math" panose="02040503050406030204" pitchFamily="18" charset="0"/>
+                            </a:rPr>
+                          </m:ctrlPr>
+                        </m:dPr>
+                        <m:e>
+                          <m:f>
+                            <m:fPr>
+                              <m:ctrlPr>
+                                <a:rPr lang="fr-FR" i="1">
+                                  <a:latin typeface="Cambria Math" panose="02040503050406030204" pitchFamily="18" charset="0"/>
+                                </a:rPr>
+                              </m:ctrlPr>
+                            </m:fPr>
+                            <m:num>
+                              <m:r>
+                                <a:rPr lang="fr-FR" i="1">
+                                  <a:latin typeface="Cambria Math" panose="02040503050406030204" pitchFamily="18" charset="0"/>
+                                </a:rPr>
+                                <m:t>1</m:t>
+                              </m:r>
+                            </m:num>
+                            <m:den>
+                              <m:r>
+                                <a:rPr lang="fr-FR" i="1">
+                                  <a:latin typeface="Cambria Math" panose="02040503050406030204" pitchFamily="18" charset="0"/>
+                                </a:rPr>
+                                <m:t>𝑟</m:t>
+                              </m:r>
+                            </m:den>
+                          </m:f>
+                          <m:f>
+                            <m:fPr>
+                              <m:ctrlPr>
+                                <a:rPr lang="fr-FR" i="1">
+                                  <a:latin typeface="Cambria Math" panose="02040503050406030204" pitchFamily="18" charset="0"/>
+                                </a:rPr>
+                              </m:ctrlPr>
+                            </m:fPr>
+                            <m:num>
+                              <m:r>
+                                <a:rPr lang="fr-FR" i="1">
+                                  <a:latin typeface="Cambria Math" panose="02040503050406030204" pitchFamily="18" charset="0"/>
+                                </a:rPr>
+                                <m:t>𝜕</m:t>
+                              </m:r>
+                              <m:r>
+                                <a:rPr lang="fr-FR" i="1">
+                                  <a:latin typeface="Cambria Math" panose="02040503050406030204" pitchFamily="18" charset="0"/>
+                                </a:rPr>
+                                <m:t>𝐶</m:t>
+                              </m:r>
+                            </m:num>
+                            <m:den>
+                              <m:r>
+                                <a:rPr lang="fr-FR" i="1">
+                                  <a:latin typeface="Cambria Math" panose="02040503050406030204" pitchFamily="18" charset="0"/>
+                                </a:rPr>
+                                <m:t>𝜕</m:t>
+                              </m:r>
+                              <m:r>
+                                <a:rPr lang="fr-FR" i="1">
+                                  <a:latin typeface="Cambria Math" panose="02040503050406030204" pitchFamily="18" charset="0"/>
+                                </a:rPr>
+                                <m:t>𝑟</m:t>
+                              </m:r>
+                            </m:den>
+                          </m:f>
+                          <m:r>
+                            <a:rPr lang="fr-FR" i="1">
+                              <a:latin typeface="Cambria Math" panose="02040503050406030204" pitchFamily="18" charset="0"/>
+                            </a:rPr>
+                            <m:t>+</m:t>
+                          </m:r>
+                          <m:f>
+                            <m:fPr>
+                              <m:ctrlPr>
+                                <a:rPr lang="fr-FR" i="1">
+                                  <a:latin typeface="Cambria Math" panose="02040503050406030204" pitchFamily="18" charset="0"/>
+                                </a:rPr>
+                              </m:ctrlPr>
+                            </m:fPr>
+                            <m:num>
+                              <m:r>
+                                <a:rPr lang="fr-FR" i="1">
+                                  <a:latin typeface="Cambria Math" panose="02040503050406030204" pitchFamily="18" charset="0"/>
+                                </a:rPr>
+                                <m:t>𝜕</m:t>
+                              </m:r>
+                              <m:r>
+                                <a:rPr lang="fr-FR" i="1">
+                                  <a:latin typeface="Cambria Math" panose="02040503050406030204" pitchFamily="18" charset="0"/>
+                                </a:rPr>
+                                <m:t>²</m:t>
+                              </m:r>
+                              <m:r>
+                                <a:rPr lang="fr-FR" i="1">
+                                  <a:latin typeface="Cambria Math" panose="02040503050406030204" pitchFamily="18" charset="0"/>
+                                </a:rPr>
+                                <m:t>𝐶</m:t>
+                              </m:r>
+                            </m:num>
+                            <m:den>
+                              <m:r>
+                                <a:rPr lang="fr-FR" i="1">
+                                  <a:latin typeface="Cambria Math" panose="02040503050406030204" pitchFamily="18" charset="0"/>
+                                </a:rPr>
+                                <m:t>𝜕</m:t>
+                              </m:r>
+                              <m:r>
+                                <a:rPr lang="fr-FR" i="1">
+                                  <a:latin typeface="Cambria Math" panose="02040503050406030204" pitchFamily="18" charset="0"/>
+                                </a:rPr>
+                                <m:t>𝑟</m:t>
+                              </m:r>
+                              <m:r>
+                                <a:rPr lang="fr-FR" i="1">
+                                  <a:latin typeface="Cambria Math" panose="02040503050406030204" pitchFamily="18" charset="0"/>
+                                </a:rPr>
+                                <m:t>²</m:t>
+                              </m:r>
+                            </m:den>
+                          </m:f>
+                        </m:e>
+                      </m:d>
+                      <m:r>
+                        <a:rPr lang="fr-FR" i="1">
+                          <a:latin typeface="Cambria Math" panose="02040503050406030204" pitchFamily="18" charset="0"/>
+                          <a:ea typeface="Cambria Math" panose="02040503050406030204" pitchFamily="18" charset="0"/>
+                        </a:rPr>
+                        <m:t>−</m:t>
+                      </m:r>
+                      <m:r>
+                        <a:rPr lang="fr-FR" i="1">
+                          <a:latin typeface="Cambria Math" panose="02040503050406030204" pitchFamily="18" charset="0"/>
+                          <a:cs typeface="Times New Roman" panose="02020603050405020304" pitchFamily="18" charset="0"/>
+                        </a:rPr>
+                        <m:t>𝑘</m:t>
+                      </m:r>
+                      <m:r>
+                        <a:rPr lang="fr-FR" i="1">
+                          <a:latin typeface="Cambria Math" panose="02040503050406030204" pitchFamily="18" charset="0"/>
+                          <a:ea typeface="Cambria Math" panose="02040503050406030204" pitchFamily="18" charset="0"/>
+                          <a:cs typeface="Times New Roman" panose="02020603050405020304" pitchFamily="18" charset="0"/>
+                        </a:rPr>
+                        <m:t>∙</m:t>
+                      </m:r>
+                      <m:r>
+                        <a:rPr lang="fr-FR" i="1">
+                          <a:latin typeface="Cambria Math" panose="02040503050406030204" pitchFamily="18" charset="0"/>
+                          <a:ea typeface="Cambria Math" panose="02040503050406030204" pitchFamily="18" charset="0"/>
+                          <a:cs typeface="Times New Roman" panose="02020603050405020304" pitchFamily="18" charset="0"/>
+                        </a:rPr>
+                        <m:t>𝐶</m:t>
+                      </m:r>
+                      <m:r>
+                        <a:rPr lang="fr-FR" b="0" i="1" smtClean="0">
+                          <a:latin typeface="Cambria Math" panose="02040503050406030204" pitchFamily="18" charset="0"/>
+                          <a:ea typeface="Cambria Math" panose="02040503050406030204" pitchFamily="18" charset="0"/>
+                          <a:cs typeface="Times New Roman" panose="02020603050405020304" pitchFamily="18" charset="0"/>
+                        </a:rPr>
+                        <m:t>+</m:t>
+                      </m:r>
+                      <m:f>
+                        <m:fPr>
+                          <m:ctrlPr>
+                            <a:rPr lang="fr-FR" i="1">
+                              <a:latin typeface="Cambria Math" panose="02040503050406030204" pitchFamily="18" charset="0"/>
+                            </a:rPr>
+                          </m:ctrlPr>
+                        </m:fPr>
+                        <m:num>
+                          <m:sSub>
+                            <m:sSubPr>
+                              <m:ctrlPr>
+                                <a:rPr lang="fr-FR" i="1">
+                                  <a:latin typeface="Cambria Math" panose="02040503050406030204" pitchFamily="18" charset="0"/>
+                                </a:rPr>
+                              </m:ctrlPr>
+                            </m:sSubPr>
+                            <m:e>
+                              <m:r>
+                                <a:rPr lang="fr-FR" i="1">
+                                  <a:latin typeface="Cambria Math" panose="02040503050406030204" pitchFamily="18" charset="0"/>
+                                </a:rPr>
+                                <m:t>𝐶</m:t>
+                              </m:r>
+                            </m:e>
+                            <m:sub>
+                              <m:r>
+                                <a:rPr lang="fr-FR" i="1">
+                                  <a:latin typeface="Cambria Math" panose="02040503050406030204" pitchFamily="18" charset="0"/>
+                                </a:rPr>
+                                <m:t>𝑒</m:t>
+                              </m:r>
+                            </m:sub>
+                          </m:sSub>
+                        </m:num>
+                        <m:den>
+                          <m:sSup>
+                            <m:sSupPr>
+                              <m:ctrlPr>
+                                <a:rPr lang="fr-FR" i="1">
+                                  <a:latin typeface="Cambria Math" panose="02040503050406030204" pitchFamily="18" charset="0"/>
+                                </a:rPr>
+                              </m:ctrlPr>
+                            </m:sSupPr>
+                            <m:e>
+                              <m:r>
+                                <a:rPr lang="fr-FR" i="1">
+                                  <a:latin typeface="Cambria Math" panose="02040503050406030204" pitchFamily="18" charset="0"/>
+                                </a:rPr>
+                                <m:t>𝑅</m:t>
+                              </m:r>
+                            </m:e>
+                            <m:sup>
+                              <m:r>
+                                <a:rPr lang="fr-FR" i="1">
+                                  <a:latin typeface="Cambria Math" panose="02040503050406030204" pitchFamily="18" charset="0"/>
+                                </a:rPr>
+                                <m:t>2</m:t>
+                              </m:r>
+                            </m:sup>
+                          </m:sSup>
+                        </m:den>
+                      </m:f>
+                      <m:d>
+                        <m:dPr>
+                          <m:begChr m:val="["/>
+                          <m:endChr m:val="]"/>
+                          <m:ctrlPr>
+                            <a:rPr lang="fr-FR" i="1">
+                              <a:latin typeface="Cambria Math" panose="02040503050406030204" pitchFamily="18" charset="0"/>
+                            </a:rPr>
+                          </m:ctrlPr>
+                        </m:dPr>
+                        <m:e>
+                          <m:r>
+                            <a:rPr lang="fr-FR" i="1">
+                              <a:latin typeface="Cambria Math" panose="02040503050406030204" pitchFamily="18" charset="0"/>
+                            </a:rPr>
+                            <m:t>𝑟</m:t>
+                          </m:r>
+                          <m:r>
+                            <a:rPr lang="fr-FR" i="1">
+                              <a:latin typeface="Cambria Math" panose="02040503050406030204" pitchFamily="18" charset="0"/>
+                            </a:rPr>
+                            <m:t>²</m:t>
+                          </m:r>
+                          <m:f>
+                            <m:fPr>
+                              <m:ctrlPr>
+                                <a:rPr lang="fr-FR" i="1">
+                                  <a:latin typeface="Cambria Math" panose="02040503050406030204" pitchFamily="18" charset="0"/>
+                                </a:rPr>
+                              </m:ctrlPr>
+                            </m:fPr>
+                            <m:num>
+                              <m:r>
+                                <a:rPr lang="fr-FR" i="1">
+                                  <a:latin typeface="Cambria Math" panose="02040503050406030204" pitchFamily="18" charset="0"/>
+                                  <a:ea typeface="Cambria Math" panose="02040503050406030204" pitchFamily="18" charset="0"/>
+                                </a:rPr>
+                                <m:t>𝜋</m:t>
+                              </m:r>
+                            </m:num>
+                            <m:den>
+                              <m:sSub>
+                                <m:sSubPr>
+                                  <m:ctrlPr>
+                                    <a:rPr lang="fr-FR" i="1">
+                                      <a:latin typeface="Cambria Math" panose="02040503050406030204" pitchFamily="18" charset="0"/>
+                                    </a:rPr>
+                                  </m:ctrlPr>
+                                </m:sSubPr>
+                                <m:e>
+                                  <m:r>
+                                    <a:rPr lang="fr-FR" i="1">
+                                      <a:latin typeface="Cambria Math" panose="02040503050406030204" pitchFamily="18" charset="0"/>
+                                    </a:rPr>
+                                    <m:t>𝑡</m:t>
+                                  </m:r>
+                                </m:e>
+                                <m:sub>
+                                  <m:r>
+                                    <a:rPr lang="fr-FR" i="1">
+                                      <a:latin typeface="Cambria Math" panose="02040503050406030204" pitchFamily="18" charset="0"/>
+                                    </a:rPr>
+                                    <m:t>𝑓</m:t>
+                                  </m:r>
+                                </m:sub>
+                              </m:sSub>
+                            </m:den>
+                          </m:f>
+                          <m:r>
+                            <a:rPr lang="fr-FR" i="1">
+                              <a:latin typeface="Cambria Math" panose="02040503050406030204" pitchFamily="18" charset="0"/>
+                              <a:ea typeface="Cambria Math" panose="02040503050406030204" pitchFamily="18" charset="0"/>
+                            </a:rPr>
+                            <m:t>∙</m:t>
+                          </m:r>
+                          <m:r>
+                            <a:rPr lang="fr-FR" i="1">
+                              <a:latin typeface="Cambria Math" panose="02040503050406030204" pitchFamily="18" charset="0"/>
+                              <a:ea typeface="Cambria Math" panose="02040503050406030204" pitchFamily="18" charset="0"/>
+                            </a:rPr>
+                            <m:t>𝑐𝑜𝑠</m:t>
+                          </m:r>
+                          <m:d>
+                            <m:dPr>
+                              <m:ctrlPr>
+                                <a:rPr lang="fr-FR" i="1">
+                                  <a:latin typeface="Cambria Math" panose="02040503050406030204" pitchFamily="18" charset="0"/>
+                                  <a:ea typeface="Cambria Math" panose="02040503050406030204" pitchFamily="18" charset="0"/>
+                                </a:rPr>
+                              </m:ctrlPr>
+                            </m:dPr>
+                            <m:e>
+                              <m:f>
+                                <m:fPr>
+                                  <m:ctrlPr>
+                                    <a:rPr lang="fr-FR" i="1">
+                                      <a:latin typeface="Cambria Math" panose="02040503050406030204" pitchFamily="18" charset="0"/>
+                                      <a:ea typeface="Cambria Math" panose="02040503050406030204" pitchFamily="18" charset="0"/>
+                                    </a:rPr>
+                                  </m:ctrlPr>
+                                </m:fPr>
+                                <m:num>
+                                  <m:r>
+                                    <a:rPr lang="fr-FR" i="1">
+                                      <a:latin typeface="Cambria Math" panose="02040503050406030204" pitchFamily="18" charset="0"/>
+                                      <a:ea typeface="Cambria Math" panose="02040503050406030204" pitchFamily="18" charset="0"/>
+                                    </a:rPr>
+                                    <m:t>𝜋</m:t>
+                                  </m:r>
+                                  <m:r>
+                                    <a:rPr lang="fr-FR" i="1">
+                                      <a:latin typeface="Cambria Math" panose="02040503050406030204" pitchFamily="18" charset="0"/>
+                                      <a:ea typeface="Cambria Math" panose="02040503050406030204" pitchFamily="18" charset="0"/>
+                                    </a:rPr>
+                                    <m:t>𝑡</m:t>
+                                  </m:r>
+                                </m:num>
+                                <m:den>
+                                  <m:sSub>
+                                    <m:sSubPr>
+                                      <m:ctrlPr>
+                                        <a:rPr lang="fr-FR" i="1">
+                                          <a:latin typeface="Cambria Math" panose="02040503050406030204" pitchFamily="18" charset="0"/>
+                                          <a:ea typeface="Cambria Math" panose="02040503050406030204" pitchFamily="18" charset="0"/>
+                                        </a:rPr>
+                                      </m:ctrlPr>
+                                    </m:sSubPr>
+                                    <m:e>
+                                      <m:r>
+                                        <a:rPr lang="fr-FR" i="1">
+                                          <a:latin typeface="Cambria Math" panose="02040503050406030204" pitchFamily="18" charset="0"/>
+                                          <a:ea typeface="Cambria Math" panose="02040503050406030204" pitchFamily="18" charset="0"/>
+                                        </a:rPr>
+                                        <m:t>𝑡</m:t>
+                                      </m:r>
+                                    </m:e>
+                                    <m:sub>
+                                      <m:r>
+                                        <a:rPr lang="fr-FR" i="1">
+                                          <a:latin typeface="Cambria Math" panose="02040503050406030204" pitchFamily="18" charset="0"/>
+                                          <a:ea typeface="Cambria Math" panose="02040503050406030204" pitchFamily="18" charset="0"/>
+                                        </a:rPr>
+                                        <m:t>𝑓</m:t>
+                                      </m:r>
+                                    </m:sub>
+                                  </m:sSub>
+                                </m:den>
+                              </m:f>
+                            </m:e>
+                          </m:d>
+                          <m:r>
+                            <a:rPr lang="fr-FR" i="1">
+                              <a:latin typeface="Cambria Math" panose="02040503050406030204" pitchFamily="18" charset="0"/>
+                              <a:ea typeface="Cambria Math" panose="02040503050406030204" pitchFamily="18" charset="0"/>
+                            </a:rPr>
+                            <m:t>+</m:t>
+                          </m:r>
+                          <m:r>
+                            <a:rPr lang="fr-FR" i="1">
+                              <a:latin typeface="Cambria Math" panose="02040503050406030204" pitchFamily="18" charset="0"/>
+                              <a:ea typeface="Cambria Math" panose="02040503050406030204" pitchFamily="18" charset="0"/>
+                            </a:rPr>
+                            <m:t>𝑠𝑖𝑛</m:t>
+                          </m:r>
+                          <m:d>
+                            <m:dPr>
+                              <m:ctrlPr>
+                                <a:rPr lang="fr-FR" i="1">
+                                  <a:latin typeface="Cambria Math" panose="02040503050406030204" pitchFamily="18" charset="0"/>
+                                  <a:ea typeface="Cambria Math" panose="02040503050406030204" pitchFamily="18" charset="0"/>
+                                </a:rPr>
+                              </m:ctrlPr>
+                            </m:dPr>
+                            <m:e>
+                              <m:f>
+                                <m:fPr>
+                                  <m:ctrlPr>
+                                    <a:rPr lang="fr-FR" i="1">
+                                      <a:latin typeface="Cambria Math" panose="02040503050406030204" pitchFamily="18" charset="0"/>
+                                      <a:ea typeface="Cambria Math" panose="02040503050406030204" pitchFamily="18" charset="0"/>
+                                    </a:rPr>
+                                  </m:ctrlPr>
+                                </m:fPr>
+                                <m:num>
+                                  <m:r>
+                                    <a:rPr lang="fr-FR" i="1">
+                                      <a:latin typeface="Cambria Math" panose="02040503050406030204" pitchFamily="18" charset="0"/>
+                                      <a:ea typeface="Cambria Math" panose="02040503050406030204" pitchFamily="18" charset="0"/>
+                                    </a:rPr>
+                                    <m:t>𝜋</m:t>
+                                  </m:r>
+                                  <m:r>
+                                    <a:rPr lang="fr-FR" i="1">
+                                      <a:latin typeface="Cambria Math" panose="02040503050406030204" pitchFamily="18" charset="0"/>
+                                      <a:ea typeface="Cambria Math" panose="02040503050406030204" pitchFamily="18" charset="0"/>
+                                    </a:rPr>
+                                    <m:t>𝑡</m:t>
+                                  </m:r>
+                                </m:num>
+                                <m:den>
+                                  <m:sSub>
+                                    <m:sSubPr>
+                                      <m:ctrlPr>
+                                        <a:rPr lang="fr-FR" i="1">
+                                          <a:latin typeface="Cambria Math" panose="02040503050406030204" pitchFamily="18" charset="0"/>
+                                          <a:ea typeface="Cambria Math" panose="02040503050406030204" pitchFamily="18" charset="0"/>
+                                        </a:rPr>
+                                      </m:ctrlPr>
+                                    </m:sSubPr>
+                                    <m:e>
+                                      <m:r>
+                                        <a:rPr lang="fr-FR" i="1">
+                                          <a:latin typeface="Cambria Math" panose="02040503050406030204" pitchFamily="18" charset="0"/>
+                                          <a:ea typeface="Cambria Math" panose="02040503050406030204" pitchFamily="18" charset="0"/>
+                                        </a:rPr>
+                                        <m:t>𝑡</m:t>
+                                      </m:r>
+                                    </m:e>
+                                    <m:sub>
+                                      <m:r>
+                                        <a:rPr lang="fr-FR" i="1">
+                                          <a:latin typeface="Cambria Math" panose="02040503050406030204" pitchFamily="18" charset="0"/>
+                                          <a:ea typeface="Cambria Math" panose="02040503050406030204" pitchFamily="18" charset="0"/>
+                                        </a:rPr>
+                                        <m:t>𝑓</m:t>
+                                      </m:r>
+                                    </m:sub>
+                                  </m:sSub>
+                                </m:den>
+                              </m:f>
+                            </m:e>
+                          </m:d>
+                          <m:d>
+                            <m:dPr>
+                              <m:ctrlPr>
+                                <a:rPr lang="fr-FR" i="1">
+                                  <a:latin typeface="Cambria Math" panose="02040503050406030204" pitchFamily="18" charset="0"/>
+                                  <a:ea typeface="Cambria Math" panose="02040503050406030204" pitchFamily="18" charset="0"/>
+                                </a:rPr>
+                              </m:ctrlPr>
+                            </m:dPr>
+                            <m:e>
+                              <m:r>
+                                <a:rPr lang="fr-FR" i="1">
+                                  <a:latin typeface="Cambria Math" panose="02040503050406030204" pitchFamily="18" charset="0"/>
+                                  <a:ea typeface="Cambria Math" panose="02040503050406030204" pitchFamily="18" charset="0"/>
+                                </a:rPr>
+                                <m:t>𝑘</m:t>
+                              </m:r>
+                              <m:sSup>
+                                <m:sSupPr>
+                                  <m:ctrlPr>
+                                    <a:rPr lang="fr-FR" i="1">
+                                      <a:latin typeface="Cambria Math" panose="02040503050406030204" pitchFamily="18" charset="0"/>
+                                      <a:ea typeface="Cambria Math" panose="02040503050406030204" pitchFamily="18" charset="0"/>
+                                    </a:rPr>
+                                  </m:ctrlPr>
+                                </m:sSupPr>
+                                <m:e>
+                                  <m:r>
+                                    <a:rPr lang="fr-FR" i="1">
+                                      <a:latin typeface="Cambria Math" panose="02040503050406030204" pitchFamily="18" charset="0"/>
+                                    </a:rPr>
+                                    <m:t>𝑟</m:t>
+                                  </m:r>
+                                </m:e>
+                                <m:sup>
+                                  <m:r>
+                                    <a:rPr lang="fr-FR" i="1">
+                                      <a:latin typeface="Cambria Math" panose="02040503050406030204" pitchFamily="18" charset="0"/>
+                                    </a:rPr>
+                                    <m:t>2</m:t>
+                                  </m:r>
+                                </m:sup>
+                              </m:sSup>
+                              <m:r>
+                                <a:rPr lang="fr-FR" i="1">
+                                  <a:latin typeface="Cambria Math" panose="02040503050406030204" pitchFamily="18" charset="0"/>
+                                </a:rPr>
+                                <m:t>−</m:t>
+                              </m:r>
+                              <m:sSub>
+                                <m:sSubPr>
+                                  <m:ctrlPr>
+                                    <a:rPr lang="fr-FR" i="1">
+                                      <a:latin typeface="Cambria Math" panose="02040503050406030204" pitchFamily="18" charset="0"/>
+                                    </a:rPr>
+                                  </m:ctrlPr>
+                                </m:sSubPr>
+                                <m:e>
+                                  <m:r>
+                                    <a:rPr lang="fr-FR" i="1">
+                                      <a:latin typeface="Cambria Math" panose="02040503050406030204" pitchFamily="18" charset="0"/>
+                                    </a:rPr>
+                                    <m:t>4</m:t>
+                                  </m:r>
+                                  <m:r>
+                                    <a:rPr lang="fr-FR" i="1">
+                                      <a:latin typeface="Cambria Math" panose="02040503050406030204" pitchFamily="18" charset="0"/>
+                                    </a:rPr>
+                                    <m:t>𝐷</m:t>
+                                  </m:r>
+                                </m:e>
+                                <m:sub>
+                                  <m:r>
+                                    <a:rPr lang="fr-FR" i="1">
+                                      <a:latin typeface="Cambria Math" panose="02040503050406030204" pitchFamily="18" charset="0"/>
+                                    </a:rPr>
+                                    <m:t>𝑒𝑓𝑓</m:t>
+                                  </m:r>
+                                </m:sub>
+                              </m:sSub>
+                            </m:e>
+                          </m:d>
+                        </m:e>
+                      </m:d>
+                    </m:oMath>
+                  </m:oMathPara>
+                </a14:m>
+                <a:endParaRPr lang="fr-FR" noProof="0" dirty="0"/>
+              </a:p>
+            </p:txBody>
+          </p:sp>
+        </mc:Choice>
+        <mc:Fallback>
+          <p:sp>
+            <p:nvSpPr>
+              <p:cNvPr id="11" name="TextBox 10">
+                <a:extLst>
+                  <a:ext uri="{FF2B5EF4-FFF2-40B4-BE49-F238E27FC236}">
+                    <a16:creationId xmlns:a16="http://schemas.microsoft.com/office/drawing/2014/main" id="{CEE01445-5110-B067-DED9-8FFB49916167}"/>
+                  </a:ext>
+                </a:extLst>
+              </p:cNvPr>
+              <p:cNvSpPr txBox="1">
+                <a:spLocks noRot="1" noChangeAspect="1" noMove="1" noResize="1" noEditPoints="1" noAdjustHandles="1" noChangeArrowheads="1" noChangeShapeType="1" noTextEdit="1"/>
+              </p:cNvSpPr>
+              <p:nvPr/>
+            </p:nvSpPr>
+            <p:spPr>
+              <a:xfrm>
+                <a:off x="1996478" y="991510"/>
+                <a:ext cx="8199039" cy="631840"/>
+              </a:xfrm>
+              <a:prstGeom prst="rect">
+                <a:avLst/>
+              </a:prstGeom>
+              <a:blipFill>
+                <a:blip r:embed="rId2"/>
+                <a:stretch>
+                  <a:fillRect b="-971"/>
+                </a:stretch>
+              </a:blipFill>
+            </p:spPr>
+            <p:txBody>
+              <a:bodyPr/>
+              <a:lstStyle/>
+              <a:p>
+                <a:r>
+                  <a:rPr lang="en-GB">
+                    <a:noFill/>
+                  </a:rPr>
+                  <a:t> </a:t>
+                </a:r>
+              </a:p>
+            </p:txBody>
+          </p:sp>
+        </mc:Fallback>
+      </mc:AlternateContent>
       <p:pic>
         <p:nvPicPr>
-          <p:cNvPr id="8" name="Picture 7">
+          <p:cNvPr id="13" name="Picture 12" descr="A graph with different colored lines&#10;&#10;AI-generated content may be incorrect.">
             <a:extLst>
               <a:ext uri="{FF2B5EF4-FFF2-40B4-BE49-F238E27FC236}">
-                <a16:creationId xmlns:a16="http://schemas.microsoft.com/office/drawing/2014/main" id="{FF444D27-8B34-CCF0-453E-A027C5C9CE53}"/>
+                <a16:creationId xmlns:a16="http://schemas.microsoft.com/office/drawing/2014/main" id="{419696E6-B824-48E8-3557-8146E42E4256}"/>
               </a:ext>
             </a:extLst>
           </p:cNvPr>
@@ -27677,15 +30214,21 @@
           <p:nvPr/>
         </p:nvPicPr>
         <p:blipFill>
-          <a:blip r:embed="rId2"/>
+          <a:blip r:embed="rId3">
+            <a:extLst>
+              <a:ext uri="{28A0092B-C50C-407E-A947-70E740481C1C}">
+                <a14:useLocalDpi xmlns:a14="http://schemas.microsoft.com/office/drawing/2010/main" val="0"/>
+              </a:ext>
+            </a:extLst>
+          </a:blip>
           <a:stretch>
             <a:fillRect/>
           </a:stretch>
         </p:blipFill>
         <p:spPr>
           <a:xfrm>
-            <a:off x="1644221" y="1072338"/>
-            <a:ext cx="4451777" cy="3414052"/>
+            <a:off x="458793" y="2299245"/>
+            <a:ext cx="5637204" cy="4227903"/>
           </a:xfrm>
           <a:prstGeom prst="rect">
             <a:avLst/>
@@ -27694,10 +30237,10 @@
       </p:pic>
       <p:pic>
         <p:nvPicPr>
-          <p:cNvPr id="19" name="Picture 18">
+          <p:cNvPr id="15" name="Picture 14" descr="A graph with different colored lines&#10;&#10;AI-generated content may be incorrect.">
             <a:extLst>
               <a:ext uri="{FF2B5EF4-FFF2-40B4-BE49-F238E27FC236}">
-                <a16:creationId xmlns:a16="http://schemas.microsoft.com/office/drawing/2014/main" id="{92D1AD73-0F5F-8BF0-CBFA-CED3B8D450B9}"/>
+                <a16:creationId xmlns:a16="http://schemas.microsoft.com/office/drawing/2014/main" id="{56AA2CCE-2CE0-7B0A-AC79-BE4AD48986CA}"/>
               </a:ext>
             </a:extLst>
           </p:cNvPr>
@@ -27707,15 +30250,21 @@
           <p:nvPr/>
         </p:nvPicPr>
         <p:blipFill>
-          <a:blip r:embed="rId3"/>
+          <a:blip r:embed="rId4">
+            <a:extLst>
+              <a:ext uri="{28A0092B-C50C-407E-A947-70E740481C1C}">
+                <a14:useLocalDpi xmlns:a14="http://schemas.microsoft.com/office/drawing/2010/main" val="0"/>
+              </a:ext>
+            </a:extLst>
+          </a:blip>
           <a:stretch>
             <a:fillRect/>
           </a:stretch>
         </p:blipFill>
         <p:spPr>
           <a:xfrm>
-            <a:off x="6095998" y="1072338"/>
-            <a:ext cx="4346258" cy="3414052"/>
+            <a:off x="6095996" y="2299245"/>
+            <a:ext cx="5637203" cy="4227902"/>
           </a:xfrm>
           <a:prstGeom prst="rect">
             <a:avLst/>

--- a/doc/Rapport_Devoir2.pptx
+++ b/doc/Rapport_Devoir2.pptx
@@ -134,7 +134,7 @@
 <file path=ppt/revisionInfo.xml><?xml version="1.0" encoding="utf-8"?>
 <p1510:revInfo xmlns:a="http://schemas.openxmlformats.org/drawingml/2006/main" xmlns:r="http://schemas.openxmlformats.org/officeDocument/2006/relationships" xmlns:p1510="http://schemas.microsoft.com/office/powerpoint/2015/10/main">
   <p1510:revLst>
-    <p1510:client id="{1D234A9C-22E0-43CD-8D54-3191A7902E4E}" v="1357" dt="2025-02-23T22:21:15.071"/>
+    <p1510:client id="{1D234A9C-22E0-43CD-8D54-3191A7902E4E}" v="1444" dt="2025-02-27T00:52:17.103"/>
   </p1510:revLst>
 </p1510:revInfo>
 </file>
@@ -576,41 +576,9 @@
           <ac:spMkLst>
             <pc:docMk/>
             <pc:sldMk cId="2174773392" sldId="263"/>
-            <ac:spMk id="6" creationId="{51B5442A-C3C4-1A8F-D37A-D5F1A379EC7E}"/>
-          </ac:spMkLst>
-        </pc:spChg>
-        <pc:spChg chg="add mod">
-          <ac:chgData name="François GLEYZON" userId="a2d04f23f7faf3ef" providerId="LiveId" clId="{8625411A-B743-4065-8137-36E899DC5753}" dt="2025-02-14T00:35:27.563" v="10895" actId="20577"/>
-          <ac:spMkLst>
-            <pc:docMk/>
-            <pc:sldMk cId="2174773392" sldId="263"/>
-            <ac:spMk id="10" creationId="{13A11EAD-00C7-DE8C-6393-ABE7B1826CB4}"/>
-          </ac:spMkLst>
-        </pc:spChg>
-        <pc:spChg chg="add mod">
-          <ac:chgData name="François GLEYZON" userId="a2d04f23f7faf3ef" providerId="LiveId" clId="{8625411A-B743-4065-8137-36E899DC5753}" dt="2025-02-14T00:29:59.019" v="10862" actId="790"/>
-          <ac:spMkLst>
-            <pc:docMk/>
-            <pc:sldMk cId="2174773392" sldId="263"/>
             <ac:spMk id="11" creationId="{35DD8227-809D-06CE-9270-2CC91121E055}"/>
           </ac:spMkLst>
         </pc:spChg>
-        <pc:spChg chg="add mod">
-          <ac:chgData name="François GLEYZON" userId="a2d04f23f7faf3ef" providerId="LiveId" clId="{8625411A-B743-4065-8137-36E899DC5753}" dt="2025-02-14T00:36:09.326" v="10909" actId="20577"/>
-          <ac:spMkLst>
-            <pc:docMk/>
-            <pc:sldMk cId="2174773392" sldId="263"/>
-            <ac:spMk id="15" creationId="{7BDA4E76-F589-4B48-9CFA-A285AB337AE0}"/>
-          </ac:spMkLst>
-        </pc:spChg>
-        <pc:picChg chg="add mod ord">
-          <ac:chgData name="François GLEYZON" userId="a2d04f23f7faf3ef" providerId="LiveId" clId="{8625411A-B743-4065-8137-36E899DC5753}" dt="2025-02-11T00:31:41.028" v="7626" actId="167"/>
-          <ac:picMkLst>
-            <pc:docMk/>
-            <pc:sldMk cId="2174773392" sldId="263"/>
-            <ac:picMk id="13" creationId="{EF2EFB49-ED70-4B27-2033-047136B683A5}"/>
-          </ac:picMkLst>
-        </pc:picChg>
       </pc:sldChg>
       <pc:sldChg chg="addSp modSp mod">
         <pc:chgData name="François GLEYZON" userId="a2d04f23f7faf3ef" providerId="LiveId" clId="{8625411A-B743-4065-8137-36E899DC5753}" dt="2025-02-15T18:58:39.562" v="10910" actId="108"/>
@@ -648,70 +616,6 @@
             <pc:docMk/>
             <pc:sldMk cId="508563345" sldId="264"/>
             <ac:spMk id="5" creationId="{D2E50873-3ABD-E877-EB14-EB6279F4EA4F}"/>
-          </ac:spMkLst>
-        </pc:spChg>
-        <pc:spChg chg="add mod">
-          <ac:chgData name="François GLEYZON" userId="a2d04f23f7faf3ef" providerId="LiveId" clId="{8625411A-B743-4065-8137-36E899DC5753}" dt="2025-02-14T00:29:59.019" v="10862" actId="790"/>
-          <ac:spMkLst>
-            <pc:docMk/>
-            <pc:sldMk cId="508563345" sldId="264"/>
-            <ac:spMk id="6" creationId="{C0FB229F-7FDE-60BB-7C9D-FA8C75D93FFE}"/>
-          </ac:spMkLst>
-        </pc:spChg>
-        <pc:spChg chg="add mod">
-          <ac:chgData name="François GLEYZON" userId="a2d04f23f7faf3ef" providerId="LiveId" clId="{8625411A-B743-4065-8137-36E899DC5753}" dt="2025-02-14T00:29:59.019" v="10862" actId="790"/>
-          <ac:spMkLst>
-            <pc:docMk/>
-            <pc:sldMk cId="508563345" sldId="264"/>
-            <ac:spMk id="7" creationId="{70CF15AE-9D08-54F9-6B23-DBA1C0275690}"/>
-          </ac:spMkLst>
-        </pc:spChg>
-        <pc:spChg chg="add mod">
-          <ac:chgData name="François GLEYZON" userId="a2d04f23f7faf3ef" providerId="LiveId" clId="{8625411A-B743-4065-8137-36E899DC5753}" dt="2025-02-14T00:29:59.019" v="10862" actId="790"/>
-          <ac:spMkLst>
-            <pc:docMk/>
-            <pc:sldMk cId="508563345" sldId="264"/>
-            <ac:spMk id="8" creationId="{3F71D19F-FB6D-FE38-AC51-717B965503B7}"/>
-          </ac:spMkLst>
-        </pc:spChg>
-        <pc:spChg chg="add mod">
-          <ac:chgData name="François GLEYZON" userId="a2d04f23f7faf3ef" providerId="LiveId" clId="{8625411A-B743-4065-8137-36E899DC5753}" dt="2025-02-14T00:29:59.019" v="10862" actId="790"/>
-          <ac:spMkLst>
-            <pc:docMk/>
-            <pc:sldMk cId="508563345" sldId="264"/>
-            <ac:spMk id="9" creationId="{1A3D098E-C0A1-7DE8-1262-2E4E31F8E4CB}"/>
-          </ac:spMkLst>
-        </pc:spChg>
-        <pc:spChg chg="add mod">
-          <ac:chgData name="François GLEYZON" userId="a2d04f23f7faf3ef" providerId="LiveId" clId="{8625411A-B743-4065-8137-36E899DC5753}" dt="2025-02-14T00:29:59.019" v="10862" actId="790"/>
-          <ac:spMkLst>
-            <pc:docMk/>
-            <pc:sldMk cId="508563345" sldId="264"/>
-            <ac:spMk id="10" creationId="{1827829A-69C1-05E0-82FC-47D7A4E8CFA8}"/>
-          </ac:spMkLst>
-        </pc:spChg>
-        <pc:spChg chg="add mod">
-          <ac:chgData name="François GLEYZON" userId="a2d04f23f7faf3ef" providerId="LiveId" clId="{8625411A-B743-4065-8137-36E899DC5753}" dt="2025-02-12T23:23:47.526" v="10793" actId="20577"/>
-          <ac:spMkLst>
-            <pc:docMk/>
-            <pc:sldMk cId="508563345" sldId="264"/>
-            <ac:spMk id="11" creationId="{F3FF0ABE-9BDA-8589-BCA2-AC743838ACFC}"/>
-          </ac:spMkLst>
-        </pc:spChg>
-        <pc:spChg chg="add mod">
-          <ac:chgData name="François GLEYZON" userId="a2d04f23f7faf3ef" providerId="LiveId" clId="{8625411A-B743-4065-8137-36E899DC5753}" dt="2025-02-14T00:29:59.019" v="10862" actId="790"/>
-          <ac:spMkLst>
-            <pc:docMk/>
-            <pc:sldMk cId="508563345" sldId="264"/>
-            <ac:spMk id="12" creationId="{280E63AB-7E7C-412D-9775-611C8F43CE44}"/>
-          </ac:spMkLst>
-        </pc:spChg>
-        <pc:spChg chg="mod">
-          <ac:chgData name="François GLEYZON" userId="a2d04f23f7faf3ef" providerId="LiveId" clId="{8625411A-B743-4065-8137-36E899DC5753}" dt="2025-02-15T18:58:39.562" v="10910" actId="108"/>
-          <ac:spMkLst>
-            <pc:docMk/>
-            <pc:sldMk cId="508563345" sldId="264"/>
-            <ac:spMk id="13" creationId="{F2151F1C-7D98-8A07-DABB-9BF880922990}"/>
           </ac:spMkLst>
         </pc:spChg>
       </pc:sldChg>
@@ -995,7 +899,7 @@
   <pc:docChgLst>
     <pc:chgData name="François GLEYZON" userId="a2d04f23f7faf3ef" providerId="LiveId" clId="{1D234A9C-22E0-43CD-8D54-3191A7902E4E}"/>
     <pc:docChg chg="undo redo custSel addSld delSld modSld">
-      <pc:chgData name="François GLEYZON" userId="a2d04f23f7faf3ef" providerId="LiveId" clId="{1D234A9C-22E0-43CD-8D54-3191A7902E4E}" dt="2025-02-23T22:21:15.071" v="3520"/>
+      <pc:chgData name="François GLEYZON" userId="a2d04f23f7faf3ef" providerId="LiveId" clId="{1D234A9C-22E0-43CD-8D54-3191A7902E4E}" dt="2025-02-27T01:03:08.166" v="3623" actId="478"/>
       <pc:docMkLst>
         <pc:docMk/>
       </pc:docMkLst>
@@ -1100,22 +1004,6 @@
             <ac:spMk id="18" creationId="{084AB1FD-7605-A391-EC23-98B73DCD8FD2}"/>
           </ac:spMkLst>
         </pc:spChg>
-        <pc:spChg chg="add del mod">
-          <ac:chgData name="François GLEYZON" userId="a2d04f23f7faf3ef" providerId="LiveId" clId="{1D234A9C-22E0-43CD-8D54-3191A7902E4E}" dt="2025-02-22T17:39:34.348" v="168" actId="478"/>
-          <ac:spMkLst>
-            <pc:docMk/>
-            <pc:sldMk cId="2487955664" sldId="257"/>
-            <ac:spMk id="19" creationId="{A454153A-CC06-707F-F160-F306496FB8A5}"/>
-          </ac:spMkLst>
-        </pc:spChg>
-        <pc:spChg chg="add del mod">
-          <ac:chgData name="François GLEYZON" userId="a2d04f23f7faf3ef" providerId="LiveId" clId="{1D234A9C-22E0-43CD-8D54-3191A7902E4E}" dt="2025-02-22T17:39:34.348" v="168" actId="478"/>
-          <ac:spMkLst>
-            <pc:docMk/>
-            <pc:sldMk cId="2487955664" sldId="257"/>
-            <ac:spMk id="20" creationId="{E23FE1EB-A223-B7DE-11EA-BF951D8028C8}"/>
-          </ac:spMkLst>
-        </pc:spChg>
         <pc:spChg chg="add mod">
           <ac:chgData name="François GLEYZON" userId="a2d04f23f7faf3ef" providerId="LiveId" clId="{1D234A9C-22E0-43CD-8D54-3191A7902E4E}" dt="2025-02-22T17:42:44.697" v="424" actId="1035"/>
           <ac:spMkLst>
@@ -1203,246 +1091,6 @@
           <pc:docMk/>
           <pc:sldMk cId="3497435959" sldId="258"/>
         </pc:sldMkLst>
-        <pc:spChg chg="mod">
-          <ac:chgData name="François GLEYZON" userId="a2d04f23f7faf3ef" providerId="LiveId" clId="{1D234A9C-22E0-43CD-8D54-3191A7902E4E}" dt="2025-02-22T18:01:15.221" v="1284" actId="14100"/>
-          <ac:spMkLst>
-            <pc:docMk/>
-            <pc:sldMk cId="3497435959" sldId="258"/>
-            <ac:spMk id="3" creationId="{55C4A58F-66DC-5C22-B369-CB6316DD2D90}"/>
-          </ac:spMkLst>
-        </pc:spChg>
-        <pc:spChg chg="del">
-          <ac:chgData name="François GLEYZON" userId="a2d04f23f7faf3ef" providerId="LiveId" clId="{1D234A9C-22E0-43CD-8D54-3191A7902E4E}" dt="2025-02-22T18:00:38.152" v="1203" actId="478"/>
-          <ac:spMkLst>
-            <pc:docMk/>
-            <pc:sldMk cId="3497435959" sldId="258"/>
-            <ac:spMk id="5" creationId="{9CD1EF5B-835F-C5A9-1EDA-8188A89EC195}"/>
-          </ac:spMkLst>
-        </pc:spChg>
-        <pc:spChg chg="del">
-          <ac:chgData name="François GLEYZON" userId="a2d04f23f7faf3ef" providerId="LiveId" clId="{1D234A9C-22E0-43CD-8D54-3191A7902E4E}" dt="2025-02-22T18:00:28.149" v="1199" actId="478"/>
-          <ac:spMkLst>
-            <pc:docMk/>
-            <pc:sldMk cId="3497435959" sldId="258"/>
-            <ac:spMk id="6" creationId="{FF2C842C-65F6-F6AA-8AD7-2C57C499709A}"/>
-          </ac:spMkLst>
-        </pc:spChg>
-        <pc:spChg chg="del">
-          <ac:chgData name="François GLEYZON" userId="a2d04f23f7faf3ef" providerId="LiveId" clId="{1D234A9C-22E0-43CD-8D54-3191A7902E4E}" dt="2025-02-22T18:00:36.277" v="1202" actId="478"/>
-          <ac:spMkLst>
-            <pc:docMk/>
-            <pc:sldMk cId="3497435959" sldId="258"/>
-            <ac:spMk id="7" creationId="{0DE0C8D9-3B6A-5353-D429-49011476A1F8}"/>
-          </ac:spMkLst>
-        </pc:spChg>
-        <pc:spChg chg="del">
-          <ac:chgData name="François GLEYZON" userId="a2d04f23f7faf3ef" providerId="LiveId" clId="{1D234A9C-22E0-43CD-8D54-3191A7902E4E}" dt="2025-02-22T18:00:28.149" v="1199" actId="478"/>
-          <ac:spMkLst>
-            <pc:docMk/>
-            <pc:sldMk cId="3497435959" sldId="258"/>
-            <ac:spMk id="9" creationId="{7A54EB86-CFDF-B2E1-C61C-91BFFAB2C8CA}"/>
-          </ac:spMkLst>
-        </pc:spChg>
-        <pc:spChg chg="del">
-          <ac:chgData name="François GLEYZON" userId="a2d04f23f7faf3ef" providerId="LiveId" clId="{1D234A9C-22E0-43CD-8D54-3191A7902E4E}" dt="2025-02-22T18:00:36.277" v="1202" actId="478"/>
-          <ac:spMkLst>
-            <pc:docMk/>
-            <pc:sldMk cId="3497435959" sldId="258"/>
-            <ac:spMk id="10" creationId="{40541310-AE63-A3AD-7F42-7A4E4EFFBB68}"/>
-          </ac:spMkLst>
-        </pc:spChg>
-        <pc:spChg chg="del">
-          <ac:chgData name="François GLEYZON" userId="a2d04f23f7faf3ef" providerId="LiveId" clId="{1D234A9C-22E0-43CD-8D54-3191A7902E4E}" dt="2025-02-22T18:00:36.277" v="1202" actId="478"/>
-          <ac:spMkLst>
-            <pc:docMk/>
-            <pc:sldMk cId="3497435959" sldId="258"/>
-            <ac:spMk id="11" creationId="{CAA7A204-9C2C-295B-8685-3AA6C75E9424}"/>
-          </ac:spMkLst>
-        </pc:spChg>
-        <pc:spChg chg="del">
-          <ac:chgData name="François GLEYZON" userId="a2d04f23f7faf3ef" providerId="LiveId" clId="{1D234A9C-22E0-43CD-8D54-3191A7902E4E}" dt="2025-02-22T18:00:28.149" v="1199" actId="478"/>
-          <ac:spMkLst>
-            <pc:docMk/>
-            <pc:sldMk cId="3497435959" sldId="258"/>
-            <ac:spMk id="12" creationId="{F949E2F4-B036-5D37-EA90-EDCD5AAC03C6}"/>
-          </ac:spMkLst>
-        </pc:spChg>
-        <pc:spChg chg="del">
-          <ac:chgData name="François GLEYZON" userId="a2d04f23f7faf3ef" providerId="LiveId" clId="{1D234A9C-22E0-43CD-8D54-3191A7902E4E}" dt="2025-02-22T18:00:28.149" v="1199" actId="478"/>
-          <ac:spMkLst>
-            <pc:docMk/>
-            <pc:sldMk cId="3497435959" sldId="258"/>
-            <ac:spMk id="13" creationId="{3C68DC94-F6BA-F627-DAD0-C1726F459CF5}"/>
-          </ac:spMkLst>
-        </pc:spChg>
-        <pc:spChg chg="add mod">
-          <ac:chgData name="François GLEYZON" userId="a2d04f23f7faf3ef" providerId="LiveId" clId="{1D234A9C-22E0-43CD-8D54-3191A7902E4E}" dt="2025-02-22T18:02:45.599" v="1298" actId="1076"/>
-          <ac:spMkLst>
-            <pc:docMk/>
-            <pc:sldMk cId="3497435959" sldId="258"/>
-            <ac:spMk id="14" creationId="{D580F648-8146-3AA6-43B9-B40A4F8A2515}"/>
-          </ac:spMkLst>
-        </pc:spChg>
-        <pc:spChg chg="del">
-          <ac:chgData name="François GLEYZON" userId="a2d04f23f7faf3ef" providerId="LiveId" clId="{1D234A9C-22E0-43CD-8D54-3191A7902E4E}" dt="2025-02-22T18:00:28.149" v="1199" actId="478"/>
-          <ac:spMkLst>
-            <pc:docMk/>
-            <pc:sldMk cId="3497435959" sldId="258"/>
-            <ac:spMk id="15" creationId="{21CE31FA-9166-6A75-0AB5-0610E859D3D6}"/>
-          </ac:spMkLst>
-        </pc:spChg>
-        <pc:spChg chg="del">
-          <ac:chgData name="François GLEYZON" userId="a2d04f23f7faf3ef" providerId="LiveId" clId="{1D234A9C-22E0-43CD-8D54-3191A7902E4E}" dt="2025-02-22T18:00:28.149" v="1199" actId="478"/>
-          <ac:spMkLst>
-            <pc:docMk/>
-            <pc:sldMk cId="3497435959" sldId="258"/>
-            <ac:spMk id="16" creationId="{2C10BAD9-A32E-DD4A-233B-BEF6AD17CC1D}"/>
-          </ac:spMkLst>
-        </pc:spChg>
-        <pc:spChg chg="del">
-          <ac:chgData name="François GLEYZON" userId="a2d04f23f7faf3ef" providerId="LiveId" clId="{1D234A9C-22E0-43CD-8D54-3191A7902E4E}" dt="2025-02-22T18:00:33.870" v="1201" actId="478"/>
-          <ac:spMkLst>
-            <pc:docMk/>
-            <pc:sldMk cId="3497435959" sldId="258"/>
-            <ac:spMk id="17" creationId="{CC266515-B8A3-2D6D-A91E-14FABFB4ABCF}"/>
-          </ac:spMkLst>
-        </pc:spChg>
-        <pc:spChg chg="del">
-          <ac:chgData name="François GLEYZON" userId="a2d04f23f7faf3ef" providerId="LiveId" clId="{1D234A9C-22E0-43CD-8D54-3191A7902E4E}" dt="2025-02-22T18:00:28.149" v="1199" actId="478"/>
-          <ac:spMkLst>
-            <pc:docMk/>
-            <pc:sldMk cId="3497435959" sldId="258"/>
-            <ac:spMk id="18" creationId="{882C8DE4-5422-A89D-8FBB-C2B7D9F1BA70}"/>
-          </ac:spMkLst>
-        </pc:spChg>
-        <pc:spChg chg="del">
-          <ac:chgData name="François GLEYZON" userId="a2d04f23f7faf3ef" providerId="LiveId" clId="{1D234A9C-22E0-43CD-8D54-3191A7902E4E}" dt="2025-02-22T18:00:33.870" v="1201" actId="478"/>
-          <ac:spMkLst>
-            <pc:docMk/>
-            <pc:sldMk cId="3497435959" sldId="258"/>
-            <ac:spMk id="19" creationId="{CF58FD18-BF05-78EF-3E0A-E929A15FA58C}"/>
-          </ac:spMkLst>
-        </pc:spChg>
-        <pc:spChg chg="del">
-          <ac:chgData name="François GLEYZON" userId="a2d04f23f7faf3ef" providerId="LiveId" clId="{1D234A9C-22E0-43CD-8D54-3191A7902E4E}" dt="2025-02-22T18:00:33.870" v="1201" actId="478"/>
-          <ac:spMkLst>
-            <pc:docMk/>
-            <pc:sldMk cId="3497435959" sldId="258"/>
-            <ac:spMk id="20" creationId="{E0DAB1B9-05DD-17A1-7A8D-8B89EBCC3A8A}"/>
-          </ac:spMkLst>
-        </pc:spChg>
-        <pc:spChg chg="del">
-          <ac:chgData name="François GLEYZON" userId="a2d04f23f7faf3ef" providerId="LiveId" clId="{1D234A9C-22E0-43CD-8D54-3191A7902E4E}" dt="2025-02-22T18:00:30.916" v="1200" actId="478"/>
-          <ac:spMkLst>
-            <pc:docMk/>
-            <pc:sldMk cId="3497435959" sldId="258"/>
-            <ac:spMk id="21" creationId="{2A9B90A1-45FE-8F0C-EA45-0AC7A3A9AE95}"/>
-          </ac:spMkLst>
-        </pc:spChg>
-        <pc:spChg chg="del">
-          <ac:chgData name="François GLEYZON" userId="a2d04f23f7faf3ef" providerId="LiveId" clId="{1D234A9C-22E0-43CD-8D54-3191A7902E4E}" dt="2025-02-22T18:00:30.916" v="1200" actId="478"/>
-          <ac:spMkLst>
-            <pc:docMk/>
-            <pc:sldMk cId="3497435959" sldId="258"/>
-            <ac:spMk id="22" creationId="{EE117A1E-FBA2-2F9E-7628-42ADAF4EEF27}"/>
-          </ac:spMkLst>
-        </pc:spChg>
-        <pc:spChg chg="mod">
-          <ac:chgData name="François GLEYZON" userId="a2d04f23f7faf3ef" providerId="LiveId" clId="{1D234A9C-22E0-43CD-8D54-3191A7902E4E}" dt="2025-02-22T18:00:22.855" v="1198" actId="20577"/>
-          <ac:spMkLst>
-            <pc:docMk/>
-            <pc:sldMk cId="3497435959" sldId="258"/>
-            <ac:spMk id="24" creationId="{25CE67D6-7061-86BB-E365-D7DABF25D4BD}"/>
-          </ac:spMkLst>
-        </pc:spChg>
-        <pc:spChg chg="add del mod">
-          <ac:chgData name="François GLEYZON" userId="a2d04f23f7faf3ef" providerId="LiveId" clId="{1D234A9C-22E0-43CD-8D54-3191A7902E4E}" dt="2025-02-22T19:00:19.529" v="1506" actId="478"/>
-          <ac:spMkLst>
-            <pc:docMk/>
-            <pc:sldMk cId="3497435959" sldId="258"/>
-            <ac:spMk id="26" creationId="{76913A0B-0A10-1470-C12F-8BA82D17EC4B}"/>
-          </ac:spMkLst>
-        </pc:spChg>
-        <pc:spChg chg="add mod">
-          <ac:chgData name="François GLEYZON" userId="a2d04f23f7faf3ef" providerId="LiveId" clId="{1D234A9C-22E0-43CD-8D54-3191A7902E4E}" dt="2025-02-22T19:00:47.979" v="1512" actId="14100"/>
-          <ac:spMkLst>
-            <pc:docMk/>
-            <pc:sldMk cId="3497435959" sldId="258"/>
-            <ac:spMk id="27" creationId="{5997B0F0-4DF1-11BD-6AF7-DFCF0EB7E728}"/>
-          </ac:spMkLst>
-        </pc:spChg>
-        <pc:spChg chg="add del mod">
-          <ac:chgData name="François GLEYZON" userId="a2d04f23f7faf3ef" providerId="LiveId" clId="{1D234A9C-22E0-43CD-8D54-3191A7902E4E}" dt="2025-02-22T19:00:22.859" v="1508" actId="478"/>
-          <ac:spMkLst>
-            <pc:docMk/>
-            <pc:sldMk cId="3497435959" sldId="258"/>
-            <ac:spMk id="28" creationId="{1CF40059-7E6D-4497-C905-40EFED47B638}"/>
-          </ac:spMkLst>
-        </pc:spChg>
-        <pc:spChg chg="add mod">
-          <ac:chgData name="François GLEYZON" userId="a2d04f23f7faf3ef" providerId="LiveId" clId="{1D234A9C-22E0-43CD-8D54-3191A7902E4E}" dt="2025-02-22T18:04:22.737" v="1365" actId="14100"/>
-          <ac:spMkLst>
-            <pc:docMk/>
-            <pc:sldMk cId="3497435959" sldId="258"/>
-            <ac:spMk id="29" creationId="{5214168B-058F-569D-F7E2-4557AA8CDDC7}"/>
-          </ac:spMkLst>
-        </pc:spChg>
-        <pc:spChg chg="add mod">
-          <ac:chgData name="François GLEYZON" userId="a2d04f23f7faf3ef" providerId="LiveId" clId="{1D234A9C-22E0-43CD-8D54-3191A7902E4E}" dt="2025-02-22T19:00:47.979" v="1512" actId="14100"/>
-          <ac:spMkLst>
-            <pc:docMk/>
-            <pc:sldMk cId="3497435959" sldId="258"/>
-            <ac:spMk id="30" creationId="{7799A925-83F7-CF41-B7C8-D5847C3F5704}"/>
-          </ac:spMkLst>
-        </pc:spChg>
-        <pc:spChg chg="add mod">
-          <ac:chgData name="François GLEYZON" userId="a2d04f23f7faf3ef" providerId="LiveId" clId="{1D234A9C-22E0-43CD-8D54-3191A7902E4E}" dt="2025-02-22T19:04:23.564" v="1606" actId="20577"/>
-          <ac:spMkLst>
-            <pc:docMk/>
-            <pc:sldMk cId="3497435959" sldId="258"/>
-            <ac:spMk id="31" creationId="{BAE4398F-B692-C93E-A16A-F0D947AA74E0}"/>
-          </ac:spMkLst>
-        </pc:spChg>
-        <pc:spChg chg="add mod">
-          <ac:chgData name="François GLEYZON" userId="a2d04f23f7faf3ef" providerId="LiveId" clId="{1D234A9C-22E0-43CD-8D54-3191A7902E4E}" dt="2025-02-22T19:01:00.809" v="1536" actId="1036"/>
-          <ac:spMkLst>
-            <pc:docMk/>
-            <pc:sldMk cId="3497435959" sldId="258"/>
-            <ac:spMk id="32" creationId="{FA096267-50E8-A4B4-45C3-E9C2EF28244F}"/>
-          </ac:spMkLst>
-        </pc:spChg>
-        <pc:spChg chg="add mod">
-          <ac:chgData name="François GLEYZON" userId="a2d04f23f7faf3ef" providerId="LiveId" clId="{1D234A9C-22E0-43CD-8D54-3191A7902E4E}" dt="2025-02-22T19:01:06.218" v="1544" actId="1036"/>
-          <ac:spMkLst>
-            <pc:docMk/>
-            <pc:sldMk cId="3497435959" sldId="258"/>
-            <ac:spMk id="33" creationId="{C0056BAF-1646-8813-7D60-3D6F1DECBA52}"/>
-          </ac:spMkLst>
-        </pc:spChg>
-        <pc:spChg chg="add mod">
-          <ac:chgData name="François GLEYZON" userId="a2d04f23f7faf3ef" providerId="LiveId" clId="{1D234A9C-22E0-43CD-8D54-3191A7902E4E}" dt="2025-02-22T19:03:10.289" v="1575" actId="1036"/>
-          <ac:spMkLst>
-            <pc:docMk/>
-            <pc:sldMk cId="3497435959" sldId="258"/>
-            <ac:spMk id="34" creationId="{40470722-91EC-5863-4B18-E8777581932C}"/>
-          </ac:spMkLst>
-        </pc:spChg>
-        <pc:spChg chg="add del mod">
-          <ac:chgData name="François GLEYZON" userId="a2d04f23f7faf3ef" providerId="LiveId" clId="{1D234A9C-22E0-43CD-8D54-3191A7902E4E}" dt="2025-02-22T19:04:08.469" v="1596" actId="478"/>
-          <ac:spMkLst>
-            <pc:docMk/>
-            <pc:sldMk cId="3497435959" sldId="258"/>
-            <ac:spMk id="35" creationId="{4E45DB29-2DB4-27AB-B17D-D70F1A90AB15}"/>
-          </ac:spMkLst>
-        </pc:spChg>
-        <pc:cxnChg chg="add del mod">
-          <ac:chgData name="François GLEYZON" userId="a2d04f23f7faf3ef" providerId="LiveId" clId="{1D234A9C-22E0-43CD-8D54-3191A7902E4E}" dt="2025-02-22T19:00:21.177" v="1507" actId="478"/>
-          <ac:cxnSpMkLst>
-            <pc:docMk/>
-            <pc:sldMk cId="3497435959" sldId="258"/>
-            <ac:cxnSpMk id="4" creationId="{05B64E17-D5B9-0CEC-9A97-66A44E8D6476}"/>
-          </ac:cxnSpMkLst>
-        </pc:cxnChg>
       </pc:sldChg>
       <pc:sldChg chg="del">
         <pc:chgData name="François GLEYZON" userId="a2d04f23f7faf3ef" providerId="LiveId" clId="{1D234A9C-22E0-43CD-8D54-3191A7902E4E}" dt="2025-02-22T19:24:02.594" v="2023" actId="2696"/>
@@ -1452,7 +1100,7 @@
         </pc:sldMkLst>
       </pc:sldChg>
       <pc:sldChg chg="addSp delSp modSp mod">
-        <pc:chgData name="François GLEYZON" userId="a2d04f23f7faf3ef" providerId="LiveId" clId="{1D234A9C-22E0-43CD-8D54-3191A7902E4E}" dt="2025-02-23T22:20:33.036" v="3505"/>
+        <pc:chgData name="François GLEYZON" userId="a2d04f23f7faf3ef" providerId="LiveId" clId="{1D234A9C-22E0-43CD-8D54-3191A7902E4E}" dt="2025-02-27T01:03:08.166" v="3623" actId="478"/>
         <pc:sldMkLst>
           <pc:docMk/>
           <pc:sldMk cId="1063259523" sldId="260"/>
@@ -1481,112 +1129,16 @@
             <ac:spMk id="7" creationId="{1862FEC3-64A1-C191-A286-CA41950E3380}"/>
           </ac:spMkLst>
         </pc:spChg>
-        <pc:spChg chg="del">
-          <ac:chgData name="François GLEYZON" userId="a2d04f23f7faf3ef" providerId="LiveId" clId="{1D234A9C-22E0-43CD-8D54-3191A7902E4E}" dt="2025-02-22T19:48:33.433" v="2556" actId="478"/>
-          <ac:spMkLst>
-            <pc:docMk/>
-            <pc:sldMk cId="1063259523" sldId="260"/>
-            <ac:spMk id="10" creationId="{26AB2202-18AC-F301-719D-754BE34A0087}"/>
-          </ac:spMkLst>
-        </pc:spChg>
         <pc:spChg chg="add mod">
-          <ac:chgData name="François GLEYZON" userId="a2d04f23f7faf3ef" providerId="LiveId" clId="{1D234A9C-22E0-43CD-8D54-3191A7902E4E}" dt="2025-02-23T22:20:33.036" v="3505"/>
+          <ac:chgData name="François GLEYZON" userId="a2d04f23f7faf3ef" providerId="LiveId" clId="{1D234A9C-22E0-43CD-8D54-3191A7902E4E}" dt="2025-02-27T00:51:49.624" v="3604" actId="20577"/>
           <ac:spMkLst>
             <pc:docMk/>
             <pc:sldMk cId="1063259523" sldId="260"/>
             <ac:spMk id="11" creationId="{CEE01445-5110-B067-DED9-8FFB49916167}"/>
           </ac:spMkLst>
         </pc:spChg>
-        <pc:spChg chg="del">
-          <ac:chgData name="François GLEYZON" userId="a2d04f23f7faf3ef" providerId="LiveId" clId="{1D234A9C-22E0-43CD-8D54-3191A7902E4E}" dt="2025-02-22T19:48:33.433" v="2556" actId="478"/>
-          <ac:spMkLst>
-            <pc:docMk/>
-            <pc:sldMk cId="1063259523" sldId="260"/>
-            <ac:spMk id="11" creationId="{FD71607F-6BF1-5FDA-D422-68E62421CCE4}"/>
-          </ac:spMkLst>
-        </pc:spChg>
-        <pc:spChg chg="del">
-          <ac:chgData name="François GLEYZON" userId="a2d04f23f7faf3ef" providerId="LiveId" clId="{1D234A9C-22E0-43CD-8D54-3191A7902E4E}" dt="2025-02-22T19:48:33.433" v="2556" actId="478"/>
-          <ac:spMkLst>
-            <pc:docMk/>
-            <pc:sldMk cId="1063259523" sldId="260"/>
-            <ac:spMk id="12" creationId="{73418CF3-9DE2-B2FD-E08F-1CB82508ACE1}"/>
-          </ac:spMkLst>
-        </pc:spChg>
-        <pc:spChg chg="del">
-          <ac:chgData name="François GLEYZON" userId="a2d04f23f7faf3ef" providerId="LiveId" clId="{1D234A9C-22E0-43CD-8D54-3191A7902E4E}" dt="2025-02-22T19:48:33.433" v="2556" actId="478"/>
-          <ac:spMkLst>
-            <pc:docMk/>
-            <pc:sldMk cId="1063259523" sldId="260"/>
-            <ac:spMk id="13" creationId="{BCC94210-BE15-F432-6F90-9C9CCCFEA72F}"/>
-          </ac:spMkLst>
-        </pc:spChg>
-        <pc:spChg chg="del">
-          <ac:chgData name="François GLEYZON" userId="a2d04f23f7faf3ef" providerId="LiveId" clId="{1D234A9C-22E0-43CD-8D54-3191A7902E4E}" dt="2025-02-22T19:48:33.433" v="2556" actId="478"/>
-          <ac:spMkLst>
-            <pc:docMk/>
-            <pc:sldMk cId="1063259523" sldId="260"/>
-            <ac:spMk id="14" creationId="{EE88CA0C-9480-BE62-2525-C882E004697A}"/>
-          </ac:spMkLst>
-        </pc:spChg>
-        <pc:spChg chg="del">
-          <ac:chgData name="François GLEYZON" userId="a2d04f23f7faf3ef" providerId="LiveId" clId="{1D234A9C-22E0-43CD-8D54-3191A7902E4E}" dt="2025-02-22T19:48:33.433" v="2556" actId="478"/>
-          <ac:spMkLst>
-            <pc:docMk/>
-            <pc:sldMk cId="1063259523" sldId="260"/>
-            <ac:spMk id="15" creationId="{C3CD8751-5795-D6B9-2248-03D689648744}"/>
-          </ac:spMkLst>
-        </pc:spChg>
-        <pc:spChg chg="del">
-          <ac:chgData name="François GLEYZON" userId="a2d04f23f7faf3ef" providerId="LiveId" clId="{1D234A9C-22E0-43CD-8D54-3191A7902E4E}" dt="2025-02-22T19:48:33.433" v="2556" actId="478"/>
-          <ac:spMkLst>
-            <pc:docMk/>
-            <pc:sldMk cId="1063259523" sldId="260"/>
-            <ac:spMk id="16" creationId="{DA5226F6-F4A9-B138-C97F-881284C5A869}"/>
-          </ac:spMkLst>
-        </pc:spChg>
-        <pc:spChg chg="del">
-          <ac:chgData name="François GLEYZON" userId="a2d04f23f7faf3ef" providerId="LiveId" clId="{1D234A9C-22E0-43CD-8D54-3191A7902E4E}" dt="2025-02-22T19:48:33.433" v="2556" actId="478"/>
-          <ac:spMkLst>
-            <pc:docMk/>
-            <pc:sldMk cId="1063259523" sldId="260"/>
-            <ac:spMk id="17" creationId="{418967CF-1F4B-E249-C88C-988ADBD4981B}"/>
-          </ac:spMkLst>
-        </pc:spChg>
         <pc:picChg chg="add del mod">
-          <ac:chgData name="François GLEYZON" userId="a2d04f23f7faf3ef" providerId="LiveId" clId="{1D234A9C-22E0-43CD-8D54-3191A7902E4E}" dt="2025-02-23T01:42:35.370" v="3166" actId="478"/>
-          <ac:picMkLst>
-            <pc:docMk/>
-            <pc:sldMk cId="1063259523" sldId="260"/>
-            <ac:picMk id="8" creationId="{FF444D27-8B34-CCF0-453E-A027C5C9CE53}"/>
-          </ac:picMkLst>
-        </pc:picChg>
-        <pc:picChg chg="add del mod">
-          <ac:chgData name="François GLEYZON" userId="a2d04f23f7faf3ef" providerId="LiveId" clId="{1D234A9C-22E0-43CD-8D54-3191A7902E4E}" dt="2025-02-23T02:44:50.064" v="3311" actId="478"/>
-          <ac:picMkLst>
-            <pc:docMk/>
-            <pc:sldMk cId="1063259523" sldId="260"/>
-            <ac:picMk id="9" creationId="{6353E146-9834-44E8-CF5A-27E3C914CB9C}"/>
-          </ac:picMkLst>
-        </pc:picChg>
-        <pc:picChg chg="del">
-          <ac:chgData name="François GLEYZON" userId="a2d04f23f7faf3ef" providerId="LiveId" clId="{1D234A9C-22E0-43CD-8D54-3191A7902E4E}" dt="2025-02-22T19:48:35.019" v="2557" actId="478"/>
-          <ac:picMkLst>
-            <pc:docMk/>
-            <pc:sldMk cId="1063259523" sldId="260"/>
-            <ac:picMk id="9" creationId="{637A6A04-BF56-1147-EEED-6205E7F093FF}"/>
-          </ac:picMkLst>
-        </pc:picChg>
-        <pc:picChg chg="add del mod">
-          <ac:chgData name="François GLEYZON" userId="a2d04f23f7faf3ef" providerId="LiveId" clId="{1D234A9C-22E0-43CD-8D54-3191A7902E4E}" dt="2025-02-23T02:44:50.548" v="3312" actId="478"/>
-          <ac:picMkLst>
-            <pc:docMk/>
-            <pc:sldMk cId="1063259523" sldId="260"/>
-            <ac:picMk id="10" creationId="{F45B7187-01A7-B30D-59CC-953188275D11}"/>
-          </ac:picMkLst>
-        </pc:picChg>
-        <pc:picChg chg="add del mod">
-          <ac:chgData name="François GLEYZON" userId="a2d04f23f7faf3ef" providerId="LiveId" clId="{1D234A9C-22E0-43CD-8D54-3191A7902E4E}" dt="2025-02-23T22:20:32.230" v="3504" actId="478"/>
+          <ac:chgData name="François GLEYZON" userId="a2d04f23f7faf3ef" providerId="LiveId" clId="{1D234A9C-22E0-43CD-8D54-3191A7902E4E}" dt="2025-02-27T01:03:07.903" v="3622" actId="478"/>
           <ac:picMkLst>
             <pc:docMk/>
             <pc:sldMk cId="1063259523" sldId="260"/>
@@ -1594,19 +1146,11 @@
           </ac:picMkLst>
         </pc:picChg>
         <pc:picChg chg="add del mod">
-          <ac:chgData name="François GLEYZON" userId="a2d04f23f7faf3ef" providerId="LiveId" clId="{1D234A9C-22E0-43CD-8D54-3191A7902E4E}" dt="2025-02-23T22:20:31.121" v="3503" actId="478"/>
+          <ac:chgData name="François GLEYZON" userId="a2d04f23f7faf3ef" providerId="LiveId" clId="{1D234A9C-22E0-43CD-8D54-3191A7902E4E}" dt="2025-02-27T01:03:08.166" v="3623" actId="478"/>
           <ac:picMkLst>
             <pc:docMk/>
             <pc:sldMk cId="1063259523" sldId="260"/>
             <ac:picMk id="15" creationId="{56AA2CCE-2CE0-7B0A-AC79-BE4AD48986CA}"/>
-          </ac:picMkLst>
-        </pc:picChg>
-        <pc:picChg chg="add del mod">
-          <ac:chgData name="François GLEYZON" userId="a2d04f23f7faf3ef" providerId="LiveId" clId="{1D234A9C-22E0-43CD-8D54-3191A7902E4E}" dt="2025-02-23T01:42:35.610" v="3167" actId="478"/>
-          <ac:picMkLst>
-            <pc:docMk/>
-            <pc:sldMk cId="1063259523" sldId="260"/>
-            <ac:picMk id="19" creationId="{92D1AD73-0F5F-8BF0-CBFA-CED3B8D450B9}"/>
           </ac:picMkLst>
         </pc:picChg>
       </pc:sldChg>
@@ -1624,108 +1168,122 @@
             <ac:spMk id="3" creationId="{CECDEB89-FD89-A4AD-837C-99F0CAD8BC0E}"/>
           </ac:spMkLst>
         </pc:spChg>
+      </pc:sldChg>
+      <pc:sldChg chg="delSp mod">
+        <pc:chgData name="François GLEYZON" userId="a2d04f23f7faf3ef" providerId="LiveId" clId="{1D234A9C-22E0-43CD-8D54-3191A7902E4E}" dt="2025-02-26T20:54:17.844" v="3522" actId="478"/>
+        <pc:sldMkLst>
+          <pc:docMk/>
+          <pc:sldMk cId="2174773392" sldId="263"/>
+        </pc:sldMkLst>
         <pc:spChg chg="del">
-          <ac:chgData name="François GLEYZON" userId="a2d04f23f7faf3ef" providerId="LiveId" clId="{1D234A9C-22E0-43CD-8D54-3191A7902E4E}" dt="2025-02-22T19:53:23.929" v="2711" actId="478"/>
+          <ac:chgData name="François GLEYZON" userId="a2d04f23f7faf3ef" providerId="LiveId" clId="{1D234A9C-22E0-43CD-8D54-3191A7902E4E}" dt="2025-02-26T20:54:16.674" v="3521" actId="478"/>
           <ac:spMkLst>
             <pc:docMk/>
-            <pc:sldMk cId="1452944335" sldId="261"/>
-            <ac:spMk id="5" creationId="{D8E09B78-47CC-84BD-A259-AA9B0A6D0125}"/>
+            <pc:sldMk cId="2174773392" sldId="263"/>
+            <ac:spMk id="6" creationId="{51B5442A-C3C4-1A8F-D37A-D5F1A379EC7E}"/>
           </ac:spMkLst>
         </pc:spChg>
         <pc:spChg chg="del">
-          <ac:chgData name="François GLEYZON" userId="a2d04f23f7faf3ef" providerId="LiveId" clId="{1D234A9C-22E0-43CD-8D54-3191A7902E4E}" dt="2025-02-22T19:53:23.929" v="2711" actId="478"/>
+          <ac:chgData name="François GLEYZON" userId="a2d04f23f7faf3ef" providerId="LiveId" clId="{1D234A9C-22E0-43CD-8D54-3191A7902E4E}" dt="2025-02-26T20:54:16.674" v="3521" actId="478"/>
           <ac:spMkLst>
             <pc:docMk/>
-            <pc:sldMk cId="1452944335" sldId="261"/>
-            <ac:spMk id="6" creationId="{EE12E67D-0239-1317-5143-EADC4A6FD1E7}"/>
+            <pc:sldMk cId="2174773392" sldId="263"/>
+            <ac:spMk id="10" creationId="{13A11EAD-00C7-DE8C-6393-ABE7B1826CB4}"/>
           </ac:spMkLst>
         </pc:spChg>
         <pc:spChg chg="del">
-          <ac:chgData name="François GLEYZON" userId="a2d04f23f7faf3ef" providerId="LiveId" clId="{1D234A9C-22E0-43CD-8D54-3191A7902E4E}" dt="2025-02-22T19:53:25.849" v="2712" actId="478"/>
+          <ac:chgData name="François GLEYZON" userId="a2d04f23f7faf3ef" providerId="LiveId" clId="{1D234A9C-22E0-43CD-8D54-3191A7902E4E}" dt="2025-02-26T20:54:17.844" v="3522" actId="478"/>
           <ac:spMkLst>
             <pc:docMk/>
-            <pc:sldMk cId="1452944335" sldId="261"/>
-            <ac:spMk id="7" creationId="{EA320C37-86BC-1C54-FDB3-FB623D060A31}"/>
+            <pc:sldMk cId="2174773392" sldId="263"/>
+            <ac:spMk id="15" creationId="{7BDA4E76-F589-4B48-9CFA-A285AB337AE0}"/>
+          </ac:spMkLst>
+        </pc:spChg>
+        <pc:picChg chg="del">
+          <ac:chgData name="François GLEYZON" userId="a2d04f23f7faf3ef" providerId="LiveId" clId="{1D234A9C-22E0-43CD-8D54-3191A7902E4E}" dt="2025-02-26T20:54:16.674" v="3521" actId="478"/>
+          <ac:picMkLst>
+            <pc:docMk/>
+            <pc:sldMk cId="2174773392" sldId="263"/>
+            <ac:picMk id="13" creationId="{EF2EFB49-ED70-4B27-2033-047136B683A5}"/>
+          </ac:picMkLst>
+        </pc:picChg>
+      </pc:sldChg>
+      <pc:sldChg chg="delSp mod">
+        <pc:chgData name="François GLEYZON" userId="a2d04f23f7faf3ef" providerId="LiveId" clId="{1D234A9C-22E0-43CD-8D54-3191A7902E4E}" dt="2025-02-26T20:54:26.404" v="3526" actId="478"/>
+        <pc:sldMkLst>
+          <pc:docMk/>
+          <pc:sldMk cId="508563345" sldId="264"/>
+        </pc:sldMkLst>
+        <pc:spChg chg="del">
+          <ac:chgData name="François GLEYZON" userId="a2d04f23f7faf3ef" providerId="LiveId" clId="{1D234A9C-22E0-43CD-8D54-3191A7902E4E}" dt="2025-02-26T20:54:26.404" v="3526" actId="478"/>
+          <ac:spMkLst>
+            <pc:docMk/>
+            <pc:sldMk cId="508563345" sldId="264"/>
+            <ac:spMk id="6" creationId="{C0FB229F-7FDE-60BB-7C9D-FA8C75D93FFE}"/>
           </ac:spMkLst>
         </pc:spChg>
         <pc:spChg chg="del">
-          <ac:chgData name="François GLEYZON" userId="a2d04f23f7faf3ef" providerId="LiveId" clId="{1D234A9C-22E0-43CD-8D54-3191A7902E4E}" dt="2025-02-22T19:53:23.929" v="2711" actId="478"/>
+          <ac:chgData name="François GLEYZON" userId="a2d04f23f7faf3ef" providerId="LiveId" clId="{1D234A9C-22E0-43CD-8D54-3191A7902E4E}" dt="2025-02-26T20:54:24.334" v="3524" actId="478"/>
           <ac:spMkLst>
             <pc:docMk/>
-            <pc:sldMk cId="1452944335" sldId="261"/>
-            <ac:spMk id="8" creationId="{3F891217-F85C-D70C-2308-582197B55664}"/>
+            <pc:sldMk cId="508563345" sldId="264"/>
+            <ac:spMk id="7" creationId="{70CF15AE-9D08-54F9-6B23-DBA1C0275690}"/>
           </ac:spMkLst>
         </pc:spChg>
         <pc:spChg chg="del">
-          <ac:chgData name="François GLEYZON" userId="a2d04f23f7faf3ef" providerId="LiveId" clId="{1D234A9C-22E0-43CD-8D54-3191A7902E4E}" dt="2025-02-22T19:53:25.849" v="2712" actId="478"/>
+          <ac:chgData name="François GLEYZON" userId="a2d04f23f7faf3ef" providerId="LiveId" clId="{1D234A9C-22E0-43CD-8D54-3191A7902E4E}" dt="2025-02-26T20:54:22.558" v="3523" actId="478"/>
           <ac:spMkLst>
             <pc:docMk/>
-            <pc:sldMk cId="1452944335" sldId="261"/>
-            <ac:spMk id="9" creationId="{15BED661-D5E8-5D5F-962C-7A789302F672}"/>
+            <pc:sldMk cId="508563345" sldId="264"/>
+            <ac:spMk id="8" creationId="{3F71D19F-FB6D-FE38-AC51-717B965503B7}"/>
           </ac:spMkLst>
         </pc:spChg>
         <pc:spChg chg="del">
-          <ac:chgData name="François GLEYZON" userId="a2d04f23f7faf3ef" providerId="LiveId" clId="{1D234A9C-22E0-43CD-8D54-3191A7902E4E}" dt="2025-02-22T19:53:23.929" v="2711" actId="478"/>
+          <ac:chgData name="François GLEYZON" userId="a2d04f23f7faf3ef" providerId="LiveId" clId="{1D234A9C-22E0-43CD-8D54-3191A7902E4E}" dt="2025-02-26T20:54:25.734" v="3525" actId="478"/>
           <ac:spMkLst>
             <pc:docMk/>
-            <pc:sldMk cId="1452944335" sldId="261"/>
-            <ac:spMk id="10" creationId="{4B5486D3-9894-C2BC-A87B-09DEDB4C8900}"/>
+            <pc:sldMk cId="508563345" sldId="264"/>
+            <ac:spMk id="9" creationId="{1A3D098E-C0A1-7DE8-1262-2E4E31F8E4CB}"/>
           </ac:spMkLst>
         </pc:spChg>
         <pc:spChg chg="del">
-          <ac:chgData name="François GLEYZON" userId="a2d04f23f7faf3ef" providerId="LiveId" clId="{1D234A9C-22E0-43CD-8D54-3191A7902E4E}" dt="2025-02-22T19:53:25.849" v="2712" actId="478"/>
+          <ac:chgData name="François GLEYZON" userId="a2d04f23f7faf3ef" providerId="LiveId" clId="{1D234A9C-22E0-43CD-8D54-3191A7902E4E}" dt="2025-02-26T20:54:22.558" v="3523" actId="478"/>
           <ac:spMkLst>
             <pc:docMk/>
-            <pc:sldMk cId="1452944335" sldId="261"/>
-            <ac:spMk id="12" creationId="{2443DA39-C273-D2B8-F9E1-87B2F44BDC42}"/>
+            <pc:sldMk cId="508563345" sldId="264"/>
+            <ac:spMk id="10" creationId="{1827829A-69C1-05E0-82FC-47D7A4E8CFA8}"/>
           </ac:spMkLst>
         </pc:spChg>
         <pc:spChg chg="del">
-          <ac:chgData name="François GLEYZON" userId="a2d04f23f7faf3ef" providerId="LiveId" clId="{1D234A9C-22E0-43CD-8D54-3191A7902E4E}" dt="2025-02-22T19:53:23.929" v="2711" actId="478"/>
+          <ac:chgData name="François GLEYZON" userId="a2d04f23f7faf3ef" providerId="LiveId" clId="{1D234A9C-22E0-43CD-8D54-3191A7902E4E}" dt="2025-02-26T20:54:24.334" v="3524" actId="478"/>
           <ac:spMkLst>
             <pc:docMk/>
-            <pc:sldMk cId="1452944335" sldId="261"/>
-            <ac:spMk id="17" creationId="{3CF42690-7162-FF5D-0928-122CB4424C2F}"/>
+            <pc:sldMk cId="508563345" sldId="264"/>
+            <ac:spMk id="11" creationId="{F3FF0ABE-9BDA-8589-BCA2-AC743838ACFC}"/>
           </ac:spMkLst>
         </pc:spChg>
         <pc:spChg chg="del">
-          <ac:chgData name="François GLEYZON" userId="a2d04f23f7faf3ef" providerId="LiveId" clId="{1D234A9C-22E0-43CD-8D54-3191A7902E4E}" dt="2025-02-22T19:53:23.929" v="2711" actId="478"/>
+          <ac:chgData name="François GLEYZON" userId="a2d04f23f7faf3ef" providerId="LiveId" clId="{1D234A9C-22E0-43CD-8D54-3191A7902E4E}" dt="2025-02-26T20:54:22.558" v="3523" actId="478"/>
           <ac:spMkLst>
             <pc:docMk/>
-            <pc:sldMk cId="1452944335" sldId="261"/>
-            <ac:spMk id="18" creationId="{F4DF8ABF-BD8B-C0FA-91D0-EDC9227E9B17}"/>
+            <pc:sldMk cId="508563345" sldId="264"/>
+            <ac:spMk id="12" creationId="{280E63AB-7E7C-412D-9775-611C8F43CE44}"/>
           </ac:spMkLst>
         </pc:spChg>
         <pc:spChg chg="del">
-          <ac:chgData name="François GLEYZON" userId="a2d04f23f7faf3ef" providerId="LiveId" clId="{1D234A9C-22E0-43CD-8D54-3191A7902E4E}" dt="2025-02-22T19:53:23.929" v="2711" actId="478"/>
+          <ac:chgData name="François GLEYZON" userId="a2d04f23f7faf3ef" providerId="LiveId" clId="{1D234A9C-22E0-43CD-8D54-3191A7902E4E}" dt="2025-02-26T20:54:22.558" v="3523" actId="478"/>
           <ac:spMkLst>
             <pc:docMk/>
-            <pc:sldMk cId="1452944335" sldId="261"/>
-            <ac:spMk id="19" creationId="{464B3D4D-12EB-D238-43B4-6F57113E9E0A}"/>
+            <pc:sldMk cId="508563345" sldId="264"/>
+            <ac:spMk id="13" creationId="{F2151F1C-7D98-8A07-DABB-9BF880922990}"/>
           </ac:spMkLst>
         </pc:spChg>
         <pc:spChg chg="del">
-          <ac:chgData name="François GLEYZON" userId="a2d04f23f7faf3ef" providerId="LiveId" clId="{1D234A9C-22E0-43CD-8D54-3191A7902E4E}" dt="2025-02-22T19:53:23.929" v="2711" actId="478"/>
+          <ac:chgData name="François GLEYZON" userId="a2d04f23f7faf3ef" providerId="LiveId" clId="{1D234A9C-22E0-43CD-8D54-3191A7902E4E}" dt="2025-02-26T20:54:22.558" v="3523" actId="478"/>
           <ac:spMkLst>
             <pc:docMk/>
-            <pc:sldMk cId="1452944335" sldId="261"/>
-            <ac:spMk id="20" creationId="{F7B2648C-C01D-2FC8-0F3F-A810BEC0B6B3}"/>
-          </ac:spMkLst>
-        </pc:spChg>
-        <pc:spChg chg="del">
-          <ac:chgData name="François GLEYZON" userId="a2d04f23f7faf3ef" providerId="LiveId" clId="{1D234A9C-22E0-43CD-8D54-3191A7902E4E}" dt="2025-02-22T19:53:23.929" v="2711" actId="478"/>
-          <ac:spMkLst>
-            <pc:docMk/>
-            <pc:sldMk cId="1452944335" sldId="261"/>
-            <ac:spMk id="22" creationId="{7C293DC5-C800-0980-6F2B-BE6AD964B1B5}"/>
-          </ac:spMkLst>
-        </pc:spChg>
-        <pc:spChg chg="del">
-          <ac:chgData name="François GLEYZON" userId="a2d04f23f7faf3ef" providerId="LiveId" clId="{1D234A9C-22E0-43CD-8D54-3191A7902E4E}" dt="2025-02-22T19:53:23.929" v="2711" actId="478"/>
-          <ac:spMkLst>
-            <pc:docMk/>
-            <pc:sldMk cId="1452944335" sldId="261"/>
-            <ac:spMk id="24" creationId="{5348E2F8-935A-84B2-C999-9952A11CE7E6}"/>
+            <pc:sldMk cId="508563345" sldId="264"/>
+            <ac:spMk id="14" creationId="{E677CC0B-52E0-83B5-C15B-7233C6AD2BA3}"/>
           </ac:spMkLst>
         </pc:spChg>
       </pc:sldChg>
@@ -1759,36 +1317,12 @@
             <ac:spMk id="5" creationId="{966EEB2D-AD16-27A2-ECFE-15577C4EDB26}"/>
           </ac:spMkLst>
         </pc:spChg>
-        <pc:spChg chg="del mod">
-          <ac:chgData name="François GLEYZON" userId="a2d04f23f7faf3ef" providerId="LiveId" clId="{1D234A9C-22E0-43CD-8D54-3191A7902E4E}" dt="2025-02-22T17:45:54.315" v="540" actId="478"/>
-          <ac:spMkLst>
-            <pc:docMk/>
-            <pc:sldMk cId="1966793551" sldId="265"/>
-            <ac:spMk id="6" creationId="{009BAB9B-ED9C-FB2B-C91C-A3841B943DAF}"/>
-          </ac:spMkLst>
-        </pc:spChg>
-        <pc:spChg chg="del mod">
-          <ac:chgData name="François GLEYZON" userId="a2d04f23f7faf3ef" providerId="LiveId" clId="{1D234A9C-22E0-43CD-8D54-3191A7902E4E}" dt="2025-02-22T17:44:53.817" v="469" actId="478"/>
-          <ac:spMkLst>
-            <pc:docMk/>
-            <pc:sldMk cId="1966793551" sldId="265"/>
-            <ac:spMk id="7" creationId="{B5436A21-87E5-E562-F7DC-2AACBB1F982E}"/>
-          </ac:spMkLst>
-        </pc:spChg>
         <pc:spChg chg="mod">
           <ac:chgData name="François GLEYZON" userId="a2d04f23f7faf3ef" providerId="LiveId" clId="{1D234A9C-22E0-43CD-8D54-3191A7902E4E}" dt="2025-02-22T17:46:06.345" v="591" actId="1035"/>
           <ac:spMkLst>
             <pc:docMk/>
             <pc:sldMk cId="1966793551" sldId="265"/>
             <ac:spMk id="8" creationId="{1E18C6D8-2662-6CC5-2BE7-F1DDE9107D03}"/>
-          </ac:spMkLst>
-        </pc:spChg>
-        <pc:spChg chg="del">
-          <ac:chgData name="François GLEYZON" userId="a2d04f23f7faf3ef" providerId="LiveId" clId="{1D234A9C-22E0-43CD-8D54-3191A7902E4E}" dt="2025-02-22T17:44:58.131" v="470" actId="478"/>
-          <ac:spMkLst>
-            <pc:docMk/>
-            <pc:sldMk cId="1966793551" sldId="265"/>
-            <ac:spMk id="10" creationId="{E6776343-149B-C142-CF34-8C3AA10AF8AF}"/>
           </ac:spMkLst>
         </pc:spChg>
         <pc:spChg chg="add mod">
@@ -1855,14 +1389,6 @@
             <ac:spMk id="18" creationId="{64B8CA2B-34B6-E843-AB8E-12298B99EA0F}"/>
           </ac:spMkLst>
         </pc:spChg>
-        <pc:spChg chg="del mod">
-          <ac:chgData name="François GLEYZON" userId="a2d04f23f7faf3ef" providerId="LiveId" clId="{1D234A9C-22E0-43CD-8D54-3191A7902E4E}" dt="2025-02-22T17:47:43.315" v="613" actId="478"/>
-          <ac:spMkLst>
-            <pc:docMk/>
-            <pc:sldMk cId="1966793551" sldId="265"/>
-            <ac:spMk id="19" creationId="{1E42DB06-8668-2792-877E-6AAD838CFA0F}"/>
-          </ac:spMkLst>
-        </pc:spChg>
         <pc:spChg chg="mod">
           <ac:chgData name="François GLEYZON" userId="a2d04f23f7faf3ef" providerId="LiveId" clId="{1D234A9C-22E0-43CD-8D54-3191A7902E4E}" dt="2025-02-22T17:47:17.675" v="607" actId="14100"/>
           <ac:spMkLst>
@@ -1879,22 +1405,6 @@
             <ac:spMk id="35" creationId="{7A5412B6-0B42-D404-C987-4E69804FE7EA}"/>
           </ac:spMkLst>
         </pc:spChg>
-        <pc:spChg chg="del">
-          <ac:chgData name="François GLEYZON" userId="a2d04f23f7faf3ef" providerId="LiveId" clId="{1D234A9C-22E0-43CD-8D54-3191A7902E4E}" dt="2025-02-22T17:44:58.131" v="470" actId="478"/>
-          <ac:spMkLst>
-            <pc:docMk/>
-            <pc:sldMk cId="1966793551" sldId="265"/>
-            <ac:spMk id="44" creationId="{606C2879-B07E-738C-AE26-577B745F030F}"/>
-          </ac:spMkLst>
-        </pc:spChg>
-        <pc:spChg chg="del">
-          <ac:chgData name="François GLEYZON" userId="a2d04f23f7faf3ef" providerId="LiveId" clId="{1D234A9C-22E0-43CD-8D54-3191A7902E4E}" dt="2025-02-22T17:44:58.131" v="470" actId="478"/>
-          <ac:spMkLst>
-            <pc:docMk/>
-            <pc:sldMk cId="1966793551" sldId="265"/>
-            <ac:spMk id="45" creationId="{2CEBE47E-F412-B061-1A8F-3A6762027ED1}"/>
-          </ac:spMkLst>
-        </pc:spChg>
         <pc:grpChg chg="mod">
           <ac:chgData name="François GLEYZON" userId="a2d04f23f7faf3ef" providerId="LiveId" clId="{1D234A9C-22E0-43CD-8D54-3191A7902E4E}" dt="2025-02-22T17:45:32.767" v="535" actId="1038"/>
           <ac:grpSpMkLst>
@@ -1905,7 +1415,7 @@
         </pc:grpChg>
       </pc:sldChg>
       <pc:sldChg chg="addSp delSp modSp mod">
-        <pc:chgData name="François GLEYZON" userId="a2d04f23f7faf3ef" providerId="LiveId" clId="{1D234A9C-22E0-43CD-8D54-3191A7902E4E}" dt="2025-02-23T22:21:15.071" v="3520"/>
+        <pc:chgData name="François GLEYZON" userId="a2d04f23f7faf3ef" providerId="LiveId" clId="{1D234A9C-22E0-43CD-8D54-3191A7902E4E}" dt="2025-02-27T00:51:25.513" v="3593" actId="20577"/>
         <pc:sldMkLst>
           <pc:docMk/>
           <pc:sldMk cId="3013734229" sldId="266"/>
@@ -1926,16 +1436,8 @@
             <ac:spMk id="5" creationId="{12FC6A74-40DA-DC90-686B-24F2DCFDC298}"/>
           </ac:spMkLst>
         </pc:spChg>
-        <pc:spChg chg="add del mod">
-          <ac:chgData name="François GLEYZON" userId="a2d04f23f7faf3ef" providerId="LiveId" clId="{1D234A9C-22E0-43CD-8D54-3191A7902E4E}" dt="2025-02-22T19:29:09.243" v="2248" actId="478"/>
-          <ac:spMkLst>
-            <pc:docMk/>
-            <pc:sldMk cId="3013734229" sldId="266"/>
-            <ac:spMk id="9" creationId="{BDF79934-00A0-445A-C73B-FF32220CE8C0}"/>
-          </ac:spMkLst>
-        </pc:spChg>
         <pc:spChg chg="add mod">
-          <ac:chgData name="François GLEYZON" userId="a2d04f23f7faf3ef" providerId="LiveId" clId="{1D234A9C-22E0-43CD-8D54-3191A7902E4E}" dt="2025-02-23T22:20:40.591" v="3508" actId="20577"/>
+          <ac:chgData name="François GLEYZON" userId="a2d04f23f7faf3ef" providerId="LiveId" clId="{1D234A9C-22E0-43CD-8D54-3191A7902E4E}" dt="2025-02-27T00:49:48.483" v="3580" actId="20577"/>
           <ac:spMkLst>
             <pc:docMk/>
             <pc:sldMk cId="3013734229" sldId="266"/>
@@ -1951,15 +1453,7 @@
           </ac:spMkLst>
         </pc:spChg>
         <pc:spChg chg="add mod">
-          <ac:chgData name="François GLEYZON" userId="a2d04f23f7faf3ef" providerId="LiveId" clId="{1D234A9C-22E0-43CD-8D54-3191A7902E4E}" dt="2025-02-22T19:29:15.017" v="2249"/>
-          <ac:spMkLst>
-            <pc:docMk/>
-            <pc:sldMk cId="3013734229" sldId="266"/>
-            <ac:spMk id="12" creationId="{7BE12B43-0A2B-C02E-D649-D0AF15F4E5BA}"/>
-          </ac:spMkLst>
-        </pc:spChg>
-        <pc:spChg chg="add mod">
-          <ac:chgData name="François GLEYZON" userId="a2d04f23f7faf3ef" providerId="LiveId" clId="{1D234A9C-22E0-43CD-8D54-3191A7902E4E}" dt="2025-02-23T22:20:24.470" v="3490"/>
+          <ac:chgData name="François GLEYZON" userId="a2d04f23f7faf3ef" providerId="LiveId" clId="{1D234A9C-22E0-43CD-8D54-3191A7902E4E}" dt="2025-02-27T00:49:52.070" v="3581" actId="20577"/>
           <ac:spMkLst>
             <pc:docMk/>
             <pc:sldMk cId="3013734229" sldId="266"/>
@@ -1975,19 +1469,11 @@
           </ac:spMkLst>
         </pc:spChg>
         <pc:spChg chg="add mod">
-          <ac:chgData name="François GLEYZON" userId="a2d04f23f7faf3ef" providerId="LiveId" clId="{1D234A9C-22E0-43CD-8D54-3191A7902E4E}" dt="2025-02-23T22:20:54.043" v="3510" actId="1076"/>
+          <ac:chgData name="François GLEYZON" userId="a2d04f23f7faf3ef" providerId="LiveId" clId="{1D234A9C-22E0-43CD-8D54-3191A7902E4E}" dt="2025-02-27T00:50:13.185" v="3587" actId="20577"/>
           <ac:spMkLst>
             <pc:docMk/>
             <pc:sldMk cId="3013734229" sldId="266"/>
             <ac:spMk id="15" creationId="{B9C64A7C-BB38-5709-95B2-0514927091DE}"/>
-          </ac:spMkLst>
-        </pc:spChg>
-        <pc:spChg chg="del">
-          <ac:chgData name="François GLEYZON" userId="a2d04f23f7faf3ef" providerId="LiveId" clId="{1D234A9C-22E0-43CD-8D54-3191A7902E4E}" dt="2025-02-22T19:24:26.424" v="2122" actId="478"/>
-          <ac:spMkLst>
-            <pc:docMk/>
-            <pc:sldMk cId="3013734229" sldId="266"/>
-            <ac:spMk id="16" creationId="{B39967A9-E27A-C14E-CB1A-C73498778C17}"/>
           </ac:spMkLst>
         </pc:spChg>
         <pc:spChg chg="add mod">
@@ -1999,7 +1485,7 @@
           </ac:spMkLst>
         </pc:spChg>
         <pc:spChg chg="add mod">
-          <ac:chgData name="François GLEYZON" userId="a2d04f23f7faf3ef" providerId="LiveId" clId="{1D234A9C-22E0-43CD-8D54-3191A7902E4E}" dt="2025-02-23T22:21:15.071" v="3520"/>
+          <ac:chgData name="François GLEYZON" userId="a2d04f23f7faf3ef" providerId="LiveId" clId="{1D234A9C-22E0-43CD-8D54-3191A7902E4E}" dt="2025-02-27T00:51:25.513" v="3593" actId="20577"/>
           <ac:spMkLst>
             <pc:docMk/>
             <pc:sldMk cId="3013734229" sldId="266"/>
@@ -2007,19 +1493,11 @@
           </ac:spMkLst>
         </pc:spChg>
         <pc:spChg chg="add mod">
-          <ac:chgData name="François GLEYZON" userId="a2d04f23f7faf3ef" providerId="LiveId" clId="{1D234A9C-22E0-43CD-8D54-3191A7902E4E}" dt="2025-02-23T02:34:25.870" v="3300" actId="20577"/>
+          <ac:chgData name="François GLEYZON" userId="a2d04f23f7faf3ef" providerId="LiveId" clId="{1D234A9C-22E0-43CD-8D54-3191A7902E4E}" dt="2025-02-27T00:49:58.683" v="3584" actId="20577"/>
           <ac:spMkLst>
             <pc:docMk/>
             <pc:sldMk cId="3013734229" sldId="266"/>
             <ac:spMk id="21" creationId="{707B09DD-EF6A-F7E4-1C11-C79B3298769C}"/>
-          </ac:spMkLst>
-        </pc:spChg>
-        <pc:spChg chg="del">
-          <ac:chgData name="François GLEYZON" userId="a2d04f23f7faf3ef" providerId="LiveId" clId="{1D234A9C-22E0-43CD-8D54-3191A7902E4E}" dt="2025-02-22T19:24:26.424" v="2122" actId="478"/>
-          <ac:spMkLst>
-            <pc:docMk/>
-            <pc:sldMk cId="3013734229" sldId="266"/>
-            <ac:spMk id="22" creationId="{6202A4EB-70C1-FC90-04FF-E6EC22746993}"/>
           </ac:spMkLst>
         </pc:spChg>
         <pc:spChg chg="add mod">
@@ -2028,22 +1506,6 @@
             <pc:docMk/>
             <pc:sldMk cId="3013734229" sldId="266"/>
             <ac:spMk id="23" creationId="{574942A2-DB77-D65C-916E-EF0C28A3765E}"/>
-          </ac:spMkLst>
-        </pc:spChg>
-        <pc:spChg chg="del">
-          <ac:chgData name="François GLEYZON" userId="a2d04f23f7faf3ef" providerId="LiveId" clId="{1D234A9C-22E0-43CD-8D54-3191A7902E4E}" dt="2025-02-22T19:24:26.424" v="2122" actId="478"/>
-          <ac:spMkLst>
-            <pc:docMk/>
-            <pc:sldMk cId="3013734229" sldId="266"/>
-            <ac:spMk id="24" creationId="{76493576-D5CC-FFCD-A3CC-42A2E2B30ACE}"/>
-          </ac:spMkLst>
-        </pc:spChg>
-        <pc:spChg chg="del">
-          <ac:chgData name="François GLEYZON" userId="a2d04f23f7faf3ef" providerId="LiveId" clId="{1D234A9C-22E0-43CD-8D54-3191A7902E4E}" dt="2025-02-22T19:24:26.424" v="2122" actId="478"/>
-          <ac:spMkLst>
-            <pc:docMk/>
-            <pc:sldMk cId="3013734229" sldId="266"/>
-            <ac:spMk id="25" creationId="{10BF094A-0B6E-84CD-1409-00B3E540E17B}"/>
           </ac:spMkLst>
         </pc:spChg>
         <pc:spChg chg="add mod">
@@ -2078,14 +1540,6 @@
             <ac:spMk id="29" creationId="{908B9A92-A373-1073-0BC1-C1328FD3B935}"/>
           </ac:spMkLst>
         </pc:spChg>
-        <pc:picChg chg="del">
-          <ac:chgData name="François GLEYZON" userId="a2d04f23f7faf3ef" providerId="LiveId" clId="{1D234A9C-22E0-43CD-8D54-3191A7902E4E}" dt="2025-02-22T19:24:26.424" v="2122" actId="478"/>
-          <ac:picMkLst>
-            <pc:docMk/>
-            <pc:sldMk cId="3013734229" sldId="266"/>
-            <ac:picMk id="8" creationId="{F5478F9D-5ACE-798B-6D07-047046B54D1B}"/>
-          </ac:picMkLst>
-        </pc:picChg>
         <pc:cxnChg chg="add mod">
           <ac:chgData name="François GLEYZON" userId="a2d04f23f7faf3ef" providerId="LiveId" clId="{1D234A9C-22E0-43CD-8D54-3191A7902E4E}" dt="2025-02-22T19:33:07.646" v="2335" actId="13822"/>
           <ac:cxnSpMkLst>
@@ -2096,7 +1550,7 @@
         </pc:cxnChg>
       </pc:sldChg>
       <pc:sldChg chg="addSp delSp modSp add mod">
-        <pc:chgData name="François GLEYZON" userId="a2d04f23f7faf3ef" providerId="LiveId" clId="{1D234A9C-22E0-43CD-8D54-3191A7902E4E}" dt="2025-02-23T01:32:26.389" v="3149" actId="33524"/>
+        <pc:chgData name="François GLEYZON" userId="a2d04f23f7faf3ef" providerId="LiveId" clId="{1D234A9C-22E0-43CD-8D54-3191A7902E4E}" dt="2025-02-26T23:00:00.644" v="3562" actId="20577"/>
         <pc:sldMkLst>
           <pc:docMk/>
           <pc:sldMk cId="3012370290" sldId="267"/>
@@ -2110,27 +1564,11 @@
           </ac:spMkLst>
         </pc:spChg>
         <pc:spChg chg="add mod">
-          <ac:chgData name="François GLEYZON" userId="a2d04f23f7faf3ef" providerId="LiveId" clId="{1D234A9C-22E0-43CD-8D54-3191A7902E4E}" dt="2025-02-22T19:07:19.814" v="1610" actId="571"/>
-          <ac:spMkLst>
-            <pc:docMk/>
-            <pc:sldMk cId="3012370290" sldId="267"/>
-            <ac:spMk id="4" creationId="{1F8913AF-A833-C880-CD93-0502901BFBC9}"/>
-          </ac:spMkLst>
-        </pc:spChg>
-        <pc:spChg chg="add mod">
           <ac:chgData name="François GLEYZON" userId="a2d04f23f7faf3ef" providerId="LiveId" clId="{1D234A9C-22E0-43CD-8D54-3191A7902E4E}" dt="2025-02-23T01:32:26.389" v="3149" actId="33524"/>
           <ac:spMkLst>
             <pc:docMk/>
             <pc:sldMk cId="3012370290" sldId="267"/>
             <ac:spMk id="4" creationId="{6D8734A9-8F30-9BA7-B84D-78C647197FF0}"/>
-          </ac:spMkLst>
-        </pc:spChg>
-        <pc:spChg chg="add mod">
-          <ac:chgData name="François GLEYZON" userId="a2d04f23f7faf3ef" providerId="LiveId" clId="{1D234A9C-22E0-43CD-8D54-3191A7902E4E}" dt="2025-02-22T19:07:19.814" v="1610" actId="571"/>
-          <ac:spMkLst>
-            <pc:docMk/>
-            <pc:sldMk cId="3012370290" sldId="267"/>
-            <ac:spMk id="5" creationId="{4474809A-7406-E52F-DEDA-F190CF1A6A45}"/>
           </ac:spMkLst>
         </pc:spChg>
         <pc:spChg chg="add mod">
@@ -2149,28 +1587,12 @@
             <ac:spMk id="7" creationId="{90BB579E-0FD2-DC2E-16BF-7F27225CF288}"/>
           </ac:spMkLst>
         </pc:spChg>
-        <pc:spChg chg="del">
-          <ac:chgData name="François GLEYZON" userId="a2d04f23f7faf3ef" providerId="LiveId" clId="{1D234A9C-22E0-43CD-8D54-3191A7902E4E}" dt="2025-02-22T19:07:13.179" v="1608" actId="478"/>
-          <ac:spMkLst>
-            <pc:docMk/>
-            <pc:sldMk cId="3012370290" sldId="267"/>
-            <ac:spMk id="26" creationId="{E0FEA1DE-33B0-61BE-A2F3-9FF1EB40D222}"/>
-          </ac:spMkLst>
-        </pc:spChg>
         <pc:spChg chg="mod">
           <ac:chgData name="François GLEYZON" userId="a2d04f23f7faf3ef" providerId="LiveId" clId="{1D234A9C-22E0-43CD-8D54-3191A7902E4E}" dt="2025-02-22T19:07:59.194" v="1621" actId="14100"/>
           <ac:spMkLst>
             <pc:docMk/>
             <pc:sldMk cId="3012370290" sldId="267"/>
             <ac:spMk id="27" creationId="{A57D4E70-5F66-2847-4FB7-AFA893BB109A}"/>
-          </ac:spMkLst>
-        </pc:spChg>
-        <pc:spChg chg="del">
-          <ac:chgData name="François GLEYZON" userId="a2d04f23f7faf3ef" providerId="LiveId" clId="{1D234A9C-22E0-43CD-8D54-3191A7902E4E}" dt="2025-02-22T19:07:22.109" v="1611" actId="478"/>
-          <ac:spMkLst>
-            <pc:docMk/>
-            <pc:sldMk cId="3012370290" sldId="267"/>
-            <ac:spMk id="28" creationId="{7888DD1C-B752-5C16-3BA1-6EAD25D9BAC7}"/>
           </ac:spMkLst>
         </pc:spChg>
         <pc:spChg chg="mod">
@@ -2182,7 +1604,7 @@
           </ac:spMkLst>
         </pc:spChg>
         <pc:spChg chg="mod">
-          <ac:chgData name="François GLEYZON" userId="a2d04f23f7faf3ef" providerId="LiveId" clId="{1D234A9C-22E0-43CD-8D54-3191A7902E4E}" dt="2025-02-22T19:10:31.339" v="1771" actId="14100"/>
+          <ac:chgData name="François GLEYZON" userId="a2d04f23f7faf3ef" providerId="LiveId" clId="{1D234A9C-22E0-43CD-8D54-3191A7902E4E}" dt="2025-02-26T23:00:00.644" v="3562" actId="20577"/>
           <ac:spMkLst>
             <pc:docMk/>
             <pc:sldMk cId="3012370290" sldId="267"/>
@@ -2213,22 +1635,6 @@
             <ac:spMk id="34" creationId="{75D58394-1CB9-7AF5-EB35-479E7717CC27}"/>
           </ac:spMkLst>
         </pc:spChg>
-        <pc:spChg chg="del mod">
-          <ac:chgData name="François GLEYZON" userId="a2d04f23f7faf3ef" providerId="LiveId" clId="{1D234A9C-22E0-43CD-8D54-3191A7902E4E}" dt="2025-02-22T19:10:35.429" v="1772" actId="478"/>
-          <ac:spMkLst>
-            <pc:docMk/>
-            <pc:sldMk cId="3012370290" sldId="267"/>
-            <ac:spMk id="35" creationId="{BCBDD140-5DC6-DB25-443D-9423A77ABF0E}"/>
-          </ac:spMkLst>
-        </pc:spChg>
-        <pc:cxnChg chg="del">
-          <ac:chgData name="François GLEYZON" userId="a2d04f23f7faf3ef" providerId="LiveId" clId="{1D234A9C-22E0-43CD-8D54-3191A7902E4E}" dt="2025-02-22T19:04:53.926" v="1607" actId="478"/>
-          <ac:cxnSpMkLst>
-            <pc:docMk/>
-            <pc:sldMk cId="3012370290" sldId="267"/>
-            <ac:cxnSpMk id="4" creationId="{32D5F68C-7BE2-1971-CA4F-27AFA9535315}"/>
-          </ac:cxnSpMkLst>
-        </pc:cxnChg>
       </pc:sldChg>
       <pc:sldChg chg="addSp delSp modSp add mod">
         <pc:chgData name="François GLEYZON" userId="a2d04f23f7faf3ef" providerId="LiveId" clId="{1D234A9C-22E0-43CD-8D54-3191A7902E4E}" dt="2025-02-23T19:11:05.672" v="3383" actId="14100"/>
@@ -2252,68 +1658,12 @@
             <ac:spMk id="3" creationId="{447BB2D3-552F-E6A2-63BC-67798678A29A}"/>
           </ac:spMkLst>
         </pc:spChg>
-        <pc:spChg chg="add del mod">
-          <ac:chgData name="François GLEYZON" userId="a2d04f23f7faf3ef" providerId="LiveId" clId="{1D234A9C-22E0-43CD-8D54-3191A7902E4E}" dt="2025-02-22T19:18:58.213" v="1985" actId="478"/>
-          <ac:spMkLst>
-            <pc:docMk/>
-            <pc:sldMk cId="3862334454" sldId="268"/>
-            <ac:spMk id="4" creationId="{507E54E7-772F-33D1-E501-E070B7A7F065}"/>
-          </ac:spMkLst>
-        </pc:spChg>
         <pc:spChg chg="add mod">
           <ac:chgData name="François GLEYZON" userId="a2d04f23f7faf3ef" providerId="LiveId" clId="{1D234A9C-22E0-43CD-8D54-3191A7902E4E}" dt="2025-02-22T23:51:18.073" v="2752" actId="20577"/>
           <ac:spMkLst>
             <pc:docMk/>
             <pc:sldMk cId="3862334454" sldId="268"/>
             <ac:spMk id="4" creationId="{EADB7A49-C3D6-2E36-AA84-D62056BEB820}"/>
-          </ac:spMkLst>
-        </pc:spChg>
-        <pc:spChg chg="add del mod">
-          <ac:chgData name="François GLEYZON" userId="a2d04f23f7faf3ef" providerId="LiveId" clId="{1D234A9C-22E0-43CD-8D54-3191A7902E4E}" dt="2025-02-22T19:18:58.213" v="1985" actId="478"/>
-          <ac:spMkLst>
-            <pc:docMk/>
-            <pc:sldMk cId="3862334454" sldId="268"/>
-            <ac:spMk id="5" creationId="{F6BD9A51-F1F2-9FF4-B9C7-95C3EEC88AD6}"/>
-          </ac:spMkLst>
-        </pc:spChg>
-        <pc:spChg chg="del">
-          <ac:chgData name="François GLEYZON" userId="a2d04f23f7faf3ef" providerId="LiveId" clId="{1D234A9C-22E0-43CD-8D54-3191A7902E4E}" dt="2025-02-22T19:17:32.049" v="1965" actId="478"/>
-          <ac:spMkLst>
-            <pc:docMk/>
-            <pc:sldMk cId="3862334454" sldId="268"/>
-            <ac:spMk id="6" creationId="{69087A53-C9A0-C6FA-B36C-BBADBC0206D5}"/>
-          </ac:spMkLst>
-        </pc:spChg>
-        <pc:spChg chg="del">
-          <ac:chgData name="François GLEYZON" userId="a2d04f23f7faf3ef" providerId="LiveId" clId="{1D234A9C-22E0-43CD-8D54-3191A7902E4E}" dt="2025-02-22T19:17:32.049" v="1965" actId="478"/>
-          <ac:spMkLst>
-            <pc:docMk/>
-            <pc:sldMk cId="3862334454" sldId="268"/>
-            <ac:spMk id="7" creationId="{508CA611-C755-8356-F2CB-4EEBED8AD335}"/>
-          </ac:spMkLst>
-        </pc:spChg>
-        <pc:spChg chg="add del mod">
-          <ac:chgData name="François GLEYZON" userId="a2d04f23f7faf3ef" providerId="LiveId" clId="{1D234A9C-22E0-43CD-8D54-3191A7902E4E}" dt="2025-02-22T19:18:58.213" v="1985" actId="478"/>
-          <ac:spMkLst>
-            <pc:docMk/>
-            <pc:sldMk cId="3862334454" sldId="268"/>
-            <ac:spMk id="8" creationId="{65A587B0-CECE-5838-DC4D-92BFE14FC679}"/>
-          </ac:spMkLst>
-        </pc:spChg>
-        <pc:spChg chg="add del mod">
-          <ac:chgData name="François GLEYZON" userId="a2d04f23f7faf3ef" providerId="LiveId" clId="{1D234A9C-22E0-43CD-8D54-3191A7902E4E}" dt="2025-02-22T19:18:58.213" v="1985" actId="478"/>
-          <ac:spMkLst>
-            <pc:docMk/>
-            <pc:sldMk cId="3862334454" sldId="268"/>
-            <ac:spMk id="9" creationId="{C8C63D3B-3F68-EE8A-C673-F169C2E11CA0}"/>
-          </ac:spMkLst>
-        </pc:spChg>
-        <pc:spChg chg="add del mod">
-          <ac:chgData name="François GLEYZON" userId="a2d04f23f7faf3ef" providerId="LiveId" clId="{1D234A9C-22E0-43CD-8D54-3191A7902E4E}" dt="2025-02-22T19:18:58.213" v="1985" actId="478"/>
-          <ac:spMkLst>
-            <pc:docMk/>
-            <pc:sldMk cId="3862334454" sldId="268"/>
-            <ac:spMk id="10" creationId="{CD1B40AD-6B70-E555-5DBD-6A2AFD576CB4}"/>
           </ac:spMkLst>
         </pc:spChg>
         <pc:spChg chg="add mod">
@@ -2340,54 +1690,6 @@
             <ac:spMk id="30" creationId="{B2250A9E-C5B1-BC30-4976-296632C2CB72}"/>
           </ac:spMkLst>
         </pc:spChg>
-        <pc:spChg chg="del">
-          <ac:chgData name="François GLEYZON" userId="a2d04f23f7faf3ef" providerId="LiveId" clId="{1D234A9C-22E0-43CD-8D54-3191A7902E4E}" dt="2025-02-22T19:17:32.049" v="1965" actId="478"/>
-          <ac:spMkLst>
-            <pc:docMk/>
-            <pc:sldMk cId="3862334454" sldId="268"/>
-            <ac:spMk id="31" creationId="{99C31516-13B9-4EEB-0B73-725FC2186ABD}"/>
-          </ac:spMkLst>
-        </pc:spChg>
-        <pc:spChg chg="del">
-          <ac:chgData name="François GLEYZON" userId="a2d04f23f7faf3ef" providerId="LiveId" clId="{1D234A9C-22E0-43CD-8D54-3191A7902E4E}" dt="2025-02-22T19:17:32.049" v="1965" actId="478"/>
-          <ac:spMkLst>
-            <pc:docMk/>
-            <pc:sldMk cId="3862334454" sldId="268"/>
-            <ac:spMk id="32" creationId="{780F88E9-52DD-D462-E60B-BC85434EB040}"/>
-          </ac:spMkLst>
-        </pc:spChg>
-        <pc:spChg chg="del">
-          <ac:chgData name="François GLEYZON" userId="a2d04f23f7faf3ef" providerId="LiveId" clId="{1D234A9C-22E0-43CD-8D54-3191A7902E4E}" dt="2025-02-22T19:17:32.049" v="1965" actId="478"/>
-          <ac:spMkLst>
-            <pc:docMk/>
-            <pc:sldMk cId="3862334454" sldId="268"/>
-            <ac:spMk id="33" creationId="{3867470F-C23F-279A-E838-85AE20C39E9A}"/>
-          </ac:spMkLst>
-        </pc:spChg>
-        <pc:spChg chg="del">
-          <ac:chgData name="François GLEYZON" userId="a2d04f23f7faf3ef" providerId="LiveId" clId="{1D234A9C-22E0-43CD-8D54-3191A7902E4E}" dt="2025-02-22T19:17:32.049" v="1965" actId="478"/>
-          <ac:spMkLst>
-            <pc:docMk/>
-            <pc:sldMk cId="3862334454" sldId="268"/>
-            <ac:spMk id="34" creationId="{439648D7-860B-30D7-755D-F3442F917310}"/>
-          </ac:spMkLst>
-        </pc:spChg>
-        <pc:picChg chg="add del mod ord">
-          <ac:chgData name="François GLEYZON" userId="a2d04f23f7faf3ef" providerId="LiveId" clId="{1D234A9C-22E0-43CD-8D54-3191A7902E4E}" dt="2025-02-23T02:00:11.261" v="3226" actId="478"/>
-          <ac:picMkLst>
-            <pc:docMk/>
-            <pc:sldMk cId="3862334454" sldId="268"/>
-            <ac:picMk id="6" creationId="{D49DD70A-56DF-DFF7-9A82-1F678D2902E3}"/>
-          </ac:picMkLst>
-        </pc:picChg>
-        <pc:picChg chg="add del mod ord">
-          <ac:chgData name="François GLEYZON" userId="a2d04f23f7faf3ef" providerId="LiveId" clId="{1D234A9C-22E0-43CD-8D54-3191A7902E4E}" dt="2025-02-23T02:00:11.641" v="3227" actId="478"/>
-          <ac:picMkLst>
-            <pc:docMk/>
-            <pc:sldMk cId="3862334454" sldId="268"/>
-            <ac:picMk id="8" creationId="{B7B0D597-1395-3CA7-57CA-9933157DDCC4}"/>
-          </ac:picMkLst>
-        </pc:picChg>
         <pc:picChg chg="add mod ord">
           <ac:chgData name="François GLEYZON" userId="a2d04f23f7faf3ef" providerId="LiveId" clId="{1D234A9C-22E0-43CD-8D54-3191A7902E4E}" dt="2025-02-23T02:00:44.916" v="3244" actId="1076"/>
           <ac:picMkLst>
@@ -2421,21 +1723,13 @@
         </pc:sldMkLst>
       </pc:sldChg>
       <pc:sldChg chg="delSp modSp add mod">
-        <pc:chgData name="François GLEYZON" userId="a2d04f23f7faf3ef" providerId="LiveId" clId="{1D234A9C-22E0-43CD-8D54-3191A7902E4E}" dt="2025-02-23T22:20:30.681" v="3502" actId="14100"/>
+        <pc:chgData name="François GLEYZON" userId="a2d04f23f7faf3ef" providerId="LiveId" clId="{1D234A9C-22E0-43CD-8D54-3191A7902E4E}" dt="2025-02-27T00:52:20.113" v="3621" actId="14100"/>
         <pc:sldMkLst>
           <pc:docMk/>
           <pc:sldMk cId="3239519359" sldId="269"/>
         </pc:sldMkLst>
-        <pc:spChg chg="del">
-          <ac:chgData name="François GLEYZON" userId="a2d04f23f7faf3ef" providerId="LiveId" clId="{1D234A9C-22E0-43CD-8D54-3191A7902E4E}" dt="2025-02-23T21:23:45.427" v="3430" actId="478"/>
-          <ac:spMkLst>
-            <pc:docMk/>
-            <pc:sldMk cId="3239519359" sldId="269"/>
-            <ac:spMk id="4" creationId="{5AA8C3E1-E49C-771D-C8DC-940D9014AF28}"/>
-          </ac:spMkLst>
-        </pc:spChg>
         <pc:spChg chg="mod">
-          <ac:chgData name="François GLEYZON" userId="a2d04f23f7faf3ef" providerId="LiveId" clId="{1D234A9C-22E0-43CD-8D54-3191A7902E4E}" dt="2025-02-23T22:20:25.327" v="3492" actId="1037"/>
+          <ac:chgData name="François GLEYZON" userId="a2d04f23f7faf3ef" providerId="LiveId" clId="{1D234A9C-22E0-43CD-8D54-3191A7902E4E}" dt="2025-02-26T22:29:49.804" v="3561" actId="14100"/>
           <ac:spMkLst>
             <pc:docMk/>
             <pc:sldMk cId="3239519359" sldId="269"/>
@@ -2443,7 +1737,7 @@
           </ac:spMkLst>
         </pc:spChg>
         <pc:spChg chg="mod">
-          <ac:chgData name="François GLEYZON" userId="a2d04f23f7faf3ef" providerId="LiveId" clId="{1D234A9C-22E0-43CD-8D54-3191A7902E4E}" dt="2025-02-23T22:20:30.681" v="3502" actId="14100"/>
+          <ac:chgData name="François GLEYZON" userId="a2d04f23f7faf3ef" providerId="LiveId" clId="{1D234A9C-22E0-43CD-8D54-3191A7902E4E}" dt="2025-02-27T00:51:58.693" v="3610" actId="20577"/>
           <ac:spMkLst>
             <pc:docMk/>
             <pc:sldMk cId="3239519359" sldId="269"/>
@@ -2451,7 +1745,7 @@
           </ac:spMkLst>
         </pc:spChg>
         <pc:spChg chg="mod">
-          <ac:chgData name="François GLEYZON" userId="a2d04f23f7faf3ef" providerId="LiveId" clId="{1D234A9C-22E0-43CD-8D54-3191A7902E4E}" dt="2025-02-23T22:20:28.021" v="3498"/>
+          <ac:chgData name="François GLEYZON" userId="a2d04f23f7faf3ef" providerId="LiveId" clId="{1D234A9C-22E0-43CD-8D54-3191A7902E4E}" dt="2025-02-27T00:52:07.334" v="3616" actId="20577"/>
           <ac:spMkLst>
             <pc:docMk/>
             <pc:sldMk cId="3239519359" sldId="269"/>
@@ -2467,7 +1761,7 @@
           </ac:spMkLst>
         </pc:spChg>
         <pc:spChg chg="mod">
-          <ac:chgData name="François GLEYZON" userId="a2d04f23f7faf3ef" providerId="LiveId" clId="{1D234A9C-22E0-43CD-8D54-3191A7902E4E}" dt="2025-02-23T22:20:27.850" v="3497"/>
+          <ac:chgData name="François GLEYZON" userId="a2d04f23f7faf3ef" providerId="LiveId" clId="{1D234A9C-22E0-43CD-8D54-3191A7902E4E}" dt="2025-02-27T00:52:12.453" v="3617"/>
           <ac:spMkLst>
             <pc:docMk/>
             <pc:sldMk cId="3239519359" sldId="269"/>
@@ -2475,7 +1769,7 @@
           </ac:spMkLst>
         </pc:spChg>
         <pc:spChg chg="mod">
-          <ac:chgData name="François GLEYZON" userId="a2d04f23f7faf3ef" providerId="LiveId" clId="{1D234A9C-22E0-43CD-8D54-3191A7902E4E}" dt="2025-02-23T22:20:27.515" v="3495" actId="14100"/>
+          <ac:chgData name="François GLEYZON" userId="a2d04f23f7faf3ef" providerId="LiveId" clId="{1D234A9C-22E0-43CD-8D54-3191A7902E4E}" dt="2025-02-27T00:52:20.113" v="3621" actId="14100"/>
           <ac:spMkLst>
             <pc:docMk/>
             <pc:sldMk cId="3239519359" sldId="269"/>
@@ -2483,7 +1777,7 @@
           </ac:spMkLst>
         </pc:spChg>
         <pc:spChg chg="mod">
-          <ac:chgData name="François GLEYZON" userId="a2d04f23f7faf3ef" providerId="LiveId" clId="{1D234A9C-22E0-43CD-8D54-3191A7902E4E}" dt="2025-02-23T22:20:27.515" v="3495" actId="14100"/>
+          <ac:chgData name="François GLEYZON" userId="a2d04f23f7faf3ef" providerId="LiveId" clId="{1D234A9C-22E0-43CD-8D54-3191A7902E4E}" dt="2025-02-27T00:52:18.303" v="3620" actId="14100"/>
           <ac:spMkLst>
             <pc:docMk/>
             <pc:sldMk cId="3239519359" sldId="269"/>
@@ -2578,7 +1872,7 @@
           <a:p>
             <a:fld id="{536D1BE0-9163-4941-8556-7FE0B29195A4}" type="datetimeFigureOut">
               <a:rPr lang="en-GB" smtClean="0"/>
-              <a:t>23/02/2025</a:t>
+              <a:t>26/02/2025</a:t>
             </a:fld>
             <a:endParaRPr lang="en-GB"/>
           </a:p>
@@ -3079,7 +2373,7 @@
           <a:p>
             <a:fld id="{CEFDEF93-0E3A-4A89-BC16-F38BAE82060D}" type="datetimeFigureOut">
               <a:rPr lang="en-GB" smtClean="0"/>
-              <a:t>23/02/2025</a:t>
+              <a:t>26/02/2025</a:t>
             </a:fld>
             <a:endParaRPr lang="en-GB"/>
           </a:p>
@@ -3279,7 +2573,7 @@
           <a:p>
             <a:fld id="{CEFDEF93-0E3A-4A89-BC16-F38BAE82060D}" type="datetimeFigureOut">
               <a:rPr lang="en-GB" smtClean="0"/>
-              <a:t>23/02/2025</a:t>
+              <a:t>26/02/2025</a:t>
             </a:fld>
             <a:endParaRPr lang="en-GB"/>
           </a:p>
@@ -3489,7 +2783,7 @@
           <a:p>
             <a:fld id="{CEFDEF93-0E3A-4A89-BC16-F38BAE82060D}" type="datetimeFigureOut">
               <a:rPr lang="en-GB" smtClean="0"/>
-              <a:t>23/02/2025</a:t>
+              <a:t>26/02/2025</a:t>
             </a:fld>
             <a:endParaRPr lang="en-GB"/>
           </a:p>
@@ -3689,7 +2983,7 @@
           <a:p>
             <a:fld id="{CEFDEF93-0E3A-4A89-BC16-F38BAE82060D}" type="datetimeFigureOut">
               <a:rPr lang="en-GB" smtClean="0"/>
-              <a:t>23/02/2025</a:t>
+              <a:t>26/02/2025</a:t>
             </a:fld>
             <a:endParaRPr lang="en-GB"/>
           </a:p>
@@ -3965,7 +3259,7 @@
           <a:p>
             <a:fld id="{CEFDEF93-0E3A-4A89-BC16-F38BAE82060D}" type="datetimeFigureOut">
               <a:rPr lang="en-GB" smtClean="0"/>
-              <a:t>23/02/2025</a:t>
+              <a:t>26/02/2025</a:t>
             </a:fld>
             <a:endParaRPr lang="en-GB"/>
           </a:p>
@@ -4233,7 +3527,7 @@
           <a:p>
             <a:fld id="{CEFDEF93-0E3A-4A89-BC16-F38BAE82060D}" type="datetimeFigureOut">
               <a:rPr lang="en-GB" smtClean="0"/>
-              <a:t>23/02/2025</a:t>
+              <a:t>26/02/2025</a:t>
             </a:fld>
             <a:endParaRPr lang="en-GB"/>
           </a:p>
@@ -4648,7 +3942,7 @@
           <a:p>
             <a:fld id="{CEFDEF93-0E3A-4A89-BC16-F38BAE82060D}" type="datetimeFigureOut">
               <a:rPr lang="en-GB" smtClean="0"/>
-              <a:t>23/02/2025</a:t>
+              <a:t>26/02/2025</a:t>
             </a:fld>
             <a:endParaRPr lang="en-GB"/>
           </a:p>
@@ -4790,7 +4084,7 @@
           <a:p>
             <a:fld id="{CEFDEF93-0E3A-4A89-BC16-F38BAE82060D}" type="datetimeFigureOut">
               <a:rPr lang="en-GB" smtClean="0"/>
-              <a:t>23/02/2025</a:t>
+              <a:t>26/02/2025</a:t>
             </a:fld>
             <a:endParaRPr lang="en-GB"/>
           </a:p>
@@ -4903,7 +4197,7 @@
           <a:p>
             <a:fld id="{CEFDEF93-0E3A-4A89-BC16-F38BAE82060D}" type="datetimeFigureOut">
               <a:rPr lang="en-GB" smtClean="0"/>
-              <a:t>23/02/2025</a:t>
+              <a:t>26/02/2025</a:t>
             </a:fld>
             <a:endParaRPr lang="en-GB"/>
           </a:p>
@@ -5216,7 +4510,7 @@
           <a:p>
             <a:fld id="{CEFDEF93-0E3A-4A89-BC16-F38BAE82060D}" type="datetimeFigureOut">
               <a:rPr lang="en-GB" smtClean="0"/>
-              <a:t>23/02/2025</a:t>
+              <a:t>26/02/2025</a:t>
             </a:fld>
             <a:endParaRPr lang="en-GB"/>
           </a:p>
@@ -5505,7 +4799,7 @@
           <a:p>
             <a:fld id="{CEFDEF93-0E3A-4A89-BC16-F38BAE82060D}" type="datetimeFigureOut">
               <a:rPr lang="en-GB" smtClean="0"/>
-              <a:t>23/02/2025</a:t>
+              <a:t>26/02/2025</a:t>
             </a:fld>
             <a:endParaRPr lang="en-GB"/>
           </a:p>
@@ -5748,7 +5042,7 @@
           <a:p>
             <a:fld id="{CEFDEF93-0E3A-4A89-BC16-F38BAE82060D}" type="datetimeFigureOut">
               <a:rPr lang="en-GB" smtClean="0"/>
-              <a:t>23/02/2025</a:t>
+              <a:t>26/02/2025</a:t>
             </a:fld>
             <a:endParaRPr lang="en-GB"/>
           </a:p>
@@ -6796,42 +6090,6 @@
           <a:chExt cx="0" cy="0"/>
         </a:xfrm>
       </p:grpSpPr>
-      <p:pic>
-        <p:nvPicPr>
-          <p:cNvPr id="13" name="Picture 12" descr="A graph with different colored dots and numbers&#10;&#10;AI-generated content may be incorrect.">
-            <a:extLst>
-              <a:ext uri="{FF2B5EF4-FFF2-40B4-BE49-F238E27FC236}">
-                <a16:creationId xmlns:a16="http://schemas.microsoft.com/office/drawing/2014/main" id="{EF2EFB49-ED70-4B27-2033-047136B683A5}"/>
-              </a:ext>
-            </a:extLst>
-          </p:cNvPr>
-          <p:cNvPicPr>
-            <a:picLocks noChangeAspect="1"/>
-          </p:cNvPicPr>
-          <p:nvPr/>
-        </p:nvPicPr>
-        <p:blipFill>
-          <a:blip r:embed="rId3">
-            <a:extLst>
-              <a:ext uri="{28A0092B-C50C-407E-A947-70E740481C1C}">
-                <a14:useLocalDpi xmlns:a14="http://schemas.microsoft.com/office/drawing/2010/main" val="0"/>
-              </a:ext>
-            </a:extLst>
-          </a:blip>
-          <a:stretch>
-            <a:fillRect/>
-          </a:stretch>
-        </p:blipFill>
-        <p:spPr>
-          <a:xfrm>
-            <a:off x="0" y="996476"/>
-            <a:ext cx="5435599" cy="4076699"/>
-          </a:xfrm>
-          <a:prstGeom prst="rect">
-            <a:avLst/>
-          </a:prstGeom>
-        </p:spPr>
-      </p:pic>
       <p:sp>
         <p:nvSpPr>
           <p:cNvPr id="2" name="TextBox 1">
@@ -7019,249 +6277,6 @@
       </p:sp>
       <p:sp>
         <p:nvSpPr>
-          <p:cNvPr id="6" name="TextBox 5">
-            <a:extLst>
-              <a:ext uri="{FF2B5EF4-FFF2-40B4-BE49-F238E27FC236}">
-                <a16:creationId xmlns:a16="http://schemas.microsoft.com/office/drawing/2014/main" id="{51B5442A-C3C4-1A8F-D37A-D5F1A379EC7E}"/>
-              </a:ext>
-            </a:extLst>
-          </p:cNvPr>
-          <p:cNvSpPr txBox="1"/>
-          <p:nvPr/>
-        </p:nvSpPr>
-        <p:spPr>
-          <a:xfrm>
-            <a:off x="-2" y="627468"/>
-            <a:ext cx="12192001" cy="369332"/>
-          </a:xfrm>
-          <a:prstGeom prst="rect">
-            <a:avLst/>
-          </a:prstGeom>
-          <a:noFill/>
-        </p:spPr>
-        <p:txBody>
-          <a:bodyPr wrap="square" rtlCol="0">
-            <a:spAutoFit/>
-          </a:bodyPr>
-          <a:lstStyle/>
-          <a:p>
-            <a:pPr algn="just"/>
-            <a:r>
-              <a:rPr lang="fr-FR" noProof="0" dirty="0">
-                <a:latin typeface="Times New Roman" panose="02020603050405020304" pitchFamily="18" charset="0"/>
-                <a:cs typeface="Times New Roman" panose="02020603050405020304" pitchFamily="18" charset="0"/>
-              </a:rPr>
-              <a:t>On obtient les points suivants :</a:t>
-            </a:r>
-          </a:p>
-        </p:txBody>
-      </p:sp>
-      <mc:AlternateContent xmlns:mc="http://schemas.openxmlformats.org/markup-compatibility/2006" xmlns:a14="http://schemas.microsoft.com/office/drawing/2010/main">
-        <mc:Choice Requires="a14">
-          <p:sp>
-            <p:nvSpPr>
-              <p:cNvPr id="10" name="TextBox 9">
-                <a:extLst>
-                  <a:ext uri="{FF2B5EF4-FFF2-40B4-BE49-F238E27FC236}">
-                    <a16:creationId xmlns:a16="http://schemas.microsoft.com/office/drawing/2014/main" id="{13A11EAD-00C7-DE8C-6393-ABE7B1826CB4}"/>
-                  </a:ext>
-                </a:extLst>
-              </p:cNvPr>
-              <p:cNvSpPr txBox="1"/>
-              <p:nvPr/>
-            </p:nvSpPr>
-            <p:spPr>
-              <a:xfrm>
-                <a:off x="5435599" y="1018963"/>
-                <a:ext cx="6620934" cy="3696397"/>
-              </a:xfrm>
-              <a:prstGeom prst="rect">
-                <a:avLst/>
-              </a:prstGeom>
-              <a:noFill/>
-            </p:spPr>
-            <p:txBody>
-              <a:bodyPr wrap="square" rtlCol="0">
-                <a:spAutoFit/>
-              </a:bodyPr>
-              <a:lstStyle/>
-              <a:p>
-                <a:pPr algn="just"/>
-                <a:r>
-                  <a:rPr lang="fr-FR" noProof="0" dirty="0">
-                    <a:latin typeface="Times New Roman" panose="02020603050405020304" pitchFamily="18" charset="0"/>
-                    <a:cs typeface="Times New Roman" panose="02020603050405020304" pitchFamily="18" charset="0"/>
-                  </a:rPr>
-                  <a:t>Très clairement, et à la vue de ces résultats, on ne peut parler de convergence asymptotique. Aussi surprenant que cela puisse paraitre, ces résultats ne semblent pas provenir d’un bug dans le code Python. En effet, il semble seulement que les résultats soient « trop » bon – ce que nous avions pu souligner déjà avec le résultat pour 5 nœuds. </a:t>
-                </a:r>
-              </a:p>
-              <a:p>
-                <a:pPr algn="just"/>
-                <a:endParaRPr lang="fr-FR" noProof="0" dirty="0">
-                  <a:latin typeface="Times New Roman" panose="02020603050405020304" pitchFamily="18" charset="0"/>
-                  <a:cs typeface="Times New Roman" panose="02020603050405020304" pitchFamily="18" charset="0"/>
-                </a:endParaRPr>
-              </a:p>
-              <a:p>
-                <a:pPr algn="just"/>
-                <a:r>
-                  <a:rPr lang="fr-FR" noProof="0" dirty="0">
-                    <a:latin typeface="Times New Roman" panose="02020603050405020304" pitchFamily="18" charset="0"/>
-                    <a:cs typeface="Times New Roman" panose="02020603050405020304" pitchFamily="18" charset="0"/>
-                  </a:rPr>
-                  <a:t>Comme on peut le voir, l’erreur pour un faible nombre de nœuds est très faible (</a:t>
-                </a:r>
-                <a14:m>
-                  <m:oMath xmlns:m="http://schemas.openxmlformats.org/officeDocument/2006/math">
-                    <m:r>
-                      <a:rPr lang="fr-FR" i="1" noProof="0" smtClean="0">
-                        <a:latin typeface="Cambria Math" panose="02040503050406030204" pitchFamily="18" charset="0"/>
-                        <a:ea typeface="Cambria Math" panose="02040503050406030204" pitchFamily="18" charset="0"/>
-                        <a:cs typeface="Times New Roman" panose="02020603050405020304" pitchFamily="18" charset="0"/>
-                      </a:rPr>
-                      <m:t>~</m:t>
-                    </m:r>
-                    <m:sSup>
-                      <m:sSupPr>
-                        <m:ctrlPr>
-                          <a:rPr lang="fr-FR" b="0" i="1" noProof="0" smtClean="0">
-                            <a:latin typeface="Cambria Math" panose="02040503050406030204" pitchFamily="18" charset="0"/>
-                            <a:ea typeface="Cambria Math" panose="02040503050406030204" pitchFamily="18" charset="0"/>
-                            <a:cs typeface="Times New Roman" panose="02020603050405020304" pitchFamily="18" charset="0"/>
-                          </a:rPr>
-                        </m:ctrlPr>
-                      </m:sSupPr>
-                      <m:e>
-                        <m:r>
-                          <a:rPr lang="fr-FR" b="0" i="1" noProof="0" smtClean="0">
-                            <a:latin typeface="Cambria Math" panose="02040503050406030204" pitchFamily="18" charset="0"/>
-                            <a:ea typeface="Cambria Math" panose="02040503050406030204" pitchFamily="18" charset="0"/>
-                            <a:cs typeface="Times New Roman" panose="02020603050405020304" pitchFamily="18" charset="0"/>
-                          </a:rPr>
-                          <m:t>10</m:t>
-                        </m:r>
-                      </m:e>
-                      <m:sup>
-                        <m:r>
-                          <a:rPr lang="fr-FR" b="0" i="1" noProof="0" smtClean="0">
-                            <a:latin typeface="Cambria Math" panose="02040503050406030204" pitchFamily="18" charset="0"/>
-                            <a:ea typeface="Cambria Math" panose="02040503050406030204" pitchFamily="18" charset="0"/>
-                            <a:cs typeface="Times New Roman" panose="02020603050405020304" pitchFamily="18" charset="0"/>
-                          </a:rPr>
-                          <m:t>−15</m:t>
-                        </m:r>
-                      </m:sup>
-                    </m:sSup>
-                  </m:oMath>
-                </a14:m>
-                <a:r>
-                  <a:rPr lang="fr-FR" noProof="0" dirty="0">
-                    <a:latin typeface="Times New Roman" panose="02020603050405020304" pitchFamily="18" charset="0"/>
-                    <a:cs typeface="Times New Roman" panose="02020603050405020304" pitchFamily="18" charset="0"/>
-                  </a:rPr>
-                  <a:t>). Selon les sources internet, la précision machine de Python semble être proche de </a:t>
-                </a:r>
-                <a14:m>
-                  <m:oMath xmlns:m="http://schemas.openxmlformats.org/officeDocument/2006/math">
-                    <m:sSup>
-                      <m:sSupPr>
-                        <m:ctrlPr>
-                          <a:rPr lang="fr-FR" i="1" noProof="0">
-                            <a:latin typeface="Cambria Math" panose="02040503050406030204" pitchFamily="18" charset="0"/>
-                            <a:ea typeface="Cambria Math" panose="02040503050406030204" pitchFamily="18" charset="0"/>
-                            <a:cs typeface="Times New Roman" panose="02020603050405020304" pitchFamily="18" charset="0"/>
-                          </a:rPr>
-                        </m:ctrlPr>
-                      </m:sSupPr>
-                      <m:e>
-                        <m:r>
-                          <a:rPr lang="fr-FR" i="1" noProof="0">
-                            <a:latin typeface="Cambria Math" panose="02040503050406030204" pitchFamily="18" charset="0"/>
-                            <a:ea typeface="Cambria Math" panose="02040503050406030204" pitchFamily="18" charset="0"/>
-                            <a:cs typeface="Times New Roman" panose="02020603050405020304" pitchFamily="18" charset="0"/>
-                          </a:rPr>
-                          <m:t>10</m:t>
-                        </m:r>
-                      </m:e>
-                      <m:sup>
-                        <m:r>
-                          <a:rPr lang="fr-FR" i="1" noProof="0">
-                            <a:latin typeface="Cambria Math" panose="02040503050406030204" pitchFamily="18" charset="0"/>
-                            <a:ea typeface="Cambria Math" panose="02040503050406030204" pitchFamily="18" charset="0"/>
-                            <a:cs typeface="Times New Roman" panose="02020603050405020304" pitchFamily="18" charset="0"/>
-                          </a:rPr>
-                          <m:t>−1</m:t>
-                        </m:r>
-                        <m:r>
-                          <a:rPr lang="fr-FR" b="0" i="1" noProof="0" smtClean="0">
-                            <a:latin typeface="Cambria Math" panose="02040503050406030204" pitchFamily="18" charset="0"/>
-                            <a:ea typeface="Cambria Math" panose="02040503050406030204" pitchFamily="18" charset="0"/>
-                            <a:cs typeface="Times New Roman" panose="02020603050405020304" pitchFamily="18" charset="0"/>
-                          </a:rPr>
-                          <m:t>6</m:t>
-                        </m:r>
-                      </m:sup>
-                    </m:sSup>
-                  </m:oMath>
-                </a14:m>
-                <a:r>
-                  <a:rPr lang="fr-FR" noProof="0" dirty="0">
-                    <a:latin typeface="Times New Roman" panose="02020603050405020304" pitchFamily="18" charset="0"/>
-                    <a:cs typeface="Times New Roman" panose="02020603050405020304" pitchFamily="18" charset="0"/>
-                  </a:rPr>
-                  <a:t>, signifiant que la réponse numérique est très bonne. En raison de tel résultat, il nous semble alors incohérent de réaliser une étude de convergence asymptotique – sans souligner qu’il manquerait cruellement de points comme en témoigne l’image.  </a:t>
-                </a:r>
-              </a:p>
-            </p:txBody>
-          </p:sp>
-        </mc:Choice>
-        <mc:Fallback xmlns="">
-          <p:sp>
-            <p:nvSpPr>
-              <p:cNvPr id="10" name="TextBox 9">
-                <a:extLst>
-                  <a:ext uri="{FF2B5EF4-FFF2-40B4-BE49-F238E27FC236}">
-                    <a16:creationId xmlns:a16="http://schemas.microsoft.com/office/drawing/2014/main" id="{13A11EAD-00C7-DE8C-6393-ABE7B1826CB4}"/>
-                  </a:ext>
-                </a:extLst>
-              </p:cNvPr>
-              <p:cNvSpPr txBox="1">
-                <a:spLocks noRot="1" noChangeAspect="1" noMove="1" noResize="1" noEditPoints="1" noAdjustHandles="1" noChangeArrowheads="1" noChangeShapeType="1" noTextEdit="1"/>
-              </p:cNvSpPr>
-              <p:nvPr/>
-            </p:nvSpPr>
-            <p:spPr>
-              <a:xfrm>
-                <a:off x="5435599" y="1018963"/>
-                <a:ext cx="6620934" cy="3696397"/>
-              </a:xfrm>
-              <a:prstGeom prst="rect">
-                <a:avLst/>
-              </a:prstGeom>
-              <a:blipFill>
-                <a:blip r:embed="rId4"/>
-                <a:stretch>
-                  <a:fillRect l="-829" t="-824" r="-737" b="-1647"/>
-                </a:stretch>
-              </a:blipFill>
-            </p:spPr>
-            <p:txBody>
-              <a:bodyPr/>
-              <a:lstStyle/>
-              <a:p>
-                <a:r>
-                  <a:rPr lang="en-CA">
-                    <a:noFill/>
-                  </a:rPr>
-                  <a:t> </a:t>
-                </a:r>
-              </a:p>
-            </p:txBody>
-          </p:sp>
-        </mc:Fallback>
-      </mc:AlternateContent>
-      <p:sp>
-        <p:nvSpPr>
           <p:cNvPr id="11" name="TextBox 10">
             <a:extLst>
               <a:ext uri="{FF2B5EF4-FFF2-40B4-BE49-F238E27FC236}">
@@ -7299,185 +6314,6 @@
           </a:p>
         </p:txBody>
       </p:sp>
-      <mc:AlternateContent xmlns:mc="http://schemas.openxmlformats.org/markup-compatibility/2006" xmlns:a14="http://schemas.microsoft.com/office/drawing/2010/main">
-        <mc:Choice Requires="a14">
-          <p:sp>
-            <p:nvSpPr>
-              <p:cNvPr id="15" name="TextBox 14">
-                <a:extLst>
-                  <a:ext uri="{FF2B5EF4-FFF2-40B4-BE49-F238E27FC236}">
-                    <a16:creationId xmlns:a16="http://schemas.microsoft.com/office/drawing/2014/main" id="{7BDA4E76-F589-4B48-9CFA-A285AB337AE0}"/>
-                  </a:ext>
-                </a:extLst>
-              </p:cNvPr>
-              <p:cNvSpPr txBox="1"/>
-              <p:nvPr/>
-            </p:nvSpPr>
-            <p:spPr>
-              <a:xfrm>
-                <a:off x="-1" y="5067417"/>
-                <a:ext cx="12191999" cy="1477328"/>
-              </a:xfrm>
-              <a:prstGeom prst="rect">
-                <a:avLst/>
-              </a:prstGeom>
-              <a:noFill/>
-            </p:spPr>
-            <p:txBody>
-              <a:bodyPr wrap="square" rtlCol="0">
-                <a:spAutoFit/>
-              </a:bodyPr>
-              <a:lstStyle/>
-              <a:p>
-                <a:pPr algn="just"/>
-                <a:r>
-                  <a:rPr lang="fr-FR" noProof="0" dirty="0">
-                    <a:latin typeface="Times New Roman" panose="02020603050405020304" pitchFamily="18" charset="0"/>
-                    <a:cs typeface="Times New Roman" panose="02020603050405020304" pitchFamily="18" charset="0"/>
-                  </a:rPr>
-                  <a:t>Comme mentionné en cours, on peut remarquer qu’à mesure que le nombre de points augmente, l’erreur se met à réaugmenter (pour </a:t>
-                </a:r>
-                <a14:m>
-                  <m:oMath xmlns:m="http://schemas.openxmlformats.org/officeDocument/2006/math">
-                    <m:r>
-                      <a:rPr lang="fr-FR" b="0" i="1" noProof="0" smtClean="0">
-                        <a:latin typeface="Cambria Math" panose="02040503050406030204" pitchFamily="18" charset="0"/>
-                        <a:cs typeface="Times New Roman" panose="02020603050405020304" pitchFamily="18" charset="0"/>
-                      </a:rPr>
-                      <m:t>𝑁</m:t>
-                    </m:r>
-                    <m:r>
-                      <a:rPr lang="fr-FR" b="0" i="1" noProof="0" smtClean="0">
-                        <a:latin typeface="Cambria Math" panose="02040503050406030204" pitchFamily="18" charset="0"/>
-                        <a:cs typeface="Times New Roman" panose="02020603050405020304" pitchFamily="18" charset="0"/>
-                      </a:rPr>
-                      <m:t>&lt;100</m:t>
-                    </m:r>
-                  </m:oMath>
-                </a14:m>
-                <a:r>
-                  <a:rPr lang="fr-FR" noProof="0" dirty="0">
-                    <a:latin typeface="Times New Roman" panose="02020603050405020304" pitchFamily="18" charset="0"/>
-                    <a:cs typeface="Times New Roman" panose="02020603050405020304" pitchFamily="18" charset="0"/>
-                  </a:rPr>
-                  <a:t> ou </a:t>
-                </a:r>
-                <a14:m>
-                  <m:oMath xmlns:m="http://schemas.openxmlformats.org/officeDocument/2006/math">
-                    <m:r>
-                      <a:rPr lang="fr-FR" b="0" i="1" noProof="0" smtClean="0">
-                        <a:latin typeface="Cambria Math" panose="02040503050406030204" pitchFamily="18" charset="0"/>
-                        <a:cs typeface="Times New Roman" panose="02020603050405020304" pitchFamily="18" charset="0"/>
-                      </a:rPr>
-                      <m:t>𝑑𝑟</m:t>
-                    </m:r>
-                    <m:r>
-                      <a:rPr lang="fr-FR" b="0" i="1" noProof="0" smtClean="0">
-                        <a:latin typeface="Cambria Math" panose="02040503050406030204" pitchFamily="18" charset="0"/>
-                        <a:cs typeface="Times New Roman" panose="02020603050405020304" pitchFamily="18" charset="0"/>
-                      </a:rPr>
-                      <m:t>&gt;</m:t>
-                    </m:r>
-                    <m:sSup>
-                      <m:sSupPr>
-                        <m:ctrlPr>
-                          <a:rPr lang="fr-FR" b="0" i="1" noProof="0" smtClean="0">
-                            <a:latin typeface="Cambria Math" panose="02040503050406030204" pitchFamily="18" charset="0"/>
-                            <a:cs typeface="Times New Roman" panose="02020603050405020304" pitchFamily="18" charset="0"/>
-                          </a:rPr>
-                        </m:ctrlPr>
-                      </m:sSupPr>
-                      <m:e>
-                        <m:r>
-                          <a:rPr lang="fr-FR" b="0" i="1" noProof="0" smtClean="0">
-                            <a:latin typeface="Cambria Math" panose="02040503050406030204" pitchFamily="18" charset="0"/>
-                            <a:cs typeface="Times New Roman" panose="02020603050405020304" pitchFamily="18" charset="0"/>
-                          </a:rPr>
-                          <m:t>10</m:t>
-                        </m:r>
-                      </m:e>
-                      <m:sup>
-                        <m:r>
-                          <a:rPr lang="fr-FR" b="0" i="1" noProof="0" smtClean="0">
-                            <a:latin typeface="Cambria Math" panose="02040503050406030204" pitchFamily="18" charset="0"/>
-                            <a:cs typeface="Times New Roman" panose="02020603050405020304" pitchFamily="18" charset="0"/>
-                          </a:rPr>
-                          <m:t>−2</m:t>
-                        </m:r>
-                      </m:sup>
-                    </m:sSup>
-                  </m:oMath>
-                </a14:m>
-                <a:r>
-                  <a:rPr lang="fr-FR" noProof="0" dirty="0">
-                    <a:latin typeface="Times New Roman" panose="02020603050405020304" pitchFamily="18" charset="0"/>
-                    <a:cs typeface="Times New Roman" panose="02020603050405020304" pitchFamily="18" charset="0"/>
-                  </a:rPr>
-                  <a:t>). Il semble donc que les autres erreurs ne soient plus négligeables devant l’erreur de discrétisation, qui était dominante jusqu’à présent. On suppose qu’il s’agit plus précisément de </a:t>
-                </a:r>
-                <a:r>
-                  <a:rPr lang="fr-FR" b="1" noProof="0" dirty="0">
-                    <a:latin typeface="Times New Roman" panose="02020603050405020304" pitchFamily="18" charset="0"/>
-                    <a:cs typeface="Times New Roman" panose="02020603050405020304" pitchFamily="18" charset="0"/>
-                  </a:rPr>
-                  <a:t>l’erreur de précision machine</a:t>
-                </a:r>
-                <a:r>
-                  <a:rPr lang="fr-FR" noProof="0" dirty="0">
-                    <a:latin typeface="Times New Roman" panose="02020603050405020304" pitchFamily="18" charset="0"/>
-                    <a:cs typeface="Times New Roman" panose="02020603050405020304" pitchFamily="18" charset="0"/>
-                  </a:rPr>
-                  <a:t> qui intervient ici. En effet, plus il y a de points et plus il y a propagation d’erreurs lors des calculs, impliquant donc une croissance de ces dernières à mesure que le maillage se raffine. </a:t>
-                </a:r>
-              </a:p>
-            </p:txBody>
-          </p:sp>
-        </mc:Choice>
-        <mc:Fallback xmlns="">
-          <p:sp>
-            <p:nvSpPr>
-              <p:cNvPr id="15" name="TextBox 14">
-                <a:extLst>
-                  <a:ext uri="{FF2B5EF4-FFF2-40B4-BE49-F238E27FC236}">
-                    <a16:creationId xmlns:a16="http://schemas.microsoft.com/office/drawing/2014/main" id="{7BDA4E76-F589-4B48-9CFA-A285AB337AE0}"/>
-                  </a:ext>
-                </a:extLst>
-              </p:cNvPr>
-              <p:cNvSpPr txBox="1">
-                <a:spLocks noRot="1" noChangeAspect="1" noMove="1" noResize="1" noEditPoints="1" noAdjustHandles="1" noChangeArrowheads="1" noChangeShapeType="1" noTextEdit="1"/>
-              </p:cNvSpPr>
-              <p:nvPr/>
-            </p:nvSpPr>
-            <p:spPr>
-              <a:xfrm>
-                <a:off x="-1" y="5067417"/>
-                <a:ext cx="12191999" cy="1477328"/>
-              </a:xfrm>
-              <a:prstGeom prst="rect">
-                <a:avLst/>
-              </a:prstGeom>
-              <a:blipFill>
-                <a:blip r:embed="rId5"/>
-                <a:stretch>
-                  <a:fillRect l="-400" t="-2058" r="-400" b="-5350"/>
-                </a:stretch>
-              </a:blipFill>
-            </p:spPr>
-            <p:txBody>
-              <a:bodyPr/>
-              <a:lstStyle/>
-              <a:p>
-                <a:r>
-                  <a:rPr lang="en-CA">
-                    <a:noFill/>
-                  </a:rPr>
-                  <a:t> </a:t>
-                </a:r>
-              </a:p>
-            </p:txBody>
-          </p:sp>
-        </mc:Fallback>
-      </mc:AlternateContent>
     </p:spTree>
     <p:extLst>
       <p:ext uri="{BB962C8B-B14F-4D97-AF65-F5344CB8AC3E}">
@@ -7696,393 +6532,6 @@
           <a:p>
             <a:pPr algn="ctr"/>
             <a:endParaRPr lang="fr-FR" noProof="0" dirty="0"/>
-          </a:p>
-        </p:txBody>
-      </p:sp>
-      <p:sp>
-        <p:nvSpPr>
-          <p:cNvPr id="6" name="TextBox 5">
-            <a:extLst>
-              <a:ext uri="{FF2B5EF4-FFF2-40B4-BE49-F238E27FC236}">
-                <a16:creationId xmlns:a16="http://schemas.microsoft.com/office/drawing/2014/main" id="{C0FB229F-7FDE-60BB-7C9D-FA8C75D93FFE}"/>
-              </a:ext>
-            </a:extLst>
-          </p:cNvPr>
-          <p:cNvSpPr txBox="1"/>
-          <p:nvPr/>
-        </p:nvSpPr>
-        <p:spPr>
-          <a:xfrm>
-            <a:off x="-2" y="627468"/>
-            <a:ext cx="12192001" cy="369332"/>
-          </a:xfrm>
-          <a:prstGeom prst="rect">
-            <a:avLst/>
-          </a:prstGeom>
-          <a:noFill/>
-        </p:spPr>
-        <p:txBody>
-          <a:bodyPr wrap="square" rtlCol="0">
-            <a:spAutoFit/>
-          </a:bodyPr>
-          <a:lstStyle/>
-          <a:p>
-            <a:pPr algn="just"/>
-            <a:r>
-              <a:rPr lang="fr-FR" noProof="0" dirty="0">
-                <a:latin typeface="Times New Roman" panose="02020603050405020304" pitchFamily="18" charset="0"/>
-                <a:cs typeface="Times New Roman" panose="02020603050405020304" pitchFamily="18" charset="0"/>
-              </a:rPr>
-              <a:t>Pour conclure, ce devoir nous a permis de montrer : </a:t>
-            </a:r>
-          </a:p>
-        </p:txBody>
-      </p:sp>
-      <p:sp>
-        <p:nvSpPr>
-          <p:cNvPr id="7" name="TextBox 6">
-            <a:extLst>
-              <a:ext uri="{FF2B5EF4-FFF2-40B4-BE49-F238E27FC236}">
-                <a16:creationId xmlns:a16="http://schemas.microsoft.com/office/drawing/2014/main" id="{70CF15AE-9D08-54F9-6B23-DBA1C0275690}"/>
-              </a:ext>
-            </a:extLst>
-          </p:cNvPr>
-          <p:cNvSpPr txBox="1"/>
-          <p:nvPr/>
-        </p:nvSpPr>
-        <p:spPr>
-          <a:xfrm>
-            <a:off x="6394493" y="1018963"/>
-            <a:ext cx="5662039" cy="1754326"/>
-          </a:xfrm>
-          <a:prstGeom prst="rect">
-            <a:avLst/>
-          </a:prstGeom>
-          <a:noFill/>
-        </p:spPr>
-        <p:txBody>
-          <a:bodyPr wrap="square" rtlCol="0">
-            <a:spAutoFit/>
-          </a:bodyPr>
-          <a:lstStyle/>
-          <a:p>
-            <a:pPr marL="285750" indent="-285750" algn="just">
-              <a:buFont typeface="Wingdings" panose="05000000000000000000" pitchFamily="2" charset="2"/>
-              <a:buChar char="§"/>
-            </a:pPr>
-            <a:r>
-              <a:rPr lang="fr-FR" noProof="0" dirty="0">
-                <a:latin typeface="Times New Roman" panose="02020603050405020304" pitchFamily="18" charset="0"/>
-                <a:cs typeface="Times New Roman" panose="02020603050405020304" pitchFamily="18" charset="0"/>
-              </a:rPr>
-              <a:t>Les limites de l’analyse de convergence de l’erreur de discrétisation. En effet, si les schémas de discrétisation sont uniformes et cohérents avec le problème traité, on peut obtenir des résultats extrêmement bons (i.e. erreur de discrétisation très faible et donc analyse de convergence non pertinente). </a:t>
-            </a:r>
-          </a:p>
-        </p:txBody>
-      </p:sp>
-      <p:sp>
-        <p:nvSpPr>
-          <p:cNvPr id="8" name="TextBox 7">
-            <a:extLst>
-              <a:ext uri="{FF2B5EF4-FFF2-40B4-BE49-F238E27FC236}">
-                <a16:creationId xmlns:a16="http://schemas.microsoft.com/office/drawing/2014/main" id="{3F71D19F-FB6D-FE38-AC51-717B965503B7}"/>
-              </a:ext>
-            </a:extLst>
-          </p:cNvPr>
-          <p:cNvSpPr txBox="1"/>
-          <p:nvPr/>
-        </p:nvSpPr>
-        <p:spPr>
-          <a:xfrm>
-            <a:off x="135469" y="996800"/>
-            <a:ext cx="5662039" cy="923330"/>
-          </a:xfrm>
-          <a:prstGeom prst="rect">
-            <a:avLst/>
-          </a:prstGeom>
-          <a:noFill/>
-        </p:spPr>
-        <p:txBody>
-          <a:bodyPr wrap="square" rtlCol="0">
-            <a:spAutoFit/>
-          </a:bodyPr>
-          <a:lstStyle/>
-          <a:p>
-            <a:pPr marL="285750" indent="-285750" algn="just">
-              <a:buFont typeface="Wingdings" panose="05000000000000000000" pitchFamily="2" charset="2"/>
-              <a:buChar char="§"/>
-            </a:pPr>
-            <a:r>
-              <a:rPr lang="fr-FR" noProof="0" dirty="0">
-                <a:latin typeface="Times New Roman" panose="02020603050405020304" pitchFamily="18" charset="0"/>
-                <a:cs typeface="Times New Roman" panose="02020603050405020304" pitchFamily="18" charset="0"/>
-              </a:rPr>
-              <a:t>Comment fonctionne une analyse de convergence dans le cas numéro 1. Nous avons pu comparer les ordres de convergence formel et observé afin de vérifier le code. </a:t>
-            </a:r>
-          </a:p>
-        </p:txBody>
-      </p:sp>
-      <p:sp>
-        <p:nvSpPr>
-          <p:cNvPr id="9" name="Right Brace 8">
-            <a:extLst>
-              <a:ext uri="{FF2B5EF4-FFF2-40B4-BE49-F238E27FC236}">
-                <a16:creationId xmlns:a16="http://schemas.microsoft.com/office/drawing/2014/main" id="{1A3D098E-C0A1-7DE8-1262-2E4E31F8E4CB}"/>
-              </a:ext>
-            </a:extLst>
-          </p:cNvPr>
-          <p:cNvSpPr/>
-          <p:nvPr/>
-        </p:nvSpPr>
-        <p:spPr>
-          <a:xfrm rot="5400000">
-            <a:off x="5941498" y="-2992679"/>
-            <a:ext cx="309004" cy="11921064"/>
-          </a:xfrm>
-          <a:prstGeom prst="rightBrace">
-            <a:avLst>
-              <a:gd name="adj1" fmla="val 90384"/>
-              <a:gd name="adj2" fmla="val 50000"/>
-            </a:avLst>
-          </a:prstGeom>
-          <a:ln w="57150">
-            <a:solidFill>
-              <a:srgbClr val="C00000"/>
-            </a:solidFill>
-          </a:ln>
-        </p:spPr>
-        <p:style>
-          <a:lnRef idx="2">
-            <a:schemeClr val="accent1"/>
-          </a:lnRef>
-          <a:fillRef idx="0">
-            <a:schemeClr val="accent1"/>
-          </a:fillRef>
-          <a:effectRef idx="1">
-            <a:schemeClr val="accent1"/>
-          </a:effectRef>
-          <a:fontRef idx="minor">
-            <a:schemeClr val="tx1"/>
-          </a:fontRef>
-        </p:style>
-        <p:txBody>
-          <a:bodyPr rtlCol="0" anchor="ctr"/>
-          <a:lstStyle/>
-          <a:p>
-            <a:pPr algn="ctr"/>
-            <a:endParaRPr lang="fr-FR" noProof="0" dirty="0"/>
-          </a:p>
-        </p:txBody>
-      </p:sp>
-      <p:sp>
-        <p:nvSpPr>
-          <p:cNvPr id="10" name="TextBox 9">
-            <a:extLst>
-              <a:ext uri="{FF2B5EF4-FFF2-40B4-BE49-F238E27FC236}">
-                <a16:creationId xmlns:a16="http://schemas.microsoft.com/office/drawing/2014/main" id="{1827829A-69C1-05E0-82FC-47D7A4E8CFA8}"/>
-              </a:ext>
-            </a:extLst>
-          </p:cNvPr>
-          <p:cNvSpPr txBox="1"/>
-          <p:nvPr/>
-        </p:nvSpPr>
-        <p:spPr>
-          <a:xfrm>
-            <a:off x="434602" y="3251375"/>
-            <a:ext cx="5226797" cy="1754326"/>
-          </a:xfrm>
-          <a:prstGeom prst="rect">
-            <a:avLst/>
-          </a:prstGeom>
-          <a:noFill/>
-        </p:spPr>
-        <p:txBody>
-          <a:bodyPr wrap="square" rtlCol="0">
-            <a:spAutoFit/>
-          </a:bodyPr>
-          <a:lstStyle/>
-          <a:p>
-            <a:pPr algn="just"/>
-            <a:r>
-              <a:rPr lang="fr-FR" noProof="0" dirty="0">
-                <a:latin typeface="Times New Roman" panose="02020603050405020304" pitchFamily="18" charset="0"/>
-                <a:cs typeface="Times New Roman" panose="02020603050405020304" pitchFamily="18" charset="0"/>
-              </a:rPr>
-              <a:t>L’analyse de convergence de l’erreur de discrétisation par convergence asymptotique est donc une méthode puissante afin de pouvoir vérifier un code. Néanmoins une bonne compréhension physique et numérique du problème est nécessaire afin de permettre une compréhension juste des résultats. </a:t>
-            </a:r>
-          </a:p>
-        </p:txBody>
-      </p:sp>
-      <p:sp>
-        <p:nvSpPr>
-          <p:cNvPr id="11" name="TextBox 10">
-            <a:extLst>
-              <a:ext uri="{FF2B5EF4-FFF2-40B4-BE49-F238E27FC236}">
-                <a16:creationId xmlns:a16="http://schemas.microsoft.com/office/drawing/2014/main" id="{F3FF0ABE-9BDA-8589-BCA2-AC743838ACFC}"/>
-              </a:ext>
-            </a:extLst>
-          </p:cNvPr>
-          <p:cNvSpPr txBox="1"/>
-          <p:nvPr/>
-        </p:nvSpPr>
-        <p:spPr>
-          <a:xfrm>
-            <a:off x="6530593" y="3389874"/>
-            <a:ext cx="5226797" cy="1477328"/>
-          </a:xfrm>
-          <a:prstGeom prst="rect">
-            <a:avLst/>
-          </a:prstGeom>
-          <a:noFill/>
-        </p:spPr>
-        <p:txBody>
-          <a:bodyPr wrap="square" rtlCol="0">
-            <a:spAutoFit/>
-          </a:bodyPr>
-          <a:lstStyle/>
-          <a:p>
-            <a:pPr algn="just"/>
-            <a:r>
-              <a:rPr lang="fr-FR" noProof="0" dirty="0">
-                <a:latin typeface="Times New Roman" panose="02020603050405020304" pitchFamily="18" charset="0"/>
-                <a:cs typeface="Times New Roman" panose="02020603050405020304" pitchFamily="18" charset="0"/>
-              </a:rPr>
-              <a:t>En plus de permettre une convergence plus rapide, les schémas d’ordres supérieurs permettent une grande précision des phénomènes aux frontières. Tout cela vient cependant à un pris, plus l’ordre étant élevé et plus les calculs étant gourmand. </a:t>
-            </a:r>
-          </a:p>
-        </p:txBody>
-      </p:sp>
-      <p:sp>
-        <p:nvSpPr>
-          <p:cNvPr id="12" name="Plus Sign 11">
-            <a:extLst>
-              <a:ext uri="{FF2B5EF4-FFF2-40B4-BE49-F238E27FC236}">
-                <a16:creationId xmlns:a16="http://schemas.microsoft.com/office/drawing/2014/main" id="{280E63AB-7E7C-412D-9775-611C8F43CE44}"/>
-              </a:ext>
-            </a:extLst>
-          </p:cNvPr>
-          <p:cNvSpPr/>
-          <p:nvPr/>
-        </p:nvSpPr>
-        <p:spPr>
-          <a:xfrm>
-            <a:off x="5875279" y="3794860"/>
-            <a:ext cx="441434" cy="441434"/>
-          </a:xfrm>
-          <a:prstGeom prst="mathPlus">
-            <a:avLst>
-              <a:gd name="adj1" fmla="val 9727"/>
-            </a:avLst>
-          </a:prstGeom>
-          <a:solidFill>
-            <a:srgbClr val="980000"/>
-          </a:solidFill>
-          <a:ln>
-            <a:solidFill>
-              <a:srgbClr val="980000"/>
-            </a:solidFill>
-          </a:ln>
-        </p:spPr>
-        <p:style>
-          <a:lnRef idx="2">
-            <a:schemeClr val="accent1">
-              <a:shade val="15000"/>
-            </a:schemeClr>
-          </a:lnRef>
-          <a:fillRef idx="1">
-            <a:schemeClr val="accent1"/>
-          </a:fillRef>
-          <a:effectRef idx="0">
-            <a:schemeClr val="accent1"/>
-          </a:effectRef>
-          <a:fontRef idx="minor">
-            <a:schemeClr val="lt1"/>
-          </a:fontRef>
-        </p:style>
-        <p:txBody>
-          <a:bodyPr rtlCol="0" anchor="ctr"/>
-          <a:lstStyle/>
-          <a:p>
-            <a:pPr algn="ctr"/>
-            <a:endParaRPr lang="fr-FR" noProof="0" dirty="0"/>
-          </a:p>
-        </p:txBody>
-      </p:sp>
-      <p:sp>
-        <p:nvSpPr>
-          <p:cNvPr id="13" name="TextBox 12">
-            <a:extLst>
-              <a:ext uri="{FF2B5EF4-FFF2-40B4-BE49-F238E27FC236}">
-                <a16:creationId xmlns:a16="http://schemas.microsoft.com/office/drawing/2014/main" id="{F2151F1C-7D98-8A07-DABB-9BF880922990}"/>
-              </a:ext>
-            </a:extLst>
-          </p:cNvPr>
-          <p:cNvSpPr txBox="1"/>
-          <p:nvPr/>
-        </p:nvSpPr>
-        <p:spPr>
-          <a:xfrm>
-            <a:off x="1302169" y="5493308"/>
-            <a:ext cx="9587652" cy="1200329"/>
-          </a:xfrm>
-          <a:prstGeom prst="rect">
-            <a:avLst/>
-          </a:prstGeom>
-          <a:noFill/>
-        </p:spPr>
-        <p:txBody>
-          <a:bodyPr wrap="square" rtlCol="0">
-            <a:spAutoFit/>
-          </a:bodyPr>
-          <a:lstStyle/>
-          <a:p>
-            <a:pPr algn="just"/>
-            <a:r>
-              <a:rPr lang="fr-FR" dirty="0">
-                <a:latin typeface="Times New Roman" panose="02020603050405020304" pitchFamily="18" charset="0"/>
-                <a:cs typeface="Times New Roman" panose="02020603050405020304" pitchFamily="18" charset="0"/>
-              </a:rPr>
-              <a:t>La vérification du code constitue une première étape essentielle dans le processus global de V&amp;V. Cependant, elle ne garantit pas encore l’exactitude des résultats obtenus. Il est désormais crucial de procéder à l’étape de vérification de la solution. Enfin, l’étape de validation permettra de s’assurer que le modèle représente fidèlement la réalité physique du phénomène étudié.</a:t>
-            </a:r>
-          </a:p>
-        </p:txBody>
-      </p:sp>
-      <p:sp>
-        <p:nvSpPr>
-          <p:cNvPr id="14" name="TextBox 13">
-            <a:extLst>
-              <a:ext uri="{FF2B5EF4-FFF2-40B4-BE49-F238E27FC236}">
-                <a16:creationId xmlns:a16="http://schemas.microsoft.com/office/drawing/2014/main" id="{E677CC0B-52E0-83B5-C15B-7233C6AD2BA3}"/>
-              </a:ext>
-            </a:extLst>
-          </p:cNvPr>
-          <p:cNvSpPr txBox="1"/>
-          <p:nvPr/>
-        </p:nvSpPr>
-        <p:spPr>
-          <a:xfrm>
-            <a:off x="5129522" y="5123976"/>
-            <a:ext cx="1932946" cy="369332"/>
-          </a:xfrm>
-          <a:prstGeom prst="rect">
-            <a:avLst/>
-          </a:prstGeom>
-          <a:noFill/>
-        </p:spPr>
-        <p:txBody>
-          <a:bodyPr wrap="square" rtlCol="0">
-            <a:spAutoFit/>
-          </a:bodyPr>
-          <a:lstStyle/>
-          <a:p>
-            <a:pPr algn="ctr"/>
-            <a:r>
-              <a:rPr lang="fr-FR" b="1" noProof="0" dirty="0">
-                <a:latin typeface="Times New Roman" panose="02020603050405020304" pitchFamily="18" charset="0"/>
-                <a:cs typeface="Times New Roman" panose="02020603050405020304" pitchFamily="18" charset="0"/>
-              </a:rPr>
-              <a:t>Et maintenant ? </a:t>
-            </a:r>
           </a:p>
         </p:txBody>
       </p:sp>
@@ -17319,8 +15768,8 @@
           </p:sp>
         </mc:Fallback>
       </mc:AlternateContent>
-      <mc:AlternateContent xmlns:mc="http://schemas.openxmlformats.org/markup-compatibility/2006" xmlns:a14="http://schemas.microsoft.com/office/drawing/2010/main">
-        <mc:Choice Requires="a14">
+      <mc:AlternateContent xmlns:mc="http://schemas.openxmlformats.org/markup-compatibility/2006">
+        <mc:Choice xmlns:a14="http://schemas.microsoft.com/office/drawing/2010/main" Requires="a14">
           <p:sp>
             <p:nvSpPr>
               <p:cNvPr id="31" name="TextBox 30">
@@ -17633,7 +16082,19 @@
                         <a:rPr lang="fr-FR" sz="1600">
                           <a:latin typeface="Cambria Math" panose="02040503050406030204" pitchFamily="18" charset="0"/>
                         </a:rPr>
-                        <m:t>⇒3</m:t>
+                        <m:t>⇒</m:t>
+                      </m:r>
+                      <m:r>
+                        <a:rPr lang="fr-FR" sz="1600" b="0" i="0" smtClean="0">
+                          <a:latin typeface="Cambria Math" panose="02040503050406030204" pitchFamily="18" charset="0"/>
+                        </a:rPr>
+                        <m:t>−</m:t>
+                      </m:r>
+                      <m:r>
+                        <a:rPr lang="fr-FR" sz="1600">
+                          <a:latin typeface="Cambria Math" panose="02040503050406030204" pitchFamily="18" charset="0"/>
+                        </a:rPr>
+                        <m:t>3</m:t>
                       </m:r>
                       <m:sSubSup>
                         <m:sSubSupPr>
@@ -17796,7 +16257,7 @@
             </p:txBody>
           </p:sp>
         </mc:Choice>
-        <mc:Fallback xmlns="">
+        <mc:Fallback>
           <p:sp>
             <p:nvSpPr>
               <p:cNvPr id="31" name="TextBox 30">
@@ -23803,8 +22264,8 @@
           </p:sp>
         </mc:Fallback>
       </mc:AlternateContent>
-      <mc:AlternateContent xmlns:mc="http://schemas.openxmlformats.org/markup-compatibility/2006">
-        <mc:Choice xmlns:a14="http://schemas.microsoft.com/office/drawing/2010/main" Requires="a14">
+      <mc:AlternateContent xmlns:mc="http://schemas.openxmlformats.org/markup-compatibility/2006" xmlns:a14="http://schemas.microsoft.com/office/drawing/2010/main">
+        <mc:Choice Requires="a14">
           <p:sp>
             <p:nvSpPr>
               <p:cNvPr id="11" name="TextBox 10">
@@ -24092,7 +22553,7 @@
             </p:txBody>
           </p:sp>
         </mc:Choice>
-        <mc:Fallback>
+        <mc:Fallback xmlns="">
           <p:sp>
             <p:nvSpPr>
               <p:cNvPr id="11" name="TextBox 10">
@@ -25958,7 +24419,7 @@
             <p:spPr>
               <a:xfrm>
                 <a:off x="4235992" y="1157660"/>
-                <a:ext cx="2721642" cy="633891"/>
+                <a:ext cx="3239156" cy="633891"/>
               </a:xfrm>
               <a:prstGeom prst="rect">
                 <a:avLst/>
@@ -26090,6 +24551,24 @@
                               </m:r>
                             </m:sup>
                           </m:sSup>
+                          <m:r>
+                            <a:rPr lang="fr-FR" b="0" i="1" smtClean="0">
+                              <a:latin typeface="Cambria Math" panose="02040503050406030204" pitchFamily="18" charset="0"/>
+                            </a:rPr>
+                            <m:t>+</m:t>
+                          </m:r>
+                          <m:r>
+                            <a:rPr lang="fr-FR" b="0" i="1" smtClean="0">
+                              <a:latin typeface="Cambria Math" panose="02040503050406030204" pitchFamily="18" charset="0"/>
+                            </a:rPr>
+                            <m:t>𝑅</m:t>
+                          </m:r>
+                          <m:r>
+                            <a:rPr lang="fr-FR" b="0" i="1" smtClean="0">
+                              <a:latin typeface="Cambria Math" panose="02040503050406030204" pitchFamily="18" charset="0"/>
+                            </a:rPr>
+                            <m:t>²</m:t>
+                          </m:r>
                         </m:num>
                         <m:den>
                           <m:sSup>
@@ -26234,7 +24713,7 @@
             <p:spPr>
               <a:xfrm>
                 <a:off x="4235992" y="1157660"/>
-                <a:ext cx="2721642" cy="633891"/>
+                <a:ext cx="3239156" cy="633891"/>
               </a:xfrm>
               <a:prstGeom prst="rect">
                 <a:avLst/>
@@ -26317,7 +24796,7 @@
             <p:spPr>
               <a:xfrm>
                 <a:off x="177419" y="2449184"/>
-                <a:ext cx="4849213" cy="628249"/>
+                <a:ext cx="4933274" cy="628249"/>
               </a:xfrm>
               <a:prstGeom prst="rect">
                 <a:avLst/>
@@ -26519,6 +24998,12 @@
                             <a:rPr lang="fr-FR" b="0" i="1" smtClean="0">
                               <a:latin typeface="Cambria Math" panose="02040503050406030204" pitchFamily="18" charset="0"/>
                             </a:rPr>
+                            <m:t>2</m:t>
+                          </m:r>
+                          <m:r>
+                            <a:rPr lang="fr-FR" b="0" i="1" smtClean="0">
+                              <a:latin typeface="Cambria Math" panose="02040503050406030204" pitchFamily="18" charset="0"/>
+                            </a:rPr>
                             <m:t>𝐶</m:t>
                           </m:r>
                         </m:e>
@@ -26632,7 +25117,7 @@
             <p:spPr>
               <a:xfrm>
                 <a:off x="177419" y="2449184"/>
-                <a:ext cx="4849213" cy="628249"/>
+                <a:ext cx="4933274" cy="628249"/>
               </a:xfrm>
               <a:prstGeom prst="rect">
                 <a:avLst/>
@@ -26960,7 +25445,7 @@
             <p:spPr>
               <a:xfrm>
                 <a:off x="177418" y="3828597"/>
-                <a:ext cx="4255011" cy="553998"/>
+                <a:ext cx="4738861" cy="553998"/>
               </a:xfrm>
               <a:prstGeom prst="rect">
                 <a:avLst/>
@@ -27148,6 +25633,24 @@
                               </m:r>
                             </m:sup>
                           </m:sSup>
+                          <m:r>
+                            <a:rPr lang="fr-FR" b="0" i="1" smtClean="0">
+                              <a:latin typeface="Cambria Math" panose="02040503050406030204" pitchFamily="18" charset="0"/>
+                            </a:rPr>
+                            <m:t>+</m:t>
+                          </m:r>
+                          <m:r>
+                            <a:rPr lang="fr-FR" b="0" i="1" smtClean="0">
+                              <a:latin typeface="Cambria Math" panose="02040503050406030204" pitchFamily="18" charset="0"/>
+                            </a:rPr>
+                            <m:t>𝑅</m:t>
+                          </m:r>
+                          <m:r>
+                            <a:rPr lang="fr-FR" b="0" i="1" smtClean="0">
+                              <a:latin typeface="Cambria Math" panose="02040503050406030204" pitchFamily="18" charset="0"/>
+                            </a:rPr>
+                            <m:t>²</m:t>
+                          </m:r>
                         </m:num>
                         <m:den>
                           <m:sSup>
@@ -27203,7 +25706,7 @@
             <p:spPr>
               <a:xfrm>
                 <a:off x="177418" y="3828597"/>
-                <a:ext cx="4255011" cy="553998"/>
+                <a:ext cx="4738861" cy="553998"/>
               </a:xfrm>
               <a:prstGeom prst="rect">
                 <a:avLst/>
@@ -27324,7 +25827,7 @@
             <p:spPr>
               <a:xfrm>
                 <a:off x="177418" y="5204010"/>
-                <a:ext cx="10410542" cy="1402820"/>
+                <a:ext cx="10582128" cy="1402820"/>
               </a:xfrm>
               <a:prstGeom prst="rect">
                 <a:avLst/>
@@ -27682,6 +26185,24 @@
                               </m:r>
                             </m:sup>
                           </m:sSup>
+                          <m:r>
+                            <a:rPr lang="fr-FR" b="0" i="1" smtClean="0">
+                              <a:latin typeface="Cambria Math" panose="02040503050406030204" pitchFamily="18" charset="0"/>
+                            </a:rPr>
+                            <m:t>+</m:t>
+                          </m:r>
+                          <m:r>
+                            <a:rPr lang="fr-FR" b="0" i="1" smtClean="0">
+                              <a:latin typeface="Cambria Math" panose="02040503050406030204" pitchFamily="18" charset="0"/>
+                            </a:rPr>
+                            <m:t>𝑅</m:t>
+                          </m:r>
+                          <m:r>
+                            <a:rPr lang="fr-FR" b="0" i="1" smtClean="0">
+                              <a:latin typeface="Cambria Math" panose="02040503050406030204" pitchFamily="18" charset="0"/>
+                            </a:rPr>
+                            <m:t>²</m:t>
+                          </m:r>
                         </m:num>
                         <m:den>
                           <m:sSup>
@@ -28552,6 +27073,9 @@
                         <m:fPr>
                           <m:ctrlPr>
                             <a:rPr lang="fr-FR" b="0" i="1" smtClean="0">
+                              <a:solidFill>
+                                <a:srgbClr val="FF0000"/>
+                              </a:solidFill>
                               <a:latin typeface="Cambria Math" panose="02040503050406030204" pitchFamily="18" charset="0"/>
                             </a:rPr>
                           </m:ctrlPr>
@@ -28561,6 +27085,9 @@
                             <m:sSubPr>
                               <m:ctrlPr>
                                 <a:rPr lang="fr-FR" b="0" i="1" smtClean="0">
+                                  <a:solidFill>
+                                    <a:srgbClr val="FF0000"/>
+                                  </a:solidFill>
                                   <a:latin typeface="Cambria Math" panose="02040503050406030204" pitchFamily="18" charset="0"/>
                                 </a:rPr>
                               </m:ctrlPr>
@@ -28568,6 +27095,9 @@
                             <m:e>
                               <m:r>
                                 <a:rPr lang="fr-FR" b="0" i="1" smtClean="0">
+                                  <a:solidFill>
+                                    <a:srgbClr val="FF0000"/>
+                                  </a:solidFill>
                                   <a:latin typeface="Cambria Math" panose="02040503050406030204" pitchFamily="18" charset="0"/>
                                 </a:rPr>
                                 <m:t>𝐶</m:t>
@@ -28576,6 +27106,9 @@
                             <m:sub>
                               <m:r>
                                 <a:rPr lang="fr-FR" b="0" i="1" smtClean="0">
+                                  <a:solidFill>
+                                    <a:srgbClr val="FF0000"/>
+                                  </a:solidFill>
                                   <a:latin typeface="Cambria Math" panose="02040503050406030204" pitchFamily="18" charset="0"/>
                                 </a:rPr>
                                 <m:t>𝑒</m:t>
@@ -28588,6 +27121,9 @@
                             <m:sSupPr>
                               <m:ctrlPr>
                                 <a:rPr lang="fr-FR" b="0" i="1" smtClean="0">
+                                  <a:solidFill>
+                                    <a:srgbClr val="FF0000"/>
+                                  </a:solidFill>
                                   <a:latin typeface="Cambria Math" panose="02040503050406030204" pitchFamily="18" charset="0"/>
                                 </a:rPr>
                               </m:ctrlPr>
@@ -28595,6 +27131,9 @@
                             <m:e>
                               <m:r>
                                 <a:rPr lang="fr-FR" b="0" i="1" smtClean="0">
+                                  <a:solidFill>
+                                    <a:srgbClr val="FF0000"/>
+                                  </a:solidFill>
                                   <a:latin typeface="Cambria Math" panose="02040503050406030204" pitchFamily="18" charset="0"/>
                                 </a:rPr>
                                 <m:t>𝑅</m:t>
@@ -28603,6 +27142,9 @@
                             <m:sup>
                               <m:r>
                                 <a:rPr lang="fr-FR" b="0" i="1" smtClean="0">
+                                  <a:solidFill>
+                                    <a:srgbClr val="FF0000"/>
+                                  </a:solidFill>
                                   <a:latin typeface="Cambria Math" panose="02040503050406030204" pitchFamily="18" charset="0"/>
                                 </a:rPr>
                                 <m:t>2</m:t>
@@ -28613,6 +27155,9 @@
                       </m:f>
                       <m:r>
                         <a:rPr lang="fr-FR" i="1">
+                          <a:solidFill>
+                            <a:srgbClr val="FF0000"/>
+                          </a:solidFill>
                           <a:latin typeface="Cambria Math" panose="02040503050406030204" pitchFamily="18" charset="0"/>
                           <a:ea typeface="Cambria Math" panose="02040503050406030204" pitchFamily="18" charset="0"/>
                         </a:rPr>
@@ -28622,6 +27167,9 @@
                         <m:dPr>
                           <m:ctrlPr>
                             <a:rPr lang="fr-FR" i="1">
+                              <a:solidFill>
+                                <a:srgbClr val="FF0000"/>
+                              </a:solidFill>
                               <a:latin typeface="Cambria Math" panose="02040503050406030204" pitchFamily="18" charset="0"/>
                               <a:ea typeface="Cambria Math" panose="02040503050406030204" pitchFamily="18" charset="0"/>
                             </a:rPr>
@@ -28632,6 +27180,9 @@
                             <m:fPr>
                               <m:ctrlPr>
                                 <a:rPr lang="fr-FR" i="1">
+                                  <a:solidFill>
+                                    <a:srgbClr val="FF0000"/>
+                                  </a:solidFill>
                                   <a:latin typeface="Cambria Math" panose="02040503050406030204" pitchFamily="18" charset="0"/>
                                   <a:ea typeface="Cambria Math" panose="02040503050406030204" pitchFamily="18" charset="0"/>
                                 </a:rPr>
@@ -28640,6 +27191,9 @@
                             <m:num>
                               <m:r>
                                 <a:rPr lang="fr-FR" i="1">
+                                  <a:solidFill>
+                                    <a:srgbClr val="FF0000"/>
+                                  </a:solidFill>
                                   <a:latin typeface="Cambria Math" panose="02040503050406030204" pitchFamily="18" charset="0"/>
                                   <a:ea typeface="Cambria Math" panose="02040503050406030204" pitchFamily="18" charset="0"/>
                                 </a:rPr>
@@ -28651,6 +27205,9 @@
                                 <m:sSubPr>
                                   <m:ctrlPr>
                                     <a:rPr lang="fr-FR" i="1">
+                                      <a:solidFill>
+                                        <a:srgbClr val="FF0000"/>
+                                      </a:solidFill>
                                       <a:latin typeface="Cambria Math" panose="02040503050406030204" pitchFamily="18" charset="0"/>
                                       <a:ea typeface="Cambria Math" panose="02040503050406030204" pitchFamily="18" charset="0"/>
                                     </a:rPr>
@@ -28659,6 +27216,9 @@
                                 <m:e>
                                   <m:r>
                                     <a:rPr lang="fr-FR" i="1">
+                                      <a:solidFill>
+                                        <a:srgbClr val="FF0000"/>
+                                      </a:solidFill>
                                       <a:latin typeface="Cambria Math" panose="02040503050406030204" pitchFamily="18" charset="0"/>
                                       <a:ea typeface="Cambria Math" panose="02040503050406030204" pitchFamily="18" charset="0"/>
                                     </a:rPr>
@@ -28668,6 +27228,9 @@
                                 <m:sub>
                                   <m:r>
                                     <a:rPr lang="fr-FR" i="1">
+                                      <a:solidFill>
+                                        <a:srgbClr val="FF0000"/>
+                                      </a:solidFill>
                                       <a:latin typeface="Cambria Math" panose="02040503050406030204" pitchFamily="18" charset="0"/>
                                       <a:ea typeface="Cambria Math" panose="02040503050406030204" pitchFamily="18" charset="0"/>
                                     </a:rPr>
@@ -28685,6 +27248,9 @@
                           <m:endChr m:val="]"/>
                           <m:ctrlPr>
                             <a:rPr lang="fr-FR" b="0" i="1" smtClean="0">
+                              <a:solidFill>
+                                <a:srgbClr val="FF0000"/>
+                              </a:solidFill>
                               <a:latin typeface="Cambria Math" panose="02040503050406030204" pitchFamily="18" charset="0"/>
                             </a:rPr>
                           </m:ctrlPr>
@@ -28694,19 +27260,71 @@
                             <m:fPr>
                               <m:ctrlPr>
                                 <a:rPr lang="fr-FR" i="1">
+                                  <a:solidFill>
+                                    <a:srgbClr val="FF0000"/>
+                                  </a:solidFill>
                                   <a:latin typeface="Cambria Math" panose="02040503050406030204" pitchFamily="18" charset="0"/>
                                 </a:rPr>
                               </m:ctrlPr>
                             </m:fPr>
                             <m:num>
-                              <m:r>
-                                <a:rPr lang="fr-FR" i="1">
-                                  <a:latin typeface="Cambria Math" panose="02040503050406030204" pitchFamily="18" charset="0"/>
-                                </a:rPr>
-                                <m:t>𝑟</m:t>
-                              </m:r>
-                              <m:r>
-                                <a:rPr lang="fr-FR" i="1">
+                              <m:sSup>
+                                <m:sSupPr>
+                                  <m:ctrlPr>
+                                    <a:rPr lang="fr-FR" i="1">
+                                      <a:solidFill>
+                                        <a:srgbClr val="FF0000"/>
+                                      </a:solidFill>
+                                      <a:latin typeface="Cambria Math" panose="02040503050406030204" pitchFamily="18" charset="0"/>
+                                    </a:rPr>
+                                  </m:ctrlPr>
+                                </m:sSupPr>
+                                <m:e>
+                                  <m:r>
+                                    <a:rPr lang="fr-FR" i="1">
+                                      <a:solidFill>
+                                        <a:srgbClr val="FF0000"/>
+                                      </a:solidFill>
+                                      <a:latin typeface="Cambria Math" panose="02040503050406030204" pitchFamily="18" charset="0"/>
+                                    </a:rPr>
+                                    <m:t>𝑟</m:t>
+                                  </m:r>
+                                </m:e>
+                                <m:sup>
+                                  <m:r>
+                                    <a:rPr lang="fr-FR" i="1">
+                                      <a:solidFill>
+                                        <a:srgbClr val="FF0000"/>
+                                      </a:solidFill>
+                                      <a:latin typeface="Cambria Math" panose="02040503050406030204" pitchFamily="18" charset="0"/>
+                                    </a:rPr>
+                                    <m:t>2</m:t>
+                                  </m:r>
+                                </m:sup>
+                              </m:sSup>
+                              <m:r>
+                                <a:rPr lang="fr-FR" b="0" i="1" smtClean="0">
+                                  <a:solidFill>
+                                    <a:srgbClr val="FF0000"/>
+                                  </a:solidFill>
+                                  <a:latin typeface="Cambria Math" panose="02040503050406030204" pitchFamily="18" charset="0"/>
+                                </a:rPr>
+                                <m:t>+</m:t>
+                              </m:r>
+                              <m:r>
+                                <a:rPr lang="fr-FR" b="0" i="1" smtClean="0">
+                                  <a:solidFill>
+                                    <a:srgbClr val="FF0000"/>
+                                  </a:solidFill>
+                                  <a:latin typeface="Cambria Math" panose="02040503050406030204" pitchFamily="18" charset="0"/>
+                                </a:rPr>
+                                <m:t>𝑅</m:t>
+                              </m:r>
+                              <m:r>
+                                <a:rPr lang="fr-FR" b="0" i="1" smtClean="0">
+                                  <a:solidFill>
+                                    <a:srgbClr val="FF0000"/>
+                                  </a:solidFill>
                                   <a:latin typeface="Cambria Math" panose="02040503050406030204" pitchFamily="18" charset="0"/>
                                 </a:rPr>
                                 <m:t>²</m:t>
@@ -28717,6 +27335,9 @@
                                 <m:sSubPr>
                                   <m:ctrlPr>
                                     <a:rPr lang="fr-FR" i="1">
+                                      <a:solidFill>
+                                        <a:srgbClr val="FF0000"/>
+                                      </a:solidFill>
                                       <a:latin typeface="Cambria Math" panose="02040503050406030204" pitchFamily="18" charset="0"/>
                                     </a:rPr>
                                   </m:ctrlPr>
@@ -28724,6 +27345,9 @@
                                 <m:e>
                                   <m:r>
                                     <a:rPr lang="fr-FR" i="1">
+                                      <a:solidFill>
+                                        <a:srgbClr val="FF0000"/>
+                                      </a:solidFill>
                                       <a:latin typeface="Cambria Math" panose="02040503050406030204" pitchFamily="18" charset="0"/>
                                     </a:rPr>
                                     <m:t>𝑡</m:t>
@@ -28732,6 +27356,9 @@
                                 <m:sub>
                                   <m:r>
                                     <a:rPr lang="fr-FR" i="1">
+                                      <a:solidFill>
+                                        <a:srgbClr val="FF0000"/>
+                                      </a:solidFill>
                                       <a:latin typeface="Cambria Math" panose="02040503050406030204" pitchFamily="18" charset="0"/>
                                     </a:rPr>
                                     <m:t>𝑓</m:t>
@@ -28742,6 +27369,9 @@
                           </m:f>
                           <m:r>
                             <a:rPr lang="fr-FR" b="0" i="1" smtClean="0">
+                              <a:solidFill>
+                                <a:srgbClr val="FF0000"/>
+                              </a:solidFill>
                               <a:latin typeface="Cambria Math" panose="02040503050406030204" pitchFamily="18" charset="0"/>
                               <a:ea typeface="Cambria Math" panose="02040503050406030204" pitchFamily="18" charset="0"/>
                             </a:rPr>
@@ -28751,6 +27381,9 @@
                             <m:dPr>
                               <m:ctrlPr>
                                 <a:rPr lang="fr-FR" i="1" smtClean="0">
+                                  <a:solidFill>
+                                    <a:srgbClr val="FF0000"/>
+                                  </a:solidFill>
                                   <a:latin typeface="Cambria Math" panose="02040503050406030204" pitchFamily="18" charset="0"/>
                                   <a:ea typeface="Cambria Math" panose="02040503050406030204" pitchFamily="18" charset="0"/>
                                 </a:rPr>
@@ -28759,6 +27392,9 @@
                             <m:e>
                               <m:r>
                                 <a:rPr lang="fr-FR" b="0" i="1" smtClean="0">
+                                  <a:solidFill>
+                                    <a:srgbClr val="FF0000"/>
+                                  </a:solidFill>
                                   <a:latin typeface="Cambria Math" panose="02040503050406030204" pitchFamily="18" charset="0"/>
                                   <a:ea typeface="Cambria Math" panose="02040503050406030204" pitchFamily="18" charset="0"/>
                                 </a:rPr>
@@ -28768,6 +27404,9 @@
                                 <m:sSupPr>
                                   <m:ctrlPr>
                                     <a:rPr lang="fr-FR" b="0" i="1" smtClean="0">
+                                      <a:solidFill>
+                                        <a:srgbClr val="FF0000"/>
+                                      </a:solidFill>
                                       <a:latin typeface="Cambria Math" panose="02040503050406030204" pitchFamily="18" charset="0"/>
                                       <a:ea typeface="Cambria Math" panose="02040503050406030204" pitchFamily="18" charset="0"/>
                                     </a:rPr>
@@ -28776,6 +27415,9 @@
                                 <m:e>
                                   <m:r>
                                     <a:rPr lang="fr-FR" b="0" i="1" smtClean="0">
+                                      <a:solidFill>
+                                        <a:srgbClr val="FF0000"/>
+                                      </a:solidFill>
                                       <a:latin typeface="Cambria Math" panose="02040503050406030204" pitchFamily="18" charset="0"/>
                                     </a:rPr>
                                     <m:t>𝑟</m:t>
@@ -28784,6 +27426,9 @@
                                 <m:sup>
                                   <m:r>
                                     <a:rPr lang="fr-FR" b="0" i="1" smtClean="0">
+                                      <a:solidFill>
+                                        <a:srgbClr val="FF0000"/>
+                                      </a:solidFill>
                                       <a:latin typeface="Cambria Math" panose="02040503050406030204" pitchFamily="18" charset="0"/>
                                     </a:rPr>
                                     <m:t>2</m:t>
@@ -28792,6 +27437,9 @@
                               </m:sSup>
                               <m:r>
                                 <a:rPr lang="fr-FR" i="1">
+                                  <a:solidFill>
+                                    <a:srgbClr val="FF0000"/>
+                                  </a:solidFill>
                                   <a:latin typeface="Cambria Math" panose="02040503050406030204" pitchFamily="18" charset="0"/>
                                 </a:rPr>
                                 <m:t>−</m:t>
@@ -28800,6 +27448,9 @@
                                 <m:sSubPr>
                                   <m:ctrlPr>
                                     <a:rPr lang="fr-FR" i="1">
+                                      <a:solidFill>
+                                        <a:srgbClr val="FF0000"/>
+                                      </a:solidFill>
                                       <a:latin typeface="Cambria Math" panose="02040503050406030204" pitchFamily="18" charset="0"/>
                                     </a:rPr>
                                   </m:ctrlPr>
@@ -28807,12 +27458,18 @@
                                 <m:e>
                                   <m:r>
                                     <a:rPr lang="fr-FR" b="0" i="1" smtClean="0">
+                                      <a:solidFill>
+                                        <a:srgbClr val="FF0000"/>
+                                      </a:solidFill>
                                       <a:latin typeface="Cambria Math" panose="02040503050406030204" pitchFamily="18" charset="0"/>
                                     </a:rPr>
                                     <m:t>4</m:t>
                                   </m:r>
                                   <m:r>
                                     <a:rPr lang="fr-FR" i="1">
+                                      <a:solidFill>
+                                        <a:srgbClr val="FF0000"/>
+                                      </a:solidFill>
                                       <a:latin typeface="Cambria Math" panose="02040503050406030204" pitchFamily="18" charset="0"/>
                                     </a:rPr>
                                     <m:t>𝐷</m:t>
@@ -28821,6 +27478,9 @@
                                 <m:sub>
                                   <m:r>
                                     <a:rPr lang="fr-FR" i="1">
+                                      <a:solidFill>
+                                        <a:srgbClr val="FF0000"/>
+                                      </a:solidFill>
                                       <a:latin typeface="Cambria Math" panose="02040503050406030204" pitchFamily="18" charset="0"/>
                                     </a:rPr>
                                     <m:t>𝑒𝑓𝑓</m:t>
@@ -28869,7 +27529,7 @@
             <p:spPr>
               <a:xfrm>
                 <a:off x="177418" y="5204010"/>
-                <a:ext cx="10410542" cy="1402820"/>
+                <a:ext cx="10582128" cy="1402820"/>
               </a:xfrm>
               <a:prstGeom prst="rect">
                 <a:avLst/>
@@ -28896,8 +27556,8 @@
           </p:sp>
         </mc:Fallback>
       </mc:AlternateContent>
-      <mc:AlternateContent xmlns:mc="http://schemas.openxmlformats.org/markup-compatibility/2006" xmlns:a14="http://schemas.microsoft.com/office/drawing/2010/main">
-        <mc:Choice Requires="a14">
+      <mc:AlternateContent xmlns:mc="http://schemas.openxmlformats.org/markup-compatibility/2006">
+        <mc:Choice xmlns:a14="http://schemas.microsoft.com/office/drawing/2010/main" Requires="a14">
           <p:sp>
             <p:nvSpPr>
               <p:cNvPr id="21" name="TextBox 20">
@@ -28913,7 +27573,7 @@
             <p:spPr>
               <a:xfrm>
                 <a:off x="6318620" y="2431019"/>
-                <a:ext cx="2460995" cy="644151"/>
+                <a:ext cx="2900666" cy="644151"/>
               </a:xfrm>
               <a:prstGeom prst="rect">
                 <a:avLst/>
@@ -29047,6 +27707,24 @@
                               </m:r>
                             </m:sup>
                           </m:sSup>
+                          <m:r>
+                            <a:rPr lang="fr-FR" b="0" i="1" smtClean="0">
+                              <a:latin typeface="Cambria Math" panose="02040503050406030204" pitchFamily="18" charset="0"/>
+                            </a:rPr>
+                            <m:t>+</m:t>
+                          </m:r>
+                          <m:r>
+                            <a:rPr lang="fr-FR" b="0" i="1" smtClean="0">
+                              <a:latin typeface="Cambria Math" panose="02040503050406030204" pitchFamily="18" charset="0"/>
+                            </a:rPr>
+                            <m:t>𝑅</m:t>
+                          </m:r>
+                          <m:r>
+                            <a:rPr lang="fr-FR" b="0" i="1" smtClean="0">
+                              <a:latin typeface="Cambria Math" panose="02040503050406030204" pitchFamily="18" charset="0"/>
+                            </a:rPr>
+                            <m:t>²</m:t>
+                          </m:r>
                         </m:num>
                         <m:den>
                           <m:sSup>
@@ -29203,7 +27881,7 @@
             </p:txBody>
           </p:sp>
         </mc:Choice>
-        <mc:Fallback xmlns="">
+        <mc:Fallback>
           <p:sp>
             <p:nvSpPr>
               <p:cNvPr id="21" name="TextBox 20">
@@ -29221,7 +27899,7 @@
             <p:spPr>
               <a:xfrm>
                 <a:off x="6318620" y="2431019"/>
-                <a:ext cx="2460995" cy="644151"/>
+                <a:ext cx="2900666" cy="644151"/>
               </a:xfrm>
               <a:prstGeom prst="rect">
                 <a:avLst/>
@@ -29248,8 +27926,8 @@
           </p:sp>
         </mc:Fallback>
       </mc:AlternateContent>
-      <mc:AlternateContent xmlns:mc="http://schemas.openxmlformats.org/markup-compatibility/2006">
-        <mc:Choice xmlns:a14="http://schemas.microsoft.com/office/drawing/2010/main" Requires="a14">
+      <mc:AlternateContent xmlns:mc="http://schemas.openxmlformats.org/markup-compatibility/2006" xmlns:a14="http://schemas.microsoft.com/office/drawing/2010/main">
+        <mc:Choice Requires="a14">
           <p:sp>
             <p:nvSpPr>
               <p:cNvPr id="23" name="TextBox 22">
@@ -29512,7 +28190,7 @@
             </p:txBody>
           </p:sp>
         </mc:Choice>
-        <mc:Fallback>
+        <mc:Fallback xmlns="">
           <p:sp>
             <p:nvSpPr>
               <p:cNvPr id="23" name="TextBox 22">
@@ -29557,8 +28235,8 @@
           </p:sp>
         </mc:Fallback>
       </mc:AlternateContent>
-      <mc:AlternateContent xmlns:mc="http://schemas.openxmlformats.org/markup-compatibility/2006">
-        <mc:Choice xmlns:a14="http://schemas.microsoft.com/office/drawing/2010/main" Requires="a14">
+      <mc:AlternateContent xmlns:mc="http://schemas.openxmlformats.org/markup-compatibility/2006" xmlns:a14="http://schemas.microsoft.com/office/drawing/2010/main">
+        <mc:Choice Requires="a14">
           <p:sp>
             <p:nvSpPr>
               <p:cNvPr id="26" name="TextBox 25">
@@ -29827,7 +28505,7 @@
             </p:txBody>
           </p:sp>
         </mc:Choice>
-        <mc:Fallback>
+        <mc:Fallback xmlns="">
           <p:sp>
             <p:nvSpPr>
               <p:cNvPr id="26" name="TextBox 25">
@@ -30384,7 +29062,7 @@
             <p:spPr>
               <a:xfrm>
                 <a:off x="1996478" y="991510"/>
-                <a:ext cx="7158755" cy="631840"/>
+                <a:ext cx="7473007" cy="633891"/>
               </a:xfrm>
               <a:prstGeom prst="rect">
                 <a:avLst/>
@@ -30650,6 +29328,9 @@
                         <m:fPr>
                           <m:ctrlPr>
                             <a:rPr lang="fr-FR" i="1" smtClean="0">
+                              <a:solidFill>
+                                <a:srgbClr val="FF0000"/>
+                              </a:solidFill>
                               <a:latin typeface="Cambria Math" panose="02040503050406030204" pitchFamily="18" charset="0"/>
                             </a:rPr>
                           </m:ctrlPr>
@@ -30659,6 +29340,9 @@
                             <m:sSubPr>
                               <m:ctrlPr>
                                 <a:rPr lang="fr-FR" i="1">
+                                  <a:solidFill>
+                                    <a:srgbClr val="FF0000"/>
+                                  </a:solidFill>
                                   <a:latin typeface="Cambria Math" panose="02040503050406030204" pitchFamily="18" charset="0"/>
                                 </a:rPr>
                               </m:ctrlPr>
@@ -30666,6 +29350,9 @@
                             <m:e>
                               <m:r>
                                 <a:rPr lang="fr-FR" i="1">
+                                  <a:solidFill>
+                                    <a:srgbClr val="FF0000"/>
+                                  </a:solidFill>
                                   <a:latin typeface="Cambria Math" panose="02040503050406030204" pitchFamily="18" charset="0"/>
                                 </a:rPr>
                                 <m:t>𝐶</m:t>
@@ -30674,6 +29361,9 @@
                             <m:sub>
                               <m:r>
                                 <a:rPr lang="fr-FR" i="1">
+                                  <a:solidFill>
+                                    <a:srgbClr val="FF0000"/>
+                                  </a:solidFill>
                                   <a:latin typeface="Cambria Math" panose="02040503050406030204" pitchFamily="18" charset="0"/>
                                 </a:rPr>
                                 <m:t>𝑒</m:t>
@@ -30686,6 +29376,9 @@
                             <m:sSupPr>
                               <m:ctrlPr>
                                 <a:rPr lang="fr-FR" i="1">
+                                  <a:solidFill>
+                                    <a:srgbClr val="FF0000"/>
+                                  </a:solidFill>
                                   <a:latin typeface="Cambria Math" panose="02040503050406030204" pitchFamily="18" charset="0"/>
                                 </a:rPr>
                               </m:ctrlPr>
@@ -30693,6 +29386,9 @@
                             <m:e>
                               <m:r>
                                 <a:rPr lang="fr-FR" i="1">
+                                  <a:solidFill>
+                                    <a:srgbClr val="FF0000"/>
+                                  </a:solidFill>
                                   <a:latin typeface="Cambria Math" panose="02040503050406030204" pitchFamily="18" charset="0"/>
                                 </a:rPr>
                                 <m:t>𝑅</m:t>
@@ -30701,6 +29397,9 @@
                             <m:sup>
                               <m:r>
                                 <a:rPr lang="fr-FR" i="1">
+                                  <a:solidFill>
+                                    <a:srgbClr val="FF0000"/>
+                                  </a:solidFill>
                                   <a:latin typeface="Cambria Math" panose="02040503050406030204" pitchFamily="18" charset="0"/>
                                 </a:rPr>
                                 <m:t>2</m:t>
@@ -30711,6 +29410,9 @@
                       </m:f>
                       <m:r>
                         <a:rPr lang="fr-FR" i="1">
+                          <a:solidFill>
+                            <a:srgbClr val="FF0000"/>
+                          </a:solidFill>
                           <a:latin typeface="Cambria Math" panose="02040503050406030204" pitchFamily="18" charset="0"/>
                           <a:ea typeface="Cambria Math" panose="02040503050406030204" pitchFamily="18" charset="0"/>
                         </a:rPr>
@@ -30720,6 +29422,9 @@
                         <m:dPr>
                           <m:ctrlPr>
                             <a:rPr lang="fr-FR" i="1">
+                              <a:solidFill>
+                                <a:srgbClr val="FF0000"/>
+                              </a:solidFill>
                               <a:latin typeface="Cambria Math" panose="02040503050406030204" pitchFamily="18" charset="0"/>
                               <a:ea typeface="Cambria Math" panose="02040503050406030204" pitchFamily="18" charset="0"/>
                             </a:rPr>
@@ -30730,6 +29435,9 @@
                             <m:fPr>
                               <m:ctrlPr>
                                 <a:rPr lang="fr-FR" i="1">
+                                  <a:solidFill>
+                                    <a:srgbClr val="FF0000"/>
+                                  </a:solidFill>
                                   <a:latin typeface="Cambria Math" panose="02040503050406030204" pitchFamily="18" charset="0"/>
                                   <a:ea typeface="Cambria Math" panose="02040503050406030204" pitchFamily="18" charset="0"/>
                                 </a:rPr>
@@ -30738,6 +29446,9 @@
                             <m:num>
                               <m:r>
                                 <a:rPr lang="fr-FR" i="1">
+                                  <a:solidFill>
+                                    <a:srgbClr val="FF0000"/>
+                                  </a:solidFill>
                                   <a:latin typeface="Cambria Math" panose="02040503050406030204" pitchFamily="18" charset="0"/>
                                   <a:ea typeface="Cambria Math" panose="02040503050406030204" pitchFamily="18" charset="0"/>
                                 </a:rPr>
@@ -30749,6 +29460,9 @@
                                 <m:sSubPr>
                                   <m:ctrlPr>
                                     <a:rPr lang="fr-FR" i="1">
+                                      <a:solidFill>
+                                        <a:srgbClr val="FF0000"/>
+                                      </a:solidFill>
                                       <a:latin typeface="Cambria Math" panose="02040503050406030204" pitchFamily="18" charset="0"/>
                                       <a:ea typeface="Cambria Math" panose="02040503050406030204" pitchFamily="18" charset="0"/>
                                     </a:rPr>
@@ -30757,6 +29471,9 @@
                                 <m:e>
                                   <m:r>
                                     <a:rPr lang="fr-FR" i="1">
+                                      <a:solidFill>
+                                        <a:srgbClr val="FF0000"/>
+                                      </a:solidFill>
                                       <a:latin typeface="Cambria Math" panose="02040503050406030204" pitchFamily="18" charset="0"/>
                                       <a:ea typeface="Cambria Math" panose="02040503050406030204" pitchFamily="18" charset="0"/>
                                     </a:rPr>
@@ -30766,6 +29483,9 @@
                                 <m:sub>
                                   <m:r>
                                     <a:rPr lang="fr-FR" i="1">
+                                      <a:solidFill>
+                                        <a:srgbClr val="FF0000"/>
+                                      </a:solidFill>
                                       <a:latin typeface="Cambria Math" panose="02040503050406030204" pitchFamily="18" charset="0"/>
                                       <a:ea typeface="Cambria Math" panose="02040503050406030204" pitchFamily="18" charset="0"/>
                                     </a:rPr>
@@ -30783,37 +29503,86 @@
                           <m:endChr m:val="]"/>
                           <m:ctrlPr>
                             <a:rPr lang="fr-FR" i="1">
+                              <a:solidFill>
+                                <a:srgbClr val="FF0000"/>
+                              </a:solidFill>
                               <a:latin typeface="Cambria Math" panose="02040503050406030204" pitchFamily="18" charset="0"/>
                             </a:rPr>
                           </m:ctrlPr>
                         </m:dPr>
                         <m:e>
-                          <m:r>
-                            <a:rPr lang="fr-FR" i="1">
-                              <a:latin typeface="Cambria Math" panose="02040503050406030204" pitchFamily="18" charset="0"/>
-                            </a:rPr>
-                            <m:t>𝑟</m:t>
-                          </m:r>
-                          <m:r>
-                            <a:rPr lang="fr-FR" i="1">
-                              <a:latin typeface="Cambria Math" panose="02040503050406030204" pitchFamily="18" charset="0"/>
-                            </a:rPr>
-                            <m:t>²</m:t>
-                          </m:r>
                           <m:f>
                             <m:fPr>
                               <m:ctrlPr>
                                 <a:rPr lang="fr-FR" i="1">
+                                  <a:solidFill>
+                                    <a:srgbClr val="FF0000"/>
+                                  </a:solidFill>
                                   <a:latin typeface="Cambria Math" panose="02040503050406030204" pitchFamily="18" charset="0"/>
                                 </a:rPr>
                               </m:ctrlPr>
                             </m:fPr>
                             <m:num>
-                              <m:r>
-                                <a:rPr lang="fr-FR" i="1">
-                                  <a:latin typeface="Cambria Math" panose="02040503050406030204" pitchFamily="18" charset="0"/>
-                                </a:rPr>
-                                <m:t>1</m:t>
+                              <m:sSup>
+                                <m:sSupPr>
+                                  <m:ctrlPr>
+                                    <a:rPr lang="fr-FR" b="0" i="1" smtClean="0">
+                                      <a:solidFill>
+                                        <a:srgbClr val="FF0000"/>
+                                      </a:solidFill>
+                                      <a:latin typeface="Cambria Math" panose="02040503050406030204" pitchFamily="18" charset="0"/>
+                                    </a:rPr>
+                                  </m:ctrlPr>
+                                </m:sSupPr>
+                                <m:e>
+                                  <m:r>
+                                    <a:rPr lang="fr-FR" b="0" i="1" smtClean="0">
+                                      <a:solidFill>
+                                        <a:srgbClr val="FF0000"/>
+                                      </a:solidFill>
+                                      <a:latin typeface="Cambria Math" panose="02040503050406030204" pitchFamily="18" charset="0"/>
+                                    </a:rPr>
+                                    <m:t>𝑟</m:t>
+                                  </m:r>
+                                </m:e>
+                                <m:sup>
+                                  <m:r>
+                                    <a:rPr lang="fr-FR" b="0" i="1" smtClean="0">
+                                      <a:solidFill>
+                                        <a:srgbClr val="FF0000"/>
+                                      </a:solidFill>
+                                      <a:latin typeface="Cambria Math" panose="02040503050406030204" pitchFamily="18" charset="0"/>
+                                    </a:rPr>
+                                    <m:t>2</m:t>
+                                  </m:r>
+                                </m:sup>
+                              </m:sSup>
+                              <m:r>
+                                <a:rPr lang="fr-FR" b="0" i="1" smtClean="0">
+                                  <a:solidFill>
+                                    <a:srgbClr val="FF0000"/>
+                                  </a:solidFill>
+                                  <a:latin typeface="Cambria Math" panose="02040503050406030204" pitchFamily="18" charset="0"/>
+                                </a:rPr>
+                                <m:t>+</m:t>
+                              </m:r>
+                              <m:r>
+                                <a:rPr lang="fr-FR" b="0" i="1" smtClean="0">
+                                  <a:solidFill>
+                                    <a:srgbClr val="FF0000"/>
+                                  </a:solidFill>
+                                  <a:latin typeface="Cambria Math" panose="02040503050406030204" pitchFamily="18" charset="0"/>
+                                </a:rPr>
+                                <m:t>𝑅</m:t>
+                              </m:r>
+                              <m:r>
+                                <a:rPr lang="fr-FR" b="0" i="1" smtClean="0">
+                                  <a:solidFill>
+                                    <a:srgbClr val="FF0000"/>
+                                  </a:solidFill>
+                                  <a:latin typeface="Cambria Math" panose="02040503050406030204" pitchFamily="18" charset="0"/>
+                                </a:rPr>
+                                <m:t>²</m:t>
                               </m:r>
                             </m:num>
                             <m:den>
@@ -30821,6 +29590,9 @@
                                 <m:sSubPr>
                                   <m:ctrlPr>
                                     <a:rPr lang="fr-FR" i="1">
+                                      <a:solidFill>
+                                        <a:srgbClr val="FF0000"/>
+                                      </a:solidFill>
                                       <a:latin typeface="Cambria Math" panose="02040503050406030204" pitchFamily="18" charset="0"/>
                                     </a:rPr>
                                   </m:ctrlPr>
@@ -30828,6 +29600,9 @@
                                 <m:e>
                                   <m:r>
                                     <a:rPr lang="fr-FR" i="1">
+                                      <a:solidFill>
+                                        <a:srgbClr val="FF0000"/>
+                                      </a:solidFill>
                                       <a:latin typeface="Cambria Math" panose="02040503050406030204" pitchFamily="18" charset="0"/>
                                     </a:rPr>
                                     <m:t>𝑡</m:t>
@@ -30836,6 +29611,9 @@
                                 <m:sub>
                                   <m:r>
                                     <a:rPr lang="fr-FR" i="1">
+                                      <a:solidFill>
+                                        <a:srgbClr val="FF0000"/>
+                                      </a:solidFill>
                                       <a:latin typeface="Cambria Math" panose="02040503050406030204" pitchFamily="18" charset="0"/>
                                     </a:rPr>
                                     <m:t>𝑓</m:t>
@@ -30846,6 +29624,9 @@
                           </m:f>
                           <m:r>
                             <a:rPr lang="fr-FR" i="1">
+                              <a:solidFill>
+                                <a:srgbClr val="FF0000"/>
+                              </a:solidFill>
                               <a:latin typeface="Cambria Math" panose="02040503050406030204" pitchFamily="18" charset="0"/>
                               <a:ea typeface="Cambria Math" panose="02040503050406030204" pitchFamily="18" charset="0"/>
                             </a:rPr>
@@ -30855,6 +29636,9 @@
                             <m:dPr>
                               <m:ctrlPr>
                                 <a:rPr lang="fr-FR" i="1">
+                                  <a:solidFill>
+                                    <a:srgbClr val="FF0000"/>
+                                  </a:solidFill>
                                   <a:latin typeface="Cambria Math" panose="02040503050406030204" pitchFamily="18" charset="0"/>
                                   <a:ea typeface="Cambria Math" panose="02040503050406030204" pitchFamily="18" charset="0"/>
                                 </a:rPr>
@@ -30863,6 +29647,9 @@
                             <m:e>
                               <m:r>
                                 <a:rPr lang="fr-FR" i="1">
+                                  <a:solidFill>
+                                    <a:srgbClr val="FF0000"/>
+                                  </a:solidFill>
                                   <a:latin typeface="Cambria Math" panose="02040503050406030204" pitchFamily="18" charset="0"/>
                                   <a:ea typeface="Cambria Math" panose="02040503050406030204" pitchFamily="18" charset="0"/>
                                 </a:rPr>
@@ -30872,6 +29659,9 @@
                                 <m:sSupPr>
                                   <m:ctrlPr>
                                     <a:rPr lang="fr-FR" i="1">
+                                      <a:solidFill>
+                                        <a:srgbClr val="FF0000"/>
+                                      </a:solidFill>
                                       <a:latin typeface="Cambria Math" panose="02040503050406030204" pitchFamily="18" charset="0"/>
                                       <a:ea typeface="Cambria Math" panose="02040503050406030204" pitchFamily="18" charset="0"/>
                                     </a:rPr>
@@ -30880,6 +29670,9 @@
                                 <m:e>
                                   <m:r>
                                     <a:rPr lang="fr-FR" i="1">
+                                      <a:solidFill>
+                                        <a:srgbClr val="FF0000"/>
+                                      </a:solidFill>
                                       <a:latin typeface="Cambria Math" panose="02040503050406030204" pitchFamily="18" charset="0"/>
                                     </a:rPr>
                                     <m:t>𝑟</m:t>
@@ -30888,6 +29681,9 @@
                                 <m:sup>
                                   <m:r>
                                     <a:rPr lang="fr-FR" i="1">
+                                      <a:solidFill>
+                                        <a:srgbClr val="FF0000"/>
+                                      </a:solidFill>
                                       <a:latin typeface="Cambria Math" panose="02040503050406030204" pitchFamily="18" charset="0"/>
                                     </a:rPr>
                                     <m:t>2</m:t>
@@ -30896,6 +29692,9 @@
                               </m:sSup>
                               <m:r>
                                 <a:rPr lang="fr-FR" i="1">
+                                  <a:solidFill>
+                                    <a:srgbClr val="FF0000"/>
+                                  </a:solidFill>
                                   <a:latin typeface="Cambria Math" panose="02040503050406030204" pitchFamily="18" charset="0"/>
                                 </a:rPr>
                                 <m:t>−</m:t>
@@ -30904,6 +29703,9 @@
                                 <m:sSubPr>
                                   <m:ctrlPr>
                                     <a:rPr lang="fr-FR" i="1">
+                                      <a:solidFill>
+                                        <a:srgbClr val="FF0000"/>
+                                      </a:solidFill>
                                       <a:latin typeface="Cambria Math" panose="02040503050406030204" pitchFamily="18" charset="0"/>
                                     </a:rPr>
                                   </m:ctrlPr>
@@ -30911,12 +29713,18 @@
                                 <m:e>
                                   <m:r>
                                     <a:rPr lang="fr-FR" i="1">
+                                      <a:solidFill>
+                                        <a:srgbClr val="FF0000"/>
+                                      </a:solidFill>
                                       <a:latin typeface="Cambria Math" panose="02040503050406030204" pitchFamily="18" charset="0"/>
                                     </a:rPr>
                                     <m:t>4</m:t>
                                   </m:r>
                                   <m:r>
                                     <a:rPr lang="fr-FR" i="1">
+                                      <a:solidFill>
+                                        <a:srgbClr val="FF0000"/>
+                                      </a:solidFill>
                                       <a:latin typeface="Cambria Math" panose="02040503050406030204" pitchFamily="18" charset="0"/>
                                     </a:rPr>
                                     <m:t>𝐷</m:t>
@@ -30925,6 +29733,9 @@
                                 <m:sub>
                                   <m:r>
                                     <a:rPr lang="fr-FR" i="1">
+                                      <a:solidFill>
+                                        <a:srgbClr val="FF0000"/>
+                                      </a:solidFill>
                                       <a:latin typeface="Cambria Math" panose="02040503050406030204" pitchFamily="18" charset="0"/>
                                     </a:rPr>
                                     <m:t>𝑒𝑓𝑓</m:t>
@@ -30961,7 +29772,7 @@
             <p:spPr>
               <a:xfrm>
                 <a:off x="1996478" y="991510"/>
-                <a:ext cx="7158755" cy="631840"/>
+                <a:ext cx="7473007" cy="633891"/>
               </a:xfrm>
               <a:prstGeom prst="rect">
                 <a:avLst/>
@@ -30969,7 +29780,7 @@
               <a:blipFill>
                 <a:blip r:embed="rId2"/>
                 <a:stretch>
-                  <a:fillRect b="-971"/>
+                  <a:fillRect/>
                 </a:stretch>
               </a:blipFill>
             </p:spPr>
@@ -30988,78 +29799,6 @@
           </p:sp>
         </mc:Fallback>
       </mc:AlternateContent>
-      <p:pic>
-        <p:nvPicPr>
-          <p:cNvPr id="13" name="Picture 12" descr="A graph with different colored lines&#10;&#10;AI-generated content may be incorrect.">
-            <a:extLst>
-              <a:ext uri="{FF2B5EF4-FFF2-40B4-BE49-F238E27FC236}">
-                <a16:creationId xmlns:a16="http://schemas.microsoft.com/office/drawing/2014/main" id="{419696E6-B824-48E8-3557-8146E42E4256}"/>
-              </a:ext>
-            </a:extLst>
-          </p:cNvPr>
-          <p:cNvPicPr>
-            <a:picLocks noChangeAspect="1"/>
-          </p:cNvPicPr>
-          <p:nvPr/>
-        </p:nvPicPr>
-        <p:blipFill>
-          <a:blip r:embed="rId3">
-            <a:extLst>
-              <a:ext uri="{28A0092B-C50C-407E-A947-70E740481C1C}">
-                <a14:useLocalDpi xmlns:a14="http://schemas.microsoft.com/office/drawing/2010/main" val="0"/>
-              </a:ext>
-            </a:extLst>
-          </a:blip>
-          <a:stretch>
-            <a:fillRect/>
-          </a:stretch>
-        </p:blipFill>
-        <p:spPr>
-          <a:xfrm>
-            <a:off x="458793" y="2299245"/>
-            <a:ext cx="5637204" cy="4227903"/>
-          </a:xfrm>
-          <a:prstGeom prst="rect">
-            <a:avLst/>
-          </a:prstGeom>
-        </p:spPr>
-      </p:pic>
-      <p:pic>
-        <p:nvPicPr>
-          <p:cNvPr id="15" name="Picture 14" descr="A graph with different colored lines&#10;&#10;AI-generated content may be incorrect.">
-            <a:extLst>
-              <a:ext uri="{FF2B5EF4-FFF2-40B4-BE49-F238E27FC236}">
-                <a16:creationId xmlns:a16="http://schemas.microsoft.com/office/drawing/2014/main" id="{56AA2CCE-2CE0-7B0A-AC79-BE4AD48986CA}"/>
-              </a:ext>
-            </a:extLst>
-          </p:cNvPr>
-          <p:cNvPicPr>
-            <a:picLocks noChangeAspect="1"/>
-          </p:cNvPicPr>
-          <p:nvPr/>
-        </p:nvPicPr>
-        <p:blipFill>
-          <a:blip r:embed="rId4">
-            <a:extLst>
-              <a:ext uri="{28A0092B-C50C-407E-A947-70E740481C1C}">
-                <a14:useLocalDpi xmlns:a14="http://schemas.microsoft.com/office/drawing/2010/main" val="0"/>
-              </a:ext>
-            </a:extLst>
-          </a:blip>
-          <a:stretch>
-            <a:fillRect/>
-          </a:stretch>
-        </p:blipFill>
-        <p:spPr>
-          <a:xfrm>
-            <a:off x="6095996" y="2299245"/>
-            <a:ext cx="5637203" cy="4227902"/>
-          </a:xfrm>
-          <a:prstGeom prst="rect">
-            <a:avLst/>
-          </a:prstGeom>
-        </p:spPr>
-      </p:pic>
     </p:spTree>
     <p:extLst>
       <p:ext uri="{BB962C8B-B14F-4D97-AF65-F5344CB8AC3E}">
@@ -31506,14 +30245,20 @@
                         <m:t>+</m:t>
                       </m:r>
                       <m:r>
-                        <a:rPr lang="fr-FR" sz="1600" i="1">
+                        <a:rPr lang="fr-FR" sz="1600" i="1" smtClean="0">
+                          <a:solidFill>
+                            <a:schemeClr val="accent1"/>
+                          </a:solidFill>
                           <a:latin typeface="Cambria Math" panose="02040503050406030204" pitchFamily="18" charset="0"/>
                           <a:ea typeface="Cambria Math" panose="02040503050406030204" pitchFamily="18" charset="0"/>
                         </a:rPr>
                         <m:t>∆</m:t>
                       </m:r>
                       <m:r>
-                        <a:rPr lang="fr-FR" sz="1600" i="1">
+                        <a:rPr lang="fr-FR" sz="1600" i="1" smtClean="0">
+                          <a:solidFill>
+                            <a:schemeClr val="accent1"/>
+                          </a:solidFill>
                           <a:latin typeface="Cambria Math" panose="02040503050406030204" pitchFamily="18" charset="0"/>
                           <a:ea typeface="Cambria Math" panose="02040503050406030204" pitchFamily="18" charset="0"/>
                         </a:rPr>
@@ -32216,24 +30961,6 @@
                               </m:ctrlPr>
                             </m:dPr>
                             <m:e>
-                              <m:r>
-                                <a:rPr lang="fr-FR" sz="1600" i="1">
-                                  <a:solidFill>
-                                    <a:srgbClr val="FF0000"/>
-                                  </a:solidFill>
-                                  <a:latin typeface="Cambria Math" panose="02040503050406030204" pitchFamily="18" charset="0"/>
-                                </a:rPr>
-                                <m:t>𝑟</m:t>
-                              </m:r>
-                              <m:r>
-                                <a:rPr lang="fr-FR" sz="1600" i="1">
-                                  <a:solidFill>
-                                    <a:srgbClr val="FF0000"/>
-                                  </a:solidFill>
-                                  <a:latin typeface="Cambria Math" panose="02040503050406030204" pitchFamily="18" charset="0"/>
-                                </a:rPr>
-                                <m:t>²</m:t>
-                              </m:r>
                               <m:f>
                                 <m:fPr>
                                   <m:ctrlPr>
@@ -32246,14 +30973,66 @@
                                   </m:ctrlPr>
                                 </m:fPr>
                                 <m:num>
-                                  <m:r>
-                                    <a:rPr lang="fr-FR" sz="1600" i="1">
+                                  <m:sSup>
+                                    <m:sSupPr>
+                                      <m:ctrlPr>
+                                        <a:rPr lang="fr-FR" sz="1600" i="1">
+                                          <a:solidFill>
+                                            <a:srgbClr val="FF0000"/>
+                                          </a:solidFill>
+                                          <a:latin typeface="Cambria Math" panose="02040503050406030204" pitchFamily="18" charset="0"/>
+                                        </a:rPr>
+                                      </m:ctrlPr>
+                                    </m:sSupPr>
+                                    <m:e>
+                                      <m:r>
+                                        <a:rPr lang="fr-FR" sz="1600" i="1">
+                                          <a:solidFill>
+                                            <a:srgbClr val="FF0000"/>
+                                          </a:solidFill>
+                                          <a:latin typeface="Cambria Math" panose="02040503050406030204" pitchFamily="18" charset="0"/>
+                                        </a:rPr>
+                                        <m:t>𝑟</m:t>
+                                      </m:r>
+                                    </m:e>
+                                    <m:sup>
+                                      <m:r>
+                                        <a:rPr lang="fr-FR" sz="1600" i="1">
+                                          <a:solidFill>
+                                            <a:srgbClr val="FF0000"/>
+                                          </a:solidFill>
+                                          <a:latin typeface="Cambria Math" panose="02040503050406030204" pitchFamily="18" charset="0"/>
+                                        </a:rPr>
+                                        <m:t>2</m:t>
+                                      </m:r>
+                                    </m:sup>
+                                  </m:sSup>
+                                  <m:r>
+                                    <a:rPr lang="fr-FR" sz="1600" b="0" i="1" smtClean="0">
                                       <a:solidFill>
                                         <a:srgbClr val="FF0000"/>
                                       </a:solidFill>
                                       <a:latin typeface="Cambria Math" panose="02040503050406030204" pitchFamily="18" charset="0"/>
                                     </a:rPr>
-                                    <m:t>1</m:t>
+                                    <m:t>+</m:t>
+                                  </m:r>
+                                  <m:r>
+                                    <a:rPr lang="fr-FR" sz="1600" b="0" i="1" smtClean="0">
+                                      <a:solidFill>
+                                        <a:srgbClr val="FF0000"/>
+                                      </a:solidFill>
+                                      <a:latin typeface="Cambria Math" panose="02040503050406030204" pitchFamily="18" charset="0"/>
+                                    </a:rPr>
+                                    <m:t>𝑅</m:t>
+                                  </m:r>
+                                  <m:r>
+                                    <a:rPr lang="fr-FR" sz="1600" b="0" i="1" smtClean="0">
+                                      <a:solidFill>
+                                        <a:srgbClr val="FF0000"/>
+                                      </a:solidFill>
+                                      <a:latin typeface="Cambria Math" panose="02040503050406030204" pitchFamily="18" charset="0"/>
+                                    </a:rPr>
+                                    <m:t>²</m:t>
                                   </m:r>
                                 </m:num>
                                 <m:den>
@@ -33214,7 +31993,7 @@
                       <m:r>
                         <a:rPr lang="fr-FR" sz="1400" i="1" smtClean="0">
                           <a:solidFill>
-                            <a:srgbClr val="FF0000"/>
+                            <a:schemeClr val="tx1"/>
                           </a:solidFill>
                           <a:latin typeface="Cambria Math" panose="02040503050406030204" pitchFamily="18" charset="0"/>
                           <a:ea typeface="Cambria Math" panose="02040503050406030204" pitchFamily="18" charset="0"/>
@@ -33223,9 +32002,9 @@
                         <m:t>+</m:t>
                       </m:r>
                       <m:r>
-                        <a:rPr lang="fr-FR" sz="1400" i="1">
+                        <a:rPr lang="fr-FR" sz="1400" i="1" smtClean="0">
                           <a:solidFill>
-                            <a:srgbClr val="FF0000"/>
+                            <a:schemeClr val="accent1"/>
                           </a:solidFill>
                           <a:latin typeface="Cambria Math" panose="02040503050406030204" pitchFamily="18" charset="0"/>
                           <a:ea typeface="Cambria Math" panose="02040503050406030204" pitchFamily="18" charset="0"/>
@@ -33233,9 +32012,9 @@
                         <m:t>∆</m:t>
                       </m:r>
                       <m:r>
-                        <a:rPr lang="fr-FR" sz="1400" i="1">
+                        <a:rPr lang="fr-FR" sz="1400" i="1" smtClean="0">
                           <a:solidFill>
-                            <a:srgbClr val="FF0000"/>
+                            <a:schemeClr val="accent1"/>
                           </a:solidFill>
                           <a:latin typeface="Cambria Math" panose="02040503050406030204" pitchFamily="18" charset="0"/>
                           <a:ea typeface="Cambria Math" panose="02040503050406030204" pitchFamily="18" charset="0"/>
@@ -33466,24 +32245,6 @@
                           </m:ctrlPr>
                         </m:dPr>
                         <m:e>
-                          <m:r>
-                            <a:rPr lang="fr-FR" sz="1400" i="1">
-                              <a:solidFill>
-                                <a:srgbClr val="FF0000"/>
-                              </a:solidFill>
-                              <a:latin typeface="Cambria Math" panose="02040503050406030204" pitchFamily="18" charset="0"/>
-                            </a:rPr>
-                            <m:t>𝑟</m:t>
-                          </m:r>
-                          <m:r>
-                            <a:rPr lang="fr-FR" sz="1400" i="1">
-                              <a:solidFill>
-                                <a:srgbClr val="FF0000"/>
-                              </a:solidFill>
-                              <a:latin typeface="Cambria Math" panose="02040503050406030204" pitchFamily="18" charset="0"/>
-                            </a:rPr>
-                            <m:t>²</m:t>
-                          </m:r>
                           <m:f>
                             <m:fPr>
                               <m:ctrlPr>
@@ -33496,14 +32257,66 @@
                               </m:ctrlPr>
                             </m:fPr>
                             <m:num>
-                              <m:r>
-                                <a:rPr lang="fr-FR" sz="1400" i="1">
+                              <m:sSup>
+                                <m:sSupPr>
+                                  <m:ctrlPr>
+                                    <a:rPr lang="fr-FR" sz="1400" i="1">
+                                      <a:solidFill>
+                                        <a:srgbClr val="FF0000"/>
+                                      </a:solidFill>
+                                      <a:latin typeface="Cambria Math" panose="02040503050406030204" pitchFamily="18" charset="0"/>
+                                    </a:rPr>
+                                  </m:ctrlPr>
+                                </m:sSupPr>
+                                <m:e>
+                                  <m:r>
+                                    <a:rPr lang="fr-FR" sz="1400" i="1">
+                                      <a:solidFill>
+                                        <a:srgbClr val="FF0000"/>
+                                      </a:solidFill>
+                                      <a:latin typeface="Cambria Math" panose="02040503050406030204" pitchFamily="18" charset="0"/>
+                                    </a:rPr>
+                                    <m:t>𝑟</m:t>
+                                  </m:r>
+                                </m:e>
+                                <m:sup>
+                                  <m:r>
+                                    <a:rPr lang="fr-FR" sz="1400" i="1">
+                                      <a:solidFill>
+                                        <a:srgbClr val="FF0000"/>
+                                      </a:solidFill>
+                                      <a:latin typeface="Cambria Math" panose="02040503050406030204" pitchFamily="18" charset="0"/>
+                                    </a:rPr>
+                                    <m:t>2</m:t>
+                                  </m:r>
+                                </m:sup>
+                              </m:sSup>
+                              <m:r>
+                                <a:rPr lang="fr-FR" sz="1400" b="0" i="1" smtClean="0">
                                   <a:solidFill>
                                     <a:srgbClr val="FF0000"/>
                                   </a:solidFill>
                                   <a:latin typeface="Cambria Math" panose="02040503050406030204" pitchFamily="18" charset="0"/>
                                 </a:rPr>
-                                <m:t>1</m:t>
+                                <m:t>+</m:t>
+                              </m:r>
+                              <m:r>
+                                <a:rPr lang="fr-FR" sz="1400" b="0" i="1" smtClean="0">
+                                  <a:solidFill>
+                                    <a:srgbClr val="FF0000"/>
+                                  </a:solidFill>
+                                  <a:latin typeface="Cambria Math" panose="02040503050406030204" pitchFamily="18" charset="0"/>
+                                </a:rPr>
+                                <m:t>𝑅</m:t>
+                              </m:r>
+                              <m:r>
+                                <a:rPr lang="fr-FR" sz="1400" b="0" i="1" smtClean="0">
+                                  <a:solidFill>
+                                    <a:srgbClr val="FF0000"/>
+                                  </a:solidFill>
+                                  <a:latin typeface="Cambria Math" panose="02040503050406030204" pitchFamily="18" charset="0"/>
+                                </a:rPr>
+                                <m:t>²</m:t>
                               </m:r>
                             </m:num>
                             <m:den>
@@ -33720,8 +32533,8 @@
           </p:sp>
         </mc:Fallback>
       </mc:AlternateContent>
-      <mc:AlternateContent xmlns:mc="http://schemas.openxmlformats.org/markup-compatibility/2006">
-        <mc:Choice xmlns:a14="http://schemas.microsoft.com/office/drawing/2010/main" Requires="a14">
+      <mc:AlternateContent xmlns:mc="http://schemas.openxmlformats.org/markup-compatibility/2006" xmlns:a14="http://schemas.microsoft.com/office/drawing/2010/main">
+        <mc:Choice Requires="a14">
           <p:sp>
             <p:nvSpPr>
               <p:cNvPr id="31" name="TextBox 30">
@@ -34197,7 +33010,7 @@
             </p:txBody>
           </p:sp>
         </mc:Choice>
-        <mc:Fallback>
+        <mc:Fallback xmlns="">
           <p:sp>
             <p:nvSpPr>
               <p:cNvPr id="31" name="TextBox 30">
@@ -34945,7 +33758,7 @@
                       <m:r>
                         <a:rPr lang="fr-FR" sz="1400" i="1" smtClean="0">
                           <a:solidFill>
-                            <a:srgbClr val="FF0000"/>
+                            <a:schemeClr val="tx1"/>
                           </a:solidFill>
                           <a:latin typeface="Cambria Math" panose="02040503050406030204" pitchFamily="18" charset="0"/>
                           <a:ea typeface="Cambria Math" panose="02040503050406030204" pitchFamily="18" charset="0"/>
@@ -34954,9 +33767,9 @@
                         <m:t>+</m:t>
                       </m:r>
                       <m:r>
-                        <a:rPr lang="fr-FR" sz="1400" i="1">
+                        <a:rPr lang="fr-FR" sz="1400" i="1" smtClean="0">
                           <a:solidFill>
-                            <a:srgbClr val="FF0000"/>
+                            <a:schemeClr val="accent1"/>
                           </a:solidFill>
                           <a:latin typeface="Cambria Math" panose="02040503050406030204" pitchFamily="18" charset="0"/>
                           <a:ea typeface="Cambria Math" panose="02040503050406030204" pitchFamily="18" charset="0"/>
@@ -34964,9 +33777,9 @@
                         <m:t>∆</m:t>
                       </m:r>
                       <m:r>
-                        <a:rPr lang="fr-FR" sz="1400" i="1">
+                        <a:rPr lang="fr-FR" sz="1400" i="1" smtClean="0">
                           <a:solidFill>
-                            <a:srgbClr val="FF0000"/>
+                            <a:schemeClr val="accent1"/>
                           </a:solidFill>
                           <a:latin typeface="Cambria Math" panose="02040503050406030204" pitchFamily="18" charset="0"/>
                           <a:ea typeface="Cambria Math" panose="02040503050406030204" pitchFamily="18" charset="0"/>
@@ -35197,24 +34010,6 @@
                           </m:ctrlPr>
                         </m:dPr>
                         <m:e>
-                          <m:r>
-                            <a:rPr lang="fr-FR" sz="1400" i="1">
-                              <a:solidFill>
-                                <a:srgbClr val="FF0000"/>
-                              </a:solidFill>
-                              <a:latin typeface="Cambria Math" panose="02040503050406030204" pitchFamily="18" charset="0"/>
-                            </a:rPr>
-                            <m:t>𝑟</m:t>
-                          </m:r>
-                          <m:r>
-                            <a:rPr lang="fr-FR" sz="1400" i="1">
-                              <a:solidFill>
-                                <a:srgbClr val="FF0000"/>
-                              </a:solidFill>
-                              <a:latin typeface="Cambria Math" panose="02040503050406030204" pitchFamily="18" charset="0"/>
-                            </a:rPr>
-                            <m:t>²</m:t>
-                          </m:r>
                           <m:f>
                             <m:fPr>
                               <m:ctrlPr>
@@ -35227,6 +34022,40 @@
                               </m:ctrlPr>
                             </m:fPr>
                             <m:num>
+                              <m:sSup>
+                                <m:sSupPr>
+                                  <m:ctrlPr>
+                                    <a:rPr lang="fr-FR" sz="1400" i="1">
+                                      <a:solidFill>
+                                        <a:srgbClr val="FF0000"/>
+                                      </a:solidFill>
+                                      <a:latin typeface="Cambria Math" panose="02040503050406030204" pitchFamily="18" charset="0"/>
+                                    </a:rPr>
+                                  </m:ctrlPr>
+                                </m:sSupPr>
+                                <m:e>
+                                  <m:r>
+                                    <a:rPr lang="fr-FR" sz="1400" i="1">
+                                      <a:solidFill>
+                                        <a:srgbClr val="FF0000"/>
+                                      </a:solidFill>
+                                      <a:latin typeface="Cambria Math" panose="02040503050406030204" pitchFamily="18" charset="0"/>
+                                    </a:rPr>
+                                    <m:t>𝑟</m:t>
+                                  </m:r>
+                                </m:e>
+                                <m:sup>
+                                  <m:r>
+                                    <a:rPr lang="fr-FR" sz="1400" i="1">
+                                      <a:solidFill>
+                                        <a:srgbClr val="FF0000"/>
+                                      </a:solidFill>
+                                      <a:latin typeface="Cambria Math" panose="02040503050406030204" pitchFamily="18" charset="0"/>
+                                    </a:rPr>
+                                    <m:t>2</m:t>
+                                  </m:r>
+                                </m:sup>
+                              </m:sSup>
                               <m:r>
                                 <a:rPr lang="fr-FR" sz="1400" i="1">
                                   <a:solidFill>
@@ -35234,7 +34063,25 @@
                                   </a:solidFill>
                                   <a:latin typeface="Cambria Math" panose="02040503050406030204" pitchFamily="18" charset="0"/>
                                 </a:rPr>
-                                <m:t>1</m:t>
+                                <m:t>+</m:t>
+                              </m:r>
+                              <m:r>
+                                <a:rPr lang="fr-FR" sz="1400" i="1">
+                                  <a:solidFill>
+                                    <a:srgbClr val="FF0000"/>
+                                  </a:solidFill>
+                                  <a:latin typeface="Cambria Math" panose="02040503050406030204" pitchFamily="18" charset="0"/>
+                                </a:rPr>
+                                <m:t>𝑅</m:t>
+                              </m:r>
+                              <m:r>
+                                <a:rPr lang="fr-FR" sz="1400" i="1">
+                                  <a:solidFill>
+                                    <a:srgbClr val="FF0000"/>
+                                  </a:solidFill>
+                                  <a:latin typeface="Cambria Math" panose="02040503050406030204" pitchFamily="18" charset="0"/>
+                                </a:rPr>
+                                <m:t>²</m:t>
                               </m:r>
                             </m:num>
                             <m:den>
@@ -35467,8 +34314,8 @@
             </p:nvSpPr>
             <p:spPr>
               <a:xfrm>
-                <a:off x="245763" y="3931352"/>
-                <a:ext cx="11603600" cy="492443"/>
+                <a:off x="245762" y="3931352"/>
+                <a:ext cx="11874767" cy="492892"/>
               </a:xfrm>
               <a:prstGeom prst="rect">
                 <a:avLst/>
@@ -36154,7 +35001,7 @@
                       <m:r>
                         <a:rPr lang="fr-FR" sz="1400" i="1" smtClean="0">
                           <a:solidFill>
-                            <a:srgbClr val="FF0000"/>
+                            <a:schemeClr val="tx1"/>
                           </a:solidFill>
                           <a:latin typeface="Cambria Math" panose="02040503050406030204" pitchFamily="18" charset="0"/>
                           <a:ea typeface="Cambria Math" panose="02040503050406030204" pitchFamily="18" charset="0"/>
@@ -36163,9 +35010,9 @@
                         <m:t>+</m:t>
                       </m:r>
                       <m:r>
-                        <a:rPr lang="fr-FR" sz="1400" i="1">
+                        <a:rPr lang="fr-FR" sz="1400" i="1" smtClean="0">
                           <a:solidFill>
-                            <a:srgbClr val="FF0000"/>
+                            <a:schemeClr val="accent1"/>
                           </a:solidFill>
                           <a:latin typeface="Cambria Math" panose="02040503050406030204" pitchFamily="18" charset="0"/>
                           <a:ea typeface="Cambria Math" panose="02040503050406030204" pitchFamily="18" charset="0"/>
@@ -36173,9 +35020,9 @@
                         <m:t>∆</m:t>
                       </m:r>
                       <m:r>
-                        <a:rPr lang="fr-FR" sz="1400" i="1">
+                        <a:rPr lang="fr-FR" sz="1400" i="1" smtClean="0">
                           <a:solidFill>
-                            <a:srgbClr val="FF0000"/>
+                            <a:schemeClr val="accent1"/>
                           </a:solidFill>
                           <a:latin typeface="Cambria Math" panose="02040503050406030204" pitchFamily="18" charset="0"/>
                           <a:ea typeface="Cambria Math" panose="02040503050406030204" pitchFamily="18" charset="0"/>
@@ -36406,24 +35253,6 @@
                           </m:ctrlPr>
                         </m:dPr>
                         <m:e>
-                          <m:r>
-                            <a:rPr lang="fr-FR" sz="1400" i="1">
-                              <a:solidFill>
-                                <a:srgbClr val="FF0000"/>
-                              </a:solidFill>
-                              <a:latin typeface="Cambria Math" panose="02040503050406030204" pitchFamily="18" charset="0"/>
-                            </a:rPr>
-                            <m:t>𝑟</m:t>
-                          </m:r>
-                          <m:r>
-                            <a:rPr lang="fr-FR" sz="1400" i="1">
-                              <a:solidFill>
-                                <a:srgbClr val="FF0000"/>
-                              </a:solidFill>
-                              <a:latin typeface="Cambria Math" panose="02040503050406030204" pitchFamily="18" charset="0"/>
-                            </a:rPr>
-                            <m:t>²</m:t>
-                          </m:r>
                           <m:f>
                             <m:fPr>
                               <m:ctrlPr>
@@ -36436,6 +35265,40 @@
                               </m:ctrlPr>
                             </m:fPr>
                             <m:num>
+                              <m:sSup>
+                                <m:sSupPr>
+                                  <m:ctrlPr>
+                                    <a:rPr lang="fr-FR" sz="1400" i="1">
+                                      <a:solidFill>
+                                        <a:srgbClr val="FF0000"/>
+                                      </a:solidFill>
+                                      <a:latin typeface="Cambria Math" panose="02040503050406030204" pitchFamily="18" charset="0"/>
+                                    </a:rPr>
+                                  </m:ctrlPr>
+                                </m:sSupPr>
+                                <m:e>
+                                  <m:r>
+                                    <a:rPr lang="fr-FR" sz="1400" i="1">
+                                      <a:solidFill>
+                                        <a:srgbClr val="FF0000"/>
+                                      </a:solidFill>
+                                      <a:latin typeface="Cambria Math" panose="02040503050406030204" pitchFamily="18" charset="0"/>
+                                    </a:rPr>
+                                    <m:t>𝑟</m:t>
+                                  </m:r>
+                                </m:e>
+                                <m:sup>
+                                  <m:r>
+                                    <a:rPr lang="fr-FR" sz="1400" i="1">
+                                      <a:solidFill>
+                                        <a:srgbClr val="FF0000"/>
+                                      </a:solidFill>
+                                      <a:latin typeface="Cambria Math" panose="02040503050406030204" pitchFamily="18" charset="0"/>
+                                    </a:rPr>
+                                    <m:t>2</m:t>
+                                  </m:r>
+                                </m:sup>
+                              </m:sSup>
                               <m:r>
                                 <a:rPr lang="fr-FR" sz="1400" i="1">
                                   <a:solidFill>
@@ -36443,7 +35306,25 @@
                                   </a:solidFill>
                                   <a:latin typeface="Cambria Math" panose="02040503050406030204" pitchFamily="18" charset="0"/>
                                 </a:rPr>
-                                <m:t>1</m:t>
+                                <m:t>+</m:t>
+                              </m:r>
+                              <m:r>
+                                <a:rPr lang="fr-FR" sz="1400" i="1">
+                                  <a:solidFill>
+                                    <a:srgbClr val="FF0000"/>
+                                  </a:solidFill>
+                                  <a:latin typeface="Cambria Math" panose="02040503050406030204" pitchFamily="18" charset="0"/>
+                                </a:rPr>
+                                <m:t>𝑅</m:t>
+                              </m:r>
+                              <m:r>
+                                <a:rPr lang="fr-FR" sz="1400" i="1">
+                                  <a:solidFill>
+                                    <a:srgbClr val="FF0000"/>
+                                  </a:solidFill>
+                                  <a:latin typeface="Cambria Math" panose="02040503050406030204" pitchFamily="18" charset="0"/>
+                                </a:rPr>
+                                <m:t>²</m:t>
                               </m:r>
                             </m:num>
                             <m:den>
@@ -36632,8 +35513,8 @@
             </p:nvSpPr>
             <p:spPr>
               <a:xfrm>
-                <a:off x="245763" y="3931352"/>
-                <a:ext cx="11603600" cy="492443"/>
+                <a:off x="245762" y="3931352"/>
+                <a:ext cx="11874767" cy="492892"/>
               </a:xfrm>
               <a:prstGeom prst="rect">
                 <a:avLst/>
@@ -36677,7 +35558,7 @@
             <p:spPr>
               <a:xfrm>
                 <a:off x="233328" y="4470652"/>
-                <a:ext cx="11723240" cy="492443"/>
+                <a:ext cx="11958672" cy="492892"/>
               </a:xfrm>
               <a:prstGeom prst="rect">
                 <a:avLst/>
@@ -37363,7 +36244,7 @@
                       <m:r>
                         <a:rPr lang="fr-FR" sz="1400" i="1" smtClean="0">
                           <a:solidFill>
-                            <a:srgbClr val="FF0000"/>
+                            <a:schemeClr val="tx1"/>
                           </a:solidFill>
                           <a:latin typeface="Cambria Math" panose="02040503050406030204" pitchFamily="18" charset="0"/>
                           <a:ea typeface="Cambria Math" panose="02040503050406030204" pitchFamily="18" charset="0"/>
@@ -37372,9 +36253,9 @@
                         <m:t>+</m:t>
                       </m:r>
                       <m:r>
-                        <a:rPr lang="fr-FR" sz="1400" i="1">
+                        <a:rPr lang="fr-FR" sz="1400" i="1" smtClean="0">
                           <a:solidFill>
-                            <a:srgbClr val="FF0000"/>
+                            <a:schemeClr val="accent1"/>
                           </a:solidFill>
                           <a:latin typeface="Cambria Math" panose="02040503050406030204" pitchFamily="18" charset="0"/>
                           <a:ea typeface="Cambria Math" panose="02040503050406030204" pitchFamily="18" charset="0"/>
@@ -37382,9 +36263,9 @@
                         <m:t>∆</m:t>
                       </m:r>
                       <m:r>
-                        <a:rPr lang="fr-FR" sz="1400" i="1">
+                        <a:rPr lang="fr-FR" sz="1400" i="1" smtClean="0">
                           <a:solidFill>
-                            <a:srgbClr val="FF0000"/>
+                            <a:schemeClr val="accent1"/>
                           </a:solidFill>
                           <a:latin typeface="Cambria Math" panose="02040503050406030204" pitchFamily="18" charset="0"/>
                           <a:ea typeface="Cambria Math" panose="02040503050406030204" pitchFamily="18" charset="0"/>
@@ -37615,24 +36496,6 @@
                           </m:ctrlPr>
                         </m:dPr>
                         <m:e>
-                          <m:r>
-                            <a:rPr lang="fr-FR" sz="1400" i="1">
-                              <a:solidFill>
-                                <a:srgbClr val="FF0000"/>
-                              </a:solidFill>
-                              <a:latin typeface="Cambria Math" panose="02040503050406030204" pitchFamily="18" charset="0"/>
-                            </a:rPr>
-                            <m:t>𝑟</m:t>
-                          </m:r>
-                          <m:r>
-                            <a:rPr lang="fr-FR" sz="1400" i="1">
-                              <a:solidFill>
-                                <a:srgbClr val="FF0000"/>
-                              </a:solidFill>
-                              <a:latin typeface="Cambria Math" panose="02040503050406030204" pitchFamily="18" charset="0"/>
-                            </a:rPr>
-                            <m:t>²</m:t>
-                          </m:r>
                           <m:f>
                             <m:fPr>
                               <m:ctrlPr>
@@ -37645,6 +36508,40 @@
                               </m:ctrlPr>
                             </m:fPr>
                             <m:num>
+                              <m:sSup>
+                                <m:sSupPr>
+                                  <m:ctrlPr>
+                                    <a:rPr lang="fr-FR" sz="1400" i="1">
+                                      <a:solidFill>
+                                        <a:srgbClr val="FF0000"/>
+                                      </a:solidFill>
+                                      <a:latin typeface="Cambria Math" panose="02040503050406030204" pitchFamily="18" charset="0"/>
+                                    </a:rPr>
+                                  </m:ctrlPr>
+                                </m:sSupPr>
+                                <m:e>
+                                  <m:r>
+                                    <a:rPr lang="fr-FR" sz="1400" i="1">
+                                      <a:solidFill>
+                                        <a:srgbClr val="FF0000"/>
+                                      </a:solidFill>
+                                      <a:latin typeface="Cambria Math" panose="02040503050406030204" pitchFamily="18" charset="0"/>
+                                    </a:rPr>
+                                    <m:t>𝑟</m:t>
+                                  </m:r>
+                                </m:e>
+                                <m:sup>
+                                  <m:r>
+                                    <a:rPr lang="fr-FR" sz="1400" i="1">
+                                      <a:solidFill>
+                                        <a:srgbClr val="FF0000"/>
+                                      </a:solidFill>
+                                      <a:latin typeface="Cambria Math" panose="02040503050406030204" pitchFamily="18" charset="0"/>
+                                    </a:rPr>
+                                    <m:t>2</m:t>
+                                  </m:r>
+                                </m:sup>
+                              </m:sSup>
                               <m:r>
                                 <a:rPr lang="fr-FR" sz="1400" i="1">
                                   <a:solidFill>
@@ -37652,7 +36549,25 @@
                                   </a:solidFill>
                                   <a:latin typeface="Cambria Math" panose="02040503050406030204" pitchFamily="18" charset="0"/>
                                 </a:rPr>
-                                <m:t>1</m:t>
+                                <m:t>+</m:t>
+                              </m:r>
+                              <m:r>
+                                <a:rPr lang="fr-FR" sz="1400" i="1">
+                                  <a:solidFill>
+                                    <a:srgbClr val="FF0000"/>
+                                  </a:solidFill>
+                                  <a:latin typeface="Cambria Math" panose="02040503050406030204" pitchFamily="18" charset="0"/>
+                                </a:rPr>
+                                <m:t>𝑅</m:t>
+                              </m:r>
+                              <m:r>
+                                <a:rPr lang="fr-FR" sz="1400" i="1">
+                                  <a:solidFill>
+                                    <a:srgbClr val="FF0000"/>
+                                  </a:solidFill>
+                                  <a:latin typeface="Cambria Math" panose="02040503050406030204" pitchFamily="18" charset="0"/>
+                                </a:rPr>
+                                <m:t>²</m:t>
                               </m:r>
                             </m:num>
                             <m:den>
@@ -37842,7 +36757,7 @@
             <p:spPr>
               <a:xfrm>
                 <a:off x="233328" y="4470652"/>
-                <a:ext cx="11723240" cy="492443"/>
+                <a:ext cx="11958672" cy="492892"/>
               </a:xfrm>
               <a:prstGeom prst="rect">
                 <a:avLst/>
@@ -37885,8 +36800,8 @@
             </p:nvSpPr>
             <p:spPr>
               <a:xfrm>
-                <a:off x="101598" y="5035016"/>
-                <a:ext cx="1821795" cy="255391"/>
+                <a:off x="233328" y="5035016"/>
+                <a:ext cx="2928970" cy="276679"/>
               </a:xfrm>
               <a:prstGeom prst="rect">
                 <a:avLst/>
@@ -37903,7 +36818,7 @@
                 <a14:m>
                   <m:oMathPara xmlns:m="http://schemas.openxmlformats.org/officeDocument/2006/math">
                     <m:oMathParaPr>
-                      <m:jc m:val="centerGroup"/>
+                      <m:jc m:val="left"/>
                     </m:oMathParaPr>
                     <m:oMath xmlns:m="http://schemas.openxmlformats.org/officeDocument/2006/math">
                       <m:sSubSup>
@@ -37988,6 +36903,87 @@
                           </m:r>
                         </m:sub>
                       </m:sSub>
+                      <m:r>
+                        <a:rPr lang="fr-FR" sz="1600" b="0" i="1" smtClean="0">
+                          <a:latin typeface="Cambria Math" panose="02040503050406030204" pitchFamily="18" charset="0"/>
+                          <a:ea typeface="Cambria Math" panose="02040503050406030204" pitchFamily="18" charset="0"/>
+                        </a:rPr>
+                        <m:t>∙</m:t>
+                      </m:r>
+                      <m:r>
+                        <m:rPr>
+                          <m:sty m:val="p"/>
+                        </m:rPr>
+                        <a:rPr lang="fr-FR" sz="1600" b="0" i="0" smtClean="0">
+                          <a:latin typeface="Cambria Math" panose="02040503050406030204" pitchFamily="18" charset="0"/>
+                          <a:ea typeface="Cambria Math" panose="02040503050406030204" pitchFamily="18" charset="0"/>
+                        </a:rPr>
+                        <m:t>exp</m:t>
+                      </m:r>
+                      <m:r>
+                        <a:rPr lang="fr-FR" sz="1600" b="0" i="1" smtClean="0">
+                          <a:latin typeface="Cambria Math" panose="02040503050406030204" pitchFamily="18" charset="0"/>
+                          <a:ea typeface="Cambria Math" panose="02040503050406030204" pitchFamily="18" charset="0"/>
+                        </a:rPr>
+                        <m:t>⁡(</m:t>
+                      </m:r>
+                      <m:f>
+                        <m:fPr>
+                          <m:type m:val="lin"/>
+                          <m:ctrlPr>
+                            <a:rPr lang="fr-FR" sz="1600" b="0" i="1" smtClean="0">
+                              <a:latin typeface="Cambria Math" panose="02040503050406030204" pitchFamily="18" charset="0"/>
+                              <a:ea typeface="Cambria Math" panose="02040503050406030204" pitchFamily="18" charset="0"/>
+                            </a:rPr>
+                          </m:ctrlPr>
+                        </m:fPr>
+                        <m:num>
+                          <m:r>
+                            <a:rPr lang="fr-FR" sz="1600" b="0" i="1" smtClean="0">
+                              <a:latin typeface="Cambria Math" panose="02040503050406030204" pitchFamily="18" charset="0"/>
+                              <a:ea typeface="Cambria Math" panose="02040503050406030204" pitchFamily="18" charset="0"/>
+                            </a:rPr>
+                            <m:t>𝑡</m:t>
+                          </m:r>
+                        </m:num>
+                        <m:den>
+                          <m:sSub>
+                            <m:sSubPr>
+                              <m:ctrlPr>
+                                <a:rPr lang="fr-FR" sz="1600" b="0" i="1" smtClean="0">
+                                  <a:latin typeface="Cambria Math" panose="02040503050406030204" pitchFamily="18" charset="0"/>
+                                  <a:ea typeface="Cambria Math" panose="02040503050406030204" pitchFamily="18" charset="0"/>
+                                </a:rPr>
+                              </m:ctrlPr>
+                            </m:sSubPr>
+                            <m:e>
+                              <m:r>
+                                <a:rPr lang="fr-FR" sz="1600" b="0" i="1" smtClean="0">
+                                  <a:latin typeface="Cambria Math" panose="02040503050406030204" pitchFamily="18" charset="0"/>
+                                  <a:ea typeface="Cambria Math" panose="02040503050406030204" pitchFamily="18" charset="0"/>
+                                </a:rPr>
+                                <m:t>𝑡</m:t>
+                              </m:r>
+                            </m:e>
+                            <m:sub>
+                              <m:r>
+                                <a:rPr lang="fr-FR" sz="1600" b="0" i="1" smtClean="0">
+                                  <a:latin typeface="Cambria Math" panose="02040503050406030204" pitchFamily="18" charset="0"/>
+                                  <a:ea typeface="Cambria Math" panose="02040503050406030204" pitchFamily="18" charset="0"/>
+                                </a:rPr>
+                                <m:t>𝑓</m:t>
+                              </m:r>
+                            </m:sub>
+                          </m:sSub>
+                        </m:den>
+                      </m:f>
+                      <m:r>
+                        <a:rPr lang="fr-FR" sz="1600" b="0" i="1" smtClean="0">
+                          <a:latin typeface="Cambria Math" panose="02040503050406030204" pitchFamily="18" charset="0"/>
+                          <a:ea typeface="Cambria Math" panose="02040503050406030204" pitchFamily="18" charset="0"/>
+                        </a:rPr>
+                        <m:t>)</m:t>
+                      </m:r>
                     </m:oMath>
                   </m:oMathPara>
                 </a14:m>
@@ -38013,8 +37009,8 @@
             </p:nvSpPr>
             <p:spPr>
               <a:xfrm>
-                <a:off x="101598" y="5035016"/>
-                <a:ext cx="1821795" cy="255391"/>
+                <a:off x="233328" y="5035016"/>
+                <a:ext cx="2928970" cy="276679"/>
               </a:xfrm>
               <a:prstGeom prst="rect">
                 <a:avLst/>
@@ -38022,7 +37018,7 @@
               <a:blipFill>
                 <a:blip r:embed="rId8"/>
                 <a:stretch>
-                  <a:fillRect b="-16667"/>
+                  <a:fillRect l="-2287" t="-140000" r="-624" b="-213333"/>
                 </a:stretch>
               </a:blipFill>
             </p:spPr>

--- a/doc/Rapport_Devoir2.pptx
+++ b/doc/Rapport_Devoir2.pptx
@@ -134,7 +134,7 @@
 <file path=ppt/revisionInfo.xml><?xml version="1.0" encoding="utf-8"?>
 <p1510:revInfo xmlns:a="http://schemas.openxmlformats.org/drawingml/2006/main" xmlns:r="http://schemas.openxmlformats.org/officeDocument/2006/relationships" xmlns:p1510="http://schemas.microsoft.com/office/powerpoint/2015/10/main">
   <p1510:revLst>
-    <p1510:client id="{1D234A9C-22E0-43CD-8D54-3191A7902E4E}" v="1444" dt="2025-02-27T00:52:17.103"/>
+    <p1510:client id="{1D234A9C-22E0-43CD-8D54-3191A7902E4E}" v="1462" dt="2025-02-28T01:46:18.378"/>
   </p1510:revLst>
 </p1510:revInfo>
 </file>
@@ -899,7 +899,7 @@
   <pc:docChgLst>
     <pc:chgData name="François GLEYZON" userId="a2d04f23f7faf3ef" providerId="LiveId" clId="{1D234A9C-22E0-43CD-8D54-3191A7902E4E}"/>
     <pc:docChg chg="undo redo custSel addSld delSld modSld">
-      <pc:chgData name="François GLEYZON" userId="a2d04f23f7faf3ef" providerId="LiveId" clId="{1D234A9C-22E0-43CD-8D54-3191A7902E4E}" dt="2025-02-27T01:03:08.166" v="3623" actId="478"/>
+      <pc:chgData name="François GLEYZON" userId="a2d04f23f7faf3ef" providerId="LiveId" clId="{1D234A9C-22E0-43CD-8D54-3191A7902E4E}" dt="2025-02-28T01:46:25.131" v="3723" actId="1038"/>
       <pc:docMkLst>
         <pc:docMk/>
       </pc:docMkLst>
@@ -1175,38 +1175,6 @@
           <pc:docMk/>
           <pc:sldMk cId="2174773392" sldId="263"/>
         </pc:sldMkLst>
-        <pc:spChg chg="del">
-          <ac:chgData name="François GLEYZON" userId="a2d04f23f7faf3ef" providerId="LiveId" clId="{1D234A9C-22E0-43CD-8D54-3191A7902E4E}" dt="2025-02-26T20:54:16.674" v="3521" actId="478"/>
-          <ac:spMkLst>
-            <pc:docMk/>
-            <pc:sldMk cId="2174773392" sldId="263"/>
-            <ac:spMk id="6" creationId="{51B5442A-C3C4-1A8F-D37A-D5F1A379EC7E}"/>
-          </ac:spMkLst>
-        </pc:spChg>
-        <pc:spChg chg="del">
-          <ac:chgData name="François GLEYZON" userId="a2d04f23f7faf3ef" providerId="LiveId" clId="{1D234A9C-22E0-43CD-8D54-3191A7902E4E}" dt="2025-02-26T20:54:16.674" v="3521" actId="478"/>
-          <ac:spMkLst>
-            <pc:docMk/>
-            <pc:sldMk cId="2174773392" sldId="263"/>
-            <ac:spMk id="10" creationId="{13A11EAD-00C7-DE8C-6393-ABE7B1826CB4}"/>
-          </ac:spMkLst>
-        </pc:spChg>
-        <pc:spChg chg="del">
-          <ac:chgData name="François GLEYZON" userId="a2d04f23f7faf3ef" providerId="LiveId" clId="{1D234A9C-22E0-43CD-8D54-3191A7902E4E}" dt="2025-02-26T20:54:17.844" v="3522" actId="478"/>
-          <ac:spMkLst>
-            <pc:docMk/>
-            <pc:sldMk cId="2174773392" sldId="263"/>
-            <ac:spMk id="15" creationId="{7BDA4E76-F589-4B48-9CFA-A285AB337AE0}"/>
-          </ac:spMkLst>
-        </pc:spChg>
-        <pc:picChg chg="del">
-          <ac:chgData name="François GLEYZON" userId="a2d04f23f7faf3ef" providerId="LiveId" clId="{1D234A9C-22E0-43CD-8D54-3191A7902E4E}" dt="2025-02-26T20:54:16.674" v="3521" actId="478"/>
-          <ac:picMkLst>
-            <pc:docMk/>
-            <pc:sldMk cId="2174773392" sldId="263"/>
-            <ac:picMk id="13" creationId="{EF2EFB49-ED70-4B27-2033-047136B683A5}"/>
-          </ac:picMkLst>
-        </pc:picChg>
       </pc:sldChg>
       <pc:sldChg chg="delSp mod">
         <pc:chgData name="François GLEYZON" userId="a2d04f23f7faf3ef" providerId="LiveId" clId="{1D234A9C-22E0-43CD-8D54-3191A7902E4E}" dt="2025-02-26T20:54:26.404" v="3526" actId="478"/>
@@ -1214,78 +1182,6 @@
           <pc:docMk/>
           <pc:sldMk cId="508563345" sldId="264"/>
         </pc:sldMkLst>
-        <pc:spChg chg="del">
-          <ac:chgData name="François GLEYZON" userId="a2d04f23f7faf3ef" providerId="LiveId" clId="{1D234A9C-22E0-43CD-8D54-3191A7902E4E}" dt="2025-02-26T20:54:26.404" v="3526" actId="478"/>
-          <ac:spMkLst>
-            <pc:docMk/>
-            <pc:sldMk cId="508563345" sldId="264"/>
-            <ac:spMk id="6" creationId="{C0FB229F-7FDE-60BB-7C9D-FA8C75D93FFE}"/>
-          </ac:spMkLst>
-        </pc:spChg>
-        <pc:spChg chg="del">
-          <ac:chgData name="François GLEYZON" userId="a2d04f23f7faf3ef" providerId="LiveId" clId="{1D234A9C-22E0-43CD-8D54-3191A7902E4E}" dt="2025-02-26T20:54:24.334" v="3524" actId="478"/>
-          <ac:spMkLst>
-            <pc:docMk/>
-            <pc:sldMk cId="508563345" sldId="264"/>
-            <ac:spMk id="7" creationId="{70CF15AE-9D08-54F9-6B23-DBA1C0275690}"/>
-          </ac:spMkLst>
-        </pc:spChg>
-        <pc:spChg chg="del">
-          <ac:chgData name="François GLEYZON" userId="a2d04f23f7faf3ef" providerId="LiveId" clId="{1D234A9C-22E0-43CD-8D54-3191A7902E4E}" dt="2025-02-26T20:54:22.558" v="3523" actId="478"/>
-          <ac:spMkLst>
-            <pc:docMk/>
-            <pc:sldMk cId="508563345" sldId="264"/>
-            <ac:spMk id="8" creationId="{3F71D19F-FB6D-FE38-AC51-717B965503B7}"/>
-          </ac:spMkLst>
-        </pc:spChg>
-        <pc:spChg chg="del">
-          <ac:chgData name="François GLEYZON" userId="a2d04f23f7faf3ef" providerId="LiveId" clId="{1D234A9C-22E0-43CD-8D54-3191A7902E4E}" dt="2025-02-26T20:54:25.734" v="3525" actId="478"/>
-          <ac:spMkLst>
-            <pc:docMk/>
-            <pc:sldMk cId="508563345" sldId="264"/>
-            <ac:spMk id="9" creationId="{1A3D098E-C0A1-7DE8-1262-2E4E31F8E4CB}"/>
-          </ac:spMkLst>
-        </pc:spChg>
-        <pc:spChg chg="del">
-          <ac:chgData name="François GLEYZON" userId="a2d04f23f7faf3ef" providerId="LiveId" clId="{1D234A9C-22E0-43CD-8D54-3191A7902E4E}" dt="2025-02-26T20:54:22.558" v="3523" actId="478"/>
-          <ac:spMkLst>
-            <pc:docMk/>
-            <pc:sldMk cId="508563345" sldId="264"/>
-            <ac:spMk id="10" creationId="{1827829A-69C1-05E0-82FC-47D7A4E8CFA8}"/>
-          </ac:spMkLst>
-        </pc:spChg>
-        <pc:spChg chg="del">
-          <ac:chgData name="François GLEYZON" userId="a2d04f23f7faf3ef" providerId="LiveId" clId="{1D234A9C-22E0-43CD-8D54-3191A7902E4E}" dt="2025-02-26T20:54:24.334" v="3524" actId="478"/>
-          <ac:spMkLst>
-            <pc:docMk/>
-            <pc:sldMk cId="508563345" sldId="264"/>
-            <ac:spMk id="11" creationId="{F3FF0ABE-9BDA-8589-BCA2-AC743838ACFC}"/>
-          </ac:spMkLst>
-        </pc:spChg>
-        <pc:spChg chg="del">
-          <ac:chgData name="François GLEYZON" userId="a2d04f23f7faf3ef" providerId="LiveId" clId="{1D234A9C-22E0-43CD-8D54-3191A7902E4E}" dt="2025-02-26T20:54:22.558" v="3523" actId="478"/>
-          <ac:spMkLst>
-            <pc:docMk/>
-            <pc:sldMk cId="508563345" sldId="264"/>
-            <ac:spMk id="12" creationId="{280E63AB-7E7C-412D-9775-611C8F43CE44}"/>
-          </ac:spMkLst>
-        </pc:spChg>
-        <pc:spChg chg="del">
-          <ac:chgData name="François GLEYZON" userId="a2d04f23f7faf3ef" providerId="LiveId" clId="{1D234A9C-22E0-43CD-8D54-3191A7902E4E}" dt="2025-02-26T20:54:22.558" v="3523" actId="478"/>
-          <ac:spMkLst>
-            <pc:docMk/>
-            <pc:sldMk cId="508563345" sldId="264"/>
-            <ac:spMk id="13" creationId="{F2151F1C-7D98-8A07-DABB-9BF880922990}"/>
-          </ac:spMkLst>
-        </pc:spChg>
-        <pc:spChg chg="del">
-          <ac:chgData name="François GLEYZON" userId="a2d04f23f7faf3ef" providerId="LiveId" clId="{1D234A9C-22E0-43CD-8D54-3191A7902E4E}" dt="2025-02-26T20:54:22.558" v="3523" actId="478"/>
-          <ac:spMkLst>
-            <pc:docMk/>
-            <pc:sldMk cId="508563345" sldId="264"/>
-            <ac:spMk id="14" creationId="{E677CC0B-52E0-83B5-C15B-7233C6AD2BA3}"/>
-          </ac:spMkLst>
-        </pc:spChg>
       </pc:sldChg>
       <pc:sldChg chg="addSp delSp modSp mod">
         <pc:chgData name="François GLEYZON" userId="a2d04f23f7faf3ef" providerId="LiveId" clId="{1D234A9C-22E0-43CD-8D54-3191A7902E4E}" dt="2025-02-22T17:48:46.668" v="682" actId="1076"/>
@@ -1550,7 +1446,7 @@
         </pc:cxnChg>
       </pc:sldChg>
       <pc:sldChg chg="addSp delSp modSp add mod">
-        <pc:chgData name="François GLEYZON" userId="a2d04f23f7faf3ef" providerId="LiveId" clId="{1D234A9C-22E0-43CD-8D54-3191A7902E4E}" dt="2025-02-26T23:00:00.644" v="3562" actId="20577"/>
+        <pc:chgData name="François GLEYZON" userId="a2d04f23f7faf3ef" providerId="LiveId" clId="{1D234A9C-22E0-43CD-8D54-3191A7902E4E}" dt="2025-02-28T01:46:25.131" v="3723" actId="1038"/>
         <pc:sldMkLst>
           <pc:docMk/>
           <pc:sldMk cId="3012370290" sldId="267"/>
@@ -1572,7 +1468,7 @@
           </ac:spMkLst>
         </pc:spChg>
         <pc:spChg chg="add mod">
-          <ac:chgData name="François GLEYZON" userId="a2d04f23f7faf3ef" providerId="LiveId" clId="{1D234A9C-22E0-43CD-8D54-3191A7902E4E}" dt="2025-02-22T19:11:08.639" v="1783" actId="14100"/>
+          <ac:chgData name="François GLEYZON" userId="a2d04f23f7faf3ef" providerId="LiveId" clId="{1D234A9C-22E0-43CD-8D54-3191A7902E4E}" dt="2025-02-28T01:42:04.694" v="3668" actId="1038"/>
           <ac:spMkLst>
             <pc:docMk/>
             <pc:sldMk cId="3012370290" sldId="267"/>
@@ -1580,7 +1476,7 @@
           </ac:spMkLst>
         </pc:spChg>
         <pc:spChg chg="add mod">
-          <ac:chgData name="François GLEYZON" userId="a2d04f23f7faf3ef" providerId="LiveId" clId="{1D234A9C-22E0-43CD-8D54-3191A7902E4E}" dt="2025-02-23T01:30:34.913" v="2806" actId="1076"/>
+          <ac:chgData name="François GLEYZON" userId="a2d04f23f7faf3ef" providerId="LiveId" clId="{1D234A9C-22E0-43CD-8D54-3191A7902E4E}" dt="2025-02-28T00:48:34.960" v="3627" actId="20577"/>
           <ac:spMkLst>
             <pc:docMk/>
             <pc:sldMk cId="3012370290" sldId="267"/>
@@ -1596,7 +1492,7 @@
           </ac:spMkLst>
         </pc:spChg>
         <pc:spChg chg="mod">
-          <ac:chgData name="François GLEYZON" userId="a2d04f23f7faf3ef" providerId="LiveId" clId="{1D234A9C-22E0-43CD-8D54-3191A7902E4E}" dt="2025-02-22T19:07:59.194" v="1621" actId="14100"/>
+          <ac:chgData name="François GLEYZON" userId="a2d04f23f7faf3ef" providerId="LiveId" clId="{1D234A9C-22E0-43CD-8D54-3191A7902E4E}" dt="2025-02-28T01:41:17.295" v="3629" actId="14100"/>
           <ac:spMkLst>
             <pc:docMk/>
             <pc:sldMk cId="3012370290" sldId="267"/>
@@ -1604,7 +1500,7 @@
           </ac:spMkLst>
         </pc:spChg>
         <pc:spChg chg="mod">
-          <ac:chgData name="François GLEYZON" userId="a2d04f23f7faf3ef" providerId="LiveId" clId="{1D234A9C-22E0-43CD-8D54-3191A7902E4E}" dt="2025-02-26T23:00:00.644" v="3562" actId="20577"/>
+          <ac:chgData name="François GLEYZON" userId="a2d04f23f7faf3ef" providerId="LiveId" clId="{1D234A9C-22E0-43CD-8D54-3191A7902E4E}" dt="2025-02-28T01:41:57.699" v="3651" actId="1038"/>
           <ac:spMkLst>
             <pc:docMk/>
             <pc:sldMk cId="3012370290" sldId="267"/>
@@ -1612,7 +1508,7 @@
           </ac:spMkLst>
         </pc:spChg>
         <pc:spChg chg="mod">
-          <ac:chgData name="François GLEYZON" userId="a2d04f23f7faf3ef" providerId="LiveId" clId="{1D234A9C-22E0-43CD-8D54-3191A7902E4E}" dt="2025-02-22T19:08:17.074" v="1656" actId="1036"/>
+          <ac:chgData name="François GLEYZON" userId="a2d04f23f7faf3ef" providerId="LiveId" clId="{1D234A9C-22E0-43CD-8D54-3191A7902E4E}" dt="2025-02-28T01:41:48.618" v="3633" actId="14100"/>
           <ac:spMkLst>
             <pc:docMk/>
             <pc:sldMk cId="3012370290" sldId="267"/>
@@ -1620,7 +1516,7 @@
           </ac:spMkLst>
         </pc:spChg>
         <pc:spChg chg="mod">
-          <ac:chgData name="François GLEYZON" userId="a2d04f23f7faf3ef" providerId="LiveId" clId="{1D234A9C-22E0-43CD-8D54-3191A7902E4E}" dt="2025-02-22T19:08:26.999" v="1675" actId="1036"/>
+          <ac:chgData name="François GLEYZON" userId="a2d04f23f7faf3ef" providerId="LiveId" clId="{1D234A9C-22E0-43CD-8D54-3191A7902E4E}" dt="2025-02-28T01:46:25.131" v="3723" actId="1038"/>
           <ac:spMkLst>
             <pc:docMk/>
             <pc:sldMk cId="3012370290" sldId="267"/>
@@ -1628,7 +1524,7 @@
           </ac:spMkLst>
         </pc:spChg>
         <pc:spChg chg="mod">
-          <ac:chgData name="François GLEYZON" userId="a2d04f23f7faf3ef" providerId="LiveId" clId="{1D234A9C-22E0-43CD-8D54-3191A7902E4E}" dt="2025-02-22T19:08:31.209" v="1688" actId="1035"/>
+          <ac:chgData name="François GLEYZON" userId="a2d04f23f7faf3ef" providerId="LiveId" clId="{1D234A9C-22E0-43CD-8D54-3191A7902E4E}" dt="2025-02-28T01:46:25.131" v="3723" actId="1038"/>
           <ac:spMkLst>
             <pc:docMk/>
             <pc:sldMk cId="3012370290" sldId="267"/>
@@ -1872,7 +1768,7 @@
           <a:p>
             <a:fld id="{536D1BE0-9163-4941-8556-7FE0B29195A4}" type="datetimeFigureOut">
               <a:rPr lang="en-GB" smtClean="0"/>
-              <a:t>26/02/2025</a:t>
+              <a:t>27/02/2025</a:t>
             </a:fld>
             <a:endParaRPr lang="en-GB"/>
           </a:p>
@@ -2373,7 +2269,7 @@
           <a:p>
             <a:fld id="{CEFDEF93-0E3A-4A89-BC16-F38BAE82060D}" type="datetimeFigureOut">
               <a:rPr lang="en-GB" smtClean="0"/>
-              <a:t>26/02/2025</a:t>
+              <a:t>27/02/2025</a:t>
             </a:fld>
             <a:endParaRPr lang="en-GB"/>
           </a:p>
@@ -2573,7 +2469,7 @@
           <a:p>
             <a:fld id="{CEFDEF93-0E3A-4A89-BC16-F38BAE82060D}" type="datetimeFigureOut">
               <a:rPr lang="en-GB" smtClean="0"/>
-              <a:t>26/02/2025</a:t>
+              <a:t>27/02/2025</a:t>
             </a:fld>
             <a:endParaRPr lang="en-GB"/>
           </a:p>
@@ -2783,7 +2679,7 @@
           <a:p>
             <a:fld id="{CEFDEF93-0E3A-4A89-BC16-F38BAE82060D}" type="datetimeFigureOut">
               <a:rPr lang="en-GB" smtClean="0"/>
-              <a:t>26/02/2025</a:t>
+              <a:t>27/02/2025</a:t>
             </a:fld>
             <a:endParaRPr lang="en-GB"/>
           </a:p>
@@ -2983,7 +2879,7 @@
           <a:p>
             <a:fld id="{CEFDEF93-0E3A-4A89-BC16-F38BAE82060D}" type="datetimeFigureOut">
               <a:rPr lang="en-GB" smtClean="0"/>
-              <a:t>26/02/2025</a:t>
+              <a:t>27/02/2025</a:t>
             </a:fld>
             <a:endParaRPr lang="en-GB"/>
           </a:p>
@@ -3259,7 +3155,7 @@
           <a:p>
             <a:fld id="{CEFDEF93-0E3A-4A89-BC16-F38BAE82060D}" type="datetimeFigureOut">
               <a:rPr lang="en-GB" smtClean="0"/>
-              <a:t>26/02/2025</a:t>
+              <a:t>27/02/2025</a:t>
             </a:fld>
             <a:endParaRPr lang="en-GB"/>
           </a:p>
@@ -3527,7 +3423,7 @@
           <a:p>
             <a:fld id="{CEFDEF93-0E3A-4A89-BC16-F38BAE82060D}" type="datetimeFigureOut">
               <a:rPr lang="en-GB" smtClean="0"/>
-              <a:t>26/02/2025</a:t>
+              <a:t>27/02/2025</a:t>
             </a:fld>
             <a:endParaRPr lang="en-GB"/>
           </a:p>
@@ -3942,7 +3838,7 @@
           <a:p>
             <a:fld id="{CEFDEF93-0E3A-4A89-BC16-F38BAE82060D}" type="datetimeFigureOut">
               <a:rPr lang="en-GB" smtClean="0"/>
-              <a:t>26/02/2025</a:t>
+              <a:t>27/02/2025</a:t>
             </a:fld>
             <a:endParaRPr lang="en-GB"/>
           </a:p>
@@ -4084,7 +3980,7 @@
           <a:p>
             <a:fld id="{CEFDEF93-0E3A-4A89-BC16-F38BAE82060D}" type="datetimeFigureOut">
               <a:rPr lang="en-GB" smtClean="0"/>
-              <a:t>26/02/2025</a:t>
+              <a:t>27/02/2025</a:t>
             </a:fld>
             <a:endParaRPr lang="en-GB"/>
           </a:p>
@@ -4197,7 +4093,7 @@
           <a:p>
             <a:fld id="{CEFDEF93-0E3A-4A89-BC16-F38BAE82060D}" type="datetimeFigureOut">
               <a:rPr lang="en-GB" smtClean="0"/>
-              <a:t>26/02/2025</a:t>
+              <a:t>27/02/2025</a:t>
             </a:fld>
             <a:endParaRPr lang="en-GB"/>
           </a:p>
@@ -4510,7 +4406,7 @@
           <a:p>
             <a:fld id="{CEFDEF93-0E3A-4A89-BC16-F38BAE82060D}" type="datetimeFigureOut">
               <a:rPr lang="en-GB" smtClean="0"/>
-              <a:t>26/02/2025</a:t>
+              <a:t>27/02/2025</a:t>
             </a:fld>
             <a:endParaRPr lang="en-GB"/>
           </a:p>
@@ -4799,7 +4695,7 @@
           <a:p>
             <a:fld id="{CEFDEF93-0E3A-4A89-BC16-F38BAE82060D}" type="datetimeFigureOut">
               <a:rPr lang="en-GB" smtClean="0"/>
-              <a:t>26/02/2025</a:t>
+              <a:t>27/02/2025</a:t>
             </a:fld>
             <a:endParaRPr lang="en-GB"/>
           </a:p>
@@ -5042,7 +4938,7 @@
           <a:p>
             <a:fld id="{CEFDEF93-0E3A-4A89-BC16-F38BAE82060D}" type="datetimeFigureOut">
               <a:rPr lang="en-GB" smtClean="0"/>
-              <a:t>26/02/2025</a:t>
+              <a:t>27/02/2025</a:t>
             </a:fld>
             <a:endParaRPr lang="en-GB"/>
           </a:p>
@@ -15015,8 +14911,8 @@
           </a:p>
         </p:txBody>
       </p:sp>
-      <mc:AlternateContent xmlns:mc="http://schemas.openxmlformats.org/markup-compatibility/2006" xmlns:a14="http://schemas.microsoft.com/office/drawing/2010/main">
-        <mc:Choice Requires="a14">
+      <mc:AlternateContent xmlns:mc="http://schemas.openxmlformats.org/markup-compatibility/2006">
+        <mc:Choice xmlns:a14="http://schemas.microsoft.com/office/drawing/2010/main" Requires="a14">
           <p:sp>
             <p:nvSpPr>
               <p:cNvPr id="30" name="TextBox 29">
@@ -15032,7 +14928,7 @@
             <p:spPr>
               <a:xfrm>
                 <a:off x="101599" y="2253346"/>
-                <a:ext cx="8827509" cy="553228"/>
+                <a:ext cx="9300955" cy="553228"/>
               </a:xfrm>
               <a:prstGeom prst="rect">
                 <a:avLst/>
@@ -15442,6 +15338,27 @@
                             <m:t>+</m:t>
                           </m:r>
                           <m:r>
+                            <a:rPr lang="fr-FR" sz="1600" i="1">
+                              <a:latin typeface="Cambria Math" panose="02040503050406030204" pitchFamily="18" charset="0"/>
+                              <a:ea typeface="Cambria Math" panose="02040503050406030204" pitchFamily="18" charset="0"/>
+                            </a:rPr>
+                            <m:t>∆</m:t>
+                          </m:r>
+                          <m:r>
+                            <a:rPr lang="fr-FR" sz="1600" i="1">
+                              <a:latin typeface="Cambria Math" panose="02040503050406030204" pitchFamily="18" charset="0"/>
+                              <a:ea typeface="Cambria Math" panose="02040503050406030204" pitchFamily="18" charset="0"/>
+                            </a:rPr>
+                            <m:t>𝑡</m:t>
+                          </m:r>
+                          <m:r>
+                            <a:rPr lang="fr-FR" sz="1600" i="1">
+                              <a:latin typeface="Cambria Math" panose="02040503050406030204" pitchFamily="18" charset="0"/>
+                              <a:ea typeface="Cambria Math" panose="02040503050406030204" pitchFamily="18" charset="0"/>
+                            </a:rPr>
+                            <m:t>∙</m:t>
+                          </m:r>
+                          <m:r>
                             <a:rPr lang="fr-FR" sz="1600" b="0" i="1" smtClean="0">
                               <a:latin typeface="Cambria Math" panose="02040503050406030204" pitchFamily="18" charset="0"/>
                               <a:ea typeface="Cambria Math" panose="02040503050406030204" pitchFamily="18" charset="0"/>
@@ -15723,7 +15640,7 @@
             </p:txBody>
           </p:sp>
         </mc:Choice>
-        <mc:Fallback xmlns="">
+        <mc:Fallback>
           <p:sp>
             <p:nvSpPr>
               <p:cNvPr id="30" name="TextBox 29">
@@ -15741,7 +15658,7 @@
             <p:spPr>
               <a:xfrm>
                 <a:off x="101599" y="2253346"/>
-                <a:ext cx="8827509" cy="553228"/>
+                <a:ext cx="9300955" cy="553228"/>
               </a:xfrm>
               <a:prstGeom prst="rect">
                 <a:avLst/>
@@ -15784,7 +15701,7 @@
             </p:nvSpPr>
             <p:spPr>
               <a:xfrm>
-                <a:off x="233329" y="2841620"/>
+                <a:off x="378367" y="2841620"/>
                 <a:ext cx="9522303" cy="629275"/>
               </a:xfrm>
               <a:prstGeom prst="rect">
@@ -16274,7 +16191,7 @@
             </p:nvSpPr>
             <p:spPr>
               <a:xfrm>
-                <a:off x="233329" y="2841620"/>
+                <a:off x="378367" y="2841620"/>
                 <a:ext cx="9522303" cy="629275"/>
               </a:xfrm>
               <a:prstGeom prst="rect">
@@ -16302,8 +16219,8 @@
           </p:sp>
         </mc:Fallback>
       </mc:AlternateContent>
-      <mc:AlternateContent xmlns:mc="http://schemas.openxmlformats.org/markup-compatibility/2006" xmlns:a14="http://schemas.microsoft.com/office/drawing/2010/main">
-        <mc:Choice Requires="a14">
+      <mc:AlternateContent xmlns:mc="http://schemas.openxmlformats.org/markup-compatibility/2006">
+        <mc:Choice xmlns:a14="http://schemas.microsoft.com/office/drawing/2010/main" Requires="a14">
           <p:sp>
             <p:nvSpPr>
               <p:cNvPr id="32" name="TextBox 31">
@@ -16319,7 +16236,7 @@
             <p:spPr>
               <a:xfrm>
                 <a:off x="101598" y="3380916"/>
-                <a:ext cx="9654034" cy="553228"/>
+                <a:ext cx="10322562" cy="553228"/>
               </a:xfrm>
               <a:prstGeom prst="rect">
                 <a:avLst/>
@@ -16735,6 +16652,27 @@
                             <m:t>+</m:t>
                           </m:r>
                           <m:r>
+                            <a:rPr lang="fr-FR" sz="1600" i="1">
+                              <a:latin typeface="Cambria Math" panose="02040503050406030204" pitchFamily="18" charset="0"/>
+                              <a:ea typeface="Cambria Math" panose="02040503050406030204" pitchFamily="18" charset="0"/>
+                            </a:rPr>
+                            <m:t>∆</m:t>
+                          </m:r>
+                          <m:r>
+                            <a:rPr lang="fr-FR" sz="1600" i="1">
+                              <a:latin typeface="Cambria Math" panose="02040503050406030204" pitchFamily="18" charset="0"/>
+                              <a:ea typeface="Cambria Math" panose="02040503050406030204" pitchFamily="18" charset="0"/>
+                            </a:rPr>
+                            <m:t>𝑡</m:t>
+                          </m:r>
+                          <m:r>
+                            <a:rPr lang="fr-FR" sz="1600" i="1">
+                              <a:latin typeface="Cambria Math" panose="02040503050406030204" pitchFamily="18" charset="0"/>
+                              <a:ea typeface="Cambria Math" panose="02040503050406030204" pitchFamily="18" charset="0"/>
+                            </a:rPr>
+                            <m:t>∙</m:t>
+                          </m:r>
+                          <m:r>
                             <a:rPr lang="fr-FR" sz="1600" b="0" i="1" smtClean="0">
                               <a:latin typeface="Cambria Math" panose="02040503050406030204" pitchFamily="18" charset="0"/>
                               <a:ea typeface="Cambria Math" panose="02040503050406030204" pitchFamily="18" charset="0"/>
@@ -17010,7 +16948,7 @@
             </p:txBody>
           </p:sp>
         </mc:Choice>
-        <mc:Fallback xmlns="">
+        <mc:Fallback>
           <p:sp>
             <p:nvSpPr>
               <p:cNvPr id="32" name="TextBox 31">
@@ -17028,7 +16966,7 @@
             <p:spPr>
               <a:xfrm>
                 <a:off x="101598" y="3380916"/>
-                <a:ext cx="9654034" cy="553228"/>
+                <a:ext cx="10322562" cy="553228"/>
               </a:xfrm>
               <a:prstGeom prst="rect">
                 <a:avLst/>
@@ -17055,8 +16993,8 @@
           </p:sp>
         </mc:Fallback>
       </mc:AlternateContent>
-      <mc:AlternateContent xmlns:mc="http://schemas.openxmlformats.org/markup-compatibility/2006" xmlns:a14="http://schemas.microsoft.com/office/drawing/2010/main">
-        <mc:Choice Requires="a14">
+      <mc:AlternateContent xmlns:mc="http://schemas.openxmlformats.org/markup-compatibility/2006">
+        <mc:Choice xmlns:a14="http://schemas.microsoft.com/office/drawing/2010/main" Requires="a14">
           <p:sp>
             <p:nvSpPr>
               <p:cNvPr id="33" name="TextBox 32">
@@ -17071,8 +17009,8 @@
             </p:nvSpPr>
             <p:spPr>
               <a:xfrm>
-                <a:off x="101599" y="3931352"/>
-                <a:ext cx="9654034" cy="553228"/>
+                <a:off x="95289" y="3931352"/>
+                <a:ext cx="10322562" cy="553228"/>
               </a:xfrm>
               <a:prstGeom prst="rect">
                 <a:avLst/>
@@ -17488,6 +17426,27 @@
                             <m:t>+</m:t>
                           </m:r>
                           <m:r>
+                            <a:rPr lang="fr-FR" sz="1600" i="1">
+                              <a:latin typeface="Cambria Math" panose="02040503050406030204" pitchFamily="18" charset="0"/>
+                              <a:ea typeface="Cambria Math" panose="02040503050406030204" pitchFamily="18" charset="0"/>
+                            </a:rPr>
+                            <m:t>∆</m:t>
+                          </m:r>
+                          <m:r>
+                            <a:rPr lang="fr-FR" sz="1600" i="1">
+                              <a:latin typeface="Cambria Math" panose="02040503050406030204" pitchFamily="18" charset="0"/>
+                              <a:ea typeface="Cambria Math" panose="02040503050406030204" pitchFamily="18" charset="0"/>
+                            </a:rPr>
+                            <m:t>𝑡</m:t>
+                          </m:r>
+                          <m:r>
+                            <a:rPr lang="fr-FR" sz="1600" i="1">
+                              <a:latin typeface="Cambria Math" panose="02040503050406030204" pitchFamily="18" charset="0"/>
+                              <a:ea typeface="Cambria Math" panose="02040503050406030204" pitchFamily="18" charset="0"/>
+                            </a:rPr>
+                            <m:t>∙</m:t>
+                          </m:r>
+                          <m:r>
                             <a:rPr lang="fr-FR" sz="1600" b="0" i="1" smtClean="0">
                               <a:latin typeface="Cambria Math" panose="02040503050406030204" pitchFamily="18" charset="0"/>
                               <a:ea typeface="Cambria Math" panose="02040503050406030204" pitchFamily="18" charset="0"/>
@@ -17763,7 +17722,7 @@
             </p:txBody>
           </p:sp>
         </mc:Choice>
-        <mc:Fallback xmlns="">
+        <mc:Fallback>
           <p:sp>
             <p:nvSpPr>
               <p:cNvPr id="33" name="TextBox 32">
@@ -17780,8 +17739,8 @@
             </p:nvSpPr>
             <p:spPr>
               <a:xfrm>
-                <a:off x="101599" y="3931352"/>
-                <a:ext cx="9654034" cy="553228"/>
+                <a:off x="95289" y="3931352"/>
+                <a:ext cx="10322562" cy="553228"/>
               </a:xfrm>
               <a:prstGeom prst="rect">
                 <a:avLst/>
@@ -17808,8 +17767,8 @@
           </p:sp>
         </mc:Fallback>
       </mc:AlternateContent>
-      <mc:AlternateContent xmlns:mc="http://schemas.openxmlformats.org/markup-compatibility/2006" xmlns:a14="http://schemas.microsoft.com/office/drawing/2010/main">
-        <mc:Choice Requires="a14">
+      <mc:AlternateContent xmlns:mc="http://schemas.openxmlformats.org/markup-compatibility/2006">
+        <mc:Choice xmlns:a14="http://schemas.microsoft.com/office/drawing/2010/main" Requires="a14">
           <p:sp>
             <p:nvSpPr>
               <p:cNvPr id="34" name="TextBox 33">
@@ -17824,8 +17783,8 @@
             </p:nvSpPr>
             <p:spPr>
               <a:xfrm>
-                <a:off x="101598" y="4470652"/>
-                <a:ext cx="9654034" cy="553228"/>
+                <a:off x="95288" y="4470652"/>
+                <a:ext cx="10322562" cy="553228"/>
               </a:xfrm>
               <a:prstGeom prst="rect">
                 <a:avLst/>
@@ -18241,6 +18200,27 @@
                             <m:t>+</m:t>
                           </m:r>
                           <m:r>
+                            <a:rPr lang="fr-FR" sz="1600" i="1">
+                              <a:latin typeface="Cambria Math" panose="02040503050406030204" pitchFamily="18" charset="0"/>
+                              <a:ea typeface="Cambria Math" panose="02040503050406030204" pitchFamily="18" charset="0"/>
+                            </a:rPr>
+                            <m:t>∆</m:t>
+                          </m:r>
+                          <m:r>
+                            <a:rPr lang="fr-FR" sz="1600" i="1">
+                              <a:latin typeface="Cambria Math" panose="02040503050406030204" pitchFamily="18" charset="0"/>
+                              <a:ea typeface="Cambria Math" panose="02040503050406030204" pitchFamily="18" charset="0"/>
+                            </a:rPr>
+                            <m:t>𝑡</m:t>
+                          </m:r>
+                          <m:r>
+                            <a:rPr lang="fr-FR" sz="1600" i="1">
+                              <a:latin typeface="Cambria Math" panose="02040503050406030204" pitchFamily="18" charset="0"/>
+                              <a:ea typeface="Cambria Math" panose="02040503050406030204" pitchFamily="18" charset="0"/>
+                            </a:rPr>
+                            <m:t>∙</m:t>
+                          </m:r>
+                          <m:r>
                             <a:rPr lang="fr-FR" sz="1600" b="0" i="1" smtClean="0">
                               <a:latin typeface="Cambria Math" panose="02040503050406030204" pitchFamily="18" charset="0"/>
                               <a:ea typeface="Cambria Math" panose="02040503050406030204" pitchFamily="18" charset="0"/>
@@ -18516,7 +18496,7 @@
             </p:txBody>
           </p:sp>
         </mc:Choice>
-        <mc:Fallback xmlns="">
+        <mc:Fallback>
           <p:sp>
             <p:nvSpPr>
               <p:cNvPr id="34" name="TextBox 33">
@@ -18533,8 +18513,8 @@
             </p:nvSpPr>
             <p:spPr>
               <a:xfrm>
-                <a:off x="101598" y="4470652"/>
-                <a:ext cx="9654034" cy="553228"/>
+                <a:off x="95288" y="4470652"/>
+                <a:ext cx="10322562" cy="553228"/>
               </a:xfrm>
               <a:prstGeom prst="rect">
                 <a:avLst/>
@@ -18561,8 +18541,8 @@
           </p:sp>
         </mc:Fallback>
       </mc:AlternateContent>
-      <mc:AlternateContent xmlns:mc="http://schemas.openxmlformats.org/markup-compatibility/2006" xmlns:a14="http://schemas.microsoft.com/office/drawing/2010/main">
-        <mc:Choice Requires="a14">
+      <mc:AlternateContent xmlns:mc="http://schemas.openxmlformats.org/markup-compatibility/2006">
+        <mc:Choice xmlns:a14="http://schemas.microsoft.com/office/drawing/2010/main" Requires="a14">
           <p:sp>
             <p:nvSpPr>
               <p:cNvPr id="6" name="TextBox 5">
@@ -18577,7 +18557,7 @@
             </p:nvSpPr>
             <p:spPr>
               <a:xfrm>
-                <a:off x="101598" y="5035016"/>
+                <a:off x="252944" y="5035016"/>
                 <a:ext cx="1821795" cy="255391"/>
               </a:xfrm>
               <a:prstGeom prst="rect">
@@ -18688,7 +18668,7 @@
             </p:txBody>
           </p:sp>
         </mc:Choice>
-        <mc:Fallback xmlns="">
+        <mc:Fallback>
           <p:sp>
             <p:nvSpPr>
               <p:cNvPr id="6" name="TextBox 5">
@@ -18705,7 +18685,7 @@
             </p:nvSpPr>
             <p:spPr>
               <a:xfrm>
-                <a:off x="101598" y="5035016"/>
+                <a:off x="252944" y="5035016"/>
                 <a:ext cx="1821795" cy="255391"/>
               </a:xfrm>
               <a:prstGeom prst="rect">
@@ -18733,8 +18713,8 @@
           </p:sp>
         </mc:Fallback>
       </mc:AlternateContent>
-      <mc:AlternateContent xmlns:mc="http://schemas.openxmlformats.org/markup-compatibility/2006" xmlns:a14="http://schemas.microsoft.com/office/drawing/2010/main">
-        <mc:Choice Requires="a14">
+      <mc:AlternateContent xmlns:mc="http://schemas.openxmlformats.org/markup-compatibility/2006">
+        <mc:Choice xmlns:a14="http://schemas.microsoft.com/office/drawing/2010/main" Requires="a14">
           <p:sp>
             <p:nvSpPr>
               <p:cNvPr id="7" name="TextBox 6">
@@ -18916,49 +18896,17 @@
                         </m:r>
                       </m:sup>
                     </m:sSup>
-                    <m:r>
-                      <a:rPr lang="fr-FR" b="0" i="1" noProof="0" smtClean="0">
-                        <a:latin typeface="Cambria Math" panose="02040503050406030204" pitchFamily="18" charset="0"/>
-                        <a:ea typeface="Cambria Math" panose="02040503050406030204" pitchFamily="18" charset="0"/>
-                        <a:cs typeface="Times New Roman" panose="02020603050405020304" pitchFamily="18" charset="0"/>
-                      </a:rPr>
-                      <m:t>+</m:t>
-                    </m:r>
-                    <m:bar>
-                      <m:barPr>
-                        <m:ctrlPr>
-                          <a:rPr lang="fr-FR" b="0" i="1" noProof="0" smtClean="0">
-                            <a:latin typeface="Cambria Math" panose="02040503050406030204" pitchFamily="18" charset="0"/>
-                            <a:ea typeface="Cambria Math" panose="02040503050406030204" pitchFamily="18" charset="0"/>
-                            <a:cs typeface="Times New Roman" panose="02020603050405020304" pitchFamily="18" charset="0"/>
-                          </a:rPr>
-                        </m:ctrlPr>
-                      </m:barPr>
-                      <m:e>
-                        <m:r>
-                          <a:rPr lang="fr-FR" b="0" i="1" noProof="0" smtClean="0">
-                            <a:latin typeface="Cambria Math" panose="02040503050406030204" pitchFamily="18" charset="0"/>
-                            <a:ea typeface="Cambria Math" panose="02040503050406030204" pitchFamily="18" charset="0"/>
-                            <a:cs typeface="Times New Roman" panose="02020603050405020304" pitchFamily="18" charset="0"/>
-                          </a:rPr>
-                          <m:t>𝑏</m:t>
-                        </m:r>
-                      </m:e>
-                    </m:bar>
                   </m:oMath>
                 </a14:m>
-                <a:r>
-                  <a:rPr lang="fr-FR" noProof="0" dirty="0">
-                    <a:latin typeface="Times New Roman" panose="02020603050405020304" pitchFamily="18" charset="0"/>
-                    <a:cs typeface="Times New Roman" panose="02020603050405020304" pitchFamily="18" charset="0"/>
-                  </a:rPr>
-                  <a:t>  </a:t>
-                </a:r>
+                <a:endParaRPr lang="fr-FR" noProof="0" dirty="0">
+                  <a:latin typeface="Times New Roman" panose="02020603050405020304" pitchFamily="18" charset="0"/>
+                  <a:cs typeface="Times New Roman" panose="02020603050405020304" pitchFamily="18" charset="0"/>
+                </a:endParaRPr>
               </a:p>
             </p:txBody>
           </p:sp>
         </mc:Choice>
-        <mc:Fallback xmlns="">
+        <mc:Fallback>
           <p:sp>
             <p:nvSpPr>
               <p:cNvPr id="7" name="TextBox 6">
@@ -24402,8 +24350,8 @@
           </a:p>
         </p:txBody>
       </p:sp>
-      <mc:AlternateContent xmlns:mc="http://schemas.openxmlformats.org/markup-compatibility/2006">
-        <mc:Choice xmlns:a14="http://schemas.microsoft.com/office/drawing/2010/main" Requires="a14">
+      <mc:AlternateContent xmlns:mc="http://schemas.openxmlformats.org/markup-compatibility/2006" xmlns:a14="http://schemas.microsoft.com/office/drawing/2010/main">
+        <mc:Choice Requires="a14">
           <p:sp>
             <p:nvSpPr>
               <p:cNvPr id="10" name="TextBox 9">
@@ -24695,7 +24643,7 @@
             </p:txBody>
           </p:sp>
         </mc:Choice>
-        <mc:Fallback>
+        <mc:Fallback xmlns="">
           <p:sp>
             <p:nvSpPr>
               <p:cNvPr id="10" name="TextBox 9">
@@ -24779,8 +24727,8 @@
           </a:p>
         </p:txBody>
       </p:sp>
-      <mc:AlternateContent xmlns:mc="http://schemas.openxmlformats.org/markup-compatibility/2006">
-        <mc:Choice xmlns:a14="http://schemas.microsoft.com/office/drawing/2010/main" Requires="a14">
+      <mc:AlternateContent xmlns:mc="http://schemas.openxmlformats.org/markup-compatibility/2006" xmlns:a14="http://schemas.microsoft.com/office/drawing/2010/main">
+        <mc:Choice Requires="a14">
           <p:sp>
             <p:nvSpPr>
               <p:cNvPr id="13" name="TextBox 12">
@@ -25099,7 +25047,7 @@
             </p:txBody>
           </p:sp>
         </mc:Choice>
-        <mc:Fallback>
+        <mc:Fallback xmlns="">
           <p:sp>
             <p:nvSpPr>
               <p:cNvPr id="13" name="TextBox 12">
@@ -25428,8 +25376,8 @@
           </p:sp>
         </mc:Fallback>
       </mc:AlternateContent>
-      <mc:AlternateContent xmlns:mc="http://schemas.openxmlformats.org/markup-compatibility/2006">
-        <mc:Choice xmlns:a14="http://schemas.microsoft.com/office/drawing/2010/main" Requires="a14">
+      <mc:AlternateContent xmlns:mc="http://schemas.openxmlformats.org/markup-compatibility/2006" xmlns:a14="http://schemas.microsoft.com/office/drawing/2010/main">
+        <mc:Choice Requires="a14">
           <p:sp>
             <p:nvSpPr>
               <p:cNvPr id="15" name="TextBox 14">
@@ -25688,7 +25636,7 @@
             </p:txBody>
           </p:sp>
         </mc:Choice>
-        <mc:Fallback>
+        <mc:Fallback xmlns="">
           <p:sp>
             <p:nvSpPr>
               <p:cNvPr id="15" name="TextBox 14">
@@ -25810,8 +25758,8 @@
           </a:p>
         </p:txBody>
       </p:sp>
-      <mc:AlternateContent xmlns:mc="http://schemas.openxmlformats.org/markup-compatibility/2006">
-        <mc:Choice xmlns:a14="http://schemas.microsoft.com/office/drawing/2010/main" Requires="a14">
+      <mc:AlternateContent xmlns:mc="http://schemas.openxmlformats.org/markup-compatibility/2006" xmlns:a14="http://schemas.microsoft.com/office/drawing/2010/main">
+        <mc:Choice Requires="a14">
           <p:sp>
             <p:nvSpPr>
               <p:cNvPr id="20" name="TextBox 19">
@@ -27511,7 +27459,7 @@
             </p:txBody>
           </p:sp>
         </mc:Choice>
-        <mc:Fallback>
+        <mc:Fallback xmlns="">
           <p:sp>
             <p:nvSpPr>
               <p:cNvPr id="20" name="TextBox 19">
@@ -27556,8 +27504,8 @@
           </p:sp>
         </mc:Fallback>
       </mc:AlternateContent>
-      <mc:AlternateContent xmlns:mc="http://schemas.openxmlformats.org/markup-compatibility/2006">
-        <mc:Choice xmlns:a14="http://schemas.microsoft.com/office/drawing/2010/main" Requires="a14">
+      <mc:AlternateContent xmlns:mc="http://schemas.openxmlformats.org/markup-compatibility/2006" xmlns:a14="http://schemas.microsoft.com/office/drawing/2010/main">
+        <mc:Choice Requires="a14">
           <p:sp>
             <p:nvSpPr>
               <p:cNvPr id="21" name="TextBox 20">
@@ -27881,7 +27829,7 @@
             </p:txBody>
           </p:sp>
         </mc:Choice>
-        <mc:Fallback>
+        <mc:Fallback xmlns="">
           <p:sp>
             <p:nvSpPr>
               <p:cNvPr id="21" name="TextBox 20">
@@ -29045,8 +28993,8 @@
           </a:p>
         </p:txBody>
       </p:sp>
-      <mc:AlternateContent xmlns:mc="http://schemas.openxmlformats.org/markup-compatibility/2006">
-        <mc:Choice xmlns:a14="http://schemas.microsoft.com/office/drawing/2010/main" Requires="a14">
+      <mc:AlternateContent xmlns:mc="http://schemas.openxmlformats.org/markup-compatibility/2006" xmlns:a14="http://schemas.microsoft.com/office/drawing/2010/main">
+        <mc:Choice Requires="a14">
           <p:sp>
             <p:nvSpPr>
               <p:cNvPr id="11" name="TextBox 10">
@@ -29754,7 +29702,7 @@
             </p:txBody>
           </p:sp>
         </mc:Choice>
-        <mc:Fallback>
+        <mc:Fallback xmlns="">
           <p:sp>
             <p:nvSpPr>
               <p:cNvPr id="11" name="TextBox 10">
@@ -30123,8 +30071,8 @@
           </a:p>
         </p:txBody>
       </p:sp>
-      <mc:AlternateContent xmlns:mc="http://schemas.openxmlformats.org/markup-compatibility/2006">
-        <mc:Choice xmlns:a14="http://schemas.microsoft.com/office/drawing/2010/main" Requires="a14">
+      <mc:AlternateContent xmlns:mc="http://schemas.openxmlformats.org/markup-compatibility/2006" xmlns:a14="http://schemas.microsoft.com/office/drawing/2010/main">
+        <mc:Choice Requires="a14">
           <p:sp>
             <p:nvSpPr>
               <p:cNvPr id="27" name="TextBox 26">
@@ -31206,7 +31154,7 @@
             </p:txBody>
           </p:sp>
         </mc:Choice>
-        <mc:Fallback>
+        <mc:Fallback xmlns="">
           <p:sp>
             <p:nvSpPr>
               <p:cNvPr id="27" name="TextBox 26">
@@ -31290,8 +31238,8 @@
           </a:p>
         </p:txBody>
       </p:sp>
-      <mc:AlternateContent xmlns:mc="http://schemas.openxmlformats.org/markup-compatibility/2006">
-        <mc:Choice xmlns:a14="http://schemas.microsoft.com/office/drawing/2010/main" Requires="a14">
+      <mc:AlternateContent xmlns:mc="http://schemas.openxmlformats.org/markup-compatibility/2006" xmlns:a14="http://schemas.microsoft.com/office/drawing/2010/main">
+        <mc:Choice Requires="a14">
           <p:sp>
             <p:nvSpPr>
               <p:cNvPr id="30" name="TextBox 29">
@@ -32488,7 +32436,7 @@
             </p:txBody>
           </p:sp>
         </mc:Choice>
-        <mc:Fallback>
+        <mc:Fallback xmlns="">
           <p:sp>
             <p:nvSpPr>
               <p:cNvPr id="30" name="TextBox 29">
@@ -33055,8 +33003,8 @@
           </p:sp>
         </mc:Fallback>
       </mc:AlternateContent>
-      <mc:AlternateContent xmlns:mc="http://schemas.openxmlformats.org/markup-compatibility/2006">
-        <mc:Choice xmlns:a14="http://schemas.microsoft.com/office/drawing/2010/main" Requires="a14">
+      <mc:AlternateContent xmlns:mc="http://schemas.openxmlformats.org/markup-compatibility/2006" xmlns:a14="http://schemas.microsoft.com/office/drawing/2010/main">
+        <mc:Choice Requires="a14">
           <p:sp>
             <p:nvSpPr>
               <p:cNvPr id="32" name="TextBox 31">
@@ -34253,7 +34201,7 @@
             </p:txBody>
           </p:sp>
         </mc:Choice>
-        <mc:Fallback>
+        <mc:Fallback xmlns="">
           <p:sp>
             <p:nvSpPr>
               <p:cNvPr id="32" name="TextBox 31">
@@ -34298,8 +34246,8 @@
           </p:sp>
         </mc:Fallback>
       </mc:AlternateContent>
-      <mc:AlternateContent xmlns:mc="http://schemas.openxmlformats.org/markup-compatibility/2006">
-        <mc:Choice xmlns:a14="http://schemas.microsoft.com/office/drawing/2010/main" Requires="a14">
+      <mc:AlternateContent xmlns:mc="http://schemas.openxmlformats.org/markup-compatibility/2006" xmlns:a14="http://schemas.microsoft.com/office/drawing/2010/main">
+        <mc:Choice Requires="a14">
           <p:sp>
             <p:nvSpPr>
               <p:cNvPr id="33" name="TextBox 32">
@@ -35496,7 +35444,7 @@
             </p:txBody>
           </p:sp>
         </mc:Choice>
-        <mc:Fallback>
+        <mc:Fallback xmlns="">
           <p:sp>
             <p:nvSpPr>
               <p:cNvPr id="33" name="TextBox 32">
@@ -35541,8 +35489,8 @@
           </p:sp>
         </mc:Fallback>
       </mc:AlternateContent>
-      <mc:AlternateContent xmlns:mc="http://schemas.openxmlformats.org/markup-compatibility/2006">
-        <mc:Choice xmlns:a14="http://schemas.microsoft.com/office/drawing/2010/main" Requires="a14">
+      <mc:AlternateContent xmlns:mc="http://schemas.openxmlformats.org/markup-compatibility/2006" xmlns:a14="http://schemas.microsoft.com/office/drawing/2010/main">
+        <mc:Choice Requires="a14">
           <p:sp>
             <p:nvSpPr>
               <p:cNvPr id="34" name="TextBox 33">
@@ -36739,7 +36687,7 @@
             </p:txBody>
           </p:sp>
         </mc:Choice>
-        <mc:Fallback>
+        <mc:Fallback xmlns="">
           <p:sp>
             <p:nvSpPr>
               <p:cNvPr id="34" name="TextBox 33">
@@ -36784,8 +36732,8 @@
           </p:sp>
         </mc:Fallback>
       </mc:AlternateContent>
-      <mc:AlternateContent xmlns:mc="http://schemas.openxmlformats.org/markup-compatibility/2006">
-        <mc:Choice xmlns:a14="http://schemas.microsoft.com/office/drawing/2010/main" Requires="a14">
+      <mc:AlternateContent xmlns:mc="http://schemas.openxmlformats.org/markup-compatibility/2006" xmlns:a14="http://schemas.microsoft.com/office/drawing/2010/main">
+        <mc:Choice Requires="a14">
           <p:sp>
             <p:nvSpPr>
               <p:cNvPr id="6" name="TextBox 5">
@@ -36992,7 +36940,7 @@
             </p:txBody>
           </p:sp>
         </mc:Choice>
-        <mc:Fallback>
+        <mc:Fallback xmlns="">
           <p:sp>
             <p:nvSpPr>
               <p:cNvPr id="6" name="TextBox 5">
